--- a/BeijingMeeting/OralCancer.pptx
+++ b/BeijingMeeting/OralCancer.pptx
@@ -5,58 +5,60 @@
     <p:sldMasterId id="2147483648" r:id="rId1"/>
   </p:sldMasterIdLst>
   <p:notesMasterIdLst>
-    <p:notesMasterId r:id="rId51"/>
+    <p:notesMasterId r:id="rId53"/>
   </p:notesMasterIdLst>
   <p:sldIdLst>
     <p:sldId id="282" r:id="rId2"/>
     <p:sldId id="306" r:id="rId3"/>
     <p:sldId id="284" r:id="rId4"/>
     <p:sldId id="301" r:id="rId5"/>
-    <p:sldId id="265" r:id="rId6"/>
-    <p:sldId id="267" r:id="rId7"/>
-    <p:sldId id="266" r:id="rId8"/>
-    <p:sldId id="292" r:id="rId9"/>
-    <p:sldId id="308" r:id="rId10"/>
-    <p:sldId id="309" r:id="rId11"/>
-    <p:sldId id="307" r:id="rId12"/>
-    <p:sldId id="305" r:id="rId13"/>
-    <p:sldId id="283" r:id="rId14"/>
-    <p:sldId id="285" r:id="rId15"/>
-    <p:sldId id="286" r:id="rId16"/>
-    <p:sldId id="287" r:id="rId17"/>
-    <p:sldId id="288" r:id="rId18"/>
-    <p:sldId id="289" r:id="rId19"/>
-    <p:sldId id="290" r:id="rId20"/>
-    <p:sldId id="291" r:id="rId21"/>
-    <p:sldId id="293" r:id="rId22"/>
-    <p:sldId id="294" r:id="rId23"/>
-    <p:sldId id="295" r:id="rId24"/>
-    <p:sldId id="296" r:id="rId25"/>
-    <p:sldId id="297" r:id="rId26"/>
-    <p:sldId id="298" r:id="rId27"/>
-    <p:sldId id="299" r:id="rId28"/>
-    <p:sldId id="300" r:id="rId29"/>
-    <p:sldId id="263" r:id="rId30"/>
-    <p:sldId id="264" r:id="rId31"/>
-    <p:sldId id="268" r:id="rId32"/>
-    <p:sldId id="269" r:id="rId33"/>
-    <p:sldId id="270" r:id="rId34"/>
-    <p:sldId id="256" r:id="rId35"/>
-    <p:sldId id="273" r:id="rId36"/>
-    <p:sldId id="274" r:id="rId37"/>
-    <p:sldId id="258" r:id="rId38"/>
-    <p:sldId id="259" r:id="rId39"/>
-    <p:sldId id="271" r:id="rId40"/>
-    <p:sldId id="275" r:id="rId41"/>
-    <p:sldId id="280" r:id="rId42"/>
-    <p:sldId id="276" r:id="rId43"/>
-    <p:sldId id="277" r:id="rId44"/>
-    <p:sldId id="278" r:id="rId45"/>
-    <p:sldId id="279" r:id="rId46"/>
-    <p:sldId id="281" r:id="rId47"/>
-    <p:sldId id="302" r:id="rId48"/>
-    <p:sldId id="303" r:id="rId49"/>
-    <p:sldId id="304" r:id="rId50"/>
+    <p:sldId id="310" r:id="rId6"/>
+    <p:sldId id="265" r:id="rId7"/>
+    <p:sldId id="267" r:id="rId8"/>
+    <p:sldId id="266" r:id="rId9"/>
+    <p:sldId id="292" r:id="rId10"/>
+    <p:sldId id="311" r:id="rId11"/>
+    <p:sldId id="273" r:id="rId12"/>
+    <p:sldId id="274" r:id="rId13"/>
+    <p:sldId id="308" r:id="rId14"/>
+    <p:sldId id="309" r:id="rId15"/>
+    <p:sldId id="307" r:id="rId16"/>
+    <p:sldId id="305" r:id="rId17"/>
+    <p:sldId id="283" r:id="rId18"/>
+    <p:sldId id="285" r:id="rId19"/>
+    <p:sldId id="286" r:id="rId20"/>
+    <p:sldId id="287" r:id="rId21"/>
+    <p:sldId id="288" r:id="rId22"/>
+    <p:sldId id="289" r:id="rId23"/>
+    <p:sldId id="290" r:id="rId24"/>
+    <p:sldId id="291" r:id="rId25"/>
+    <p:sldId id="293" r:id="rId26"/>
+    <p:sldId id="294" r:id="rId27"/>
+    <p:sldId id="295" r:id="rId28"/>
+    <p:sldId id="296" r:id="rId29"/>
+    <p:sldId id="297" r:id="rId30"/>
+    <p:sldId id="298" r:id="rId31"/>
+    <p:sldId id="299" r:id="rId32"/>
+    <p:sldId id="300" r:id="rId33"/>
+    <p:sldId id="263" r:id="rId34"/>
+    <p:sldId id="264" r:id="rId35"/>
+    <p:sldId id="268" r:id="rId36"/>
+    <p:sldId id="269" r:id="rId37"/>
+    <p:sldId id="270" r:id="rId38"/>
+    <p:sldId id="256" r:id="rId39"/>
+    <p:sldId id="258" r:id="rId40"/>
+    <p:sldId id="259" r:id="rId41"/>
+    <p:sldId id="271" r:id="rId42"/>
+    <p:sldId id="275" r:id="rId43"/>
+    <p:sldId id="280" r:id="rId44"/>
+    <p:sldId id="276" r:id="rId45"/>
+    <p:sldId id="277" r:id="rId46"/>
+    <p:sldId id="278" r:id="rId47"/>
+    <p:sldId id="279" r:id="rId48"/>
+    <p:sldId id="281" r:id="rId49"/>
+    <p:sldId id="302" r:id="rId50"/>
+    <p:sldId id="303" r:id="rId51"/>
+    <p:sldId id="304" r:id="rId52"/>
   </p:sldIdLst>
   <p:sldSz cx="9144000" cy="6858000" type="screen4x3"/>
   <p:notesSz cx="6858000" cy="9144000"/>
@@ -240,7 +242,7 @@
           <a:p>
             <a:fld id="{8887C12A-3CDD-FF4A-9F90-E15CB567C633}" type="datetimeFigureOut">
               <a:rPr lang="en-US" smtClean="0"/>
-              <a:t>5/1/14</a:t>
+              <a:t>5/2/14</a:t>
             </a:fld>
             <a:endParaRPr lang="en-US"/>
           </a:p>
@@ -673,7 +675,7 @@
           <a:p>
             <a:fld id="{FBDCEE2F-1E82-4629-B6CC-B0E3A96AD62F}" type="slidenum">
               <a:rPr lang="en-US" smtClean="0"/>
-              <a:t>47</a:t>
+              <a:t>49</a:t>
             </a:fld>
             <a:endParaRPr lang="en-US"/>
           </a:p>
@@ -773,7 +775,7 @@
           <a:p>
             <a:fld id="{FBDCEE2F-1E82-4629-B6CC-B0E3A96AD62F}" type="slidenum">
               <a:rPr lang="en-US" smtClean="0"/>
-              <a:t>48</a:t>
+              <a:t>50</a:t>
             </a:fld>
             <a:endParaRPr lang="en-US"/>
           </a:p>
@@ -973,7 +975,7 @@
           <a:p>
             <a:fld id="{6EAE9F20-9478-42F4-9FF4-33D5845E5FEA}" type="datetimeFigureOut">
               <a:rPr lang="en-US" smtClean="0"/>
-              <a:t>5/1/14</a:t>
+              <a:t>5/2/14</a:t>
             </a:fld>
             <a:endParaRPr lang="en-US"/>
           </a:p>
@@ -1143,7 +1145,7 @@
           <a:p>
             <a:fld id="{6EAE9F20-9478-42F4-9FF4-33D5845E5FEA}" type="datetimeFigureOut">
               <a:rPr lang="en-US" smtClean="0"/>
-              <a:t>5/1/14</a:t>
+              <a:t>5/2/14</a:t>
             </a:fld>
             <a:endParaRPr lang="en-US"/>
           </a:p>
@@ -1323,7 +1325,7 @@
           <a:p>
             <a:fld id="{6EAE9F20-9478-42F4-9FF4-33D5845E5FEA}" type="datetimeFigureOut">
               <a:rPr lang="en-US" smtClean="0"/>
-              <a:t>5/1/14</a:t>
+              <a:t>5/2/14</a:t>
             </a:fld>
             <a:endParaRPr lang="en-US"/>
           </a:p>
@@ -1493,7 +1495,7 @@
           <a:p>
             <a:fld id="{6EAE9F20-9478-42F4-9FF4-33D5845E5FEA}" type="datetimeFigureOut">
               <a:rPr lang="en-US" smtClean="0"/>
-              <a:t>5/1/14</a:t>
+              <a:t>5/2/14</a:t>
             </a:fld>
             <a:endParaRPr lang="en-US"/>
           </a:p>
@@ -1739,7 +1741,7 @@
           <a:p>
             <a:fld id="{6EAE9F20-9478-42F4-9FF4-33D5845E5FEA}" type="datetimeFigureOut">
               <a:rPr lang="en-US" smtClean="0"/>
-              <a:t>5/1/14</a:t>
+              <a:t>5/2/14</a:t>
             </a:fld>
             <a:endParaRPr lang="en-US"/>
           </a:p>
@@ -2027,7 +2029,7 @@
           <a:p>
             <a:fld id="{6EAE9F20-9478-42F4-9FF4-33D5845E5FEA}" type="datetimeFigureOut">
               <a:rPr lang="en-US" smtClean="0"/>
-              <a:t>5/1/14</a:t>
+              <a:t>5/2/14</a:t>
             </a:fld>
             <a:endParaRPr lang="en-US"/>
           </a:p>
@@ -2449,7 +2451,7 @@
           <a:p>
             <a:fld id="{6EAE9F20-9478-42F4-9FF4-33D5845E5FEA}" type="datetimeFigureOut">
               <a:rPr lang="en-US" smtClean="0"/>
-              <a:t>5/1/14</a:t>
+              <a:t>5/2/14</a:t>
             </a:fld>
             <a:endParaRPr lang="en-US"/>
           </a:p>
@@ -2567,7 +2569,7 @@
           <a:p>
             <a:fld id="{6EAE9F20-9478-42F4-9FF4-33D5845E5FEA}" type="datetimeFigureOut">
               <a:rPr lang="en-US" smtClean="0"/>
-              <a:t>5/1/14</a:t>
+              <a:t>5/2/14</a:t>
             </a:fld>
             <a:endParaRPr lang="en-US"/>
           </a:p>
@@ -2662,7 +2664,7 @@
           <a:p>
             <a:fld id="{6EAE9F20-9478-42F4-9FF4-33D5845E5FEA}" type="datetimeFigureOut">
               <a:rPr lang="en-US" smtClean="0"/>
-              <a:t>5/1/14</a:t>
+              <a:t>5/2/14</a:t>
             </a:fld>
             <a:endParaRPr lang="en-US"/>
           </a:p>
@@ -2939,7 +2941,7 @@
           <a:p>
             <a:fld id="{6EAE9F20-9478-42F4-9FF4-33D5845E5FEA}" type="datetimeFigureOut">
               <a:rPr lang="en-US" smtClean="0"/>
-              <a:t>5/1/14</a:t>
+              <a:t>5/2/14</a:t>
             </a:fld>
             <a:endParaRPr lang="en-US"/>
           </a:p>
@@ -3192,7 +3194,7 @@
           <a:p>
             <a:fld id="{6EAE9F20-9478-42F4-9FF4-33D5845E5FEA}" type="datetimeFigureOut">
               <a:rPr lang="en-US" smtClean="0"/>
-              <a:t>5/1/14</a:t>
+              <a:t>5/2/14</a:t>
             </a:fld>
             <a:endParaRPr lang="en-US"/>
           </a:p>
@@ -3405,7 +3407,7 @@
           <a:p>
             <a:fld id="{6EAE9F20-9478-42F4-9FF4-33D5845E5FEA}" type="datetimeFigureOut">
               <a:rPr lang="en-US" smtClean="0"/>
-              <a:t>5/1/14</a:t>
+              <a:t>5/2/14</a:t>
             </a:fld>
             <a:endParaRPr lang="en-US"/>
           </a:p>
@@ -3896,64 +3898,14 @@
         </p:nvSpPr>
         <p:spPr/>
         <p:txBody>
-          <a:bodyPr>
-            <a:noAutofit/>
-          </a:bodyPr>
+          <a:bodyPr/>
           <a:lstStyle/>
           <a:p>
             <a:r>
-              <a:rPr lang="en-US" sz="3600" b="1" dirty="0"/>
-              <a:t>Ex</a:t>
-            </a:r>
-            <a:r>
-              <a:rPr lang="en-US" sz="3600" dirty="0"/>
-              <a:t>pert </a:t>
-            </a:r>
-            <a:r>
-              <a:rPr lang="en-US" sz="3600" b="1" dirty="0"/>
-              <a:t>G</a:t>
-            </a:r>
-            <a:r>
-              <a:rPr lang="en-US" sz="3600" dirty="0"/>
-              <a:t>uided Data </a:t>
-            </a:r>
-            <a:r>
-              <a:rPr lang="en-US" sz="3600" b="1" dirty="0"/>
-              <a:t>C</a:t>
-            </a:r>
-            <a:r>
-              <a:rPr lang="en-US" sz="3600" dirty="0"/>
-              <a:t>leaning and </a:t>
-            </a:r>
-            <a:r>
-              <a:rPr lang="en-US" sz="3600" b="1" dirty="0"/>
-              <a:t>R</a:t>
-            </a:r>
-            <a:r>
-              <a:rPr lang="en-US" sz="3600" dirty="0"/>
-              <a:t>econstructio</a:t>
-            </a:r>
-            <a:r>
-              <a:rPr lang="en-US" sz="3600" b="1" dirty="0"/>
-              <a:t>n </a:t>
-            </a:r>
-            <a:r>
-              <a:rPr lang="en-US" sz="3600" dirty="0"/>
-              <a:t>(</a:t>
-            </a:r>
-            <a:r>
-              <a:rPr lang="en-US" sz="3600" b="1" dirty="0" err="1"/>
-              <a:t>ExGCRn</a:t>
-            </a:r>
-            <a:r>
-              <a:rPr lang="en-US" sz="3600" dirty="0"/>
-              <a:t>) </a:t>
-            </a:r>
-            <a:r>
-              <a:rPr lang="en-US" sz="3600" dirty="0" smtClean="0"/>
-              <a:t>–cont.</a:t>
-            </a:r>
-            <a:endParaRPr lang="en-US" sz="3600" dirty="0"/>
+              <a:rPr lang="en-US" dirty="0" smtClean="0"/>
+              <a:t>Challenge in the data analysis</a:t>
+            </a:r>
+            <a:endParaRPr lang="en-US" dirty="0"/>
           </a:p>
         </p:txBody>
       </p:sp>
@@ -3969,312 +3921,52 @@
         </p:nvSpPr>
         <p:spPr/>
         <p:txBody>
-          <a:bodyPr>
-            <a:normAutofit fontScale="40000" lnSpcReduction="20000"/>
-          </a:bodyPr>
+          <a:bodyPr/>
           <a:lstStyle/>
           <a:p>
             <a:r>
-              <a:rPr lang="en-US" b="1" i="1" dirty="0"/>
-              <a:t>Stripping the normal </a:t>
-            </a:r>
-            <a:r>
-              <a:rPr lang="en-US" b="1" i="1" dirty="0" smtClean="0"/>
-              <a:t>population</a:t>
-            </a:r>
-            <a:endParaRPr lang="en-US" dirty="0"/>
+              <a:rPr lang="en-US" dirty="0" smtClean="0"/>
+              <a:t>Mixture of three cell populations</a:t>
+            </a:r>
           </a:p>
           <a:p>
             <a:pPr lvl="1"/>
             <a:r>
               <a:rPr lang="en-US" dirty="0" smtClean="0"/>
-              <a:t>Step 1	 Derive </a:t>
-            </a:r>
-            <a:r>
-              <a:rPr lang="en-US" dirty="0"/>
-              <a:t>the probability density function with kernel density estimation smoothing </a:t>
-            </a:r>
-            <a:endParaRPr lang="en-US" dirty="0" smtClean="0"/>
+              <a:t>Normal cell population (diploid)</a:t>
+            </a:r>
           </a:p>
           <a:p>
             <a:pPr lvl="1"/>
             <a:r>
               <a:rPr lang="en-US" dirty="0" smtClean="0"/>
-              <a:t>Step </a:t>
-            </a:r>
-            <a:r>
-              <a:rPr lang="en-US" dirty="0"/>
-              <a:t>2	Determine the mode of the normal cell population </a:t>
-            </a:r>
-            <a:endParaRPr lang="en-US" dirty="0" smtClean="0"/>
+              <a:t>Mitotic cell population (4n)</a:t>
+            </a:r>
           </a:p>
           <a:p>
             <a:pPr lvl="1"/>
             <a:r>
               <a:rPr lang="en-US" dirty="0" smtClean="0"/>
-              <a:t>Step </a:t>
-            </a:r>
-            <a:r>
-              <a:rPr lang="en-US" dirty="0"/>
-              <a:t>3	</a:t>
-            </a:r>
-            <a:endParaRPr lang="en-US" dirty="0" smtClean="0"/>
-          </a:p>
-          <a:p>
-            <a:pPr lvl="2"/>
+              <a:t>Carcinoma (aneuploidy cell)</a:t>
+            </a:r>
+          </a:p>
+          <a:p>
             <a:r>
               <a:rPr lang="en-US" dirty="0" smtClean="0"/>
-              <a:t>(</a:t>
-            </a:r>
-            <a:r>
-              <a:rPr lang="en-US" dirty="0"/>
-              <a:t>a) Use the data to the left side of the </a:t>
-            </a:r>
+              <a:t>Two non-informative cell populations take the main density</a:t>
+            </a:r>
+          </a:p>
+          <a:p>
             <a:r>
               <a:rPr lang="en-US" dirty="0" smtClean="0"/>
-              <a:t>mode</a:t>
-            </a:r>
-          </a:p>
-          <a:p>
-            <a:pPr lvl="2"/>
+              <a:t>Signal is largely washed out/saturated</a:t>
+            </a:r>
+          </a:p>
+          <a:p>
             <a:r>
               <a:rPr lang="en-US" dirty="0" smtClean="0"/>
-              <a:t>(</a:t>
-            </a:r>
-            <a:r>
-              <a:rPr lang="en-US" dirty="0"/>
-              <a:t>b) Estimate the mean and standard deviation of the normal </a:t>
-            </a:r>
-            <a:r>
-              <a:rPr lang="en-US" dirty="0" smtClean="0"/>
-              <a:t>population</a:t>
-            </a:r>
-          </a:p>
-          <a:p>
-            <a:pPr lvl="1"/>
-            <a:r>
-              <a:rPr lang="en-US" dirty="0" smtClean="0"/>
-              <a:t>Step </a:t>
-            </a:r>
-            <a:r>
-              <a:rPr lang="en-US" dirty="0"/>
-              <a:t>4	Remove the data point to the left the </a:t>
-            </a:r>
-            <a:r>
-              <a:rPr lang="en-US" dirty="0" smtClean="0"/>
-              <a:t>mode</a:t>
-            </a:r>
-          </a:p>
-          <a:p>
-            <a:pPr lvl="1"/>
-            <a:r>
-              <a:rPr lang="en-US" dirty="0" smtClean="0"/>
-              <a:t>Step </a:t>
-            </a:r>
-            <a:r>
-              <a:rPr lang="en-US" dirty="0"/>
-              <a:t>5	</a:t>
-            </a:r>
-            <a:endParaRPr lang="en-US" dirty="0" smtClean="0"/>
-          </a:p>
-          <a:p>
-            <a:pPr lvl="2"/>
-            <a:r>
-              <a:rPr lang="en-US" dirty="0" smtClean="0"/>
-              <a:t>(</a:t>
-            </a:r>
-            <a:r>
-              <a:rPr lang="en-US" dirty="0"/>
-              <a:t>a) Find the symmetric subset of the data on the right of the </a:t>
-            </a:r>
-            <a:r>
-              <a:rPr lang="en-US" dirty="0" smtClean="0"/>
-              <a:t>mode</a:t>
-            </a:r>
-          </a:p>
-          <a:p>
-            <a:pPr lvl="2"/>
-            <a:r>
-              <a:rPr lang="en-US" dirty="0" smtClean="0"/>
-              <a:t>(</a:t>
-            </a:r>
-            <a:r>
-              <a:rPr lang="en-US" dirty="0"/>
-              <a:t>b) Break the data on the right into equal </a:t>
-            </a:r>
-            <a:r>
-              <a:rPr lang="en-US" b="1" dirty="0"/>
-              <a:t>n</a:t>
-            </a:r>
-            <a:r>
-              <a:rPr lang="en-US" dirty="0"/>
-              <a:t> parts according to the KDE </a:t>
-            </a:r>
-            <a:r>
-              <a:rPr lang="en-US" dirty="0" smtClean="0"/>
-              <a:t>density</a:t>
-            </a:r>
-          </a:p>
-          <a:p>
-            <a:pPr marL="914400" lvl="2" indent="0">
-              <a:buNone/>
-            </a:pPr>
-            <a:endParaRPr lang="en-US" dirty="0"/>
-          </a:p>
-          <a:p>
-            <a:pPr lvl="1"/>
-            <a:r>
-              <a:rPr lang="en-US" b="1" i="1" dirty="0" err="1" smtClean="0"/>
-              <a:t>Foreach</a:t>
-            </a:r>
-            <a:r>
-              <a:rPr lang="en-US" dirty="0" smtClean="0"/>
-              <a:t> </a:t>
-            </a:r>
-            <a:r>
-              <a:rPr lang="en-US" dirty="0"/>
-              <a:t>interval </a:t>
-            </a:r>
-          </a:p>
-          <a:p>
-            <a:pPr lvl="2"/>
-            <a:r>
-              <a:rPr lang="en-US" dirty="0" smtClean="0"/>
-              <a:t>Derive </a:t>
-            </a:r>
-            <a:r>
-              <a:rPr lang="en-US" dirty="0"/>
-              <a:t>the theoretical number of data </a:t>
-            </a:r>
-            <a:r>
-              <a:rPr lang="en-US" dirty="0" smtClean="0"/>
-              <a:t>points</a:t>
-            </a:r>
-            <a:endParaRPr lang="en-US" dirty="0"/>
-          </a:p>
-          <a:p>
-            <a:pPr lvl="2"/>
-            <a:r>
-              <a:rPr lang="en-US" dirty="0" smtClean="0"/>
-              <a:t>Randomly </a:t>
-            </a:r>
-            <a:r>
-              <a:rPr lang="en-US" dirty="0"/>
-              <a:t>select candidate data points to be </a:t>
-            </a:r>
-            <a:r>
-              <a:rPr lang="en-US" dirty="0" smtClean="0"/>
-              <a:t>filtered</a:t>
-            </a:r>
-          </a:p>
-          <a:p>
-            <a:pPr lvl="2"/>
-            <a:r>
-              <a:rPr lang="en-US" dirty="0" smtClean="0"/>
-              <a:t>Recover </a:t>
-            </a:r>
-            <a:r>
-              <a:rPr lang="en-US" dirty="0"/>
-              <a:t>missing data points due to rounding errors</a:t>
-            </a:r>
-          </a:p>
-          <a:p>
-            <a:pPr lvl="1"/>
-            <a:r>
-              <a:rPr lang="en-US" dirty="0" smtClean="0"/>
-              <a:t>End </a:t>
-            </a:r>
-            <a:r>
-              <a:rPr lang="en-US" dirty="0"/>
-              <a:t>of</a:t>
-            </a:r>
-            <a:r>
-              <a:rPr lang="en-US" b="1" i="1" dirty="0"/>
-              <a:t> </a:t>
-            </a:r>
-            <a:r>
-              <a:rPr lang="en-US" b="1" i="1" dirty="0" err="1"/>
-              <a:t>foreach</a:t>
-            </a:r>
-            <a:r>
-              <a:rPr lang="en-US" dirty="0"/>
-              <a:t> </a:t>
-            </a:r>
-            <a:r>
-              <a:rPr lang="en-US" dirty="0" smtClean="0"/>
-              <a:t>loop</a:t>
-            </a:r>
-          </a:p>
-          <a:p>
-            <a:pPr marL="457200" lvl="1" indent="0">
-              <a:buNone/>
-            </a:pPr>
-            <a:endParaRPr lang="en-US" dirty="0" smtClean="0"/>
-          </a:p>
-          <a:p>
-            <a:pPr lvl="1"/>
-            <a:r>
-              <a:rPr lang="en-US" dirty="0" smtClean="0"/>
-              <a:t>Step </a:t>
-            </a:r>
-            <a:r>
-              <a:rPr lang="en-US" dirty="0"/>
-              <a:t>6   --&gt; go back to step 1 and evaluate the stripping efficiency</a:t>
-            </a:r>
-          </a:p>
-          <a:p>
-            <a:pPr lvl="1"/>
-            <a:r>
-              <a:rPr lang="en-US" b="1" i="1" dirty="0" smtClean="0"/>
-              <a:t>If</a:t>
-            </a:r>
-            <a:r>
-              <a:rPr lang="en-US" i="1" dirty="0" smtClean="0"/>
-              <a:t> </a:t>
-            </a:r>
-            <a:r>
-              <a:rPr lang="en-US" dirty="0"/>
-              <a:t>the first left most mode is less than the threshold</a:t>
-            </a:r>
-          </a:p>
-          <a:p>
-            <a:pPr lvl="2"/>
-            <a:r>
-              <a:rPr lang="en-US" dirty="0" smtClean="0"/>
-              <a:t>Redo </a:t>
-            </a:r>
-            <a:r>
-              <a:rPr lang="en-US" dirty="0"/>
-              <a:t>step 2 – step 6</a:t>
-            </a:r>
-          </a:p>
-          <a:p>
-            <a:pPr lvl="1"/>
-            <a:r>
-              <a:rPr lang="en-US" b="1" i="1" dirty="0" smtClean="0"/>
-              <a:t>Else </a:t>
-            </a:r>
-            <a:endParaRPr lang="en-US" dirty="0"/>
-          </a:p>
-          <a:p>
-            <a:r>
-              <a:rPr lang="en-US" dirty="0"/>
-              <a:t>Finish stripping the normal population</a:t>
-            </a:r>
-          </a:p>
-          <a:p>
-            <a:r>
-              <a:rPr lang="en-US" dirty="0"/>
-              <a:t>Compute the mean and standard deviation from the stripped first population only</a:t>
-            </a:r>
-          </a:p>
-          <a:p>
-            <a:r>
-              <a:rPr lang="en-US" dirty="0"/>
-              <a:t>Store number of data points filtered</a:t>
-            </a:r>
-          </a:p>
-          <a:p>
+              <a:t>Extreme challenge with “OLK” samples  </a:t>
+            </a:r>
             <a:endParaRPr lang="en-US" dirty="0"/>
           </a:p>
         </p:txBody>
@@ -4282,20 +3974,13 @@
     </p:spTree>
     <p:extLst>
       <p:ext uri="{BB962C8B-B14F-4D97-AF65-F5344CB8AC3E}">
-        <p14:creationId xmlns:p14="http://schemas.microsoft.com/office/powerpoint/2010/main" val="4284084911"/>
+        <p14:creationId xmlns:p14="http://schemas.microsoft.com/office/powerpoint/2010/main" val="2908754702"/>
       </p:ext>
     </p:extLst>
   </p:cSld>
   <p:clrMapOvr>
     <a:masterClrMapping/>
   </p:clrMapOvr>
-  <p:timing>
-    <p:tnLst>
-      <p:par>
-        <p:cTn xmlns:p14="http://schemas.microsoft.com/office/powerpoint/2010/main" id="1" dur="indefinite" restart="never" nodeType="tmRoot"/>
-      </p:par>
-    </p:tnLst>
-  </p:timing>
 </p:sld>
 </file>
 
@@ -4316,74 +4001,51 @@
           <a:chExt cx="0" cy="0"/>
         </a:xfrm>
       </p:grpSpPr>
-      <p:sp>
-        <p:nvSpPr>
-          <p:cNvPr id="2" name="Title 1"/>
-          <p:cNvSpPr>
-            <a:spLocks noGrp="1"/>
-          </p:cNvSpPr>
-          <p:nvPr>
-            <p:ph type="title"/>
-          </p:nvPr>
-        </p:nvSpPr>
-        <p:spPr/>
-        <p:txBody>
-          <a:bodyPr/>
-          <a:lstStyle/>
-          <a:p>
-            <a:r>
-              <a:rPr lang="en-US" dirty="0" smtClean="0"/>
-              <a:t>Moving toward the standardization</a:t>
-            </a:r>
-            <a:endParaRPr lang="en-US" dirty="0"/>
-          </a:p>
-        </p:txBody>
-      </p:sp>
-      <p:sp>
-        <p:nvSpPr>
-          <p:cNvPr id="3" name="Content Placeholder 2"/>
-          <p:cNvSpPr>
-            <a:spLocks noGrp="1"/>
-          </p:cNvSpPr>
-          <p:nvPr>
-            <p:ph idx="1"/>
-          </p:nvPr>
-        </p:nvSpPr>
-        <p:spPr/>
-        <p:txBody>
-          <a:bodyPr/>
-          <a:lstStyle/>
-          <a:p>
-            <a:r>
-              <a:rPr lang="en-US" dirty="0" smtClean="0"/>
-              <a:t>Accumulating the data in the database</a:t>
-            </a:r>
-          </a:p>
-          <a:p>
-            <a:r>
-              <a:rPr lang="en-US" dirty="0" smtClean="0"/>
-              <a:t>Data-driven approach data analysis</a:t>
-            </a:r>
-          </a:p>
-          <a:p>
-            <a:r>
-              <a:rPr lang="en-US" dirty="0" smtClean="0"/>
-              <a:t>Walking hand-in-hand with clinical doctor</a:t>
-            </a:r>
-          </a:p>
-          <a:p>
-            <a:r>
-              <a:rPr lang="en-US" dirty="0" smtClean="0"/>
-              <a:t>Establishing the standard protocols</a:t>
-            </a:r>
-            <a:endParaRPr lang="en-US" dirty="0"/>
-          </a:p>
-        </p:txBody>
-      </p:sp>
+      <p:pic>
+        <p:nvPicPr>
+          <p:cNvPr id="5122" name="Picture 2" descr="X:\myGit\mixturemodel\thirdDraft\two_pop_10_1.jpeg"/>
+          <p:cNvPicPr>
+            <a:picLocks noChangeAspect="1" noChangeArrowheads="1"/>
+          </p:cNvPicPr>
+          <p:nvPr/>
+        </p:nvPicPr>
+        <p:blipFill>
+          <a:blip r:embed="rId2">
+            <a:extLst>
+              <a:ext uri="{28A0092B-C50C-407E-A947-70E740481C1C}">
+                <a14:useLocalDpi xmlns:a14="http://schemas.microsoft.com/office/drawing/2010/main" val="0"/>
+              </a:ext>
+            </a:extLst>
+          </a:blip>
+          <a:srcRect/>
+          <a:stretch>
+            <a:fillRect/>
+          </a:stretch>
+        </p:blipFill>
+        <p:spPr bwMode="auto">
+          <a:xfrm>
+            <a:off x="1309251" y="62346"/>
+            <a:ext cx="6791908" cy="6781800"/>
+          </a:xfrm>
+          <a:prstGeom prst="rect">
+            <a:avLst/>
+          </a:prstGeom>
+          <a:noFill/>
+          <a:extLst>
+            <a:ext uri="{909E8E84-426E-40dd-AFC4-6F175D3DCCD1}">
+              <a14:hiddenFill xmlns:a14="http://schemas.microsoft.com/office/drawing/2010/main">
+                <a:solidFill>
+                  <a:srgbClr val="FFFFFF"/>
+                </a:solidFill>
+              </a14:hiddenFill>
+            </a:ext>
+          </a:extLst>
+        </p:spPr>
+      </p:pic>
     </p:spTree>
     <p:extLst>
       <p:ext uri="{BB962C8B-B14F-4D97-AF65-F5344CB8AC3E}">
-        <p14:creationId xmlns:p14="http://schemas.microsoft.com/office/powerpoint/2010/main" val="3799712158"/>
+        <p14:creationId xmlns:p14="http://schemas.microsoft.com/office/powerpoint/2010/main" val="417757509"/>
       </p:ext>
     </p:extLst>
   </p:cSld>
@@ -4417,60 +4079,51 @@
           <a:chExt cx="0" cy="0"/>
         </a:xfrm>
       </p:grpSpPr>
-      <p:sp>
-        <p:nvSpPr>
-          <p:cNvPr id="2" name="Title 1"/>
-          <p:cNvSpPr>
-            <a:spLocks noGrp="1"/>
-          </p:cNvSpPr>
-          <p:nvPr>
-            <p:ph type="title"/>
-          </p:nvPr>
-        </p:nvSpPr>
-        <p:spPr/>
-        <p:txBody>
-          <a:bodyPr/>
-          <a:lstStyle/>
-          <a:p>
-            <a:r>
-              <a:rPr lang="en-US" dirty="0" smtClean="0"/>
-              <a:t>Our goal</a:t>
-            </a:r>
-            <a:endParaRPr lang="en-US" dirty="0"/>
-          </a:p>
-        </p:txBody>
-      </p:sp>
-      <p:sp>
-        <p:nvSpPr>
-          <p:cNvPr id="3" name="Content Placeholder 2"/>
-          <p:cNvSpPr>
-            <a:spLocks noGrp="1"/>
-          </p:cNvSpPr>
-          <p:nvPr>
-            <p:ph idx="1"/>
-          </p:nvPr>
-        </p:nvSpPr>
-        <p:spPr/>
-        <p:txBody>
-          <a:bodyPr>
-            <a:normAutofit fontScale="85000" lnSpcReduction="20000"/>
-          </a:bodyPr>
-          <a:lstStyle/>
-          <a:p>
-            <a:endParaRPr lang="en-US" dirty="0"/>
-          </a:p>
-          <a:p>
-            <a:r>
-              <a:rPr lang="en-US" dirty="0"/>
-              <a:t>for Liu Yao's exfoliated cell project, you may show what you have done for Liu Yao's current paper, what you plan to do if we put many other parameters of exfoliated cells (DI value, cell size, ...) and potentially new parameters (DNA methylation, gene mutation...) into data analysis in the future. Also you may paint a picture of a complete service of oral exfoliated cells starting from samples collection, sample analysis, data acquisition, data analysis, recommendation of further lab analysis, recommendation of clinical follow-up and therapy, ... Our goal is the feed them a vision that we and they can work continuously for &gt;10 years.</a:t>
-            </a:r>
-          </a:p>
-        </p:txBody>
-      </p:sp>
+      <p:pic>
+        <p:nvPicPr>
+          <p:cNvPr id="6146" name="Picture 2" descr="X:\myGit\mixturemodel\thirdDraft\mixed_density.jpeg"/>
+          <p:cNvPicPr>
+            <a:picLocks noChangeAspect="1" noChangeArrowheads="1"/>
+          </p:cNvPicPr>
+          <p:nvPr/>
+        </p:nvPicPr>
+        <p:blipFill>
+          <a:blip r:embed="rId2">
+            <a:extLst>
+              <a:ext uri="{28A0092B-C50C-407E-A947-70E740481C1C}">
+                <a14:useLocalDpi xmlns:a14="http://schemas.microsoft.com/office/drawing/2010/main" val="0"/>
+              </a:ext>
+            </a:extLst>
+          </a:blip>
+          <a:srcRect/>
+          <a:stretch>
+            <a:fillRect/>
+          </a:stretch>
+        </p:blipFill>
+        <p:spPr bwMode="auto">
+          <a:xfrm>
+            <a:off x="1170707" y="0"/>
+            <a:ext cx="6868221" cy="6858001"/>
+          </a:xfrm>
+          <a:prstGeom prst="rect">
+            <a:avLst/>
+          </a:prstGeom>
+          <a:noFill/>
+          <a:extLst>
+            <a:ext uri="{909E8E84-426E-40dd-AFC4-6F175D3DCCD1}">
+              <a14:hiddenFill xmlns:a14="http://schemas.microsoft.com/office/drawing/2010/main">
+                <a:solidFill>
+                  <a:srgbClr val="FFFFFF"/>
+                </a:solidFill>
+              </a14:hiddenFill>
+            </a:ext>
+          </a:extLst>
+        </p:spPr>
+      </p:pic>
     </p:spTree>
     <p:extLst>
       <p:ext uri="{BB962C8B-B14F-4D97-AF65-F5344CB8AC3E}">
-        <p14:creationId xmlns:p14="http://schemas.microsoft.com/office/powerpoint/2010/main" val="1685240845"/>
+        <p14:creationId xmlns:p14="http://schemas.microsoft.com/office/powerpoint/2010/main" val="1913721031"/>
       </p:ext>
     </p:extLst>
   </p:cSld>
@@ -4516,6 +4169,849 @@
         </p:nvSpPr>
         <p:spPr/>
         <p:txBody>
+          <a:bodyPr>
+            <a:noAutofit/>
+          </a:bodyPr>
+          <a:lstStyle/>
+          <a:p>
+            <a:r>
+              <a:rPr lang="en-US" sz="3600" b="1" dirty="0"/>
+              <a:t>Ex</a:t>
+            </a:r>
+            <a:r>
+              <a:rPr lang="en-US" sz="3600" dirty="0"/>
+              <a:t>pert </a:t>
+            </a:r>
+            <a:r>
+              <a:rPr lang="en-US" sz="3600" b="1" dirty="0"/>
+              <a:t>G</a:t>
+            </a:r>
+            <a:r>
+              <a:rPr lang="en-US" sz="3600" dirty="0"/>
+              <a:t>uided Data </a:t>
+            </a:r>
+            <a:r>
+              <a:rPr lang="en-US" sz="3600" b="1" dirty="0"/>
+              <a:t>C</a:t>
+            </a:r>
+            <a:r>
+              <a:rPr lang="en-US" sz="3600" dirty="0"/>
+              <a:t>leaning and </a:t>
+            </a:r>
+            <a:r>
+              <a:rPr lang="en-US" sz="3600" b="1" dirty="0"/>
+              <a:t>R</a:t>
+            </a:r>
+            <a:r>
+              <a:rPr lang="en-US" sz="3600" dirty="0"/>
+              <a:t>econstructio</a:t>
+            </a:r>
+            <a:r>
+              <a:rPr lang="en-US" sz="3600" b="1" dirty="0"/>
+              <a:t>n </a:t>
+            </a:r>
+            <a:r>
+              <a:rPr lang="en-US" sz="3600" dirty="0"/>
+              <a:t>(</a:t>
+            </a:r>
+            <a:r>
+              <a:rPr lang="en-US" sz="3600" b="1" dirty="0" err="1"/>
+              <a:t>ExGCRn</a:t>
+            </a:r>
+            <a:r>
+              <a:rPr lang="en-US" sz="3600" dirty="0"/>
+              <a:t>) </a:t>
+            </a:r>
+          </a:p>
+        </p:txBody>
+      </p:sp>
+      <p:sp>
+        <p:nvSpPr>
+          <p:cNvPr id="3" name="Content Placeholder 2"/>
+          <p:cNvSpPr>
+            <a:spLocks noGrp="1"/>
+          </p:cNvSpPr>
+          <p:nvPr>
+            <p:ph idx="1"/>
+          </p:nvPr>
+        </p:nvSpPr>
+        <p:spPr/>
+        <p:txBody>
+          <a:bodyPr>
+            <a:normAutofit fontScale="85000" lnSpcReduction="10000"/>
+          </a:bodyPr>
+          <a:lstStyle/>
+          <a:p>
+            <a:r>
+              <a:rPr lang="en-US" b="1" i="1" dirty="0"/>
+              <a:t>Expert </a:t>
+            </a:r>
+            <a:r>
+              <a:rPr lang="en-US" b="1" i="1" dirty="0" smtClean="0"/>
+              <a:t>input</a:t>
+            </a:r>
+          </a:p>
+          <a:p>
+            <a:pPr lvl="1"/>
+            <a:r>
+              <a:rPr lang="en-US" dirty="0" smtClean="0"/>
+              <a:t>Param1</a:t>
+            </a:r>
+            <a:r>
+              <a:rPr lang="en-US" dirty="0"/>
+              <a:t>: Threshold for aneuploidy </a:t>
+            </a:r>
+            <a:r>
+              <a:rPr lang="en-US" dirty="0" smtClean="0"/>
+              <a:t>D.I.</a:t>
+            </a:r>
+            <a:endParaRPr lang="en-US" dirty="0"/>
+          </a:p>
+          <a:p>
+            <a:pPr lvl="1"/>
+            <a:r>
+              <a:rPr lang="en-US" dirty="0" smtClean="0"/>
+              <a:t>Param2</a:t>
+            </a:r>
+            <a:r>
+              <a:rPr lang="en-US" dirty="0"/>
+              <a:t>: Mean D.I. value for mitotic cell </a:t>
+            </a:r>
+            <a:r>
+              <a:rPr lang="en-US" dirty="0" smtClean="0"/>
+              <a:t>population</a:t>
+            </a:r>
+          </a:p>
+          <a:p>
+            <a:pPr lvl="1"/>
+            <a:r>
+              <a:rPr lang="en-US" dirty="0" smtClean="0"/>
+              <a:t>Param3</a:t>
+            </a:r>
+            <a:r>
+              <a:rPr lang="en-US" dirty="0"/>
+              <a:t>: Standard deviation for mitotic and aneuploidy </a:t>
+            </a:r>
+            <a:r>
+              <a:rPr lang="en-US" dirty="0" smtClean="0"/>
+              <a:t>cell populations</a:t>
+            </a:r>
+          </a:p>
+          <a:p>
+            <a:pPr lvl="1"/>
+            <a:r>
+              <a:rPr lang="en-US" dirty="0" smtClean="0"/>
+              <a:t>Param4</a:t>
+            </a:r>
+            <a:r>
+              <a:rPr lang="en-US" dirty="0"/>
+              <a:t>: Ratio of normal cell (both normal and mitotic) vs. aneuploidy when three populations </a:t>
+            </a:r>
+            <a:r>
+              <a:rPr lang="en-US" dirty="0" smtClean="0"/>
+              <a:t>observed</a:t>
+            </a:r>
+          </a:p>
+          <a:p>
+            <a:pPr lvl="1"/>
+            <a:r>
+              <a:rPr lang="en-US" dirty="0" smtClean="0"/>
+              <a:t>Param5</a:t>
+            </a:r>
+            <a:r>
+              <a:rPr lang="en-US" dirty="0"/>
+              <a:t>: Ratio of normal cell (both normal and mitotic) vs. aneuploidy when no aneuploidy population </a:t>
+            </a:r>
+            <a:r>
+              <a:rPr lang="en-US" dirty="0" smtClean="0"/>
+              <a:t>observed</a:t>
+            </a:r>
+          </a:p>
+          <a:p>
+            <a:pPr lvl="1"/>
+            <a:r>
+              <a:rPr lang="en-US" dirty="0" smtClean="0"/>
+              <a:t>Param6</a:t>
+            </a:r>
+            <a:r>
+              <a:rPr lang="en-US" dirty="0"/>
+              <a:t>: Ratio of normal cell vs. mitotic population when no aneuploidy population observed</a:t>
+            </a:r>
+          </a:p>
+          <a:p>
+            <a:endParaRPr lang="en-US" dirty="0"/>
+          </a:p>
+        </p:txBody>
+      </p:sp>
+    </p:spTree>
+    <p:extLst>
+      <p:ext uri="{BB962C8B-B14F-4D97-AF65-F5344CB8AC3E}">
+        <p14:creationId xmlns:p14="http://schemas.microsoft.com/office/powerpoint/2010/main" val="918774868"/>
+      </p:ext>
+    </p:extLst>
+  </p:cSld>
+  <p:clrMapOvr>
+    <a:masterClrMapping/>
+  </p:clrMapOvr>
+  <p:timing>
+    <p:tnLst>
+      <p:par>
+        <p:cTn xmlns:p14="http://schemas.microsoft.com/office/powerpoint/2010/main" id="1" dur="indefinite" restart="never" nodeType="tmRoot"/>
+      </p:par>
+    </p:tnLst>
+  </p:timing>
+</p:sld>
+</file>
+
+<file path=ppt/slides/slide14.xml><?xml version="1.0" encoding="utf-8"?>
+<p:sld xmlns:a="http://schemas.openxmlformats.org/drawingml/2006/main" xmlns:r="http://schemas.openxmlformats.org/officeDocument/2006/relationships" xmlns:p="http://schemas.openxmlformats.org/presentationml/2006/main">
+  <p:cSld>
+    <p:spTree>
+      <p:nvGrpSpPr>
+        <p:cNvPr id="1" name=""/>
+        <p:cNvGrpSpPr/>
+        <p:nvPr/>
+      </p:nvGrpSpPr>
+      <p:grpSpPr>
+        <a:xfrm>
+          <a:off x="0" y="0"/>
+          <a:ext cx="0" cy="0"/>
+          <a:chOff x="0" y="0"/>
+          <a:chExt cx="0" cy="0"/>
+        </a:xfrm>
+      </p:grpSpPr>
+      <p:sp>
+        <p:nvSpPr>
+          <p:cNvPr id="2" name="Title 1"/>
+          <p:cNvSpPr>
+            <a:spLocks noGrp="1"/>
+          </p:cNvSpPr>
+          <p:nvPr>
+            <p:ph type="title"/>
+          </p:nvPr>
+        </p:nvSpPr>
+        <p:spPr/>
+        <p:txBody>
+          <a:bodyPr>
+            <a:noAutofit/>
+          </a:bodyPr>
+          <a:lstStyle/>
+          <a:p>
+            <a:r>
+              <a:rPr lang="en-US" sz="3600" b="1" dirty="0"/>
+              <a:t>Ex</a:t>
+            </a:r>
+            <a:r>
+              <a:rPr lang="en-US" sz="3600" dirty="0"/>
+              <a:t>pert </a:t>
+            </a:r>
+            <a:r>
+              <a:rPr lang="en-US" sz="3600" b="1" dirty="0"/>
+              <a:t>G</a:t>
+            </a:r>
+            <a:r>
+              <a:rPr lang="en-US" sz="3600" dirty="0"/>
+              <a:t>uided Data </a:t>
+            </a:r>
+            <a:r>
+              <a:rPr lang="en-US" sz="3600" b="1" dirty="0"/>
+              <a:t>C</a:t>
+            </a:r>
+            <a:r>
+              <a:rPr lang="en-US" sz="3600" dirty="0"/>
+              <a:t>leaning and </a:t>
+            </a:r>
+            <a:r>
+              <a:rPr lang="en-US" sz="3600" b="1" dirty="0"/>
+              <a:t>R</a:t>
+            </a:r>
+            <a:r>
+              <a:rPr lang="en-US" sz="3600" dirty="0"/>
+              <a:t>econstructio</a:t>
+            </a:r>
+            <a:r>
+              <a:rPr lang="en-US" sz="3600" b="1" dirty="0"/>
+              <a:t>n </a:t>
+            </a:r>
+            <a:r>
+              <a:rPr lang="en-US" sz="3600" dirty="0"/>
+              <a:t>(</a:t>
+            </a:r>
+            <a:r>
+              <a:rPr lang="en-US" sz="3600" b="1" dirty="0" err="1"/>
+              <a:t>ExGCRn</a:t>
+            </a:r>
+            <a:r>
+              <a:rPr lang="en-US" sz="3600" dirty="0"/>
+              <a:t>) </a:t>
+            </a:r>
+            <a:r>
+              <a:rPr lang="en-US" sz="3600" dirty="0" smtClean="0"/>
+              <a:t>–cont.</a:t>
+            </a:r>
+            <a:endParaRPr lang="en-US" sz="3600" dirty="0"/>
+          </a:p>
+        </p:txBody>
+      </p:sp>
+      <p:sp>
+        <p:nvSpPr>
+          <p:cNvPr id="3" name="Content Placeholder 2"/>
+          <p:cNvSpPr>
+            <a:spLocks noGrp="1"/>
+          </p:cNvSpPr>
+          <p:nvPr>
+            <p:ph idx="1"/>
+          </p:nvPr>
+        </p:nvSpPr>
+        <p:spPr/>
+        <p:txBody>
+          <a:bodyPr>
+            <a:normAutofit fontScale="40000" lnSpcReduction="20000"/>
+          </a:bodyPr>
+          <a:lstStyle/>
+          <a:p>
+            <a:r>
+              <a:rPr lang="en-US" b="1" i="1" dirty="0"/>
+              <a:t>Stripping the normal </a:t>
+            </a:r>
+            <a:r>
+              <a:rPr lang="en-US" b="1" i="1" dirty="0" smtClean="0"/>
+              <a:t>population</a:t>
+            </a:r>
+            <a:endParaRPr lang="en-US" dirty="0"/>
+          </a:p>
+          <a:p>
+            <a:pPr lvl="1"/>
+            <a:r>
+              <a:rPr lang="en-US" dirty="0" smtClean="0"/>
+              <a:t>Step 1	 Derive </a:t>
+            </a:r>
+            <a:r>
+              <a:rPr lang="en-US" dirty="0"/>
+              <a:t>the probability density function with kernel density estimation smoothing </a:t>
+            </a:r>
+            <a:endParaRPr lang="en-US" dirty="0" smtClean="0"/>
+          </a:p>
+          <a:p>
+            <a:pPr lvl="1"/>
+            <a:r>
+              <a:rPr lang="en-US" dirty="0" smtClean="0"/>
+              <a:t>Step </a:t>
+            </a:r>
+            <a:r>
+              <a:rPr lang="en-US" dirty="0"/>
+              <a:t>2	Determine the mode of the normal cell population </a:t>
+            </a:r>
+            <a:endParaRPr lang="en-US" dirty="0" smtClean="0"/>
+          </a:p>
+          <a:p>
+            <a:pPr lvl="1"/>
+            <a:r>
+              <a:rPr lang="en-US" dirty="0" smtClean="0"/>
+              <a:t>Step </a:t>
+            </a:r>
+            <a:r>
+              <a:rPr lang="en-US" dirty="0"/>
+              <a:t>3	</a:t>
+            </a:r>
+            <a:endParaRPr lang="en-US" dirty="0" smtClean="0"/>
+          </a:p>
+          <a:p>
+            <a:pPr lvl="2"/>
+            <a:r>
+              <a:rPr lang="en-US" dirty="0" smtClean="0"/>
+              <a:t>(</a:t>
+            </a:r>
+            <a:r>
+              <a:rPr lang="en-US" dirty="0"/>
+              <a:t>a) Use the data to the left side of the </a:t>
+            </a:r>
+            <a:r>
+              <a:rPr lang="en-US" dirty="0" smtClean="0"/>
+              <a:t>mode</a:t>
+            </a:r>
+          </a:p>
+          <a:p>
+            <a:pPr lvl="2"/>
+            <a:r>
+              <a:rPr lang="en-US" dirty="0" smtClean="0"/>
+              <a:t>(</a:t>
+            </a:r>
+            <a:r>
+              <a:rPr lang="en-US" dirty="0"/>
+              <a:t>b) Estimate the mean and standard deviation of the normal </a:t>
+            </a:r>
+            <a:r>
+              <a:rPr lang="en-US" dirty="0" smtClean="0"/>
+              <a:t>population</a:t>
+            </a:r>
+          </a:p>
+          <a:p>
+            <a:pPr lvl="1"/>
+            <a:r>
+              <a:rPr lang="en-US" dirty="0" smtClean="0"/>
+              <a:t>Step </a:t>
+            </a:r>
+            <a:r>
+              <a:rPr lang="en-US" dirty="0"/>
+              <a:t>4	Remove the data point to the left the </a:t>
+            </a:r>
+            <a:r>
+              <a:rPr lang="en-US" dirty="0" smtClean="0"/>
+              <a:t>mode</a:t>
+            </a:r>
+          </a:p>
+          <a:p>
+            <a:pPr lvl="1"/>
+            <a:r>
+              <a:rPr lang="en-US" dirty="0" smtClean="0"/>
+              <a:t>Step </a:t>
+            </a:r>
+            <a:r>
+              <a:rPr lang="en-US" dirty="0"/>
+              <a:t>5	</a:t>
+            </a:r>
+            <a:endParaRPr lang="en-US" dirty="0" smtClean="0"/>
+          </a:p>
+          <a:p>
+            <a:pPr lvl="2"/>
+            <a:r>
+              <a:rPr lang="en-US" dirty="0" smtClean="0"/>
+              <a:t>(</a:t>
+            </a:r>
+            <a:r>
+              <a:rPr lang="en-US" dirty="0"/>
+              <a:t>a) Find the symmetric subset of the data on the right of the </a:t>
+            </a:r>
+            <a:r>
+              <a:rPr lang="en-US" dirty="0" smtClean="0"/>
+              <a:t>mode</a:t>
+            </a:r>
+          </a:p>
+          <a:p>
+            <a:pPr lvl="2"/>
+            <a:r>
+              <a:rPr lang="en-US" dirty="0" smtClean="0"/>
+              <a:t>(</a:t>
+            </a:r>
+            <a:r>
+              <a:rPr lang="en-US" dirty="0"/>
+              <a:t>b) Break the data on the right into equal </a:t>
+            </a:r>
+            <a:r>
+              <a:rPr lang="en-US" b="1" dirty="0"/>
+              <a:t>n</a:t>
+            </a:r>
+            <a:r>
+              <a:rPr lang="en-US" dirty="0"/>
+              <a:t> parts according to the KDE </a:t>
+            </a:r>
+            <a:r>
+              <a:rPr lang="en-US" dirty="0" smtClean="0"/>
+              <a:t>density</a:t>
+            </a:r>
+          </a:p>
+          <a:p>
+            <a:pPr marL="914400" lvl="2" indent="0">
+              <a:buNone/>
+            </a:pPr>
+            <a:endParaRPr lang="en-US" dirty="0"/>
+          </a:p>
+          <a:p>
+            <a:pPr lvl="1"/>
+            <a:r>
+              <a:rPr lang="en-US" b="1" i="1" dirty="0" err="1" smtClean="0"/>
+              <a:t>Foreach</a:t>
+            </a:r>
+            <a:r>
+              <a:rPr lang="en-US" dirty="0" smtClean="0"/>
+              <a:t> </a:t>
+            </a:r>
+            <a:r>
+              <a:rPr lang="en-US" dirty="0"/>
+              <a:t>interval </a:t>
+            </a:r>
+          </a:p>
+          <a:p>
+            <a:pPr lvl="2"/>
+            <a:r>
+              <a:rPr lang="en-US" dirty="0" smtClean="0"/>
+              <a:t>Derive </a:t>
+            </a:r>
+            <a:r>
+              <a:rPr lang="en-US" dirty="0"/>
+              <a:t>the theoretical number of data </a:t>
+            </a:r>
+            <a:r>
+              <a:rPr lang="en-US" dirty="0" smtClean="0"/>
+              <a:t>points</a:t>
+            </a:r>
+            <a:endParaRPr lang="en-US" dirty="0"/>
+          </a:p>
+          <a:p>
+            <a:pPr lvl="2"/>
+            <a:r>
+              <a:rPr lang="en-US" dirty="0" smtClean="0"/>
+              <a:t>Randomly </a:t>
+            </a:r>
+            <a:r>
+              <a:rPr lang="en-US" dirty="0"/>
+              <a:t>select candidate data points to be </a:t>
+            </a:r>
+            <a:r>
+              <a:rPr lang="en-US" dirty="0" smtClean="0"/>
+              <a:t>filtered</a:t>
+            </a:r>
+          </a:p>
+          <a:p>
+            <a:pPr lvl="2"/>
+            <a:r>
+              <a:rPr lang="en-US" dirty="0" smtClean="0"/>
+              <a:t>Recover </a:t>
+            </a:r>
+            <a:r>
+              <a:rPr lang="en-US" dirty="0"/>
+              <a:t>missing data points due to rounding errors</a:t>
+            </a:r>
+          </a:p>
+          <a:p>
+            <a:pPr lvl="1"/>
+            <a:r>
+              <a:rPr lang="en-US" dirty="0" smtClean="0"/>
+              <a:t>End </a:t>
+            </a:r>
+            <a:r>
+              <a:rPr lang="en-US" dirty="0"/>
+              <a:t>of</a:t>
+            </a:r>
+            <a:r>
+              <a:rPr lang="en-US" b="1" i="1" dirty="0"/>
+              <a:t> </a:t>
+            </a:r>
+            <a:r>
+              <a:rPr lang="en-US" b="1" i="1" dirty="0" err="1"/>
+              <a:t>foreach</a:t>
+            </a:r>
+            <a:r>
+              <a:rPr lang="en-US" dirty="0"/>
+              <a:t> </a:t>
+            </a:r>
+            <a:r>
+              <a:rPr lang="en-US" dirty="0" smtClean="0"/>
+              <a:t>loop</a:t>
+            </a:r>
+          </a:p>
+          <a:p>
+            <a:pPr marL="457200" lvl="1" indent="0">
+              <a:buNone/>
+            </a:pPr>
+            <a:endParaRPr lang="en-US" dirty="0" smtClean="0"/>
+          </a:p>
+          <a:p>
+            <a:pPr lvl="1"/>
+            <a:r>
+              <a:rPr lang="en-US" dirty="0" smtClean="0"/>
+              <a:t>Step </a:t>
+            </a:r>
+            <a:r>
+              <a:rPr lang="en-US" dirty="0"/>
+              <a:t>6   --&gt; go back to step 1 and evaluate the stripping efficiency</a:t>
+            </a:r>
+          </a:p>
+          <a:p>
+            <a:pPr lvl="1"/>
+            <a:r>
+              <a:rPr lang="en-US" b="1" i="1" dirty="0" smtClean="0"/>
+              <a:t>If</a:t>
+            </a:r>
+            <a:r>
+              <a:rPr lang="en-US" i="1" dirty="0" smtClean="0"/>
+              <a:t> </a:t>
+            </a:r>
+            <a:r>
+              <a:rPr lang="en-US" dirty="0"/>
+              <a:t>the first left most mode is less than the threshold</a:t>
+            </a:r>
+          </a:p>
+          <a:p>
+            <a:pPr lvl="2"/>
+            <a:r>
+              <a:rPr lang="en-US" dirty="0" smtClean="0"/>
+              <a:t>Redo </a:t>
+            </a:r>
+            <a:r>
+              <a:rPr lang="en-US" dirty="0"/>
+              <a:t>step 2 – step 6</a:t>
+            </a:r>
+          </a:p>
+          <a:p>
+            <a:pPr lvl="1"/>
+            <a:r>
+              <a:rPr lang="en-US" b="1" i="1" dirty="0" smtClean="0"/>
+              <a:t>Else </a:t>
+            </a:r>
+            <a:endParaRPr lang="en-US" dirty="0"/>
+          </a:p>
+          <a:p>
+            <a:r>
+              <a:rPr lang="en-US" dirty="0"/>
+              <a:t>Finish stripping the normal population</a:t>
+            </a:r>
+          </a:p>
+          <a:p>
+            <a:r>
+              <a:rPr lang="en-US" dirty="0"/>
+              <a:t>Compute the mean and standard deviation from the stripped first population only</a:t>
+            </a:r>
+          </a:p>
+          <a:p>
+            <a:r>
+              <a:rPr lang="en-US" dirty="0"/>
+              <a:t>Store number of data points filtered</a:t>
+            </a:r>
+          </a:p>
+          <a:p>
+            <a:endParaRPr lang="en-US" dirty="0"/>
+          </a:p>
+        </p:txBody>
+      </p:sp>
+    </p:spTree>
+    <p:extLst>
+      <p:ext uri="{BB962C8B-B14F-4D97-AF65-F5344CB8AC3E}">
+        <p14:creationId xmlns:p14="http://schemas.microsoft.com/office/powerpoint/2010/main" val="4284084911"/>
+      </p:ext>
+    </p:extLst>
+  </p:cSld>
+  <p:clrMapOvr>
+    <a:masterClrMapping/>
+  </p:clrMapOvr>
+  <p:timing>
+    <p:tnLst>
+      <p:par>
+        <p:cTn xmlns:p14="http://schemas.microsoft.com/office/powerpoint/2010/main" id="1" dur="indefinite" restart="never" nodeType="tmRoot"/>
+      </p:par>
+    </p:tnLst>
+  </p:timing>
+</p:sld>
+</file>
+
+<file path=ppt/slides/slide15.xml><?xml version="1.0" encoding="utf-8"?>
+<p:sld xmlns:a="http://schemas.openxmlformats.org/drawingml/2006/main" xmlns:r="http://schemas.openxmlformats.org/officeDocument/2006/relationships" xmlns:p="http://schemas.openxmlformats.org/presentationml/2006/main">
+  <p:cSld>
+    <p:spTree>
+      <p:nvGrpSpPr>
+        <p:cNvPr id="1" name=""/>
+        <p:cNvGrpSpPr/>
+        <p:nvPr/>
+      </p:nvGrpSpPr>
+      <p:grpSpPr>
+        <a:xfrm>
+          <a:off x="0" y="0"/>
+          <a:ext cx="0" cy="0"/>
+          <a:chOff x="0" y="0"/>
+          <a:chExt cx="0" cy="0"/>
+        </a:xfrm>
+      </p:grpSpPr>
+      <p:sp>
+        <p:nvSpPr>
+          <p:cNvPr id="2" name="Title 1"/>
+          <p:cNvSpPr>
+            <a:spLocks noGrp="1"/>
+          </p:cNvSpPr>
+          <p:nvPr>
+            <p:ph type="title"/>
+          </p:nvPr>
+        </p:nvSpPr>
+        <p:spPr/>
+        <p:txBody>
+          <a:bodyPr/>
+          <a:lstStyle/>
+          <a:p>
+            <a:r>
+              <a:rPr lang="en-US" dirty="0" smtClean="0"/>
+              <a:t>Moving toward the standardization</a:t>
+            </a:r>
+            <a:endParaRPr lang="en-US" dirty="0"/>
+          </a:p>
+        </p:txBody>
+      </p:sp>
+      <p:sp>
+        <p:nvSpPr>
+          <p:cNvPr id="3" name="Content Placeholder 2"/>
+          <p:cNvSpPr>
+            <a:spLocks noGrp="1"/>
+          </p:cNvSpPr>
+          <p:nvPr>
+            <p:ph idx="1"/>
+          </p:nvPr>
+        </p:nvSpPr>
+        <p:spPr/>
+        <p:txBody>
+          <a:bodyPr/>
+          <a:lstStyle/>
+          <a:p>
+            <a:r>
+              <a:rPr lang="en-US" dirty="0" smtClean="0"/>
+              <a:t>Accumulating the data in the database</a:t>
+            </a:r>
+          </a:p>
+          <a:p>
+            <a:r>
+              <a:rPr lang="en-US" dirty="0" smtClean="0"/>
+              <a:t>Data-driven approach data analysis</a:t>
+            </a:r>
+          </a:p>
+          <a:p>
+            <a:r>
+              <a:rPr lang="en-US" dirty="0" smtClean="0"/>
+              <a:t>Walking hand-in-hand with clinical doctor</a:t>
+            </a:r>
+          </a:p>
+          <a:p>
+            <a:r>
+              <a:rPr lang="en-US" dirty="0" smtClean="0"/>
+              <a:t>Establishing the standard protocols</a:t>
+            </a:r>
+            <a:endParaRPr lang="en-US" dirty="0"/>
+          </a:p>
+        </p:txBody>
+      </p:sp>
+    </p:spTree>
+    <p:extLst>
+      <p:ext uri="{BB962C8B-B14F-4D97-AF65-F5344CB8AC3E}">
+        <p14:creationId xmlns:p14="http://schemas.microsoft.com/office/powerpoint/2010/main" val="3799712158"/>
+      </p:ext>
+    </p:extLst>
+  </p:cSld>
+  <p:clrMapOvr>
+    <a:masterClrMapping/>
+  </p:clrMapOvr>
+  <p:timing>
+    <p:tnLst>
+      <p:par>
+        <p:cTn xmlns:p14="http://schemas.microsoft.com/office/powerpoint/2010/main" id="1" dur="indefinite" restart="never" nodeType="tmRoot"/>
+      </p:par>
+    </p:tnLst>
+  </p:timing>
+</p:sld>
+</file>
+
+<file path=ppt/slides/slide16.xml><?xml version="1.0" encoding="utf-8"?>
+<p:sld xmlns:a="http://schemas.openxmlformats.org/drawingml/2006/main" xmlns:r="http://schemas.openxmlformats.org/officeDocument/2006/relationships" xmlns:p="http://schemas.openxmlformats.org/presentationml/2006/main">
+  <p:cSld>
+    <p:spTree>
+      <p:nvGrpSpPr>
+        <p:cNvPr id="1" name=""/>
+        <p:cNvGrpSpPr/>
+        <p:nvPr/>
+      </p:nvGrpSpPr>
+      <p:grpSpPr>
+        <a:xfrm>
+          <a:off x="0" y="0"/>
+          <a:ext cx="0" cy="0"/>
+          <a:chOff x="0" y="0"/>
+          <a:chExt cx="0" cy="0"/>
+        </a:xfrm>
+      </p:grpSpPr>
+      <p:sp>
+        <p:nvSpPr>
+          <p:cNvPr id="2" name="Title 1"/>
+          <p:cNvSpPr>
+            <a:spLocks noGrp="1"/>
+          </p:cNvSpPr>
+          <p:nvPr>
+            <p:ph type="title"/>
+          </p:nvPr>
+        </p:nvSpPr>
+        <p:spPr/>
+        <p:txBody>
+          <a:bodyPr/>
+          <a:lstStyle/>
+          <a:p>
+            <a:r>
+              <a:rPr lang="en-US" dirty="0" smtClean="0"/>
+              <a:t>Our goal</a:t>
+            </a:r>
+            <a:endParaRPr lang="en-US" dirty="0"/>
+          </a:p>
+        </p:txBody>
+      </p:sp>
+      <p:sp>
+        <p:nvSpPr>
+          <p:cNvPr id="3" name="Content Placeholder 2"/>
+          <p:cNvSpPr>
+            <a:spLocks noGrp="1"/>
+          </p:cNvSpPr>
+          <p:nvPr>
+            <p:ph idx="1"/>
+          </p:nvPr>
+        </p:nvSpPr>
+        <p:spPr/>
+        <p:txBody>
+          <a:bodyPr>
+            <a:normAutofit fontScale="85000" lnSpcReduction="20000"/>
+          </a:bodyPr>
+          <a:lstStyle/>
+          <a:p>
+            <a:endParaRPr lang="en-US" dirty="0"/>
+          </a:p>
+          <a:p>
+            <a:r>
+              <a:rPr lang="en-US" dirty="0"/>
+              <a:t>for Liu Yao's exfoliated cell project, you may show what you have done for Liu Yao's current paper, what you plan to do if we put many other parameters of exfoliated cells (DI value, cell size, ...) and potentially new parameters (DNA methylation, gene mutation...) into data analysis in the future. Also you may paint a picture of a complete service of oral exfoliated cells starting from samples collection, sample analysis, data acquisition, data analysis, recommendation of further lab analysis, recommendation of clinical follow-up and therapy, ... Our goal is the feed them a vision that we and they can work continuously for &gt;10 years.</a:t>
+            </a:r>
+          </a:p>
+        </p:txBody>
+      </p:sp>
+    </p:spTree>
+    <p:extLst>
+      <p:ext uri="{BB962C8B-B14F-4D97-AF65-F5344CB8AC3E}">
+        <p14:creationId xmlns:p14="http://schemas.microsoft.com/office/powerpoint/2010/main" val="1685240845"/>
+      </p:ext>
+    </p:extLst>
+  </p:cSld>
+  <p:clrMapOvr>
+    <a:masterClrMapping/>
+  </p:clrMapOvr>
+  <p:timing>
+    <p:tnLst>
+      <p:par>
+        <p:cTn xmlns:p14="http://schemas.microsoft.com/office/powerpoint/2010/main" id="1" dur="indefinite" restart="never" nodeType="tmRoot"/>
+      </p:par>
+    </p:tnLst>
+  </p:timing>
+</p:sld>
+</file>
+
+<file path=ppt/slides/slide17.xml><?xml version="1.0" encoding="utf-8"?>
+<p:sld xmlns:a="http://schemas.openxmlformats.org/drawingml/2006/main" xmlns:r="http://schemas.openxmlformats.org/officeDocument/2006/relationships" xmlns:p="http://schemas.openxmlformats.org/presentationml/2006/main">
+  <p:cSld>
+    <p:spTree>
+      <p:nvGrpSpPr>
+        <p:cNvPr id="1" name=""/>
+        <p:cNvGrpSpPr/>
+        <p:nvPr/>
+      </p:nvGrpSpPr>
+      <p:grpSpPr>
+        <a:xfrm>
+          <a:off x="0" y="0"/>
+          <a:ext cx="0" cy="0"/>
+          <a:chOff x="0" y="0"/>
+          <a:chExt cx="0" cy="0"/>
+        </a:xfrm>
+      </p:grpSpPr>
+      <p:sp>
+        <p:nvSpPr>
+          <p:cNvPr id="2" name="Title 1"/>
+          <p:cNvSpPr>
+            <a:spLocks noGrp="1"/>
+          </p:cNvSpPr>
+          <p:nvPr>
+            <p:ph type="title"/>
+          </p:nvPr>
+        </p:nvSpPr>
+        <p:spPr/>
+        <p:txBody>
           <a:bodyPr/>
           <a:lstStyle/>
           <a:p>
@@ -4610,7 +5106,7 @@
 </p:sld>
 </file>
 
-<file path=ppt/slides/slide14.xml><?xml version="1.0" encoding="utf-8"?>
+<file path=ppt/slides/slide18.xml><?xml version="1.0" encoding="utf-8"?>
 <p:sld xmlns:a="http://schemas.openxmlformats.org/drawingml/2006/main" xmlns:r="http://schemas.openxmlformats.org/officeDocument/2006/relationships" xmlns:p="http://schemas.openxmlformats.org/presentationml/2006/main">
   <p:cSld>
     <p:spTree>
@@ -5169,7 +5665,7 @@
 </p:sld>
 </file>
 
-<file path=ppt/slides/slide15.xml><?xml version="1.0" encoding="utf-8"?>
+<file path=ppt/slides/slide19.xml><?xml version="1.0" encoding="utf-8"?>
 <p:sld xmlns:a="http://schemas.openxmlformats.org/drawingml/2006/main" xmlns:r="http://schemas.openxmlformats.org/officeDocument/2006/relationships" xmlns:p="http://schemas.openxmlformats.org/presentationml/2006/main">
   <p:cSld>
     <p:spTree>
@@ -5298,7 +5794,173 @@
 </p:sld>
 </file>
 
-<file path=ppt/slides/slide16.xml><?xml version="1.0" encoding="utf-8"?>
+<file path=ppt/slides/slide2.xml><?xml version="1.0" encoding="utf-8"?>
+<p:sld xmlns:a="http://schemas.openxmlformats.org/drawingml/2006/main" xmlns:r="http://schemas.openxmlformats.org/officeDocument/2006/relationships" xmlns:p="http://schemas.openxmlformats.org/presentationml/2006/main">
+  <p:cSld>
+    <p:spTree>
+      <p:nvGrpSpPr>
+        <p:cNvPr id="1" name=""/>
+        <p:cNvGrpSpPr/>
+        <p:nvPr/>
+      </p:nvGrpSpPr>
+      <p:grpSpPr>
+        <a:xfrm>
+          <a:off x="0" y="0"/>
+          <a:ext cx="0" cy="0"/>
+          <a:chOff x="0" y="0"/>
+          <a:chExt cx="0" cy="0"/>
+        </a:xfrm>
+      </p:grpSpPr>
+      <p:sp>
+        <p:nvSpPr>
+          <p:cNvPr id="2" name="Title 1"/>
+          <p:cNvSpPr>
+            <a:spLocks noGrp="1"/>
+          </p:cNvSpPr>
+          <p:nvPr>
+            <p:ph type="title"/>
+          </p:nvPr>
+        </p:nvSpPr>
+        <p:spPr/>
+        <p:txBody>
+          <a:bodyPr/>
+          <a:lstStyle/>
+          <a:p>
+            <a:r>
+              <a:rPr lang="en-US" dirty="0" smtClean="0"/>
+              <a:t>Outline</a:t>
+            </a:r>
+            <a:endParaRPr lang="en-US" dirty="0"/>
+          </a:p>
+        </p:txBody>
+      </p:sp>
+      <p:sp>
+        <p:nvSpPr>
+          <p:cNvPr id="3" name="Content Placeholder 2"/>
+          <p:cNvSpPr>
+            <a:spLocks noGrp="1"/>
+          </p:cNvSpPr>
+          <p:nvPr>
+            <p:ph idx="1"/>
+          </p:nvPr>
+        </p:nvSpPr>
+        <p:spPr/>
+        <p:txBody>
+          <a:bodyPr>
+            <a:normAutofit lnSpcReduction="10000"/>
+          </a:bodyPr>
+          <a:lstStyle/>
+          <a:p>
+            <a:r>
+              <a:rPr lang="en-US" dirty="0" smtClean="0"/>
+              <a:t>Nucleus DNA staining for early detection</a:t>
+            </a:r>
+          </a:p>
+          <a:p>
+            <a:r>
+              <a:rPr lang="en-US" dirty="0" smtClean="0"/>
+              <a:t>Understand the data distribution nature</a:t>
+            </a:r>
+          </a:p>
+          <a:p>
+            <a:r>
+              <a:rPr lang="en-US" b="1" dirty="0" smtClean="0"/>
+              <a:t>Ex</a:t>
+            </a:r>
+            <a:r>
+              <a:rPr lang="en-US" dirty="0" smtClean="0"/>
+              <a:t>pert </a:t>
+            </a:r>
+            <a:r>
+              <a:rPr lang="en-US" b="1" dirty="0"/>
+              <a:t>G</a:t>
+            </a:r>
+            <a:r>
+              <a:rPr lang="en-US" dirty="0"/>
+              <a:t>uided Data </a:t>
+            </a:r>
+            <a:r>
+              <a:rPr lang="en-US" b="1" dirty="0"/>
+              <a:t>C</a:t>
+            </a:r>
+            <a:r>
+              <a:rPr lang="en-US" dirty="0"/>
+              <a:t>leaning and </a:t>
+            </a:r>
+            <a:r>
+              <a:rPr lang="en-US" b="1" dirty="0"/>
+              <a:t>R</a:t>
+            </a:r>
+            <a:r>
+              <a:rPr lang="en-US" dirty="0"/>
+              <a:t>econstructio</a:t>
+            </a:r>
+            <a:r>
+              <a:rPr lang="en-US" b="1" dirty="0"/>
+              <a:t>n </a:t>
+            </a:r>
+            <a:r>
+              <a:rPr lang="en-US" dirty="0"/>
+              <a:t>(</a:t>
+            </a:r>
+            <a:r>
+              <a:rPr lang="en-US" b="1" dirty="0" err="1"/>
+              <a:t>ExGCRn</a:t>
+            </a:r>
+            <a:r>
+              <a:rPr lang="en-US" dirty="0"/>
+              <a:t>) </a:t>
+            </a:r>
+            <a:endParaRPr lang="en-US" dirty="0" smtClean="0"/>
+          </a:p>
+          <a:p>
+            <a:r>
+              <a:rPr lang="en-US" dirty="0" smtClean="0"/>
+              <a:t>Stretching the prediction modeling</a:t>
+            </a:r>
+          </a:p>
+          <a:p>
+            <a:r>
+              <a:rPr lang="en-US" dirty="0" smtClean="0"/>
+              <a:t>Integrating extra domain information</a:t>
+            </a:r>
+          </a:p>
+          <a:p>
+            <a:r>
+              <a:rPr lang="en-US" dirty="0" smtClean="0"/>
+              <a:t>Empower the patient</a:t>
+            </a:r>
+          </a:p>
+          <a:p>
+            <a:r>
+              <a:rPr lang="en-US" dirty="0" smtClean="0"/>
+              <a:t>Moving toward the standardization</a:t>
+            </a:r>
+            <a:endParaRPr lang="en-US" dirty="0"/>
+          </a:p>
+        </p:txBody>
+      </p:sp>
+    </p:spTree>
+    <p:extLst>
+      <p:ext uri="{BB962C8B-B14F-4D97-AF65-F5344CB8AC3E}">
+        <p14:creationId xmlns:p14="http://schemas.microsoft.com/office/powerpoint/2010/main" val="586842750"/>
+      </p:ext>
+    </p:extLst>
+  </p:cSld>
+  <p:clrMapOvr>
+    <a:masterClrMapping/>
+  </p:clrMapOvr>
+  <p:timing>
+    <p:tnLst>
+      <p:par>
+        <p:cTn xmlns:p14="http://schemas.microsoft.com/office/powerpoint/2010/main" id="1" dur="indefinite" restart="never" nodeType="tmRoot"/>
+      </p:par>
+    </p:tnLst>
+  </p:timing>
+</p:sld>
+</file>
+
+<file path=ppt/slides/slide20.xml><?xml version="1.0" encoding="utf-8"?>
 <p:sld xmlns:a="http://schemas.openxmlformats.org/drawingml/2006/main" xmlns:r="http://schemas.openxmlformats.org/officeDocument/2006/relationships" xmlns:p="http://schemas.openxmlformats.org/presentationml/2006/main">
   <p:cSld>
     <p:spTree>
@@ -5449,7 +6111,7 @@
 </p:sld>
 </file>
 
-<file path=ppt/slides/slide17.xml><?xml version="1.0" encoding="utf-8"?>
+<file path=ppt/slides/slide21.xml><?xml version="1.0" encoding="utf-8"?>
 <p:sld xmlns:a="http://schemas.openxmlformats.org/drawingml/2006/main" xmlns:r="http://schemas.openxmlformats.org/officeDocument/2006/relationships" xmlns:p="http://schemas.openxmlformats.org/presentationml/2006/main">
   <p:cSld>
     <p:spTree>
@@ -5610,7 +6272,7 @@
 </p:sld>
 </file>
 
-<file path=ppt/slides/slide18.xml><?xml version="1.0" encoding="utf-8"?>
+<file path=ppt/slides/slide22.xml><?xml version="1.0" encoding="utf-8"?>
 <p:sld xmlns:a="http://schemas.openxmlformats.org/drawingml/2006/main" xmlns:r="http://schemas.openxmlformats.org/officeDocument/2006/relationships" xmlns:p="http://schemas.openxmlformats.org/presentationml/2006/main">
   <p:cSld>
     <p:spTree>
@@ -9681,7 +10343,7 @@
 </p:sld>
 </file>
 
-<file path=ppt/slides/slide19.xml><?xml version="1.0" encoding="utf-8"?>
+<file path=ppt/slides/slide23.xml><?xml version="1.0" encoding="utf-8"?>
 <p:sld xmlns:a="http://schemas.openxmlformats.org/drawingml/2006/main" xmlns:r="http://schemas.openxmlformats.org/officeDocument/2006/relationships" xmlns:p="http://schemas.openxmlformats.org/presentationml/2006/main">
   <p:cSld>
     <p:spTree>
@@ -9748,165 +10410,7 @@
 </p:sld>
 </file>
 
-<file path=ppt/slides/slide2.xml><?xml version="1.0" encoding="utf-8"?>
-<p:sld xmlns:a="http://schemas.openxmlformats.org/drawingml/2006/main" xmlns:r="http://schemas.openxmlformats.org/officeDocument/2006/relationships" xmlns:p="http://schemas.openxmlformats.org/presentationml/2006/main">
-  <p:cSld>
-    <p:spTree>
-      <p:nvGrpSpPr>
-        <p:cNvPr id="1" name=""/>
-        <p:cNvGrpSpPr/>
-        <p:nvPr/>
-      </p:nvGrpSpPr>
-      <p:grpSpPr>
-        <a:xfrm>
-          <a:off x="0" y="0"/>
-          <a:ext cx="0" cy="0"/>
-          <a:chOff x="0" y="0"/>
-          <a:chExt cx="0" cy="0"/>
-        </a:xfrm>
-      </p:grpSpPr>
-      <p:sp>
-        <p:nvSpPr>
-          <p:cNvPr id="2" name="Title 1"/>
-          <p:cNvSpPr>
-            <a:spLocks noGrp="1"/>
-          </p:cNvSpPr>
-          <p:nvPr>
-            <p:ph type="title"/>
-          </p:nvPr>
-        </p:nvSpPr>
-        <p:spPr/>
-        <p:txBody>
-          <a:bodyPr/>
-          <a:lstStyle/>
-          <a:p>
-            <a:r>
-              <a:rPr lang="en-US" dirty="0" smtClean="0"/>
-              <a:t>Outline</a:t>
-            </a:r>
-            <a:endParaRPr lang="en-US" dirty="0"/>
-          </a:p>
-        </p:txBody>
-      </p:sp>
-      <p:sp>
-        <p:nvSpPr>
-          <p:cNvPr id="3" name="Content Placeholder 2"/>
-          <p:cNvSpPr>
-            <a:spLocks noGrp="1"/>
-          </p:cNvSpPr>
-          <p:nvPr>
-            <p:ph idx="1"/>
-          </p:nvPr>
-        </p:nvSpPr>
-        <p:spPr/>
-        <p:txBody>
-          <a:bodyPr/>
-          <a:lstStyle/>
-          <a:p>
-            <a:r>
-              <a:rPr lang="en-US" dirty="0" smtClean="0"/>
-              <a:t>Nucleus DNA staining for early detection</a:t>
-            </a:r>
-          </a:p>
-          <a:p>
-            <a:r>
-              <a:rPr lang="en-US" b="1" dirty="0"/>
-              <a:t>Ex</a:t>
-            </a:r>
-            <a:r>
-              <a:rPr lang="en-US" dirty="0"/>
-              <a:t>pert </a:t>
-            </a:r>
-            <a:r>
-              <a:rPr lang="en-US" b="1" dirty="0"/>
-              <a:t>G</a:t>
-            </a:r>
-            <a:r>
-              <a:rPr lang="en-US" dirty="0"/>
-              <a:t>uided Data </a:t>
-            </a:r>
-            <a:r>
-              <a:rPr lang="en-US" b="1" dirty="0"/>
-              <a:t>C</a:t>
-            </a:r>
-            <a:r>
-              <a:rPr lang="en-US" dirty="0"/>
-              <a:t>leaning and </a:t>
-            </a:r>
-            <a:r>
-              <a:rPr lang="en-US" b="1" dirty="0"/>
-              <a:t>R</a:t>
-            </a:r>
-            <a:r>
-              <a:rPr lang="en-US" dirty="0"/>
-              <a:t>econstructio</a:t>
-            </a:r>
-            <a:r>
-              <a:rPr lang="en-US" b="1" dirty="0"/>
-              <a:t>n </a:t>
-            </a:r>
-            <a:r>
-              <a:rPr lang="en-US" dirty="0"/>
-              <a:t>(</a:t>
-            </a:r>
-            <a:r>
-              <a:rPr lang="en-US" b="1" dirty="0" err="1"/>
-              <a:t>ExGCRn</a:t>
-            </a:r>
-            <a:r>
-              <a:rPr lang="en-US" dirty="0"/>
-              <a:t>) </a:t>
-            </a:r>
-            <a:endParaRPr lang="en-US" dirty="0" smtClean="0"/>
-          </a:p>
-          <a:p>
-            <a:r>
-              <a:rPr lang="en-US" dirty="0" smtClean="0"/>
-              <a:t>Stretching the prediction modeling</a:t>
-            </a:r>
-          </a:p>
-          <a:p>
-            <a:r>
-              <a:rPr lang="en-US" dirty="0" smtClean="0"/>
-              <a:t>Integrating extra domain information</a:t>
-            </a:r>
-          </a:p>
-          <a:p>
-            <a:r>
-              <a:rPr lang="en-US" dirty="0" smtClean="0"/>
-              <a:t>Empower the patient</a:t>
-            </a:r>
-          </a:p>
-          <a:p>
-            <a:r>
-              <a:rPr lang="en-US" dirty="0" smtClean="0"/>
-              <a:t>Moving toward the standardization</a:t>
-            </a:r>
-            <a:endParaRPr lang="en-US" dirty="0"/>
-          </a:p>
-        </p:txBody>
-      </p:sp>
-    </p:spTree>
-    <p:extLst>
-      <p:ext uri="{BB962C8B-B14F-4D97-AF65-F5344CB8AC3E}">
-        <p14:creationId xmlns:p14="http://schemas.microsoft.com/office/powerpoint/2010/main" val="586842750"/>
-      </p:ext>
-    </p:extLst>
-  </p:cSld>
-  <p:clrMapOvr>
-    <a:masterClrMapping/>
-  </p:clrMapOvr>
-  <p:timing>
-    <p:tnLst>
-      <p:par>
-        <p:cTn xmlns:p14="http://schemas.microsoft.com/office/powerpoint/2010/main" id="1" dur="indefinite" restart="never" nodeType="tmRoot"/>
-      </p:par>
-    </p:tnLst>
-  </p:timing>
-</p:sld>
-</file>
-
-<file path=ppt/slides/slide20.xml><?xml version="1.0" encoding="utf-8"?>
+<file path=ppt/slides/slide24.xml><?xml version="1.0" encoding="utf-8"?>
 <p:sld xmlns:a="http://schemas.openxmlformats.org/drawingml/2006/main" xmlns:r="http://schemas.openxmlformats.org/officeDocument/2006/relationships" xmlns:p="http://schemas.openxmlformats.org/presentationml/2006/main">
   <p:cSld>
     <p:spTree>
@@ -10415,7 +10919,7 @@
 </p:sld>
 </file>
 
-<file path=ppt/slides/slide21.xml><?xml version="1.0" encoding="utf-8"?>
+<file path=ppt/slides/slide25.xml><?xml version="1.0" encoding="utf-8"?>
 <p:sld xmlns:a="http://schemas.openxmlformats.org/drawingml/2006/main" xmlns:r="http://schemas.openxmlformats.org/officeDocument/2006/relationships" xmlns:p="http://schemas.openxmlformats.org/presentationml/2006/main">
   <p:cSld>
     <p:spTree>
@@ -10482,7 +10986,7 @@
 </p:sld>
 </file>
 
-<file path=ppt/slides/slide22.xml><?xml version="1.0" encoding="utf-8"?>
+<file path=ppt/slides/slide26.xml><?xml version="1.0" encoding="utf-8"?>
 <p:sld xmlns:a="http://schemas.openxmlformats.org/drawingml/2006/main" xmlns:r="http://schemas.openxmlformats.org/officeDocument/2006/relationships" xmlns:p="http://schemas.openxmlformats.org/presentationml/2006/main">
   <p:cSld>
     <p:spTree>
@@ -10626,7 +11130,7 @@
 </p:sld>
 </file>
 
-<file path=ppt/slides/slide23.xml><?xml version="1.0" encoding="utf-8"?>
+<file path=ppt/slides/slide27.xml><?xml version="1.0" encoding="utf-8"?>
 <p:sld xmlns:a="http://schemas.openxmlformats.org/drawingml/2006/main" xmlns:r="http://schemas.openxmlformats.org/officeDocument/2006/relationships" xmlns:p="http://schemas.openxmlformats.org/presentationml/2006/main">
   <p:cSld>
     <p:spTree>
@@ -10744,7 +11248,7 @@
 </p:sld>
 </file>
 
-<file path=ppt/slides/slide24.xml><?xml version="1.0" encoding="utf-8"?>
+<file path=ppt/slides/slide28.xml><?xml version="1.0" encoding="utf-8"?>
 <p:sld xmlns:a="http://schemas.openxmlformats.org/drawingml/2006/main" xmlns:r="http://schemas.openxmlformats.org/officeDocument/2006/relationships" xmlns:p="http://schemas.openxmlformats.org/presentationml/2006/main">
   <p:cSld>
     <p:spTree>
@@ -10811,7 +11315,7 @@
 </p:sld>
 </file>
 
-<file path=ppt/slides/slide25.xml><?xml version="1.0" encoding="utf-8"?>
+<file path=ppt/slides/slide29.xml><?xml version="1.0" encoding="utf-8"?>
 <p:sld xmlns:a="http://schemas.openxmlformats.org/drawingml/2006/main" xmlns:r="http://schemas.openxmlformats.org/officeDocument/2006/relationships" xmlns:p="http://schemas.openxmlformats.org/presentationml/2006/main">
   <p:cSld>
     <p:spTree>
@@ -10878,7 +11382,203 @@
 </p:sld>
 </file>
 
-<file path=ppt/slides/slide26.xml><?xml version="1.0" encoding="utf-8"?>
+<file path=ppt/slides/slide3.xml><?xml version="1.0" encoding="utf-8"?>
+<p:sld xmlns:a="http://schemas.openxmlformats.org/drawingml/2006/main" xmlns:r="http://schemas.openxmlformats.org/officeDocument/2006/relationships" xmlns:p="http://schemas.openxmlformats.org/presentationml/2006/main">
+  <p:cSld>
+    <p:spTree>
+      <p:nvGrpSpPr>
+        <p:cNvPr id="1" name=""/>
+        <p:cNvGrpSpPr/>
+        <p:nvPr/>
+      </p:nvGrpSpPr>
+      <p:grpSpPr>
+        <a:xfrm>
+          <a:off x="0" y="0"/>
+          <a:ext cx="0" cy="0"/>
+          <a:chOff x="0" y="0"/>
+          <a:chExt cx="0" cy="0"/>
+        </a:xfrm>
+      </p:grpSpPr>
+      <p:pic>
+        <p:nvPicPr>
+          <p:cNvPr id="1026" name="Picture 2"/>
+          <p:cNvPicPr>
+            <a:picLocks noChangeAspect="1" noChangeArrowheads="1"/>
+          </p:cNvPicPr>
+          <p:nvPr/>
+        </p:nvPicPr>
+        <p:blipFill>
+          <a:blip r:embed="rId2">
+            <a:extLst>
+              <a:ext uri="{28A0092B-C50C-407E-A947-70E740481C1C}">
+                <a14:useLocalDpi xmlns:a14="http://schemas.microsoft.com/office/drawing/2010/main" val="0"/>
+              </a:ext>
+            </a:extLst>
+          </a:blip>
+          <a:srcRect/>
+          <a:stretch>
+            <a:fillRect/>
+          </a:stretch>
+        </p:blipFill>
+        <p:spPr bwMode="auto">
+          <a:xfrm>
+            <a:off x="1000125" y="723900"/>
+            <a:ext cx="7143750" cy="5410200"/>
+          </a:xfrm>
+          <a:prstGeom prst="rect">
+            <a:avLst/>
+          </a:prstGeom>
+          <a:noFill/>
+          <a:ln>
+            <a:noFill/>
+          </a:ln>
+          <a:extLst>
+            <a:ext uri="{909E8E84-426E-40dd-AFC4-6F175D3DCCD1}">
+              <a14:hiddenFill xmlns:a14="http://schemas.microsoft.com/office/drawing/2010/main">
+                <a:solidFill>
+                  <a:schemeClr val="accent1"/>
+                </a:solidFill>
+              </a14:hiddenFill>
+            </a:ext>
+            <a:ext uri="{91240B29-F687-4f45-9708-019B960494DF}">
+              <a14:hiddenLine xmlns:a14="http://schemas.microsoft.com/office/drawing/2010/main" w="9525">
+                <a:solidFill>
+                  <a:schemeClr val="tx1"/>
+                </a:solidFill>
+                <a:miter lim="800000"/>
+                <a:headEnd/>
+                <a:tailEnd/>
+              </a14:hiddenLine>
+            </a:ext>
+          </a:extLst>
+        </p:spPr>
+      </p:pic>
+      <p:sp>
+        <p:nvSpPr>
+          <p:cNvPr id="2" name="TextBox 1"/>
+          <p:cNvSpPr txBox="1"/>
+          <p:nvPr/>
+        </p:nvSpPr>
+        <p:spPr>
+          <a:xfrm>
+            <a:off x="262294" y="77569"/>
+            <a:ext cx="8619411" cy="646331"/>
+          </a:xfrm>
+          <a:prstGeom prst="rect">
+            <a:avLst/>
+          </a:prstGeom>
+          <a:noFill/>
+        </p:spPr>
+        <p:txBody>
+          <a:bodyPr wrap="none" rtlCol="0">
+            <a:spAutoFit/>
+          </a:bodyPr>
+          <a:lstStyle/>
+          <a:p>
+            <a:r>
+              <a:rPr lang="en-US" b="1" dirty="0"/>
+              <a:t>Photomicrograph of moderately well differentiated OSCC showing large tumor nucleus </a:t>
+            </a:r>
+            <a:endParaRPr lang="en-US" b="1" dirty="0" smtClean="0"/>
+          </a:p>
+          <a:p>
+            <a:r>
+              <a:rPr lang="en-US" b="1" dirty="0" smtClean="0"/>
+              <a:t>with </a:t>
+            </a:r>
+            <a:r>
+              <a:rPr lang="en-US" b="1" dirty="0"/>
+              <a:t>multiple prominent nucleoli (blue arrow) and abnormal mitotic figure (black arrow)</a:t>
+            </a:r>
+            <a:endParaRPr lang="en-US" dirty="0"/>
+          </a:p>
+        </p:txBody>
+      </p:sp>
+      <p:sp>
+        <p:nvSpPr>
+          <p:cNvPr id="3" name="TextBox 2"/>
+          <p:cNvSpPr txBox="1"/>
+          <p:nvPr/>
+        </p:nvSpPr>
+        <p:spPr>
+          <a:xfrm>
+            <a:off x="796611" y="6138606"/>
+            <a:ext cx="7547194" cy="646331"/>
+          </a:xfrm>
+          <a:prstGeom prst="rect">
+            <a:avLst/>
+          </a:prstGeom>
+          <a:noFill/>
+        </p:spPr>
+        <p:txBody>
+          <a:bodyPr wrap="none" rtlCol="0">
+            <a:spAutoFit/>
+          </a:bodyPr>
+          <a:lstStyle/>
+          <a:p>
+            <a:r>
+              <a:rPr lang="en-US" dirty="0" smtClean="0"/>
+              <a:t>DB </a:t>
+            </a:r>
+            <a:r>
+              <a:rPr lang="en-US" dirty="0" err="1" smtClean="0"/>
+              <a:t>Nandini</a:t>
+            </a:r>
+            <a:r>
+              <a:rPr lang="en-US" dirty="0" smtClean="0"/>
+              <a:t> and RV </a:t>
+            </a:r>
+            <a:r>
+              <a:rPr lang="en-US" dirty="0" err="1" smtClean="0"/>
+              <a:t>Subramanyam</a:t>
+            </a:r>
+            <a:r>
+              <a:rPr lang="en-US" dirty="0"/>
+              <a:t>, 2011, Nuclear features in oral </a:t>
+            </a:r>
+            <a:r>
+              <a:rPr lang="en-US" dirty="0" smtClean="0"/>
+              <a:t>squamous</a:t>
+            </a:r>
+          </a:p>
+          <a:p>
+            <a:r>
+              <a:rPr lang="en-US" dirty="0" smtClean="0"/>
+              <a:t> </a:t>
+            </a:r>
+            <a:r>
+              <a:rPr lang="en-US" dirty="0"/>
+              <a:t>cell carcinoma: A computer-assisted microscopic </a:t>
+            </a:r>
+            <a:r>
+              <a:rPr lang="en-US" dirty="0" smtClean="0"/>
+              <a:t>study, V.15:2, 177-181,JOMFP</a:t>
+            </a:r>
+            <a:endParaRPr lang="en-US" dirty="0"/>
+          </a:p>
+        </p:txBody>
+      </p:sp>
+    </p:spTree>
+    <p:extLst>
+      <p:ext uri="{BB962C8B-B14F-4D97-AF65-F5344CB8AC3E}">
+        <p14:creationId xmlns:p14="http://schemas.microsoft.com/office/powerpoint/2010/main" val="3153764974"/>
+      </p:ext>
+    </p:extLst>
+  </p:cSld>
+  <p:clrMapOvr>
+    <a:masterClrMapping/>
+  </p:clrMapOvr>
+  <p:timing>
+    <p:tnLst>
+      <p:par>
+        <p:cTn xmlns:p14="http://schemas.microsoft.com/office/powerpoint/2010/main" id="1" dur="indefinite" restart="never" nodeType="tmRoot"/>
+      </p:par>
+    </p:tnLst>
+  </p:timing>
+</p:sld>
+</file>
+
+<file path=ppt/slides/slide30.xml><?xml version="1.0" encoding="utf-8"?>
 <p:sld xmlns:a="http://schemas.openxmlformats.org/drawingml/2006/main" xmlns:r="http://schemas.openxmlformats.org/officeDocument/2006/relationships" xmlns:p="http://schemas.openxmlformats.org/presentationml/2006/main">
   <p:cSld>
     <p:spTree>
@@ -11000,7 +11700,7 @@
 </p:sld>
 </file>
 
-<file path=ppt/slides/slide27.xml><?xml version="1.0" encoding="utf-8"?>
+<file path=ppt/slides/slide31.xml><?xml version="1.0" encoding="utf-8"?>
 <p:sld xmlns:a="http://schemas.openxmlformats.org/drawingml/2006/main" xmlns:r="http://schemas.openxmlformats.org/officeDocument/2006/relationships" xmlns:p="http://schemas.openxmlformats.org/presentationml/2006/main">
   <p:cSld>
     <p:spTree>
@@ -11139,7 +11839,7 @@
 </p:sld>
 </file>
 
-<file path=ppt/slides/slide28.xml><?xml version="1.0" encoding="utf-8"?>
+<file path=ppt/slides/slide32.xml><?xml version="1.0" encoding="utf-8"?>
 <p:sld xmlns:a="http://schemas.openxmlformats.org/drawingml/2006/main" xmlns:r="http://schemas.openxmlformats.org/officeDocument/2006/relationships" xmlns:p="http://schemas.openxmlformats.org/presentationml/2006/main">
   <p:cSld>
     <p:spTree>
@@ -11698,7 +12398,7 @@
 </p:sld>
 </file>
 
-<file path=ppt/slides/slide29.xml><?xml version="1.0" encoding="utf-8"?>
+<file path=ppt/slides/slide33.xml><?xml version="1.0" encoding="utf-8"?>
 <p:sld xmlns:a="http://schemas.openxmlformats.org/drawingml/2006/main" xmlns:r="http://schemas.openxmlformats.org/officeDocument/2006/relationships" xmlns:p="http://schemas.openxmlformats.org/presentationml/2006/main">
   <p:cSld>
     <p:spTree>
@@ -11765,203 +12465,7 @@
 </p:sld>
 </file>
 
-<file path=ppt/slides/slide3.xml><?xml version="1.0" encoding="utf-8"?>
-<p:sld xmlns:a="http://schemas.openxmlformats.org/drawingml/2006/main" xmlns:r="http://schemas.openxmlformats.org/officeDocument/2006/relationships" xmlns:p="http://schemas.openxmlformats.org/presentationml/2006/main">
-  <p:cSld>
-    <p:spTree>
-      <p:nvGrpSpPr>
-        <p:cNvPr id="1" name=""/>
-        <p:cNvGrpSpPr/>
-        <p:nvPr/>
-      </p:nvGrpSpPr>
-      <p:grpSpPr>
-        <a:xfrm>
-          <a:off x="0" y="0"/>
-          <a:ext cx="0" cy="0"/>
-          <a:chOff x="0" y="0"/>
-          <a:chExt cx="0" cy="0"/>
-        </a:xfrm>
-      </p:grpSpPr>
-      <p:pic>
-        <p:nvPicPr>
-          <p:cNvPr id="1026" name="Picture 2"/>
-          <p:cNvPicPr>
-            <a:picLocks noChangeAspect="1" noChangeArrowheads="1"/>
-          </p:cNvPicPr>
-          <p:nvPr/>
-        </p:nvPicPr>
-        <p:blipFill>
-          <a:blip r:embed="rId2">
-            <a:extLst>
-              <a:ext uri="{28A0092B-C50C-407E-A947-70E740481C1C}">
-                <a14:useLocalDpi xmlns:a14="http://schemas.microsoft.com/office/drawing/2010/main" val="0"/>
-              </a:ext>
-            </a:extLst>
-          </a:blip>
-          <a:srcRect/>
-          <a:stretch>
-            <a:fillRect/>
-          </a:stretch>
-        </p:blipFill>
-        <p:spPr bwMode="auto">
-          <a:xfrm>
-            <a:off x="1000125" y="723900"/>
-            <a:ext cx="7143750" cy="5410200"/>
-          </a:xfrm>
-          <a:prstGeom prst="rect">
-            <a:avLst/>
-          </a:prstGeom>
-          <a:noFill/>
-          <a:ln>
-            <a:noFill/>
-          </a:ln>
-          <a:extLst>
-            <a:ext uri="{909E8E84-426E-40dd-AFC4-6F175D3DCCD1}">
-              <a14:hiddenFill xmlns:a14="http://schemas.microsoft.com/office/drawing/2010/main">
-                <a:solidFill>
-                  <a:schemeClr val="accent1"/>
-                </a:solidFill>
-              </a14:hiddenFill>
-            </a:ext>
-            <a:ext uri="{91240B29-F687-4f45-9708-019B960494DF}">
-              <a14:hiddenLine xmlns:a14="http://schemas.microsoft.com/office/drawing/2010/main" w="9525">
-                <a:solidFill>
-                  <a:schemeClr val="tx1"/>
-                </a:solidFill>
-                <a:miter lim="800000"/>
-                <a:headEnd/>
-                <a:tailEnd/>
-              </a14:hiddenLine>
-            </a:ext>
-          </a:extLst>
-        </p:spPr>
-      </p:pic>
-      <p:sp>
-        <p:nvSpPr>
-          <p:cNvPr id="2" name="TextBox 1"/>
-          <p:cNvSpPr txBox="1"/>
-          <p:nvPr/>
-        </p:nvSpPr>
-        <p:spPr>
-          <a:xfrm>
-            <a:off x="262294" y="77569"/>
-            <a:ext cx="8619411" cy="646331"/>
-          </a:xfrm>
-          <a:prstGeom prst="rect">
-            <a:avLst/>
-          </a:prstGeom>
-          <a:noFill/>
-        </p:spPr>
-        <p:txBody>
-          <a:bodyPr wrap="none" rtlCol="0">
-            <a:spAutoFit/>
-          </a:bodyPr>
-          <a:lstStyle/>
-          <a:p>
-            <a:r>
-              <a:rPr lang="en-US" b="1" dirty="0"/>
-              <a:t>Photomicrograph of moderately well differentiated OSCC showing large tumor nucleus </a:t>
-            </a:r>
-            <a:endParaRPr lang="en-US" b="1" dirty="0" smtClean="0"/>
-          </a:p>
-          <a:p>
-            <a:r>
-              <a:rPr lang="en-US" b="1" dirty="0" smtClean="0"/>
-              <a:t>with </a:t>
-            </a:r>
-            <a:r>
-              <a:rPr lang="en-US" b="1" dirty="0"/>
-              <a:t>multiple prominent nucleoli (blue arrow) and abnormal mitotic figure (black arrow)</a:t>
-            </a:r>
-            <a:endParaRPr lang="en-US" dirty="0"/>
-          </a:p>
-        </p:txBody>
-      </p:sp>
-      <p:sp>
-        <p:nvSpPr>
-          <p:cNvPr id="3" name="TextBox 2"/>
-          <p:cNvSpPr txBox="1"/>
-          <p:nvPr/>
-        </p:nvSpPr>
-        <p:spPr>
-          <a:xfrm>
-            <a:off x="796611" y="6138606"/>
-            <a:ext cx="7547194" cy="646331"/>
-          </a:xfrm>
-          <a:prstGeom prst="rect">
-            <a:avLst/>
-          </a:prstGeom>
-          <a:noFill/>
-        </p:spPr>
-        <p:txBody>
-          <a:bodyPr wrap="none" rtlCol="0">
-            <a:spAutoFit/>
-          </a:bodyPr>
-          <a:lstStyle/>
-          <a:p>
-            <a:r>
-              <a:rPr lang="en-US" dirty="0" smtClean="0"/>
-              <a:t>DB </a:t>
-            </a:r>
-            <a:r>
-              <a:rPr lang="en-US" dirty="0" err="1" smtClean="0"/>
-              <a:t>Nandini</a:t>
-            </a:r>
-            <a:r>
-              <a:rPr lang="en-US" dirty="0" smtClean="0"/>
-              <a:t> and RV </a:t>
-            </a:r>
-            <a:r>
-              <a:rPr lang="en-US" dirty="0" err="1" smtClean="0"/>
-              <a:t>Subramanyam</a:t>
-            </a:r>
-            <a:r>
-              <a:rPr lang="en-US" dirty="0"/>
-              <a:t>, 2011, Nuclear features in oral </a:t>
-            </a:r>
-            <a:r>
-              <a:rPr lang="en-US" dirty="0" smtClean="0"/>
-              <a:t>squamous</a:t>
-            </a:r>
-          </a:p>
-          <a:p>
-            <a:r>
-              <a:rPr lang="en-US" dirty="0" smtClean="0"/>
-              <a:t> </a:t>
-            </a:r>
-            <a:r>
-              <a:rPr lang="en-US" dirty="0"/>
-              <a:t>cell carcinoma: A computer-assisted microscopic </a:t>
-            </a:r>
-            <a:r>
-              <a:rPr lang="en-US" dirty="0" smtClean="0"/>
-              <a:t>study, V.15:2, 177-181,JOMFP</a:t>
-            </a:r>
-            <a:endParaRPr lang="en-US" dirty="0"/>
-          </a:p>
-        </p:txBody>
-      </p:sp>
-    </p:spTree>
-    <p:extLst>
-      <p:ext uri="{BB962C8B-B14F-4D97-AF65-F5344CB8AC3E}">
-        <p14:creationId xmlns:p14="http://schemas.microsoft.com/office/powerpoint/2010/main" val="3153764974"/>
-      </p:ext>
-    </p:extLst>
-  </p:cSld>
-  <p:clrMapOvr>
-    <a:masterClrMapping/>
-  </p:clrMapOvr>
-  <p:timing>
-    <p:tnLst>
-      <p:par>
-        <p:cTn xmlns:p14="http://schemas.microsoft.com/office/powerpoint/2010/main" id="1" dur="indefinite" restart="never" nodeType="tmRoot"/>
-      </p:par>
-    </p:tnLst>
-  </p:timing>
-</p:sld>
-</file>
-
-<file path=ppt/slides/slide30.xml><?xml version="1.0" encoding="utf-8"?>
+<file path=ppt/slides/slide34.xml><?xml version="1.0" encoding="utf-8"?>
 <p:sld xmlns:a="http://schemas.openxmlformats.org/drawingml/2006/main" xmlns:r="http://schemas.openxmlformats.org/officeDocument/2006/relationships" xmlns:p="http://schemas.openxmlformats.org/presentationml/2006/main">
   <p:cSld>
     <p:spTree>
@@ -12028,7 +12532,7 @@
 </p:sld>
 </file>
 
-<file path=ppt/slides/slide31.xml><?xml version="1.0" encoding="utf-8"?>
+<file path=ppt/slides/slide35.xml><?xml version="1.0" encoding="utf-8"?>
 <p:sld xmlns:a="http://schemas.openxmlformats.org/drawingml/2006/main" xmlns:r="http://schemas.openxmlformats.org/officeDocument/2006/relationships" xmlns:p="http://schemas.openxmlformats.org/presentationml/2006/main">
   <p:cSld>
     <p:spTree>
@@ -12095,7 +12599,7 @@
 </p:sld>
 </file>
 
-<file path=ppt/slides/slide32.xml><?xml version="1.0" encoding="utf-8"?>
+<file path=ppt/slides/slide36.xml><?xml version="1.0" encoding="utf-8"?>
 <p:sld xmlns:a="http://schemas.openxmlformats.org/drawingml/2006/main" xmlns:r="http://schemas.openxmlformats.org/officeDocument/2006/relationships" xmlns:p="http://schemas.openxmlformats.org/presentationml/2006/main">
   <p:cSld>
     <p:spTree>
@@ -12604,7 +13108,7 @@
 </p:sld>
 </file>
 
-<file path=ppt/slides/slide33.xml><?xml version="1.0" encoding="utf-8"?>
+<file path=ppt/slides/slide37.xml><?xml version="1.0" encoding="utf-8"?>
 <p:sld xmlns:a="http://schemas.openxmlformats.org/drawingml/2006/main" xmlns:r="http://schemas.openxmlformats.org/officeDocument/2006/relationships" xmlns:p="http://schemas.openxmlformats.org/presentationml/2006/main">
   <p:cSld>
     <p:spTree>
@@ -12705,7 +13209,7 @@
 </p:sld>
 </file>
 
-<file path=ppt/slides/slide34.xml><?xml version="1.0" encoding="utf-8"?>
+<file path=ppt/slides/slide38.xml><?xml version="1.0" encoding="utf-8"?>
 <p:sld xmlns:a="http://schemas.openxmlformats.org/drawingml/2006/main" xmlns:r="http://schemas.openxmlformats.org/officeDocument/2006/relationships" xmlns:p="http://schemas.openxmlformats.org/presentationml/2006/main">
   <p:cSld>
     <p:spTree>
@@ -12772,163 +13276,7 @@
 </p:sld>
 </file>
 
-<file path=ppt/slides/slide35.xml><?xml version="1.0" encoding="utf-8"?>
-<p:sld xmlns:a="http://schemas.openxmlformats.org/drawingml/2006/main" xmlns:r="http://schemas.openxmlformats.org/officeDocument/2006/relationships" xmlns:p="http://schemas.openxmlformats.org/presentationml/2006/main">
-  <p:cSld>
-    <p:spTree>
-      <p:nvGrpSpPr>
-        <p:cNvPr id="1" name=""/>
-        <p:cNvGrpSpPr/>
-        <p:nvPr/>
-      </p:nvGrpSpPr>
-      <p:grpSpPr>
-        <a:xfrm>
-          <a:off x="0" y="0"/>
-          <a:ext cx="0" cy="0"/>
-          <a:chOff x="0" y="0"/>
-          <a:chExt cx="0" cy="0"/>
-        </a:xfrm>
-      </p:grpSpPr>
-      <p:pic>
-        <p:nvPicPr>
-          <p:cNvPr id="5122" name="Picture 2" descr="X:\myGit\mixturemodel\thirdDraft\two_pop_10_1.jpeg"/>
-          <p:cNvPicPr>
-            <a:picLocks noChangeAspect="1" noChangeArrowheads="1"/>
-          </p:cNvPicPr>
-          <p:nvPr/>
-        </p:nvPicPr>
-        <p:blipFill>
-          <a:blip r:embed="rId2">
-            <a:extLst>
-              <a:ext uri="{28A0092B-C50C-407E-A947-70E740481C1C}">
-                <a14:useLocalDpi xmlns:a14="http://schemas.microsoft.com/office/drawing/2010/main" val="0"/>
-              </a:ext>
-            </a:extLst>
-          </a:blip>
-          <a:srcRect/>
-          <a:stretch>
-            <a:fillRect/>
-          </a:stretch>
-        </p:blipFill>
-        <p:spPr bwMode="auto">
-          <a:xfrm>
-            <a:off x="1309251" y="62346"/>
-            <a:ext cx="6791908" cy="6781800"/>
-          </a:xfrm>
-          <a:prstGeom prst="rect">
-            <a:avLst/>
-          </a:prstGeom>
-          <a:noFill/>
-          <a:extLst>
-            <a:ext uri="{909E8E84-426E-40dd-AFC4-6F175D3DCCD1}">
-              <a14:hiddenFill xmlns:a14="http://schemas.microsoft.com/office/drawing/2010/main">
-                <a:solidFill>
-                  <a:srgbClr val="FFFFFF"/>
-                </a:solidFill>
-              </a14:hiddenFill>
-            </a:ext>
-          </a:extLst>
-        </p:spPr>
-      </p:pic>
-    </p:spTree>
-    <p:extLst>
-      <p:ext uri="{BB962C8B-B14F-4D97-AF65-F5344CB8AC3E}">
-        <p14:creationId xmlns:p14="http://schemas.microsoft.com/office/powerpoint/2010/main" val="417757509"/>
-      </p:ext>
-    </p:extLst>
-  </p:cSld>
-  <p:clrMapOvr>
-    <a:masterClrMapping/>
-  </p:clrMapOvr>
-  <p:timing>
-    <p:tnLst>
-      <p:par>
-        <p:cTn xmlns:p14="http://schemas.microsoft.com/office/powerpoint/2010/main" id="1" dur="indefinite" restart="never" nodeType="tmRoot"/>
-      </p:par>
-    </p:tnLst>
-  </p:timing>
-</p:sld>
-</file>
-
-<file path=ppt/slides/slide36.xml><?xml version="1.0" encoding="utf-8"?>
-<p:sld xmlns:a="http://schemas.openxmlformats.org/drawingml/2006/main" xmlns:r="http://schemas.openxmlformats.org/officeDocument/2006/relationships" xmlns:p="http://schemas.openxmlformats.org/presentationml/2006/main">
-  <p:cSld>
-    <p:spTree>
-      <p:nvGrpSpPr>
-        <p:cNvPr id="1" name=""/>
-        <p:cNvGrpSpPr/>
-        <p:nvPr/>
-      </p:nvGrpSpPr>
-      <p:grpSpPr>
-        <a:xfrm>
-          <a:off x="0" y="0"/>
-          <a:ext cx="0" cy="0"/>
-          <a:chOff x="0" y="0"/>
-          <a:chExt cx="0" cy="0"/>
-        </a:xfrm>
-      </p:grpSpPr>
-      <p:pic>
-        <p:nvPicPr>
-          <p:cNvPr id="6146" name="Picture 2" descr="X:\myGit\mixturemodel\thirdDraft\mixed_density.jpeg"/>
-          <p:cNvPicPr>
-            <a:picLocks noChangeAspect="1" noChangeArrowheads="1"/>
-          </p:cNvPicPr>
-          <p:nvPr/>
-        </p:nvPicPr>
-        <p:blipFill>
-          <a:blip r:embed="rId2">
-            <a:extLst>
-              <a:ext uri="{28A0092B-C50C-407E-A947-70E740481C1C}">
-                <a14:useLocalDpi xmlns:a14="http://schemas.microsoft.com/office/drawing/2010/main" val="0"/>
-              </a:ext>
-            </a:extLst>
-          </a:blip>
-          <a:srcRect/>
-          <a:stretch>
-            <a:fillRect/>
-          </a:stretch>
-        </p:blipFill>
-        <p:spPr bwMode="auto">
-          <a:xfrm>
-            <a:off x="1170707" y="0"/>
-            <a:ext cx="6868221" cy="6858001"/>
-          </a:xfrm>
-          <a:prstGeom prst="rect">
-            <a:avLst/>
-          </a:prstGeom>
-          <a:noFill/>
-          <a:extLst>
-            <a:ext uri="{909E8E84-426E-40dd-AFC4-6F175D3DCCD1}">
-              <a14:hiddenFill xmlns:a14="http://schemas.microsoft.com/office/drawing/2010/main">
-                <a:solidFill>
-                  <a:srgbClr val="FFFFFF"/>
-                </a:solidFill>
-              </a14:hiddenFill>
-            </a:ext>
-          </a:extLst>
-        </p:spPr>
-      </p:pic>
-    </p:spTree>
-    <p:extLst>
-      <p:ext uri="{BB962C8B-B14F-4D97-AF65-F5344CB8AC3E}">
-        <p14:creationId xmlns:p14="http://schemas.microsoft.com/office/powerpoint/2010/main" val="1913721031"/>
-      </p:ext>
-    </p:extLst>
-  </p:cSld>
-  <p:clrMapOvr>
-    <a:masterClrMapping/>
-  </p:clrMapOvr>
-  <p:timing>
-    <p:tnLst>
-      <p:par>
-        <p:cTn xmlns:p14="http://schemas.microsoft.com/office/powerpoint/2010/main" id="1" dur="indefinite" restart="never" nodeType="tmRoot"/>
-      </p:par>
-    </p:tnLst>
-  </p:timing>
-</p:sld>
-</file>
-
-<file path=ppt/slides/slide37.xml><?xml version="1.0" encoding="utf-8"?>
+<file path=ppt/slides/slide39.xml><?xml version="1.0" encoding="utf-8"?>
 <p:sld xmlns:a="http://schemas.openxmlformats.org/drawingml/2006/main" xmlns:r="http://schemas.openxmlformats.org/officeDocument/2006/relationships" xmlns:p="http://schemas.openxmlformats.org/presentationml/2006/main">
   <p:cSld>
     <p:spTree>
@@ -12979,242 +13327,6 @@
     <p:extLst>
       <p:ext uri="{BB962C8B-B14F-4D97-AF65-F5344CB8AC3E}">
         <p14:creationId xmlns:p14="http://schemas.microsoft.com/office/powerpoint/2010/main" val="3049618445"/>
-      </p:ext>
-    </p:extLst>
-  </p:cSld>
-  <p:clrMapOvr>
-    <a:masterClrMapping/>
-  </p:clrMapOvr>
-  <p:timing>
-    <p:tnLst>
-      <p:par>
-        <p:cTn xmlns:p14="http://schemas.microsoft.com/office/powerpoint/2010/main" id="1" dur="indefinite" restart="never" nodeType="tmRoot"/>
-      </p:par>
-    </p:tnLst>
-  </p:timing>
-</p:sld>
-</file>
-
-<file path=ppt/slides/slide38.xml><?xml version="1.0" encoding="utf-8"?>
-<p:sld xmlns:a="http://schemas.openxmlformats.org/drawingml/2006/main" xmlns:r="http://schemas.openxmlformats.org/officeDocument/2006/relationships" xmlns:p="http://schemas.openxmlformats.org/presentationml/2006/main">
-  <p:cSld>
-    <p:spTree>
-      <p:nvGrpSpPr>
-        <p:cNvPr id="1" name=""/>
-        <p:cNvGrpSpPr/>
-        <p:nvPr/>
-      </p:nvGrpSpPr>
-      <p:grpSpPr>
-        <a:xfrm>
-          <a:off x="0" y="0"/>
-          <a:ext cx="0" cy="0"/>
-          <a:chOff x="0" y="0"/>
-          <a:chExt cx="0" cy="0"/>
-        </a:xfrm>
-      </p:grpSpPr>
-      <p:pic>
-        <p:nvPicPr>
-          <p:cNvPr id="2" name="Picture 1"/>
-          <p:cNvPicPr>
-            <a:picLocks noChangeAspect="1"/>
-          </p:cNvPicPr>
-          <p:nvPr/>
-        </p:nvPicPr>
-        <p:blipFill>
-          <a:blip r:embed="rId2">
-            <a:extLst>
-              <a:ext uri="{28A0092B-C50C-407E-A947-70E740481C1C}">
-                <a14:useLocalDpi xmlns:a14="http://schemas.microsoft.com/office/drawing/2010/main" val="0"/>
-              </a:ext>
-            </a:extLst>
-          </a:blip>
-          <a:stretch>
-            <a:fillRect/>
-          </a:stretch>
-        </p:blipFill>
-        <p:spPr>
-          <a:xfrm>
-            <a:off x="1371600" y="233362"/>
-            <a:ext cx="6400800" cy="6391275"/>
-          </a:xfrm>
-          <a:prstGeom prst="rect">
-            <a:avLst/>
-          </a:prstGeom>
-        </p:spPr>
-      </p:pic>
-    </p:spTree>
-    <p:extLst>
-      <p:ext uri="{BB962C8B-B14F-4D97-AF65-F5344CB8AC3E}">
-        <p14:creationId xmlns:p14="http://schemas.microsoft.com/office/powerpoint/2010/main" val="2577487504"/>
-      </p:ext>
-    </p:extLst>
-  </p:cSld>
-  <p:clrMapOvr>
-    <a:masterClrMapping/>
-  </p:clrMapOvr>
-  <p:timing>
-    <p:tnLst>
-      <p:par>
-        <p:cTn xmlns:p14="http://schemas.microsoft.com/office/powerpoint/2010/main" id="1" dur="indefinite" restart="never" nodeType="tmRoot"/>
-      </p:par>
-    </p:tnLst>
-  </p:timing>
-</p:sld>
-</file>
-
-<file path=ppt/slides/slide39.xml><?xml version="1.0" encoding="utf-8"?>
-<p:sld xmlns:a="http://schemas.openxmlformats.org/drawingml/2006/main" xmlns:r="http://schemas.openxmlformats.org/officeDocument/2006/relationships" xmlns:p="http://schemas.openxmlformats.org/presentationml/2006/main">
-  <p:cSld>
-    <p:spTree>
-      <p:nvGrpSpPr>
-        <p:cNvPr id="1" name=""/>
-        <p:cNvGrpSpPr/>
-        <p:nvPr/>
-      </p:nvGrpSpPr>
-      <p:grpSpPr>
-        <a:xfrm>
-          <a:off x="0" y="0"/>
-          <a:ext cx="0" cy="0"/>
-          <a:chOff x="0" y="0"/>
-          <a:chExt cx="0" cy="0"/>
-        </a:xfrm>
-      </p:grpSpPr>
-      <p:sp>
-        <p:nvSpPr>
-          <p:cNvPr id="2" name="Title 1"/>
-          <p:cNvSpPr>
-            <a:spLocks noGrp="1"/>
-          </p:cNvSpPr>
-          <p:nvPr>
-            <p:ph type="title"/>
-          </p:nvPr>
-        </p:nvSpPr>
-        <p:spPr>
-          <a:xfrm>
-            <a:off x="238991" y="6924"/>
-            <a:ext cx="8686800" cy="1020762"/>
-          </a:xfrm>
-        </p:spPr>
-        <p:txBody>
-          <a:bodyPr>
-            <a:normAutofit fontScale="90000"/>
-          </a:bodyPr>
-          <a:lstStyle/>
-          <a:p>
-            <a:r>
-              <a:rPr lang="en-US" sz="3200" dirty="0" smtClean="0"/>
-              <a:t>Alleviate </a:t>
-            </a:r>
-            <a:r>
-              <a:rPr lang="en-US" sz="3200" dirty="0"/>
-              <a:t>the impact from the “normal” cell population</a:t>
-            </a:r>
-          </a:p>
-        </p:txBody>
-      </p:sp>
-      <p:grpSp>
-        <p:nvGrpSpPr>
-          <p:cNvPr id="9" name="Group 8"/>
-          <p:cNvGrpSpPr/>
-          <p:nvPr/>
-        </p:nvGrpSpPr>
-        <p:grpSpPr>
-          <a:xfrm>
-            <a:off x="1524000" y="914400"/>
-            <a:ext cx="6258620" cy="5863937"/>
-            <a:chOff x="1524000" y="914400"/>
-            <a:chExt cx="6258620" cy="5863937"/>
-          </a:xfrm>
-        </p:grpSpPr>
-        <p:pic>
-          <p:nvPicPr>
-            <p:cNvPr id="7" name="Picture 6"/>
-            <p:cNvPicPr>
-              <a:picLocks noChangeAspect="1"/>
-            </p:cNvPicPr>
-            <p:nvPr/>
-          </p:nvPicPr>
-          <p:blipFill>
-            <a:blip r:embed="rId2">
-              <a:extLst>
-                <a:ext uri="{28A0092B-C50C-407E-A947-70E740481C1C}">
-                  <a14:useLocalDpi xmlns:a14="http://schemas.microsoft.com/office/drawing/2010/main" val="0"/>
-                </a:ext>
-              </a:extLst>
-            </a:blip>
-            <a:stretch>
-              <a:fillRect/>
-            </a:stretch>
-          </p:blipFill>
-          <p:spPr>
-            <a:xfrm>
-              <a:off x="1524000" y="914400"/>
-              <a:ext cx="6258620" cy="5863937"/>
-            </a:xfrm>
-            <a:prstGeom prst="rect">
-              <a:avLst/>
-            </a:prstGeom>
-          </p:spPr>
-        </p:pic>
-        <p:pic>
-          <p:nvPicPr>
-            <p:cNvPr id="7170" name="Picture 2"/>
-            <p:cNvPicPr>
-              <a:picLocks noChangeAspect="1" noChangeArrowheads="1"/>
-            </p:cNvPicPr>
-            <p:nvPr/>
-          </p:nvPicPr>
-          <p:blipFill>
-            <a:blip r:embed="rId3">
-              <a:extLst>
-                <a:ext uri="{28A0092B-C50C-407E-A947-70E740481C1C}">
-                  <a14:useLocalDpi xmlns:a14="http://schemas.microsoft.com/office/drawing/2010/main" val="0"/>
-                </a:ext>
-              </a:extLst>
-            </a:blip>
-            <a:srcRect/>
-            <a:stretch>
-              <a:fillRect/>
-            </a:stretch>
-          </p:blipFill>
-          <p:spPr bwMode="auto">
-            <a:xfrm>
-              <a:off x="5257800" y="1610591"/>
-              <a:ext cx="2133600" cy="1371600"/>
-            </a:xfrm>
-            <a:prstGeom prst="rect">
-              <a:avLst/>
-            </a:prstGeom>
-            <a:noFill/>
-            <a:ln>
-              <a:noFill/>
-            </a:ln>
-            <a:extLst>
-              <a:ext uri="{909E8E84-426E-40dd-AFC4-6F175D3DCCD1}">
-                <a14:hiddenFill xmlns:a14="http://schemas.microsoft.com/office/drawing/2010/main">
-                  <a:solidFill>
-                    <a:schemeClr val="accent1"/>
-                  </a:solidFill>
-                </a14:hiddenFill>
-              </a:ext>
-              <a:ext uri="{91240B29-F687-4f45-9708-019B960494DF}">
-                <a14:hiddenLine xmlns:a14="http://schemas.microsoft.com/office/drawing/2010/main" w="9525">
-                  <a:solidFill>
-                    <a:schemeClr val="tx1"/>
-                  </a:solidFill>
-                  <a:miter lim="800000"/>
-                  <a:headEnd/>
-                  <a:tailEnd/>
-                </a14:hiddenLine>
-              </a:ext>
-            </a:extLst>
-          </p:spPr>
-        </p:pic>
-      </p:grpSp>
-    </p:spTree>
-    <p:extLst>
-      <p:ext uri="{BB962C8B-B14F-4D97-AF65-F5344CB8AC3E}">
-        <p14:creationId xmlns:p14="http://schemas.microsoft.com/office/powerpoint/2010/main" val="2491144472"/>
       </p:ext>
     </p:extLst>
   </p:cSld>
@@ -13440,6 +13552,36 @@
           </a:prstGeom>
         </p:spPr>
       </p:pic>
+      <p:sp>
+        <p:nvSpPr>
+          <p:cNvPr id="2" name="TextBox 1"/>
+          <p:cNvSpPr txBox="1"/>
+          <p:nvPr/>
+        </p:nvSpPr>
+        <p:spPr>
+          <a:xfrm>
+            <a:off x="3352800" y="3886200"/>
+            <a:ext cx="1442635" cy="369332"/>
+          </a:xfrm>
+          <a:prstGeom prst="rect">
+            <a:avLst/>
+          </a:prstGeom>
+          <a:noFill/>
+        </p:spPr>
+        <p:txBody>
+          <a:bodyPr wrap="none" rtlCol="0">
+            <a:spAutoFit/>
+          </a:bodyPr>
+          <a:lstStyle/>
+          <a:p>
+            <a:r>
+              <a:rPr lang="en-US" dirty="0" smtClean="0"/>
+              <a:t>Need fix here</a:t>
+            </a:r>
+            <a:endParaRPr lang="en-US" dirty="0"/>
+          </a:p>
+        </p:txBody>
+      </p:sp>
     </p:spTree>
     <p:extLst>
       <p:ext uri="{BB962C8B-B14F-4D97-AF65-F5344CB8AC3E}">
@@ -13461,6 +13603,242 @@
 </file>
 
 <file path=ppt/slides/slide40.xml><?xml version="1.0" encoding="utf-8"?>
+<p:sld xmlns:a="http://schemas.openxmlformats.org/drawingml/2006/main" xmlns:r="http://schemas.openxmlformats.org/officeDocument/2006/relationships" xmlns:p="http://schemas.openxmlformats.org/presentationml/2006/main">
+  <p:cSld>
+    <p:spTree>
+      <p:nvGrpSpPr>
+        <p:cNvPr id="1" name=""/>
+        <p:cNvGrpSpPr/>
+        <p:nvPr/>
+      </p:nvGrpSpPr>
+      <p:grpSpPr>
+        <a:xfrm>
+          <a:off x="0" y="0"/>
+          <a:ext cx="0" cy="0"/>
+          <a:chOff x="0" y="0"/>
+          <a:chExt cx="0" cy="0"/>
+        </a:xfrm>
+      </p:grpSpPr>
+      <p:pic>
+        <p:nvPicPr>
+          <p:cNvPr id="2" name="Picture 1"/>
+          <p:cNvPicPr>
+            <a:picLocks noChangeAspect="1"/>
+          </p:cNvPicPr>
+          <p:nvPr/>
+        </p:nvPicPr>
+        <p:blipFill>
+          <a:blip r:embed="rId2">
+            <a:extLst>
+              <a:ext uri="{28A0092B-C50C-407E-A947-70E740481C1C}">
+                <a14:useLocalDpi xmlns:a14="http://schemas.microsoft.com/office/drawing/2010/main" val="0"/>
+              </a:ext>
+            </a:extLst>
+          </a:blip>
+          <a:stretch>
+            <a:fillRect/>
+          </a:stretch>
+        </p:blipFill>
+        <p:spPr>
+          <a:xfrm>
+            <a:off x="1371600" y="233362"/>
+            <a:ext cx="6400800" cy="6391275"/>
+          </a:xfrm>
+          <a:prstGeom prst="rect">
+            <a:avLst/>
+          </a:prstGeom>
+        </p:spPr>
+      </p:pic>
+    </p:spTree>
+    <p:extLst>
+      <p:ext uri="{BB962C8B-B14F-4D97-AF65-F5344CB8AC3E}">
+        <p14:creationId xmlns:p14="http://schemas.microsoft.com/office/powerpoint/2010/main" val="2577487504"/>
+      </p:ext>
+    </p:extLst>
+  </p:cSld>
+  <p:clrMapOvr>
+    <a:masterClrMapping/>
+  </p:clrMapOvr>
+  <p:timing>
+    <p:tnLst>
+      <p:par>
+        <p:cTn xmlns:p14="http://schemas.microsoft.com/office/powerpoint/2010/main" id="1" dur="indefinite" restart="never" nodeType="tmRoot"/>
+      </p:par>
+    </p:tnLst>
+  </p:timing>
+</p:sld>
+</file>
+
+<file path=ppt/slides/slide41.xml><?xml version="1.0" encoding="utf-8"?>
+<p:sld xmlns:a="http://schemas.openxmlformats.org/drawingml/2006/main" xmlns:r="http://schemas.openxmlformats.org/officeDocument/2006/relationships" xmlns:p="http://schemas.openxmlformats.org/presentationml/2006/main">
+  <p:cSld>
+    <p:spTree>
+      <p:nvGrpSpPr>
+        <p:cNvPr id="1" name=""/>
+        <p:cNvGrpSpPr/>
+        <p:nvPr/>
+      </p:nvGrpSpPr>
+      <p:grpSpPr>
+        <a:xfrm>
+          <a:off x="0" y="0"/>
+          <a:ext cx="0" cy="0"/>
+          <a:chOff x="0" y="0"/>
+          <a:chExt cx="0" cy="0"/>
+        </a:xfrm>
+      </p:grpSpPr>
+      <p:sp>
+        <p:nvSpPr>
+          <p:cNvPr id="2" name="Title 1"/>
+          <p:cNvSpPr>
+            <a:spLocks noGrp="1"/>
+          </p:cNvSpPr>
+          <p:nvPr>
+            <p:ph type="title"/>
+          </p:nvPr>
+        </p:nvSpPr>
+        <p:spPr>
+          <a:xfrm>
+            <a:off x="238991" y="6924"/>
+            <a:ext cx="8686800" cy="1020762"/>
+          </a:xfrm>
+        </p:spPr>
+        <p:txBody>
+          <a:bodyPr>
+            <a:normAutofit fontScale="90000"/>
+          </a:bodyPr>
+          <a:lstStyle/>
+          <a:p>
+            <a:r>
+              <a:rPr lang="en-US" sz="3200" dirty="0" smtClean="0"/>
+              <a:t>Alleviate </a:t>
+            </a:r>
+            <a:r>
+              <a:rPr lang="en-US" sz="3200" dirty="0"/>
+              <a:t>the impact from the “normal” cell population</a:t>
+            </a:r>
+          </a:p>
+        </p:txBody>
+      </p:sp>
+      <p:grpSp>
+        <p:nvGrpSpPr>
+          <p:cNvPr id="9" name="Group 8"/>
+          <p:cNvGrpSpPr/>
+          <p:nvPr/>
+        </p:nvGrpSpPr>
+        <p:grpSpPr>
+          <a:xfrm>
+            <a:off x="1524000" y="914400"/>
+            <a:ext cx="6258620" cy="5863937"/>
+            <a:chOff x="1524000" y="914400"/>
+            <a:chExt cx="6258620" cy="5863937"/>
+          </a:xfrm>
+        </p:grpSpPr>
+        <p:pic>
+          <p:nvPicPr>
+            <p:cNvPr id="7" name="Picture 6"/>
+            <p:cNvPicPr>
+              <a:picLocks noChangeAspect="1"/>
+            </p:cNvPicPr>
+            <p:nvPr/>
+          </p:nvPicPr>
+          <p:blipFill>
+            <a:blip r:embed="rId2">
+              <a:extLst>
+                <a:ext uri="{28A0092B-C50C-407E-A947-70E740481C1C}">
+                  <a14:useLocalDpi xmlns:a14="http://schemas.microsoft.com/office/drawing/2010/main" val="0"/>
+                </a:ext>
+              </a:extLst>
+            </a:blip>
+            <a:stretch>
+              <a:fillRect/>
+            </a:stretch>
+          </p:blipFill>
+          <p:spPr>
+            <a:xfrm>
+              <a:off x="1524000" y="914400"/>
+              <a:ext cx="6258620" cy="5863937"/>
+            </a:xfrm>
+            <a:prstGeom prst="rect">
+              <a:avLst/>
+            </a:prstGeom>
+          </p:spPr>
+        </p:pic>
+        <p:pic>
+          <p:nvPicPr>
+            <p:cNvPr id="7170" name="Picture 2"/>
+            <p:cNvPicPr>
+              <a:picLocks noChangeAspect="1" noChangeArrowheads="1"/>
+            </p:cNvPicPr>
+            <p:nvPr/>
+          </p:nvPicPr>
+          <p:blipFill>
+            <a:blip r:embed="rId3">
+              <a:extLst>
+                <a:ext uri="{28A0092B-C50C-407E-A947-70E740481C1C}">
+                  <a14:useLocalDpi xmlns:a14="http://schemas.microsoft.com/office/drawing/2010/main" val="0"/>
+                </a:ext>
+              </a:extLst>
+            </a:blip>
+            <a:srcRect/>
+            <a:stretch>
+              <a:fillRect/>
+            </a:stretch>
+          </p:blipFill>
+          <p:spPr bwMode="auto">
+            <a:xfrm>
+              <a:off x="5257800" y="1610591"/>
+              <a:ext cx="2133600" cy="1371600"/>
+            </a:xfrm>
+            <a:prstGeom prst="rect">
+              <a:avLst/>
+            </a:prstGeom>
+            <a:noFill/>
+            <a:ln>
+              <a:noFill/>
+            </a:ln>
+            <a:extLst>
+              <a:ext uri="{909E8E84-426E-40dd-AFC4-6F175D3DCCD1}">
+                <a14:hiddenFill xmlns:a14="http://schemas.microsoft.com/office/drawing/2010/main">
+                  <a:solidFill>
+                    <a:schemeClr val="accent1"/>
+                  </a:solidFill>
+                </a14:hiddenFill>
+              </a:ext>
+              <a:ext uri="{91240B29-F687-4f45-9708-019B960494DF}">
+                <a14:hiddenLine xmlns:a14="http://schemas.microsoft.com/office/drawing/2010/main" w="9525">
+                  <a:solidFill>
+                    <a:schemeClr val="tx1"/>
+                  </a:solidFill>
+                  <a:miter lim="800000"/>
+                  <a:headEnd/>
+                  <a:tailEnd/>
+                </a14:hiddenLine>
+              </a:ext>
+            </a:extLst>
+          </p:spPr>
+        </p:pic>
+      </p:grpSp>
+    </p:spTree>
+    <p:extLst>
+      <p:ext uri="{BB962C8B-B14F-4D97-AF65-F5344CB8AC3E}">
+        <p14:creationId xmlns:p14="http://schemas.microsoft.com/office/powerpoint/2010/main" val="2491144472"/>
+      </p:ext>
+    </p:extLst>
+  </p:cSld>
+  <p:clrMapOvr>
+    <a:masterClrMapping/>
+  </p:clrMapOvr>
+  <p:timing>
+    <p:tnLst>
+      <p:par>
+        <p:cTn xmlns:p14="http://schemas.microsoft.com/office/powerpoint/2010/main" id="1" dur="indefinite" restart="never" nodeType="tmRoot"/>
+      </p:par>
+    </p:tnLst>
+  </p:timing>
+</p:sld>
+</file>
+
+<file path=ppt/slides/slide42.xml><?xml version="1.0" encoding="utf-8"?>
 <p:sld xmlns:a="http://schemas.openxmlformats.org/drawingml/2006/main" xmlns:r="http://schemas.openxmlformats.org/officeDocument/2006/relationships" xmlns:p="http://schemas.openxmlformats.org/presentationml/2006/main">
   <p:cSld>
     <p:spTree>
@@ -14128,7 +14506,7 @@
 </p:sld>
 </file>
 
-<file path=ppt/slides/slide41.xml><?xml version="1.0" encoding="utf-8"?>
+<file path=ppt/slides/slide43.xml><?xml version="1.0" encoding="utf-8"?>
 <p:sld xmlns:a="http://schemas.openxmlformats.org/drawingml/2006/main" xmlns:r="http://schemas.openxmlformats.org/officeDocument/2006/relationships" xmlns:p="http://schemas.openxmlformats.org/presentationml/2006/main">
   <p:cSld>
     <p:spTree>
@@ -14249,7 +14627,7 @@
 </p:sld>
 </file>
 
-<file path=ppt/slides/slide42.xml><?xml version="1.0" encoding="utf-8"?>
+<file path=ppt/slides/slide44.xml><?xml version="1.0" encoding="utf-8"?>
 <p:sld xmlns:a="http://schemas.openxmlformats.org/drawingml/2006/main" xmlns:r="http://schemas.openxmlformats.org/officeDocument/2006/relationships" xmlns:p="http://schemas.openxmlformats.org/presentationml/2006/main">
   <p:cSld>
     <p:spTree>
@@ -14359,7 +14737,7 @@
 </p:sld>
 </file>
 
-<file path=ppt/slides/slide43.xml><?xml version="1.0" encoding="utf-8"?>
+<file path=ppt/slides/slide45.xml><?xml version="1.0" encoding="utf-8"?>
 <p:sld xmlns:a="http://schemas.openxmlformats.org/drawingml/2006/main" xmlns:r="http://schemas.openxmlformats.org/officeDocument/2006/relationships" xmlns:p="http://schemas.openxmlformats.org/presentationml/2006/main">
   <p:cSld>
     <p:spTree>
@@ -14605,7 +14983,7 @@
 </p:sld>
 </file>
 
-<file path=ppt/slides/slide44.xml><?xml version="1.0" encoding="utf-8"?>
+<file path=ppt/slides/slide46.xml><?xml version="1.0" encoding="utf-8"?>
 <p:sld xmlns:a="http://schemas.openxmlformats.org/drawingml/2006/main" xmlns:r="http://schemas.openxmlformats.org/officeDocument/2006/relationships" xmlns:p="http://schemas.openxmlformats.org/presentationml/2006/main">
   <p:cSld>
     <p:spTree>
@@ -15019,7 +15397,7 @@
 </p:sld>
 </file>
 
-<file path=ppt/slides/slide45.xml><?xml version="1.0" encoding="utf-8"?>
+<file path=ppt/slides/slide47.xml><?xml version="1.0" encoding="utf-8"?>
 <p:sld xmlns:a="http://schemas.openxmlformats.org/drawingml/2006/main" xmlns:r="http://schemas.openxmlformats.org/officeDocument/2006/relationships" xmlns:p="http://schemas.openxmlformats.org/presentationml/2006/main">
   <p:cSld>
     <p:spTree>
@@ -15370,7 +15748,7 @@
 </p:sld>
 </file>
 
-<file path=ppt/slides/slide46.xml><?xml version="1.0" encoding="utf-8"?>
+<file path=ppt/slides/slide48.xml><?xml version="1.0" encoding="utf-8"?>
 <p:sld xmlns:a="http://schemas.openxmlformats.org/drawingml/2006/main" xmlns:r="http://schemas.openxmlformats.org/officeDocument/2006/relationships" xmlns:p="http://schemas.openxmlformats.org/presentationml/2006/main">
   <p:cSld>
     <p:spTree>
@@ -15437,7 +15815,7 @@
 </p:sld>
 </file>
 
-<file path=ppt/slides/slide47.xml><?xml version="1.0" encoding="utf-8"?>
+<file path=ppt/slides/slide49.xml><?xml version="1.0" encoding="utf-8"?>
 <p:sld xmlns:a="http://schemas.openxmlformats.org/drawingml/2006/main" xmlns:r="http://schemas.openxmlformats.org/officeDocument/2006/relationships" xmlns:p="http://schemas.openxmlformats.org/presentationml/2006/main">
   <p:cSld>
     <p:spTree>
@@ -15696,7 +16074,104 @@
 </p:sld>
 </file>
 
-<file path=ppt/slides/slide48.xml><?xml version="1.0" encoding="utf-8"?>
+<file path=ppt/slides/slide5.xml><?xml version="1.0" encoding="utf-8"?>
+<p:sld xmlns:a="http://schemas.openxmlformats.org/drawingml/2006/main" xmlns:r="http://schemas.openxmlformats.org/officeDocument/2006/relationships" xmlns:p="http://schemas.openxmlformats.org/presentationml/2006/main">
+  <p:cSld>
+    <p:spTree>
+      <p:nvGrpSpPr>
+        <p:cNvPr id="1" name=""/>
+        <p:cNvGrpSpPr/>
+        <p:nvPr/>
+      </p:nvGrpSpPr>
+      <p:grpSpPr>
+        <a:xfrm>
+          <a:off x="0" y="0"/>
+          <a:ext cx="0" cy="0"/>
+          <a:chOff x="0" y="0"/>
+          <a:chExt cx="0" cy="0"/>
+        </a:xfrm>
+      </p:grpSpPr>
+      <p:sp>
+        <p:nvSpPr>
+          <p:cNvPr id="2" name="Title 1"/>
+          <p:cNvSpPr>
+            <a:spLocks noGrp="1"/>
+          </p:cNvSpPr>
+          <p:nvPr>
+            <p:ph type="title"/>
+          </p:nvPr>
+        </p:nvSpPr>
+        <p:spPr/>
+        <p:txBody>
+          <a:bodyPr/>
+          <a:lstStyle/>
+          <a:p>
+            <a:r>
+              <a:rPr lang="en-US" dirty="0" smtClean="0"/>
+              <a:t>Kernel density estimation</a:t>
+            </a:r>
+            <a:endParaRPr lang="en-US" dirty="0"/>
+          </a:p>
+        </p:txBody>
+      </p:sp>
+      <p:sp>
+        <p:nvSpPr>
+          <p:cNvPr id="3" name="Content Placeholder 2"/>
+          <p:cNvSpPr>
+            <a:spLocks noGrp="1"/>
+          </p:cNvSpPr>
+          <p:nvPr>
+            <p:ph idx="1"/>
+          </p:nvPr>
+        </p:nvSpPr>
+        <p:spPr/>
+        <p:txBody>
+          <a:bodyPr/>
+          <a:lstStyle/>
+          <a:p>
+            <a:r>
+              <a:rPr lang="en-US" dirty="0" smtClean="0"/>
+              <a:t>Standard normal was used as the kernel</a:t>
+            </a:r>
+          </a:p>
+          <a:p>
+            <a:r>
+              <a:rPr lang="en-US" dirty="0" smtClean="0"/>
+              <a:t>Function formula</a:t>
+            </a:r>
+          </a:p>
+          <a:p>
+            <a:endParaRPr lang="en-US" dirty="0"/>
+          </a:p>
+          <a:p>
+            <a:endParaRPr lang="en-US" dirty="0" smtClean="0"/>
+          </a:p>
+          <a:p>
+            <a:endParaRPr lang="en-US" dirty="0"/>
+          </a:p>
+          <a:p>
+            <a:r>
+              <a:rPr lang="en-US" dirty="0" smtClean="0"/>
+              <a:t>Getting the estimated probability density function for unknown random variable</a:t>
+            </a:r>
+            <a:endParaRPr lang="en-US" dirty="0"/>
+          </a:p>
+        </p:txBody>
+      </p:sp>
+    </p:spTree>
+    <p:extLst>
+      <p:ext uri="{BB962C8B-B14F-4D97-AF65-F5344CB8AC3E}">
+        <p14:creationId xmlns:p14="http://schemas.microsoft.com/office/powerpoint/2010/main" val="3634015092"/>
+      </p:ext>
+    </p:extLst>
+  </p:cSld>
+  <p:clrMapOvr>
+    <a:masterClrMapping/>
+  </p:clrMapOvr>
+</p:sld>
+</file>
+
+<file path=ppt/slides/slide50.xml><?xml version="1.0" encoding="utf-8"?>
 <p:sld xmlns:a="http://schemas.openxmlformats.org/drawingml/2006/main" xmlns:r="http://schemas.openxmlformats.org/officeDocument/2006/relationships" xmlns:p="http://schemas.openxmlformats.org/presentationml/2006/main">
   <p:cSld>
     <p:spTree>
@@ -16437,7 +16912,7 @@
 </p:sld>
 </file>
 
-<file path=ppt/slides/slide49.xml><?xml version="1.0" encoding="utf-8"?>
+<file path=ppt/slides/slide51.xml><?xml version="1.0" encoding="utf-8"?>
 <p:sld xmlns:a="http://schemas.openxmlformats.org/drawingml/2006/main" xmlns:r="http://schemas.openxmlformats.org/officeDocument/2006/relationships" xmlns:p="http://schemas.openxmlformats.org/presentationml/2006/main">
   <p:cSld>
     <p:spTree>
@@ -16515,7 +16990,7 @@
 </p:sld>
 </file>
 
-<file path=ppt/slides/slide5.xml><?xml version="1.0" encoding="utf-8"?>
+<file path=ppt/slides/slide6.xml><?xml version="1.0" encoding="utf-8"?>
 <p:sld xmlns:a="http://schemas.openxmlformats.org/drawingml/2006/main" xmlns:r="http://schemas.openxmlformats.org/officeDocument/2006/relationships" xmlns:p="http://schemas.openxmlformats.org/presentationml/2006/main">
   <p:cSld>
     <p:spTree>
@@ -16716,7 +17191,7 @@
 </p:sld>
 </file>
 
-<file path=ppt/slides/slide6.xml><?xml version="1.0" encoding="utf-8"?>
+<file path=ppt/slides/slide7.xml><?xml version="1.0" encoding="utf-8"?>
 <p:sld xmlns:a="http://schemas.openxmlformats.org/drawingml/2006/main" xmlns:r="http://schemas.openxmlformats.org/officeDocument/2006/relationships" xmlns:p="http://schemas.openxmlformats.org/presentationml/2006/main">
   <p:cSld>
     <p:spTree>
@@ -16917,7 +17392,7 @@
 </p:sld>
 </file>
 
-<file path=ppt/slides/slide7.xml><?xml version="1.0" encoding="utf-8"?>
+<file path=ppt/slides/slide8.xml><?xml version="1.0" encoding="utf-8"?>
 <p:sld xmlns:a="http://schemas.openxmlformats.org/drawingml/2006/main" xmlns:r="http://schemas.openxmlformats.org/officeDocument/2006/relationships" xmlns:p="http://schemas.openxmlformats.org/presentationml/2006/main">
   <p:cSld>
     <p:spTree>
@@ -17118,7 +17593,7 @@
 </p:sld>
 </file>
 
-<file path=ppt/slides/slide8.xml><?xml version="1.0" encoding="utf-8"?>
+<file path=ppt/slides/slide9.xml><?xml version="1.0" encoding="utf-8"?>
 <p:sld xmlns:a="http://schemas.openxmlformats.org/drawingml/2006/main" xmlns:r="http://schemas.openxmlformats.org/officeDocument/2006/relationships" xmlns:p="http://schemas.openxmlformats.org/presentationml/2006/main">
   <p:cSld>
     <p:spTree>
@@ -17222,229 +17697,6 @@
     <p:extLst>
       <p:ext uri="{BB962C8B-B14F-4D97-AF65-F5344CB8AC3E}">
         <p14:creationId xmlns:p14="http://schemas.microsoft.com/office/powerpoint/2010/main" val="4281664809"/>
-      </p:ext>
-    </p:extLst>
-  </p:cSld>
-  <p:clrMapOvr>
-    <a:masterClrMapping/>
-  </p:clrMapOvr>
-  <p:timing>
-    <p:tnLst>
-      <p:par>
-        <p:cTn xmlns:p14="http://schemas.microsoft.com/office/powerpoint/2010/main" id="1" dur="indefinite" restart="never" nodeType="tmRoot"/>
-      </p:par>
-    </p:tnLst>
-  </p:timing>
-</p:sld>
-</file>
-
-<file path=ppt/slides/slide9.xml><?xml version="1.0" encoding="utf-8"?>
-<p:sld xmlns:a="http://schemas.openxmlformats.org/drawingml/2006/main" xmlns:r="http://schemas.openxmlformats.org/officeDocument/2006/relationships" xmlns:p="http://schemas.openxmlformats.org/presentationml/2006/main">
-  <p:cSld>
-    <p:spTree>
-      <p:nvGrpSpPr>
-        <p:cNvPr id="1" name=""/>
-        <p:cNvGrpSpPr/>
-        <p:nvPr/>
-      </p:nvGrpSpPr>
-      <p:grpSpPr>
-        <a:xfrm>
-          <a:off x="0" y="0"/>
-          <a:ext cx="0" cy="0"/>
-          <a:chOff x="0" y="0"/>
-          <a:chExt cx="0" cy="0"/>
-        </a:xfrm>
-      </p:grpSpPr>
-      <p:sp>
-        <p:nvSpPr>
-          <p:cNvPr id="2" name="Title 1"/>
-          <p:cNvSpPr>
-            <a:spLocks noGrp="1"/>
-          </p:cNvSpPr>
-          <p:nvPr>
-            <p:ph type="title"/>
-          </p:nvPr>
-        </p:nvSpPr>
-        <p:spPr/>
-        <p:txBody>
-          <a:bodyPr>
-            <a:noAutofit/>
-          </a:bodyPr>
-          <a:lstStyle/>
-          <a:p>
-            <a:r>
-              <a:rPr lang="en-US" sz="3600" b="1" dirty="0"/>
-              <a:t>Ex</a:t>
-            </a:r>
-            <a:r>
-              <a:rPr lang="en-US" sz="3600" dirty="0"/>
-              <a:t>pert </a:t>
-            </a:r>
-            <a:r>
-              <a:rPr lang="en-US" sz="3600" b="1" dirty="0"/>
-              <a:t>G</a:t>
-            </a:r>
-            <a:r>
-              <a:rPr lang="en-US" sz="3600" dirty="0"/>
-              <a:t>uided Data </a:t>
-            </a:r>
-            <a:r>
-              <a:rPr lang="en-US" sz="3600" b="1" dirty="0"/>
-              <a:t>C</a:t>
-            </a:r>
-            <a:r>
-              <a:rPr lang="en-US" sz="3600" dirty="0"/>
-              <a:t>leaning and </a:t>
-            </a:r>
-            <a:r>
-              <a:rPr lang="en-US" sz="3600" b="1" dirty="0"/>
-              <a:t>R</a:t>
-            </a:r>
-            <a:r>
-              <a:rPr lang="en-US" sz="3600" dirty="0"/>
-              <a:t>econstructio</a:t>
-            </a:r>
-            <a:r>
-              <a:rPr lang="en-US" sz="3600" b="1" dirty="0"/>
-              <a:t>n </a:t>
-            </a:r>
-            <a:r>
-              <a:rPr lang="en-US" sz="3600" dirty="0"/>
-              <a:t>(</a:t>
-            </a:r>
-            <a:r>
-              <a:rPr lang="en-US" sz="3600" b="1" dirty="0" err="1"/>
-              <a:t>ExGCRn</a:t>
-            </a:r>
-            <a:r>
-              <a:rPr lang="en-US" sz="3600" dirty="0"/>
-              <a:t>) </a:t>
-            </a:r>
-          </a:p>
-        </p:txBody>
-      </p:sp>
-      <p:sp>
-        <p:nvSpPr>
-          <p:cNvPr id="3" name="Content Placeholder 2"/>
-          <p:cNvSpPr>
-            <a:spLocks noGrp="1"/>
-          </p:cNvSpPr>
-          <p:nvPr>
-            <p:ph idx="1"/>
-          </p:nvPr>
-        </p:nvSpPr>
-        <p:spPr/>
-        <p:txBody>
-          <a:bodyPr>
-            <a:normAutofit fontScale="85000" lnSpcReduction="10000"/>
-          </a:bodyPr>
-          <a:lstStyle/>
-          <a:p>
-            <a:r>
-              <a:rPr lang="en-US" b="1" i="1" dirty="0"/>
-              <a:t>Expert </a:t>
-            </a:r>
-            <a:r>
-              <a:rPr lang="en-US" b="1" i="1" dirty="0" smtClean="0"/>
-              <a:t>input</a:t>
-            </a:r>
-          </a:p>
-          <a:p>
-            <a:pPr lvl="1"/>
-            <a:r>
-              <a:rPr lang="en-US" dirty="0" smtClean="0"/>
-              <a:t>Param1</a:t>
-            </a:r>
-            <a:r>
-              <a:rPr lang="en-US" dirty="0"/>
-              <a:t>: Threshold for aneuploidy </a:t>
-            </a:r>
-            <a:r>
-              <a:rPr lang="en-US" dirty="0" smtClean="0"/>
-              <a:t>D.I.</a:t>
-            </a:r>
-            <a:endParaRPr lang="en-US" dirty="0"/>
-          </a:p>
-          <a:p>
-            <a:pPr lvl="1"/>
-            <a:r>
-              <a:rPr lang="en-US" dirty="0" smtClean="0"/>
-              <a:t>Param2</a:t>
-            </a:r>
-            <a:r>
-              <a:rPr lang="en-US" dirty="0"/>
-              <a:t>: Mean D.I. value for mitotic cell </a:t>
-            </a:r>
-            <a:r>
-              <a:rPr lang="en-US" dirty="0" smtClean="0"/>
-              <a:t>population</a:t>
-            </a:r>
-          </a:p>
-          <a:p>
-            <a:pPr lvl="1"/>
-            <a:r>
-              <a:rPr lang="en-US" dirty="0" smtClean="0"/>
-              <a:t>Param3</a:t>
-            </a:r>
-            <a:r>
-              <a:rPr lang="en-US" dirty="0"/>
-              <a:t>: Standard deviation for mitotic and aneuploidy </a:t>
-            </a:r>
-            <a:r>
-              <a:rPr lang="en-US" dirty="0" smtClean="0"/>
-              <a:t>cell populations</a:t>
-            </a:r>
-          </a:p>
-          <a:p>
-            <a:pPr lvl="1"/>
-            <a:r>
-              <a:rPr lang="en-US" dirty="0" smtClean="0"/>
-              <a:t>Param4</a:t>
-            </a:r>
-            <a:r>
-              <a:rPr lang="en-US" dirty="0"/>
-              <a:t>: Ratio of normal cell (both normal and mitotic) vs. aneuploidy when three populations </a:t>
-            </a:r>
-            <a:r>
-              <a:rPr lang="en-US" dirty="0" smtClean="0"/>
-              <a:t>observed</a:t>
-            </a:r>
-          </a:p>
-          <a:p>
-            <a:pPr lvl="1"/>
-            <a:r>
-              <a:rPr lang="en-US" dirty="0" smtClean="0"/>
-              <a:t>Param5</a:t>
-            </a:r>
-            <a:r>
-              <a:rPr lang="en-US" dirty="0"/>
-              <a:t>: Ratio of normal cell (both normal and mitotic) vs. aneuploidy when no aneuploidy population </a:t>
-            </a:r>
-            <a:r>
-              <a:rPr lang="en-US" dirty="0" smtClean="0"/>
-              <a:t>observed</a:t>
-            </a:r>
-          </a:p>
-          <a:p>
-            <a:pPr lvl="1"/>
-            <a:r>
-              <a:rPr lang="en-US" dirty="0" smtClean="0"/>
-              <a:t>Param6</a:t>
-            </a:r>
-            <a:r>
-              <a:rPr lang="en-US" dirty="0"/>
-              <a:t>: Ratio of normal cell vs. mitotic population when no aneuploidy population observed</a:t>
-            </a:r>
-          </a:p>
-          <a:p>
-            <a:endParaRPr lang="en-US" dirty="0"/>
-          </a:p>
-        </p:txBody>
-      </p:sp>
-    </p:spTree>
-    <p:extLst>
-      <p:ext uri="{BB962C8B-B14F-4D97-AF65-F5344CB8AC3E}">
-        <p14:creationId xmlns:p14="http://schemas.microsoft.com/office/powerpoint/2010/main" val="918774868"/>
       </p:ext>
     </p:extLst>
   </p:cSld>

--- a/BeijingMeeting/OralCancer.pptx
+++ b/BeijingMeeting/OralCancer.pptx
@@ -5,7 +5,7 @@
     <p:sldMasterId id="2147483648" r:id="rId1"/>
   </p:sldMasterIdLst>
   <p:notesMasterIdLst>
-    <p:notesMasterId r:id="rId53"/>
+    <p:notesMasterId r:id="rId68"/>
   </p:notesMasterIdLst>
   <p:sldIdLst>
     <p:sldId id="282" r:id="rId2"/>
@@ -20,45 +20,60 @@
     <p:sldId id="311" r:id="rId11"/>
     <p:sldId id="273" r:id="rId12"/>
     <p:sldId id="274" r:id="rId13"/>
-    <p:sldId id="308" r:id="rId14"/>
-    <p:sldId id="309" r:id="rId15"/>
-    <p:sldId id="307" r:id="rId16"/>
-    <p:sldId id="305" r:id="rId17"/>
-    <p:sldId id="283" r:id="rId18"/>
-    <p:sldId id="285" r:id="rId19"/>
-    <p:sldId id="286" r:id="rId20"/>
-    <p:sldId id="287" r:id="rId21"/>
-    <p:sldId id="288" r:id="rId22"/>
-    <p:sldId id="289" r:id="rId23"/>
-    <p:sldId id="290" r:id="rId24"/>
-    <p:sldId id="291" r:id="rId25"/>
-    <p:sldId id="293" r:id="rId26"/>
-    <p:sldId id="294" r:id="rId27"/>
-    <p:sldId id="295" r:id="rId28"/>
-    <p:sldId id="296" r:id="rId29"/>
-    <p:sldId id="297" r:id="rId30"/>
-    <p:sldId id="298" r:id="rId31"/>
-    <p:sldId id="299" r:id="rId32"/>
-    <p:sldId id="300" r:id="rId33"/>
-    <p:sldId id="263" r:id="rId34"/>
-    <p:sldId id="264" r:id="rId35"/>
-    <p:sldId id="268" r:id="rId36"/>
-    <p:sldId id="269" r:id="rId37"/>
-    <p:sldId id="270" r:id="rId38"/>
-    <p:sldId id="256" r:id="rId39"/>
-    <p:sldId id="258" r:id="rId40"/>
-    <p:sldId id="259" r:id="rId41"/>
-    <p:sldId id="271" r:id="rId42"/>
-    <p:sldId id="275" r:id="rId43"/>
-    <p:sldId id="280" r:id="rId44"/>
-    <p:sldId id="276" r:id="rId45"/>
-    <p:sldId id="277" r:id="rId46"/>
-    <p:sldId id="278" r:id="rId47"/>
-    <p:sldId id="279" r:id="rId48"/>
-    <p:sldId id="281" r:id="rId49"/>
-    <p:sldId id="302" r:id="rId50"/>
-    <p:sldId id="303" r:id="rId51"/>
-    <p:sldId id="304" r:id="rId52"/>
+    <p:sldId id="312" r:id="rId14"/>
+    <p:sldId id="308" r:id="rId15"/>
+    <p:sldId id="313" r:id="rId16"/>
+    <p:sldId id="309" r:id="rId17"/>
+    <p:sldId id="314" r:id="rId18"/>
+    <p:sldId id="318" r:id="rId19"/>
+    <p:sldId id="323" r:id="rId20"/>
+    <p:sldId id="321" r:id="rId21"/>
+    <p:sldId id="324" r:id="rId22"/>
+    <p:sldId id="326" r:id="rId23"/>
+    <p:sldId id="325" r:id="rId24"/>
+    <p:sldId id="319" r:id="rId25"/>
+    <p:sldId id="320" r:id="rId26"/>
+    <p:sldId id="315" r:id="rId27"/>
+    <p:sldId id="322" r:id="rId28"/>
+    <p:sldId id="316" r:id="rId29"/>
+    <p:sldId id="317" r:id="rId30"/>
+    <p:sldId id="307" r:id="rId31"/>
+    <p:sldId id="305" r:id="rId32"/>
+    <p:sldId id="283" r:id="rId33"/>
+    <p:sldId id="285" r:id="rId34"/>
+    <p:sldId id="286" r:id="rId35"/>
+    <p:sldId id="287" r:id="rId36"/>
+    <p:sldId id="288" r:id="rId37"/>
+    <p:sldId id="289" r:id="rId38"/>
+    <p:sldId id="290" r:id="rId39"/>
+    <p:sldId id="291" r:id="rId40"/>
+    <p:sldId id="293" r:id="rId41"/>
+    <p:sldId id="294" r:id="rId42"/>
+    <p:sldId id="295" r:id="rId43"/>
+    <p:sldId id="296" r:id="rId44"/>
+    <p:sldId id="297" r:id="rId45"/>
+    <p:sldId id="298" r:id="rId46"/>
+    <p:sldId id="299" r:id="rId47"/>
+    <p:sldId id="300" r:id="rId48"/>
+    <p:sldId id="263" r:id="rId49"/>
+    <p:sldId id="264" r:id="rId50"/>
+    <p:sldId id="268" r:id="rId51"/>
+    <p:sldId id="269" r:id="rId52"/>
+    <p:sldId id="270" r:id="rId53"/>
+    <p:sldId id="256" r:id="rId54"/>
+    <p:sldId id="258" r:id="rId55"/>
+    <p:sldId id="259" r:id="rId56"/>
+    <p:sldId id="271" r:id="rId57"/>
+    <p:sldId id="275" r:id="rId58"/>
+    <p:sldId id="280" r:id="rId59"/>
+    <p:sldId id="276" r:id="rId60"/>
+    <p:sldId id="277" r:id="rId61"/>
+    <p:sldId id="278" r:id="rId62"/>
+    <p:sldId id="279" r:id="rId63"/>
+    <p:sldId id="281" r:id="rId64"/>
+    <p:sldId id="302" r:id="rId65"/>
+    <p:sldId id="303" r:id="rId66"/>
+    <p:sldId id="304" r:id="rId67"/>
   </p:sldIdLst>
   <p:sldSz cx="9144000" cy="6858000" type="screen4x3"/>
   <p:notesSz cx="6858000" cy="9144000"/>
@@ -242,7 +257,7 @@
           <a:p>
             <a:fld id="{8887C12A-3CDD-FF4A-9F90-E15CB567C633}" type="datetimeFigureOut">
               <a:rPr lang="en-US" smtClean="0"/>
-              <a:t>5/2/14</a:t>
+              <a:t>5/6/2014</a:t>
             </a:fld>
             <a:endParaRPr lang="en-US"/>
           </a:p>
@@ -648,11 +663,19 @@
           <a:p>
             <a:r>
               <a:rPr lang="en-US" dirty="0" smtClean="0"/>
-              <a:t>Figure 3 Kernel</a:t>
+              <a:t>Figure 4 Data</a:t>
             </a:r>
             <a:r>
               <a:rPr lang="en-US" baseline="0" dirty="0" smtClean="0"/>
-              <a:t> density smoothed density plots on D.I. values </a:t>
+              <a:t> cleaning results from </a:t>
+            </a:r>
+            <a:r>
+              <a:rPr lang="en-US" baseline="0" dirty="0" err="1" smtClean="0"/>
+              <a:t>ExGCRn</a:t>
+            </a:r>
+            <a:r>
+              <a:rPr lang="en-US" baseline="0" dirty="0" smtClean="0"/>
+              <a:t> procedure</a:t>
             </a:r>
             <a:endParaRPr lang="en-US" dirty="0"/>
           </a:p>
@@ -675,7 +698,7 @@
           <a:p>
             <a:fld id="{FBDCEE2F-1E82-4629-B6CC-B0E3A96AD62F}" type="slidenum">
               <a:rPr lang="en-US" smtClean="0"/>
-              <a:t>49</a:t>
+              <a:t>19</a:t>
             </a:fld>
             <a:endParaRPr lang="en-US"/>
           </a:p>
@@ -684,7 +707,7 @@
     </p:spTree>
     <p:extLst>
       <p:ext uri="{BB962C8B-B14F-4D97-AF65-F5344CB8AC3E}">
-        <p14:creationId xmlns:p14="http://schemas.microsoft.com/office/powerpoint/2010/main" val="2747181383"/>
+        <p14:creationId xmlns:p14="http://schemas.microsoft.com/office/powerpoint/2010/main" val="3094726679"/>
       </p:ext>
     </p:extLst>
   </p:cSld>
@@ -740,19 +763,11 @@
           <a:p>
             <a:r>
               <a:rPr lang="en-US" dirty="0" smtClean="0"/>
-              <a:t>Figure 4 Data</a:t>
+              <a:t>Figure 3 Kernel</a:t>
             </a:r>
             <a:r>
               <a:rPr lang="en-US" baseline="0" dirty="0" smtClean="0"/>
-              <a:t> cleaning results from </a:t>
-            </a:r>
-            <a:r>
-              <a:rPr lang="en-US" baseline="0" dirty="0" err="1" smtClean="0"/>
-              <a:t>ExGCRn</a:t>
-            </a:r>
-            <a:r>
-              <a:rPr lang="en-US" baseline="0" dirty="0" smtClean="0"/>
-              <a:t> procedure</a:t>
+              <a:t> density smoothed density plots on D.I. values </a:t>
             </a:r>
             <a:endParaRPr lang="en-US" dirty="0"/>
           </a:p>
@@ -775,7 +790,107 @@
           <a:p>
             <a:fld id="{FBDCEE2F-1E82-4629-B6CC-B0E3A96AD62F}" type="slidenum">
               <a:rPr lang="en-US" smtClean="0"/>
-              <a:t>50</a:t>
+              <a:t>64</a:t>
+            </a:fld>
+            <a:endParaRPr lang="en-US"/>
+          </a:p>
+        </p:txBody>
+      </p:sp>
+    </p:spTree>
+    <p:extLst>
+      <p:ext uri="{BB962C8B-B14F-4D97-AF65-F5344CB8AC3E}">
+        <p14:creationId xmlns:p14="http://schemas.microsoft.com/office/powerpoint/2010/main" val="2747181383"/>
+      </p:ext>
+    </p:extLst>
+  </p:cSld>
+  <p:clrMapOvr>
+    <a:masterClrMapping/>
+  </p:clrMapOvr>
+</p:notes>
+</file>
+
+<file path=ppt/notesSlides/notesSlide4.xml><?xml version="1.0" encoding="utf-8"?>
+<p:notes xmlns:a="http://schemas.openxmlformats.org/drawingml/2006/main" xmlns:r="http://schemas.openxmlformats.org/officeDocument/2006/relationships" xmlns:p="http://schemas.openxmlformats.org/presentationml/2006/main">
+  <p:cSld>
+    <p:spTree>
+      <p:nvGrpSpPr>
+        <p:cNvPr id="1" name=""/>
+        <p:cNvGrpSpPr/>
+        <p:nvPr/>
+      </p:nvGrpSpPr>
+      <p:grpSpPr>
+        <a:xfrm>
+          <a:off x="0" y="0"/>
+          <a:ext cx="0" cy="0"/>
+          <a:chOff x="0" y="0"/>
+          <a:chExt cx="0" cy="0"/>
+        </a:xfrm>
+      </p:grpSpPr>
+      <p:sp>
+        <p:nvSpPr>
+          <p:cNvPr id="2" name="Slide Image Placeholder 1"/>
+          <p:cNvSpPr>
+            <a:spLocks noGrp="1" noRot="1" noChangeAspect="1"/>
+          </p:cNvSpPr>
+          <p:nvPr>
+            <p:ph type="sldImg"/>
+          </p:nvPr>
+        </p:nvSpPr>
+        <p:spPr/>
+      </p:sp>
+      <p:sp>
+        <p:nvSpPr>
+          <p:cNvPr id="3" name="Notes Placeholder 2"/>
+          <p:cNvSpPr>
+            <a:spLocks noGrp="1"/>
+          </p:cNvSpPr>
+          <p:nvPr>
+            <p:ph type="body" idx="1"/>
+          </p:nvPr>
+        </p:nvSpPr>
+        <p:spPr/>
+        <p:txBody>
+          <a:bodyPr/>
+          <a:lstStyle/>
+          <a:p>
+            <a:r>
+              <a:rPr lang="en-US" dirty="0" smtClean="0"/>
+              <a:t>Figure 4 Data</a:t>
+            </a:r>
+            <a:r>
+              <a:rPr lang="en-US" baseline="0" dirty="0" smtClean="0"/>
+              <a:t> cleaning results from </a:t>
+            </a:r>
+            <a:r>
+              <a:rPr lang="en-US" baseline="0" dirty="0" err="1" smtClean="0"/>
+              <a:t>ExGCRn</a:t>
+            </a:r>
+            <a:r>
+              <a:rPr lang="en-US" baseline="0" dirty="0" smtClean="0"/>
+              <a:t> procedure</a:t>
+            </a:r>
+            <a:endParaRPr lang="en-US" dirty="0"/>
+          </a:p>
+        </p:txBody>
+      </p:sp>
+      <p:sp>
+        <p:nvSpPr>
+          <p:cNvPr id="4" name="Slide Number Placeholder 3"/>
+          <p:cNvSpPr>
+            <a:spLocks noGrp="1"/>
+          </p:cNvSpPr>
+          <p:nvPr>
+            <p:ph type="sldNum" sz="quarter" idx="10"/>
+          </p:nvPr>
+        </p:nvSpPr>
+        <p:spPr/>
+        <p:txBody>
+          <a:bodyPr/>
+          <a:lstStyle/>
+          <a:p>
+            <a:fld id="{FBDCEE2F-1E82-4629-B6CC-B0E3A96AD62F}" type="slidenum">
+              <a:rPr lang="en-US" smtClean="0"/>
+              <a:t>65</a:t>
             </a:fld>
             <a:endParaRPr lang="en-US"/>
           </a:p>
@@ -975,7 +1090,7 @@
           <a:p>
             <a:fld id="{6EAE9F20-9478-42F4-9FF4-33D5845E5FEA}" type="datetimeFigureOut">
               <a:rPr lang="en-US" smtClean="0"/>
-              <a:t>5/2/14</a:t>
+              <a:t>5/6/2014</a:t>
             </a:fld>
             <a:endParaRPr lang="en-US"/>
           </a:p>
@@ -1145,7 +1260,7 @@
           <a:p>
             <a:fld id="{6EAE9F20-9478-42F4-9FF4-33D5845E5FEA}" type="datetimeFigureOut">
               <a:rPr lang="en-US" smtClean="0"/>
-              <a:t>5/2/14</a:t>
+              <a:t>5/6/2014</a:t>
             </a:fld>
             <a:endParaRPr lang="en-US"/>
           </a:p>
@@ -1325,7 +1440,7 @@
           <a:p>
             <a:fld id="{6EAE9F20-9478-42F4-9FF4-33D5845E5FEA}" type="datetimeFigureOut">
               <a:rPr lang="en-US" smtClean="0"/>
-              <a:t>5/2/14</a:t>
+              <a:t>5/6/2014</a:t>
             </a:fld>
             <a:endParaRPr lang="en-US"/>
           </a:p>
@@ -1495,7 +1610,7 @@
           <a:p>
             <a:fld id="{6EAE9F20-9478-42F4-9FF4-33D5845E5FEA}" type="datetimeFigureOut">
               <a:rPr lang="en-US" smtClean="0"/>
-              <a:t>5/2/14</a:t>
+              <a:t>5/6/2014</a:t>
             </a:fld>
             <a:endParaRPr lang="en-US"/>
           </a:p>
@@ -1741,7 +1856,7 @@
           <a:p>
             <a:fld id="{6EAE9F20-9478-42F4-9FF4-33D5845E5FEA}" type="datetimeFigureOut">
               <a:rPr lang="en-US" smtClean="0"/>
-              <a:t>5/2/14</a:t>
+              <a:t>5/6/2014</a:t>
             </a:fld>
             <a:endParaRPr lang="en-US"/>
           </a:p>
@@ -2029,7 +2144,7 @@
           <a:p>
             <a:fld id="{6EAE9F20-9478-42F4-9FF4-33D5845E5FEA}" type="datetimeFigureOut">
               <a:rPr lang="en-US" smtClean="0"/>
-              <a:t>5/2/14</a:t>
+              <a:t>5/6/2014</a:t>
             </a:fld>
             <a:endParaRPr lang="en-US"/>
           </a:p>
@@ -2451,7 +2566,7 @@
           <a:p>
             <a:fld id="{6EAE9F20-9478-42F4-9FF4-33D5845E5FEA}" type="datetimeFigureOut">
               <a:rPr lang="en-US" smtClean="0"/>
-              <a:t>5/2/14</a:t>
+              <a:t>5/6/2014</a:t>
             </a:fld>
             <a:endParaRPr lang="en-US"/>
           </a:p>
@@ -2569,7 +2684,7 @@
           <a:p>
             <a:fld id="{6EAE9F20-9478-42F4-9FF4-33D5845E5FEA}" type="datetimeFigureOut">
               <a:rPr lang="en-US" smtClean="0"/>
-              <a:t>5/2/14</a:t>
+              <a:t>5/6/2014</a:t>
             </a:fld>
             <a:endParaRPr lang="en-US"/>
           </a:p>
@@ -2664,7 +2779,7 @@
           <a:p>
             <a:fld id="{6EAE9F20-9478-42F4-9FF4-33D5845E5FEA}" type="datetimeFigureOut">
               <a:rPr lang="en-US" smtClean="0"/>
-              <a:t>5/2/14</a:t>
+              <a:t>5/6/2014</a:t>
             </a:fld>
             <a:endParaRPr lang="en-US"/>
           </a:p>
@@ -2941,7 +3056,7 @@
           <a:p>
             <a:fld id="{6EAE9F20-9478-42F4-9FF4-33D5845E5FEA}" type="datetimeFigureOut">
               <a:rPr lang="en-US" smtClean="0"/>
-              <a:t>5/2/14</a:t>
+              <a:t>5/6/2014</a:t>
             </a:fld>
             <a:endParaRPr lang="en-US"/>
           </a:p>
@@ -3194,7 +3309,7 @@
           <a:p>
             <a:fld id="{6EAE9F20-9478-42F4-9FF4-33D5845E5FEA}" type="datetimeFigureOut">
               <a:rPr lang="en-US" smtClean="0"/>
-              <a:t>5/2/14</a:t>
+              <a:t>5/6/2014</a:t>
             </a:fld>
             <a:endParaRPr lang="en-US"/>
           </a:p>
@@ -3407,7 +3522,7 @@
           <a:p>
             <a:fld id="{6EAE9F20-9478-42F4-9FF4-33D5845E5FEA}" type="datetimeFigureOut">
               <a:rPr lang="en-US" smtClean="0"/>
-              <a:t>5/2/14</a:t>
+              <a:t>5/6/2014</a:t>
             </a:fld>
             <a:endParaRPr lang="en-US"/>
           </a:p>
@@ -3862,7 +3977,7 @@
   <p:timing>
     <p:tnLst>
       <p:par>
-        <p:cTn xmlns:p14="http://schemas.microsoft.com/office/powerpoint/2010/main" id="1" dur="indefinite" restart="never" nodeType="tmRoot"/>
+        <p:cTn id="1" dur="indefinite" restart="never" nodeType="tmRoot"/>
       </p:par>
     </p:tnLst>
   </p:timing>
@@ -4003,9 +4118,9 @@
       </p:grpSpPr>
       <p:pic>
         <p:nvPicPr>
-          <p:cNvPr id="5122" name="Picture 2" descr="X:\myGit\mixturemodel\thirdDraft\two_pop_10_1.jpeg"/>
+          <p:cNvPr id="2" name="Picture 1"/>
           <p:cNvPicPr>
-            <a:picLocks noChangeAspect="1" noChangeArrowheads="1"/>
+            <a:picLocks noChangeAspect="1"/>
           </p:cNvPicPr>
           <p:nvPr/>
         </p:nvPicPr>
@@ -4017,29 +4132,18 @@
               </a:ext>
             </a:extLst>
           </a:blip>
-          <a:srcRect/>
           <a:stretch>
             <a:fillRect/>
           </a:stretch>
         </p:blipFill>
-        <p:spPr bwMode="auto">
+        <p:spPr>
           <a:xfrm>
-            <a:off x="1309251" y="62346"/>
-            <a:ext cx="6791908" cy="6781800"/>
+            <a:off x="1371600" y="233362"/>
+            <a:ext cx="6400800" cy="6391275"/>
           </a:xfrm>
           <a:prstGeom prst="rect">
             <a:avLst/>
           </a:prstGeom>
-          <a:noFill/>
-          <a:extLst>
-            <a:ext uri="{909E8E84-426E-40dd-AFC4-6F175D3DCCD1}">
-              <a14:hiddenFill xmlns:a14="http://schemas.microsoft.com/office/drawing/2010/main">
-                <a:solidFill>
-                  <a:srgbClr val="FFFFFF"/>
-                </a:solidFill>
-              </a14:hiddenFill>
-            </a:ext>
-          </a:extLst>
         </p:spPr>
       </p:pic>
     </p:spTree>
@@ -4055,7 +4159,7 @@
   <p:timing>
     <p:tnLst>
       <p:par>
-        <p:cTn xmlns:p14="http://schemas.microsoft.com/office/powerpoint/2010/main" id="1" dur="indefinite" restart="never" nodeType="tmRoot"/>
+        <p:cTn id="1" dur="indefinite" restart="never" nodeType="tmRoot"/>
       </p:par>
     </p:tnLst>
   </p:timing>
@@ -4081,9 +4185,9 @@
       </p:grpSpPr>
       <p:pic>
         <p:nvPicPr>
-          <p:cNvPr id="6146" name="Picture 2" descr="X:\myGit\mixturemodel\thirdDraft\mixed_density.jpeg"/>
+          <p:cNvPr id="2" name="Picture 1"/>
           <p:cNvPicPr>
-            <a:picLocks noChangeAspect="1" noChangeArrowheads="1"/>
+            <a:picLocks noChangeAspect="1"/>
           </p:cNvPicPr>
           <p:nvPr/>
         </p:nvPicPr>
@@ -4095,29 +4199,18 @@
               </a:ext>
             </a:extLst>
           </a:blip>
-          <a:srcRect/>
           <a:stretch>
             <a:fillRect/>
           </a:stretch>
         </p:blipFill>
-        <p:spPr bwMode="auto">
+        <p:spPr>
           <a:xfrm>
-            <a:off x="1170707" y="0"/>
-            <a:ext cx="6868221" cy="6858001"/>
+            <a:off x="1371600" y="233362"/>
+            <a:ext cx="6400800" cy="6391275"/>
           </a:xfrm>
           <a:prstGeom prst="rect">
             <a:avLst/>
           </a:prstGeom>
-          <a:noFill/>
-          <a:extLst>
-            <a:ext uri="{909E8E84-426E-40dd-AFC4-6F175D3DCCD1}">
-              <a14:hiddenFill xmlns:a14="http://schemas.microsoft.com/office/drawing/2010/main">
-                <a:solidFill>
-                  <a:srgbClr val="FFFFFF"/>
-                </a:solidFill>
-              </a14:hiddenFill>
-            </a:ext>
-          </a:extLst>
         </p:spPr>
       </p:pic>
     </p:spTree>
@@ -4133,7 +4226,7 @@
   <p:timing>
     <p:tnLst>
       <p:par>
-        <p:cTn xmlns:p14="http://schemas.microsoft.com/office/powerpoint/2010/main" id="1" dur="indefinite" restart="never" nodeType="tmRoot"/>
+        <p:cTn id="1" dur="indefinite" restart="never" nodeType="tmRoot"/>
       </p:par>
     </p:tnLst>
   </p:timing>
@@ -4157,196 +4250,86 @@
           <a:chExt cx="0" cy="0"/>
         </a:xfrm>
       </p:grpSpPr>
+      <p:pic>
+        <p:nvPicPr>
+          <p:cNvPr id="2" name="Picture 1"/>
+          <p:cNvPicPr>
+            <a:picLocks noChangeAspect="1"/>
+          </p:cNvPicPr>
+          <p:nvPr/>
+        </p:nvPicPr>
+        <p:blipFill>
+          <a:blip r:embed="rId2">
+            <a:extLst>
+              <a:ext uri="{28A0092B-C50C-407E-A947-70E740481C1C}">
+                <a14:useLocalDpi xmlns:a14="http://schemas.microsoft.com/office/drawing/2010/main" val="0"/>
+              </a:ext>
+            </a:extLst>
+          </a:blip>
+          <a:stretch>
+            <a:fillRect/>
+          </a:stretch>
+        </p:blipFill>
+        <p:spPr>
+          <a:xfrm>
+            <a:off x="1371600" y="233362"/>
+            <a:ext cx="6400800" cy="6391275"/>
+          </a:xfrm>
+          <a:prstGeom prst="rect">
+            <a:avLst/>
+          </a:prstGeom>
+        </p:spPr>
+      </p:pic>
       <p:sp>
         <p:nvSpPr>
-          <p:cNvPr id="2" name="Title 1"/>
-          <p:cNvSpPr>
-            <a:spLocks noGrp="1"/>
-          </p:cNvSpPr>
-          <p:nvPr>
-            <p:ph type="title"/>
-          </p:nvPr>
+          <p:cNvPr id="3" name="Oval 2"/>
+          <p:cNvSpPr/>
+          <p:nvPr/>
         </p:nvSpPr>
-        <p:spPr/>
+        <p:spPr>
+          <a:xfrm>
+            <a:off x="6389077" y="5093677"/>
+            <a:ext cx="762000" cy="762000"/>
+          </a:xfrm>
+          <a:prstGeom prst="ellipse">
+            <a:avLst/>
+          </a:prstGeom>
+          <a:noFill/>
+          <a:ln>
+            <a:solidFill>
+              <a:srgbClr val="FF0000"/>
+            </a:solidFill>
+          </a:ln>
+        </p:spPr>
+        <p:style>
+          <a:lnRef idx="2">
+            <a:schemeClr val="accent1">
+              <a:shade val="50000"/>
+            </a:schemeClr>
+          </a:lnRef>
+          <a:fillRef idx="1">
+            <a:schemeClr val="accent1"/>
+          </a:fillRef>
+          <a:effectRef idx="0">
+            <a:schemeClr val="accent1"/>
+          </a:effectRef>
+          <a:fontRef idx="minor">
+            <a:schemeClr val="lt1"/>
+          </a:fontRef>
+        </p:style>
         <p:txBody>
-          <a:bodyPr>
-            <a:noAutofit/>
-          </a:bodyPr>
+          <a:bodyPr rtlCol="0" anchor="ctr"/>
           <a:lstStyle/>
           <a:p>
-            <a:r>
-              <a:rPr lang="en-US" sz="3600" b="1" dirty="0"/>
-              <a:t>Ex</a:t>
-            </a:r>
-            <a:r>
-              <a:rPr lang="en-US" sz="3600" dirty="0"/>
-              <a:t>pert </a:t>
-            </a:r>
-            <a:r>
-              <a:rPr lang="en-US" sz="3600" b="1" dirty="0"/>
-              <a:t>G</a:t>
-            </a:r>
-            <a:r>
-              <a:rPr lang="en-US" sz="3600" dirty="0"/>
-              <a:t>uided Data </a:t>
-            </a:r>
-            <a:r>
-              <a:rPr lang="en-US" sz="3600" b="1" dirty="0"/>
-              <a:t>C</a:t>
-            </a:r>
-            <a:r>
-              <a:rPr lang="en-US" sz="3600" dirty="0"/>
-              <a:t>leaning and </a:t>
-            </a:r>
-            <a:r>
-              <a:rPr lang="en-US" sz="3600" b="1" dirty="0"/>
-              <a:t>R</a:t>
-            </a:r>
-            <a:r>
-              <a:rPr lang="en-US" sz="3600" dirty="0"/>
-              <a:t>econstructio</a:t>
-            </a:r>
-            <a:r>
-              <a:rPr lang="en-US" sz="3600" b="1" dirty="0"/>
-              <a:t>n </a:t>
-            </a:r>
-            <a:r>
-              <a:rPr lang="en-US" sz="3600" dirty="0"/>
-              <a:t>(</a:t>
-            </a:r>
-            <a:r>
-              <a:rPr lang="en-US" sz="3600" b="1" dirty="0" err="1"/>
-              <a:t>ExGCRn</a:t>
-            </a:r>
-            <a:r>
-              <a:rPr lang="en-US" sz="3600" dirty="0"/>
-              <a:t>) </a:t>
-            </a:r>
-          </a:p>
-        </p:txBody>
-      </p:sp>
-      <p:sp>
-        <p:nvSpPr>
-          <p:cNvPr id="3" name="Content Placeholder 2"/>
-          <p:cNvSpPr>
-            <a:spLocks noGrp="1"/>
-          </p:cNvSpPr>
-          <p:nvPr>
-            <p:ph idx="1"/>
-          </p:nvPr>
-        </p:nvSpPr>
-        <p:spPr/>
-        <p:txBody>
-          <a:bodyPr>
-            <a:normAutofit fontScale="85000" lnSpcReduction="10000"/>
-          </a:bodyPr>
-          <a:lstStyle/>
-          <a:p>
-            <a:r>
-              <a:rPr lang="en-US" b="1" i="1" dirty="0"/>
-              <a:t>Expert </a:t>
-            </a:r>
-            <a:r>
-              <a:rPr lang="en-US" b="1" i="1" dirty="0" smtClean="0"/>
-              <a:t>input</a:t>
-            </a:r>
-          </a:p>
-          <a:p>
-            <a:pPr lvl="1"/>
-            <a:r>
-              <a:rPr lang="en-US" dirty="0" smtClean="0"/>
-              <a:t>Param1</a:t>
-            </a:r>
-            <a:r>
-              <a:rPr lang="en-US" dirty="0"/>
-              <a:t>: Threshold for aneuploidy </a:t>
-            </a:r>
-            <a:r>
-              <a:rPr lang="en-US" dirty="0" smtClean="0"/>
-              <a:t>D.I.</a:t>
-            </a:r>
-            <a:endParaRPr lang="en-US" dirty="0"/>
-          </a:p>
-          <a:p>
-            <a:pPr lvl="1"/>
-            <a:r>
-              <a:rPr lang="en-US" dirty="0" smtClean="0"/>
-              <a:t>Param2</a:t>
-            </a:r>
-            <a:r>
-              <a:rPr lang="en-US" dirty="0"/>
-              <a:t>: Mean D.I. value for mitotic cell </a:t>
-            </a:r>
-            <a:r>
-              <a:rPr lang="en-US" dirty="0" smtClean="0"/>
-              <a:t>population</a:t>
-            </a:r>
-          </a:p>
-          <a:p>
-            <a:pPr lvl="1"/>
-            <a:r>
-              <a:rPr lang="en-US" dirty="0" smtClean="0"/>
-              <a:t>Param3</a:t>
-            </a:r>
-            <a:r>
-              <a:rPr lang="en-US" dirty="0"/>
-              <a:t>: Standard deviation for mitotic and aneuploidy </a:t>
-            </a:r>
-            <a:r>
-              <a:rPr lang="en-US" dirty="0" smtClean="0"/>
-              <a:t>cell populations</a:t>
-            </a:r>
-          </a:p>
-          <a:p>
-            <a:pPr lvl="1"/>
-            <a:r>
-              <a:rPr lang="en-US" dirty="0" smtClean="0"/>
-              <a:t>Param4</a:t>
-            </a:r>
-            <a:r>
-              <a:rPr lang="en-US" dirty="0"/>
-              <a:t>: Ratio of normal cell (both normal and mitotic) vs. aneuploidy when three populations </a:t>
-            </a:r>
-            <a:r>
-              <a:rPr lang="en-US" dirty="0" smtClean="0"/>
-              <a:t>observed</a:t>
-            </a:r>
-          </a:p>
-          <a:p>
-            <a:pPr lvl="1"/>
-            <a:r>
-              <a:rPr lang="en-US" dirty="0" smtClean="0"/>
-              <a:t>Param5</a:t>
-            </a:r>
-            <a:r>
-              <a:rPr lang="en-US" dirty="0"/>
-              <a:t>: Ratio of normal cell (both normal and mitotic) vs. aneuploidy when no aneuploidy population </a:t>
-            </a:r>
-            <a:r>
-              <a:rPr lang="en-US" dirty="0" smtClean="0"/>
-              <a:t>observed</a:t>
-            </a:r>
-          </a:p>
-          <a:p>
-            <a:pPr lvl="1"/>
-            <a:r>
-              <a:rPr lang="en-US" dirty="0" smtClean="0"/>
-              <a:t>Param6</a:t>
-            </a:r>
-            <a:r>
-              <a:rPr lang="en-US" dirty="0"/>
-              <a:t>: Ratio of normal cell vs. mitotic population when no aneuploidy population observed</a:t>
-            </a:r>
-          </a:p>
-          <a:p>
-            <a:endParaRPr lang="en-US" dirty="0"/>
+            <a:pPr algn="ctr"/>
+            <a:endParaRPr lang="en-US"/>
           </a:p>
         </p:txBody>
       </p:sp>
     </p:spTree>
     <p:extLst>
       <p:ext uri="{BB962C8B-B14F-4D97-AF65-F5344CB8AC3E}">
-        <p14:creationId xmlns:p14="http://schemas.microsoft.com/office/powerpoint/2010/main" val="918774868"/>
+        <p14:creationId xmlns:p14="http://schemas.microsoft.com/office/powerpoint/2010/main" val="1229890726"/>
       </p:ext>
     </p:extLst>
   </p:cSld>
@@ -4356,9 +4339,80 @@
   <p:timing>
     <p:tnLst>
       <p:par>
-        <p:cTn xmlns:p14="http://schemas.microsoft.com/office/powerpoint/2010/main" id="1" dur="indefinite" restart="never" nodeType="tmRoot"/>
+        <p:cTn id="1" dur="indefinite" restart="never" nodeType="tmRoot">
+          <p:childTnLst>
+            <p:seq concurrent="1" nextAc="seek">
+              <p:cTn id="2" dur="indefinite" nodeType="mainSeq">
+                <p:childTnLst>
+                  <p:par>
+                    <p:cTn id="3" fill="hold">
+                      <p:stCondLst>
+                        <p:cond delay="indefinite"/>
+                      </p:stCondLst>
+                      <p:childTnLst>
+                        <p:par>
+                          <p:cTn id="4" fill="hold">
+                            <p:stCondLst>
+                              <p:cond delay="0"/>
+                            </p:stCondLst>
+                            <p:childTnLst>
+                              <p:par>
+                                <p:cTn id="5" presetID="1" presetClass="entr" presetSubtype="0" fill="hold" grpId="0" nodeType="clickEffect">
+                                  <p:stCondLst>
+                                    <p:cond delay="0"/>
+                                  </p:stCondLst>
+                                  <p:childTnLst>
+                                    <p:set>
+                                      <p:cBhvr>
+                                        <p:cTn id="6" dur="1" fill="hold">
+                                          <p:stCondLst>
+                                            <p:cond delay="0"/>
+                                          </p:stCondLst>
+                                        </p:cTn>
+                                        <p:tgtEl>
+                                          <p:spTgt spid="3"/>
+                                        </p:tgtEl>
+                                        <p:attrNameLst>
+                                          <p:attrName>style.visibility</p:attrName>
+                                        </p:attrNameLst>
+                                      </p:cBhvr>
+                                      <p:to>
+                                        <p:strVal val="visible"/>
+                                      </p:to>
+                                    </p:set>
+                                  </p:childTnLst>
+                                </p:cTn>
+                              </p:par>
+                            </p:childTnLst>
+                          </p:cTn>
+                        </p:par>
+                      </p:childTnLst>
+                    </p:cTn>
+                  </p:par>
+                </p:childTnLst>
+              </p:cTn>
+              <p:prevCondLst>
+                <p:cond evt="onPrev" delay="0">
+                  <p:tgtEl>
+                    <p:sldTgt/>
+                  </p:tgtEl>
+                </p:cond>
+              </p:prevCondLst>
+              <p:nextCondLst>
+                <p:cond evt="onNext" delay="0">
+                  <p:tgtEl>
+                    <p:sldTgt/>
+                  </p:tgtEl>
+                </p:cond>
+              </p:nextCondLst>
+            </p:seq>
+          </p:childTnLst>
+        </p:cTn>
       </p:par>
     </p:tnLst>
+    <p:bldLst>
+      <p:bldP spid="3" grpId="0" animBg="1"/>
+    </p:bldLst>
   </p:timing>
 </p:sld>
 </file>
@@ -4445,11 +4499,6 @@
               <a:rPr lang="en-US" sz="3600" dirty="0"/>
               <a:t>) </a:t>
             </a:r>
-            <a:r>
-              <a:rPr lang="en-US" sz="3600" dirty="0" smtClean="0"/>
-              <a:t>–cont.</a:t>
-            </a:r>
-            <a:endParaRPr lang="en-US" sz="3600" dirty="0"/>
           </a:p>
         </p:txBody>
       </p:sp>
@@ -4466,17 +4515,32 @@
         <p:spPr/>
         <p:txBody>
           <a:bodyPr>
-            <a:normAutofit fontScale="40000" lnSpcReduction="20000"/>
+            <a:normAutofit fontScale="85000" lnSpcReduction="10000"/>
           </a:bodyPr>
           <a:lstStyle/>
           <a:p>
             <a:r>
               <a:rPr lang="en-US" b="1" i="1" dirty="0"/>
-              <a:t>Stripping the normal </a:t>
+              <a:t>Expert </a:t>
             </a:r>
             <a:r>
               <a:rPr lang="en-US" b="1" i="1" dirty="0" smtClean="0"/>
-              <a:t>population</a:t>
+              <a:t>input</a:t>
+            </a:r>
+          </a:p>
+          <a:p>
+            <a:pPr lvl="1"/>
+            <a:r>
+              <a:rPr lang="en-US" dirty="0" smtClean="0"/>
+              <a:t>Param1</a:t>
+            </a:r>
+            <a:r>
+              <a:rPr lang="en-US" dirty="0"/>
+              <a:t>: Threshold for aneuploidy </a:t>
+            </a:r>
+            <a:r>
+              <a:rPr lang="en-US" dirty="0" smtClean="0"/>
+              <a:t>D.I.</a:t>
             </a:r>
             <a:endParaRPr lang="en-US" dirty="0"/>
           </a:p>
@@ -4484,62 +4548,11 @@
             <a:pPr lvl="1"/>
             <a:r>
               <a:rPr lang="en-US" dirty="0" smtClean="0"/>
-              <a:t>Step 1	 Derive </a:t>
+              <a:t>Param2</a:t>
             </a:r>
             <a:r>
               <a:rPr lang="en-US" dirty="0"/>
-              <a:t>the probability density function with kernel density estimation smoothing </a:t>
-            </a:r>
-            <a:endParaRPr lang="en-US" dirty="0" smtClean="0"/>
-          </a:p>
-          <a:p>
-            <a:pPr lvl="1"/>
-            <a:r>
-              <a:rPr lang="en-US" dirty="0" smtClean="0"/>
-              <a:t>Step </a:t>
-            </a:r>
-            <a:r>
-              <a:rPr lang="en-US" dirty="0"/>
-              <a:t>2	Determine the mode of the normal cell population </a:t>
-            </a:r>
-            <a:endParaRPr lang="en-US" dirty="0" smtClean="0"/>
-          </a:p>
-          <a:p>
-            <a:pPr lvl="1"/>
-            <a:r>
-              <a:rPr lang="en-US" dirty="0" smtClean="0"/>
-              <a:t>Step </a:t>
-            </a:r>
-            <a:r>
-              <a:rPr lang="en-US" dirty="0"/>
-              <a:t>3	</a:t>
-            </a:r>
-            <a:endParaRPr lang="en-US" dirty="0" smtClean="0"/>
-          </a:p>
-          <a:p>
-            <a:pPr lvl="2"/>
-            <a:r>
-              <a:rPr lang="en-US" dirty="0" smtClean="0"/>
-              <a:t>(</a:t>
-            </a:r>
-            <a:r>
-              <a:rPr lang="en-US" dirty="0"/>
-              <a:t>a) Use the data to the left side of the </a:t>
-            </a:r>
-            <a:r>
-              <a:rPr lang="en-US" dirty="0" smtClean="0"/>
-              <a:t>mode</a:t>
-            </a:r>
-          </a:p>
-          <a:p>
-            <a:pPr lvl="2"/>
-            <a:r>
-              <a:rPr lang="en-US" dirty="0" smtClean="0"/>
-              <a:t>(</a:t>
-            </a:r>
-            <a:r>
-              <a:rPr lang="en-US" dirty="0"/>
-              <a:t>b) Estimate the mean and standard deviation of the normal </a:t>
+              <a:t>: Mean D.I. value for mitotic cell </a:t>
             </a:r>
             <a:r>
               <a:rPr lang="en-US" dirty="0" smtClean="0"/>
@@ -4550,224 +4563,56 @@
             <a:pPr lvl="1"/>
             <a:r>
               <a:rPr lang="en-US" dirty="0" smtClean="0"/>
-              <a:t>Step </a:t>
+              <a:t>Param3</a:t>
             </a:r>
             <a:r>
               <a:rPr lang="en-US" dirty="0"/>
-              <a:t>4	Remove the data point to the left the </a:t>
+              <a:t>: Standard deviation for mitotic and aneuploidy </a:t>
             </a:r>
             <a:r>
               <a:rPr lang="en-US" dirty="0" smtClean="0"/>
-              <a:t>mode</a:t>
+              <a:t>cell populations</a:t>
             </a:r>
           </a:p>
           <a:p>
             <a:pPr lvl="1"/>
             <a:r>
               <a:rPr lang="en-US" dirty="0" smtClean="0"/>
-              <a:t>Step </a:t>
+              <a:t>Param4</a:t>
             </a:r>
             <a:r>
               <a:rPr lang="en-US" dirty="0"/>
-              <a:t>5	</a:t>
-            </a:r>
-            <a:endParaRPr lang="en-US" dirty="0" smtClean="0"/>
-          </a:p>
-          <a:p>
-            <a:pPr lvl="2"/>
+              <a:t>: Ratio of normal cell (both normal and mitotic) vs. aneuploidy when three populations </a:t>
+            </a:r>
             <a:r>
               <a:rPr lang="en-US" dirty="0" smtClean="0"/>
-              <a:t>(</a:t>
+              <a:t>observed</a:t>
+            </a:r>
+          </a:p>
+          <a:p>
+            <a:pPr lvl="1"/>
+            <a:r>
+              <a:rPr lang="en-US" dirty="0" smtClean="0"/>
+              <a:t>Param5</a:t>
             </a:r>
             <a:r>
               <a:rPr lang="en-US" dirty="0"/>
-              <a:t>a) Find the symmetric subset of the data on the right of the </a:t>
+              <a:t>: Ratio of normal cell (both normal and mitotic) vs. aneuploidy when no aneuploidy population </a:t>
             </a:r>
             <a:r>
               <a:rPr lang="en-US" dirty="0" smtClean="0"/>
-              <a:t>mode</a:t>
-            </a:r>
-          </a:p>
-          <a:p>
-            <a:pPr lvl="2"/>
+              <a:t>observed</a:t>
+            </a:r>
+          </a:p>
+          <a:p>
+            <a:pPr lvl="1"/>
             <a:r>
               <a:rPr lang="en-US" dirty="0" smtClean="0"/>
-              <a:t>(</a:t>
+              <a:t>Param6</a:t>
             </a:r>
             <a:r>
               <a:rPr lang="en-US" dirty="0"/>
-              <a:t>b) Break the data on the right into equal </a:t>
-            </a:r>
-            <a:r>
-              <a:rPr lang="en-US" b="1" dirty="0"/>
-              <a:t>n</a:t>
-            </a:r>
-            <a:r>
-              <a:rPr lang="en-US" dirty="0"/>
-              <a:t> parts according to the KDE </a:t>
-            </a:r>
-            <a:r>
-              <a:rPr lang="en-US" dirty="0" smtClean="0"/>
-              <a:t>density</a:t>
-            </a:r>
-          </a:p>
-          <a:p>
-            <a:pPr marL="914400" lvl="2" indent="0">
-              <a:buNone/>
-            </a:pPr>
-            <a:endParaRPr lang="en-US" dirty="0"/>
-          </a:p>
-          <a:p>
-            <a:pPr lvl="1"/>
-            <a:r>
-              <a:rPr lang="en-US" b="1" i="1" dirty="0" err="1" smtClean="0"/>
-              <a:t>Foreach</a:t>
-            </a:r>
-            <a:r>
-              <a:rPr lang="en-US" dirty="0" smtClean="0"/>
-              <a:t> </a:t>
-            </a:r>
-            <a:r>
-              <a:rPr lang="en-US" dirty="0"/>
-              <a:t>interval </a:t>
-            </a:r>
-          </a:p>
-          <a:p>
-            <a:pPr lvl="2"/>
-            <a:r>
-              <a:rPr lang="en-US" dirty="0" smtClean="0"/>
-              <a:t>Derive </a:t>
-            </a:r>
-            <a:r>
-              <a:rPr lang="en-US" dirty="0"/>
-              <a:t>the theoretical number of data </a:t>
-            </a:r>
-            <a:r>
-              <a:rPr lang="en-US" dirty="0" smtClean="0"/>
-              <a:t>points</a:t>
-            </a:r>
-            <a:endParaRPr lang="en-US" dirty="0"/>
-          </a:p>
-          <a:p>
-            <a:pPr lvl="2"/>
-            <a:r>
-              <a:rPr lang="en-US" dirty="0" smtClean="0"/>
-              <a:t>Randomly </a:t>
-            </a:r>
-            <a:r>
-              <a:rPr lang="en-US" dirty="0"/>
-              <a:t>select candidate data points to be </a:t>
-            </a:r>
-            <a:r>
-              <a:rPr lang="en-US" dirty="0" smtClean="0"/>
-              <a:t>filtered</a:t>
-            </a:r>
-          </a:p>
-          <a:p>
-            <a:pPr lvl="2"/>
-            <a:r>
-              <a:rPr lang="en-US" dirty="0" smtClean="0"/>
-              <a:t>Recover </a:t>
-            </a:r>
-            <a:r>
-              <a:rPr lang="en-US" dirty="0"/>
-              <a:t>missing data points due to rounding errors</a:t>
-            </a:r>
-          </a:p>
-          <a:p>
-            <a:pPr lvl="1"/>
-            <a:r>
-              <a:rPr lang="en-US" dirty="0" smtClean="0"/>
-              <a:t>End </a:t>
-            </a:r>
-            <a:r>
-              <a:rPr lang="en-US" dirty="0"/>
-              <a:t>of</a:t>
-            </a:r>
-            <a:r>
-              <a:rPr lang="en-US" b="1" i="1" dirty="0"/>
-              <a:t> </a:t>
-            </a:r>
-            <a:r>
-              <a:rPr lang="en-US" b="1" i="1" dirty="0" err="1"/>
-              <a:t>foreach</a:t>
-            </a:r>
-            <a:r>
-              <a:rPr lang="en-US" dirty="0"/>
-              <a:t> </a:t>
-            </a:r>
-            <a:r>
-              <a:rPr lang="en-US" dirty="0" smtClean="0"/>
-              <a:t>loop</a:t>
-            </a:r>
-          </a:p>
-          <a:p>
-            <a:pPr marL="457200" lvl="1" indent="0">
-              <a:buNone/>
-            </a:pPr>
-            <a:endParaRPr lang="en-US" dirty="0" smtClean="0"/>
-          </a:p>
-          <a:p>
-            <a:pPr lvl="1"/>
-            <a:r>
-              <a:rPr lang="en-US" dirty="0" smtClean="0"/>
-              <a:t>Step </a:t>
-            </a:r>
-            <a:r>
-              <a:rPr lang="en-US" dirty="0"/>
-              <a:t>6   --&gt; go back to step 1 and evaluate the stripping efficiency</a:t>
-            </a:r>
-          </a:p>
-          <a:p>
-            <a:pPr lvl="1"/>
-            <a:r>
-              <a:rPr lang="en-US" b="1" i="1" dirty="0" smtClean="0"/>
-              <a:t>If</a:t>
-            </a:r>
-            <a:r>
-              <a:rPr lang="en-US" i="1" dirty="0" smtClean="0"/>
-              <a:t> </a:t>
-            </a:r>
-            <a:r>
-              <a:rPr lang="en-US" dirty="0"/>
-              <a:t>the first left most mode is less than the threshold</a:t>
-            </a:r>
-          </a:p>
-          <a:p>
-            <a:pPr lvl="2"/>
-            <a:r>
-              <a:rPr lang="en-US" dirty="0" smtClean="0"/>
-              <a:t>Redo </a:t>
-            </a:r>
-            <a:r>
-              <a:rPr lang="en-US" dirty="0"/>
-              <a:t>step 2 – step 6</a:t>
-            </a:r>
-          </a:p>
-          <a:p>
-            <a:pPr lvl="1"/>
-            <a:r>
-              <a:rPr lang="en-US" b="1" i="1" dirty="0" smtClean="0"/>
-              <a:t>Else </a:t>
-            </a:r>
-            <a:endParaRPr lang="en-US" dirty="0"/>
-          </a:p>
-          <a:p>
-            <a:r>
-              <a:rPr lang="en-US" dirty="0"/>
-              <a:t>Finish stripping the normal population</a:t>
-            </a:r>
-          </a:p>
-          <a:p>
-            <a:r>
-              <a:rPr lang="en-US" dirty="0"/>
-              <a:t>Compute the mean and standard deviation from the stripped first population only</a:t>
-            </a:r>
-          </a:p>
-          <a:p>
-            <a:r>
-              <a:rPr lang="en-US" dirty="0"/>
-              <a:t>Store number of data points filtered</a:t>
+              <a:t>: Ratio of normal cell vs. mitotic population when no aneuploidy population observed</a:t>
             </a:r>
           </a:p>
           <a:p>
@@ -4778,7 +4623,7 @@
     </p:spTree>
     <p:extLst>
       <p:ext uri="{BB962C8B-B14F-4D97-AF65-F5344CB8AC3E}">
-        <p14:creationId xmlns:p14="http://schemas.microsoft.com/office/powerpoint/2010/main" val="4284084911"/>
+        <p14:creationId xmlns:p14="http://schemas.microsoft.com/office/powerpoint/2010/main" val="918774868"/>
       </p:ext>
     </p:extLst>
   </p:cSld>
@@ -4788,7 +4633,7 @@
   <p:timing>
     <p:tnLst>
       <p:par>
-        <p:cTn xmlns:p14="http://schemas.microsoft.com/office/powerpoint/2010/main" id="1" dur="indefinite" restart="never" nodeType="tmRoot"/>
+        <p:cTn id="1" dur="indefinite" restart="never" nodeType="tmRoot"/>
       </p:par>
     </p:tnLst>
   </p:timing>
@@ -4824,14 +4669,64 @@
         </p:nvSpPr>
         <p:spPr/>
         <p:txBody>
-          <a:bodyPr/>
+          <a:bodyPr>
+            <a:noAutofit/>
+          </a:bodyPr>
           <a:lstStyle/>
           <a:p>
             <a:r>
-              <a:rPr lang="en-US" dirty="0" smtClean="0"/>
-              <a:t>Moving toward the standardization</a:t>
-            </a:r>
-            <a:endParaRPr lang="en-US" dirty="0"/>
+              <a:rPr lang="en-US" sz="3600" b="1" dirty="0"/>
+              <a:t>Ex</a:t>
+            </a:r>
+            <a:r>
+              <a:rPr lang="en-US" sz="3600" dirty="0"/>
+              <a:t>pert </a:t>
+            </a:r>
+            <a:r>
+              <a:rPr lang="en-US" sz="3600" b="1" dirty="0"/>
+              <a:t>G</a:t>
+            </a:r>
+            <a:r>
+              <a:rPr lang="en-US" sz="3600" dirty="0"/>
+              <a:t>uided Data </a:t>
+            </a:r>
+            <a:r>
+              <a:rPr lang="en-US" sz="3600" b="1" dirty="0"/>
+              <a:t>C</a:t>
+            </a:r>
+            <a:r>
+              <a:rPr lang="en-US" sz="3600" dirty="0"/>
+              <a:t>leaning and </a:t>
+            </a:r>
+            <a:r>
+              <a:rPr lang="en-US" sz="3600" b="1" dirty="0"/>
+              <a:t>R</a:t>
+            </a:r>
+            <a:r>
+              <a:rPr lang="en-US" sz="3600" dirty="0"/>
+              <a:t>econstructio</a:t>
+            </a:r>
+            <a:r>
+              <a:rPr lang="en-US" sz="3600" b="1" dirty="0"/>
+              <a:t>n </a:t>
+            </a:r>
+            <a:r>
+              <a:rPr lang="en-US" sz="3600" dirty="0"/>
+              <a:t>(</a:t>
+            </a:r>
+            <a:r>
+              <a:rPr lang="en-US" sz="3600" b="1" dirty="0" err="1"/>
+              <a:t>ExGCRn</a:t>
+            </a:r>
+            <a:r>
+              <a:rPr lang="en-US" sz="3600" dirty="0"/>
+              <a:t>) </a:t>
+            </a:r>
+            <a:r>
+              <a:rPr lang="en-US" sz="3600" dirty="0" smtClean="0"/>
+              <a:t>–cont.</a:t>
+            </a:r>
+            <a:endParaRPr lang="en-US" sz="3600" dirty="0"/>
           </a:p>
         </p:txBody>
       </p:sp>
@@ -4847,31 +4742,132 @@
         </p:nvSpPr>
         <p:spPr/>
         <p:txBody>
-          <a:bodyPr/>
+          <a:bodyPr>
+            <a:normAutofit fontScale="77500" lnSpcReduction="20000"/>
+          </a:bodyPr>
           <a:lstStyle/>
           <a:p>
             <a:r>
+              <a:rPr lang="en-US" b="1" i="1" dirty="0"/>
+              <a:t>Data reconstruction</a:t>
+            </a:r>
+            <a:endParaRPr lang="en-US" dirty="0"/>
+          </a:p>
+          <a:p>
+            <a:pPr lvl="1"/>
+            <a:r>
               <a:rPr lang="en-US" dirty="0" smtClean="0"/>
-              <a:t>Accumulating the data in the database</a:t>
-            </a:r>
-          </a:p>
-          <a:p>
+              <a:t>The </a:t>
+            </a:r>
+            <a:r>
+              <a:rPr lang="en-US" dirty="0"/>
+              <a:t>reconstruction was handled according to the number of populations determined in the cleaning </a:t>
+            </a:r>
             <a:r>
               <a:rPr lang="en-US" dirty="0" smtClean="0"/>
-              <a:t>Data-driven approach data analysis</a:t>
-            </a:r>
-          </a:p>
-          <a:p>
+              <a:t>steps</a:t>
+            </a:r>
+          </a:p>
+          <a:p>
+            <a:pPr lvl="1"/>
             <a:r>
               <a:rPr lang="en-US" dirty="0" smtClean="0"/>
-              <a:t>Walking hand-in-hand with clinical doctor</a:t>
-            </a:r>
-          </a:p>
-          <a:p>
+              <a:t>Step </a:t>
+            </a:r>
+            <a:r>
+              <a:rPr lang="en-US" dirty="0"/>
+              <a:t>1	If three populations were determined, a cap of “8” </a:t>
+            </a:r>
             <a:r>
               <a:rPr lang="en-US" dirty="0" smtClean="0"/>
-              <a:t>Establishing the standard protocols</a:t>
-            </a:r>
+              <a:t>	was </a:t>
+            </a:r>
+            <a:r>
+              <a:rPr lang="en-US" dirty="0"/>
+              <a:t>applied for the D.I. </a:t>
+            </a:r>
+            <a:r>
+              <a:rPr lang="en-US" dirty="0" smtClean="0"/>
+              <a:t>values</a:t>
+            </a:r>
+          </a:p>
+          <a:p>
+            <a:pPr lvl="1"/>
+            <a:r>
+              <a:rPr lang="en-US" dirty="0" smtClean="0"/>
+              <a:t>Step </a:t>
+            </a:r>
+            <a:r>
+              <a:rPr lang="en-US" dirty="0"/>
+              <a:t>2	Parameters either from the </a:t>
+            </a:r>
+            <a:r>
+              <a:rPr lang="en-US" b="1" dirty="0"/>
+              <a:t>expert input</a:t>
+            </a:r>
+            <a:r>
+              <a:rPr lang="en-US" dirty="0"/>
+              <a:t> or derived from the data itself were </a:t>
+            </a:r>
+            <a:r>
+              <a:rPr lang="en-US" dirty="0" smtClean="0"/>
+              <a:t>used</a:t>
+            </a:r>
+          </a:p>
+          <a:p>
+            <a:pPr lvl="1"/>
+            <a:r>
+              <a:rPr lang="en-US" dirty="0" smtClean="0"/>
+              <a:t>Step </a:t>
+            </a:r>
+            <a:r>
+              <a:rPr lang="en-US" dirty="0"/>
+              <a:t>3	A heuristic cumulated density function was derived and used to guide the “random sampling” of the data </a:t>
+            </a:r>
+            <a:r>
+              <a:rPr lang="en-US" dirty="0" smtClean="0"/>
+              <a:t>points</a:t>
+            </a:r>
+          </a:p>
+          <a:p>
+            <a:pPr lvl="1"/>
+            <a:r>
+              <a:rPr lang="en-US" dirty="0" smtClean="0"/>
+              <a:t>Step </a:t>
+            </a:r>
+            <a:r>
+              <a:rPr lang="en-US" dirty="0"/>
+              <a:t>4	The dataset was stretched/binned between [0, 8] on the D.I. axis. </a:t>
+            </a:r>
+            <a:endParaRPr lang="en-US" dirty="0" smtClean="0"/>
+          </a:p>
+          <a:p>
+            <a:pPr lvl="1"/>
+            <a:r>
+              <a:rPr lang="en-US" dirty="0" smtClean="0"/>
+              <a:t>The </a:t>
+            </a:r>
+            <a:r>
+              <a:rPr lang="en-US" dirty="0"/>
+              <a:t>density within each bin will be recorded as the measurement of that “variable</a:t>
+            </a:r>
+            <a:r>
+              <a:rPr lang="en-US" dirty="0" smtClean="0"/>
+              <a:t>”</a:t>
+            </a:r>
+          </a:p>
+          <a:p>
+            <a:pPr lvl="1"/>
+            <a:r>
+              <a:rPr lang="en-US" dirty="0" smtClean="0"/>
+              <a:t>Any </a:t>
+            </a:r>
+            <a:r>
+              <a:rPr lang="en-US" dirty="0"/>
+              <a:t>missing values were replaced with 0.00001</a:t>
+            </a:r>
+          </a:p>
+          <a:p>
             <a:endParaRPr lang="en-US" dirty="0"/>
           </a:p>
         </p:txBody>
@@ -4879,7 +4875,7 @@
     </p:spTree>
     <p:extLst>
       <p:ext uri="{BB962C8B-B14F-4D97-AF65-F5344CB8AC3E}">
-        <p14:creationId xmlns:p14="http://schemas.microsoft.com/office/powerpoint/2010/main" val="3799712158"/>
+        <p14:creationId xmlns:p14="http://schemas.microsoft.com/office/powerpoint/2010/main" val="3205331328"/>
       </p:ext>
     </p:extLst>
   </p:cSld>
@@ -4889,7 +4885,7 @@
   <p:timing>
     <p:tnLst>
       <p:par>
-        <p:cTn xmlns:p14="http://schemas.microsoft.com/office/powerpoint/2010/main" id="1" dur="indefinite" restart="never" nodeType="tmRoot"/>
+        <p:cTn id="1" dur="indefinite" restart="never" nodeType="tmRoot"/>
       </p:par>
     </p:tnLst>
   </p:timing>
@@ -4925,14 +4921,64 @@
         </p:nvSpPr>
         <p:spPr/>
         <p:txBody>
-          <a:bodyPr/>
+          <a:bodyPr>
+            <a:noAutofit/>
+          </a:bodyPr>
           <a:lstStyle/>
           <a:p>
             <a:r>
-              <a:rPr lang="en-US" dirty="0" smtClean="0"/>
-              <a:t>Our goal</a:t>
-            </a:r>
-            <a:endParaRPr lang="en-US" dirty="0"/>
+              <a:rPr lang="en-US" sz="3600" b="1" dirty="0"/>
+              <a:t>Ex</a:t>
+            </a:r>
+            <a:r>
+              <a:rPr lang="en-US" sz="3600" dirty="0"/>
+              <a:t>pert </a:t>
+            </a:r>
+            <a:r>
+              <a:rPr lang="en-US" sz="3600" b="1" dirty="0"/>
+              <a:t>G</a:t>
+            </a:r>
+            <a:r>
+              <a:rPr lang="en-US" sz="3600" dirty="0"/>
+              <a:t>uided Data </a:t>
+            </a:r>
+            <a:r>
+              <a:rPr lang="en-US" sz="3600" b="1" dirty="0"/>
+              <a:t>C</a:t>
+            </a:r>
+            <a:r>
+              <a:rPr lang="en-US" sz="3600" dirty="0"/>
+              <a:t>leaning and </a:t>
+            </a:r>
+            <a:r>
+              <a:rPr lang="en-US" sz="3600" b="1" dirty="0"/>
+              <a:t>R</a:t>
+            </a:r>
+            <a:r>
+              <a:rPr lang="en-US" sz="3600" dirty="0"/>
+              <a:t>econstructio</a:t>
+            </a:r>
+            <a:r>
+              <a:rPr lang="en-US" sz="3600" b="1" dirty="0"/>
+              <a:t>n </a:t>
+            </a:r>
+            <a:r>
+              <a:rPr lang="en-US" sz="3600" dirty="0"/>
+              <a:t>(</a:t>
+            </a:r>
+            <a:r>
+              <a:rPr lang="en-US" sz="3600" b="1" dirty="0" err="1"/>
+              <a:t>ExGCRn</a:t>
+            </a:r>
+            <a:r>
+              <a:rPr lang="en-US" sz="3600" dirty="0"/>
+              <a:t>) </a:t>
+            </a:r>
+            <a:r>
+              <a:rPr lang="en-US" sz="3600" dirty="0" smtClean="0"/>
+              <a:t>–cont.</a:t>
+            </a:r>
+            <a:endParaRPr lang="en-US" sz="3600" dirty="0"/>
           </a:p>
         </p:txBody>
       </p:sp>
@@ -4949,24 +4995,319 @@
         <p:spPr/>
         <p:txBody>
           <a:bodyPr>
-            <a:normAutofit fontScale="85000" lnSpcReduction="20000"/>
+            <a:normAutofit fontScale="40000" lnSpcReduction="20000"/>
           </a:bodyPr>
           <a:lstStyle/>
           <a:p>
+            <a:r>
+              <a:rPr lang="en-US" b="1" i="1" dirty="0"/>
+              <a:t>Stripping the normal </a:t>
+            </a:r>
+            <a:r>
+              <a:rPr lang="en-US" b="1" i="1" dirty="0" smtClean="0"/>
+              <a:t>population</a:t>
+            </a:r>
             <a:endParaRPr lang="en-US" dirty="0"/>
           </a:p>
           <a:p>
+            <a:pPr lvl="1"/>
+            <a:r>
+              <a:rPr lang="en-US" dirty="0" smtClean="0"/>
+              <a:t>Step 1	 Derive </a:t>
+            </a:r>
             <a:r>
               <a:rPr lang="en-US" dirty="0"/>
-              <a:t>for Liu Yao's exfoliated cell project, you may show what you have done for Liu Yao's current paper, what you plan to do if we put many other parameters of exfoliated cells (DI value, cell size, ...) and potentially new parameters (DNA methylation, gene mutation...) into data analysis in the future. Also you may paint a picture of a complete service of oral exfoliated cells starting from samples collection, sample analysis, data acquisition, data analysis, recommendation of further lab analysis, recommendation of clinical follow-up and therapy, ... Our goal is the feed them a vision that we and they can work continuously for &gt;10 years.</a:t>
-            </a:r>
+              <a:t>the probability density function with kernel density estimation smoothing </a:t>
+            </a:r>
+            <a:endParaRPr lang="en-US" dirty="0" smtClean="0"/>
+          </a:p>
+          <a:p>
+            <a:pPr lvl="1"/>
+            <a:r>
+              <a:rPr lang="en-US" dirty="0" smtClean="0"/>
+              <a:t>Step </a:t>
+            </a:r>
+            <a:r>
+              <a:rPr lang="en-US" dirty="0"/>
+              <a:t>2	Determine the mode of the normal cell population </a:t>
+            </a:r>
+            <a:endParaRPr lang="en-US" dirty="0" smtClean="0"/>
+          </a:p>
+          <a:p>
+            <a:pPr lvl="1"/>
+            <a:r>
+              <a:rPr lang="en-US" dirty="0" smtClean="0"/>
+              <a:t>Step </a:t>
+            </a:r>
+            <a:r>
+              <a:rPr lang="en-US" dirty="0"/>
+              <a:t>3	</a:t>
+            </a:r>
+            <a:endParaRPr lang="en-US" dirty="0" smtClean="0"/>
+          </a:p>
+          <a:p>
+            <a:pPr lvl="2"/>
+            <a:r>
+              <a:rPr lang="en-US" dirty="0" smtClean="0"/>
+              <a:t>(</a:t>
+            </a:r>
+            <a:r>
+              <a:rPr lang="en-US" dirty="0"/>
+              <a:t>a) Use the data to the left side of the </a:t>
+            </a:r>
+            <a:r>
+              <a:rPr lang="en-US" dirty="0" smtClean="0"/>
+              <a:t>mode</a:t>
+            </a:r>
+          </a:p>
+          <a:p>
+            <a:pPr lvl="2"/>
+            <a:r>
+              <a:rPr lang="en-US" dirty="0" smtClean="0"/>
+              <a:t>(</a:t>
+            </a:r>
+            <a:r>
+              <a:rPr lang="en-US" dirty="0"/>
+              <a:t>b) Estimate the mean and standard deviation of the normal </a:t>
+            </a:r>
+            <a:r>
+              <a:rPr lang="en-US" dirty="0" smtClean="0"/>
+              <a:t>population</a:t>
+            </a:r>
+          </a:p>
+          <a:p>
+            <a:pPr lvl="1"/>
+            <a:r>
+              <a:rPr lang="en-US" dirty="0" smtClean="0"/>
+              <a:t>Step </a:t>
+            </a:r>
+            <a:r>
+              <a:rPr lang="en-US" dirty="0"/>
+              <a:t>4	Remove the data point to the left the </a:t>
+            </a:r>
+            <a:r>
+              <a:rPr lang="en-US" dirty="0" smtClean="0"/>
+              <a:t>mode</a:t>
+            </a:r>
+          </a:p>
+          <a:p>
+            <a:pPr lvl="1"/>
+            <a:r>
+              <a:rPr lang="en-US" dirty="0" smtClean="0"/>
+              <a:t>Step </a:t>
+            </a:r>
+            <a:r>
+              <a:rPr lang="en-US" dirty="0"/>
+              <a:t>5	</a:t>
+            </a:r>
+            <a:endParaRPr lang="en-US" dirty="0" smtClean="0"/>
+          </a:p>
+          <a:p>
+            <a:pPr lvl="2"/>
+            <a:r>
+              <a:rPr lang="en-US" dirty="0" smtClean="0"/>
+              <a:t>(</a:t>
+            </a:r>
+            <a:r>
+              <a:rPr lang="en-US" dirty="0"/>
+              <a:t>a) Find the symmetric subset of the data on the right of the </a:t>
+            </a:r>
+            <a:r>
+              <a:rPr lang="en-US" dirty="0" smtClean="0"/>
+              <a:t>mode</a:t>
+            </a:r>
+          </a:p>
+          <a:p>
+            <a:pPr lvl="2"/>
+            <a:r>
+              <a:rPr lang="en-US" dirty="0" smtClean="0"/>
+              <a:t>(</a:t>
+            </a:r>
+            <a:r>
+              <a:rPr lang="en-US" dirty="0"/>
+              <a:t>b) Break the data on the right into equal </a:t>
+            </a:r>
+            <a:r>
+              <a:rPr lang="en-US" b="1" dirty="0"/>
+              <a:t>n</a:t>
+            </a:r>
+            <a:r>
+              <a:rPr lang="en-US" dirty="0"/>
+              <a:t> parts according to the KDE </a:t>
+            </a:r>
+            <a:r>
+              <a:rPr lang="en-US" dirty="0" smtClean="0"/>
+              <a:t>density</a:t>
+            </a:r>
+          </a:p>
+          <a:p>
+            <a:pPr marL="914400" lvl="2" indent="0">
+              <a:buNone/>
+            </a:pPr>
+            <a:endParaRPr lang="en-US" dirty="0"/>
+          </a:p>
+          <a:p>
+            <a:pPr lvl="1"/>
+            <a:r>
+              <a:rPr lang="en-US" b="1" i="1" dirty="0" err="1" smtClean="0"/>
+              <a:t>Foreach</a:t>
+            </a:r>
+            <a:r>
+              <a:rPr lang="en-US" dirty="0" smtClean="0"/>
+              <a:t> </a:t>
+            </a:r>
+            <a:r>
+              <a:rPr lang="en-US" dirty="0"/>
+              <a:t>interval </a:t>
+            </a:r>
+          </a:p>
+          <a:p>
+            <a:pPr lvl="2"/>
+            <a:r>
+              <a:rPr lang="en-US" dirty="0" smtClean="0"/>
+              <a:t>Derive </a:t>
+            </a:r>
+            <a:r>
+              <a:rPr lang="en-US" dirty="0"/>
+              <a:t>the theoretical number of data </a:t>
+            </a:r>
+            <a:r>
+              <a:rPr lang="en-US" dirty="0" smtClean="0"/>
+              <a:t>points</a:t>
+            </a:r>
+            <a:endParaRPr lang="en-US" dirty="0"/>
+          </a:p>
+          <a:p>
+            <a:pPr lvl="2"/>
+            <a:r>
+              <a:rPr lang="en-US" dirty="0" smtClean="0"/>
+              <a:t>Randomly </a:t>
+            </a:r>
+            <a:r>
+              <a:rPr lang="en-US" dirty="0"/>
+              <a:t>select candidate data points to be </a:t>
+            </a:r>
+            <a:r>
+              <a:rPr lang="en-US" dirty="0" smtClean="0"/>
+              <a:t>filtered</a:t>
+            </a:r>
+          </a:p>
+          <a:p>
+            <a:pPr lvl="2"/>
+            <a:r>
+              <a:rPr lang="en-US" dirty="0" smtClean="0"/>
+              <a:t>Recover </a:t>
+            </a:r>
+            <a:r>
+              <a:rPr lang="en-US" dirty="0"/>
+              <a:t>missing data points due to rounding errors</a:t>
+            </a:r>
+          </a:p>
+          <a:p>
+            <a:pPr lvl="1"/>
+            <a:r>
+              <a:rPr lang="en-US" dirty="0" smtClean="0"/>
+              <a:t>End </a:t>
+            </a:r>
+            <a:r>
+              <a:rPr lang="en-US" dirty="0"/>
+              <a:t>of</a:t>
+            </a:r>
+            <a:r>
+              <a:rPr lang="en-US" b="1" i="1" dirty="0"/>
+              <a:t> </a:t>
+            </a:r>
+            <a:r>
+              <a:rPr lang="en-US" b="1" i="1" dirty="0" err="1"/>
+              <a:t>foreach</a:t>
+            </a:r>
+            <a:r>
+              <a:rPr lang="en-US" dirty="0"/>
+              <a:t> </a:t>
+            </a:r>
+            <a:r>
+              <a:rPr lang="en-US" dirty="0" smtClean="0"/>
+              <a:t>loop</a:t>
+            </a:r>
+          </a:p>
+          <a:p>
+            <a:pPr marL="457200" lvl="1" indent="0">
+              <a:buNone/>
+            </a:pPr>
+            <a:endParaRPr lang="en-US" dirty="0" smtClean="0"/>
+          </a:p>
+          <a:p>
+            <a:pPr lvl="1"/>
+            <a:r>
+              <a:rPr lang="en-US" dirty="0" smtClean="0"/>
+              <a:t>Step </a:t>
+            </a:r>
+            <a:r>
+              <a:rPr lang="en-US" dirty="0"/>
+              <a:t>6   --&gt; go back to step 1 and evaluate the stripping efficiency</a:t>
+            </a:r>
+          </a:p>
+          <a:p>
+            <a:pPr lvl="1"/>
+            <a:r>
+              <a:rPr lang="en-US" b="1" i="1" dirty="0" smtClean="0"/>
+              <a:t>If</a:t>
+            </a:r>
+            <a:r>
+              <a:rPr lang="en-US" i="1" dirty="0" smtClean="0"/>
+              <a:t> </a:t>
+            </a:r>
+            <a:r>
+              <a:rPr lang="en-US" dirty="0"/>
+              <a:t>the first left most mode is less than the threshold</a:t>
+            </a:r>
+          </a:p>
+          <a:p>
+            <a:pPr lvl="2"/>
+            <a:r>
+              <a:rPr lang="en-US" dirty="0" smtClean="0"/>
+              <a:t>Redo </a:t>
+            </a:r>
+            <a:r>
+              <a:rPr lang="en-US" dirty="0"/>
+              <a:t>step 2 – step 6</a:t>
+            </a:r>
+          </a:p>
+          <a:p>
+            <a:pPr lvl="1"/>
+            <a:r>
+              <a:rPr lang="en-US" b="1" i="1" dirty="0" smtClean="0"/>
+              <a:t>Else </a:t>
+            </a:r>
+            <a:endParaRPr lang="en-US" dirty="0"/>
+          </a:p>
+          <a:p>
+            <a:r>
+              <a:rPr lang="en-US" dirty="0"/>
+              <a:t>Finish stripping the normal population</a:t>
+            </a:r>
+          </a:p>
+          <a:p>
+            <a:r>
+              <a:rPr lang="en-US" dirty="0"/>
+              <a:t>Compute the mean and standard deviation from the stripped first population only</a:t>
+            </a:r>
+          </a:p>
+          <a:p>
+            <a:r>
+              <a:rPr lang="en-US" dirty="0"/>
+              <a:t>Store number of data points filtered</a:t>
+            </a:r>
+          </a:p>
+          <a:p>
+            <a:endParaRPr lang="en-US" dirty="0"/>
           </a:p>
         </p:txBody>
       </p:sp>
     </p:spTree>
     <p:extLst>
       <p:ext uri="{BB962C8B-B14F-4D97-AF65-F5344CB8AC3E}">
-        <p14:creationId xmlns:p14="http://schemas.microsoft.com/office/powerpoint/2010/main" val="1685240845"/>
+        <p14:creationId xmlns:p14="http://schemas.microsoft.com/office/powerpoint/2010/main" val="4284084911"/>
       </p:ext>
     </p:extLst>
   </p:cSld>
@@ -4976,7 +5317,7 @@
   <p:timing>
     <p:tnLst>
       <p:par>
-        <p:cTn xmlns:p14="http://schemas.microsoft.com/office/powerpoint/2010/main" id="1" dur="indefinite" restart="never" nodeType="tmRoot"/>
+        <p:cTn id="1" dur="indefinite" restart="never" nodeType="tmRoot"/>
       </p:par>
     </p:tnLst>
   </p:timing>
@@ -5010,6 +5351,3836 @@
             <p:ph type="title"/>
           </p:nvPr>
         </p:nvSpPr>
+        <p:spPr>
+          <a:xfrm>
+            <a:off x="238991" y="6924"/>
+            <a:ext cx="8686800" cy="1020762"/>
+          </a:xfrm>
+        </p:spPr>
+        <p:txBody>
+          <a:bodyPr>
+            <a:normAutofit fontScale="90000"/>
+          </a:bodyPr>
+          <a:lstStyle/>
+          <a:p>
+            <a:r>
+              <a:rPr lang="en-US" sz="3200" dirty="0" smtClean="0"/>
+              <a:t>Alleviate </a:t>
+            </a:r>
+            <a:r>
+              <a:rPr lang="en-US" sz="3200" dirty="0"/>
+              <a:t>the impact from the “normal” cell population</a:t>
+            </a:r>
+          </a:p>
+        </p:txBody>
+      </p:sp>
+      <p:grpSp>
+        <p:nvGrpSpPr>
+          <p:cNvPr id="9" name="Group 8"/>
+          <p:cNvGrpSpPr/>
+          <p:nvPr/>
+        </p:nvGrpSpPr>
+        <p:grpSpPr>
+          <a:xfrm>
+            <a:off x="1524000" y="914400"/>
+            <a:ext cx="6258620" cy="5863937"/>
+            <a:chOff x="1524000" y="914400"/>
+            <a:chExt cx="6258620" cy="5863937"/>
+          </a:xfrm>
+        </p:grpSpPr>
+        <p:pic>
+          <p:nvPicPr>
+            <p:cNvPr id="7" name="Picture 6"/>
+            <p:cNvPicPr>
+              <a:picLocks noChangeAspect="1"/>
+            </p:cNvPicPr>
+            <p:nvPr/>
+          </p:nvPicPr>
+          <p:blipFill>
+            <a:blip r:embed="rId2">
+              <a:extLst>
+                <a:ext uri="{28A0092B-C50C-407E-A947-70E740481C1C}">
+                  <a14:useLocalDpi xmlns:a14="http://schemas.microsoft.com/office/drawing/2010/main" val="0"/>
+                </a:ext>
+              </a:extLst>
+            </a:blip>
+            <a:stretch>
+              <a:fillRect/>
+            </a:stretch>
+          </p:blipFill>
+          <p:spPr>
+            <a:xfrm>
+              <a:off x="1524000" y="914400"/>
+              <a:ext cx="6258620" cy="5863937"/>
+            </a:xfrm>
+            <a:prstGeom prst="rect">
+              <a:avLst/>
+            </a:prstGeom>
+          </p:spPr>
+        </p:pic>
+        <p:pic>
+          <p:nvPicPr>
+            <p:cNvPr id="7170" name="Picture 2"/>
+            <p:cNvPicPr>
+              <a:picLocks noChangeAspect="1" noChangeArrowheads="1"/>
+            </p:cNvPicPr>
+            <p:nvPr/>
+          </p:nvPicPr>
+          <p:blipFill>
+            <a:blip r:embed="rId3">
+              <a:extLst>
+                <a:ext uri="{28A0092B-C50C-407E-A947-70E740481C1C}">
+                  <a14:useLocalDpi xmlns:a14="http://schemas.microsoft.com/office/drawing/2010/main" val="0"/>
+                </a:ext>
+              </a:extLst>
+            </a:blip>
+            <a:srcRect/>
+            <a:stretch>
+              <a:fillRect/>
+            </a:stretch>
+          </p:blipFill>
+          <p:spPr bwMode="auto">
+            <a:xfrm>
+              <a:off x="5257800" y="1610591"/>
+              <a:ext cx="2133600" cy="1371600"/>
+            </a:xfrm>
+            <a:prstGeom prst="rect">
+              <a:avLst/>
+            </a:prstGeom>
+            <a:noFill/>
+            <a:ln>
+              <a:noFill/>
+            </a:ln>
+            <a:extLst>
+              <a:ext uri="{909E8E84-426E-40DD-AFC4-6F175D3DCCD1}">
+                <a14:hiddenFill xmlns:a14="http://schemas.microsoft.com/office/drawing/2010/main">
+                  <a:solidFill>
+                    <a:schemeClr val="accent1"/>
+                  </a:solidFill>
+                </a14:hiddenFill>
+              </a:ext>
+              <a:ext uri="{91240B29-F687-4F45-9708-019B960494DF}">
+                <a14:hiddenLine xmlns:a14="http://schemas.microsoft.com/office/drawing/2010/main" w="9525">
+                  <a:solidFill>
+                    <a:schemeClr val="tx1"/>
+                  </a:solidFill>
+                  <a:miter lim="800000"/>
+                  <a:headEnd/>
+                  <a:tailEnd/>
+                </a14:hiddenLine>
+              </a:ext>
+            </a:extLst>
+          </p:spPr>
+        </p:pic>
+      </p:grpSp>
+    </p:spTree>
+    <p:extLst>
+      <p:ext uri="{BB962C8B-B14F-4D97-AF65-F5344CB8AC3E}">
+        <p14:creationId xmlns:p14="http://schemas.microsoft.com/office/powerpoint/2010/main" val="2510622144"/>
+      </p:ext>
+    </p:extLst>
+  </p:cSld>
+  <p:clrMapOvr>
+    <a:masterClrMapping/>
+  </p:clrMapOvr>
+  <p:timing>
+    <p:tnLst>
+      <p:par>
+        <p:cTn id="1" dur="indefinite" restart="never" nodeType="tmRoot"/>
+      </p:par>
+    </p:tnLst>
+  </p:timing>
+</p:sld>
+</file>
+
+<file path=ppt/slides/slide18.xml><?xml version="1.0" encoding="utf-8"?>
+<p:sld xmlns:a="http://schemas.openxmlformats.org/drawingml/2006/main" xmlns:r="http://schemas.openxmlformats.org/officeDocument/2006/relationships" xmlns:p="http://schemas.openxmlformats.org/presentationml/2006/main">
+  <p:cSld>
+    <p:spTree>
+      <p:nvGrpSpPr>
+        <p:cNvPr id="1" name=""/>
+        <p:cNvGrpSpPr/>
+        <p:nvPr/>
+      </p:nvGrpSpPr>
+      <p:grpSpPr>
+        <a:xfrm>
+          <a:off x="0" y="0"/>
+          <a:ext cx="0" cy="0"/>
+          <a:chOff x="0" y="0"/>
+          <a:chExt cx="0" cy="0"/>
+        </a:xfrm>
+      </p:grpSpPr>
+      <p:pic>
+        <p:nvPicPr>
+          <p:cNvPr id="3" name="Picture 2"/>
+          <p:cNvPicPr>
+            <a:picLocks noChangeAspect="1"/>
+          </p:cNvPicPr>
+          <p:nvPr/>
+        </p:nvPicPr>
+        <p:blipFill>
+          <a:blip r:embed="rId2">
+            <a:extLst>
+              <a:ext uri="{28A0092B-C50C-407E-A947-70E740481C1C}">
+                <a14:useLocalDpi xmlns:a14="http://schemas.microsoft.com/office/drawing/2010/main" val="0"/>
+              </a:ext>
+            </a:extLst>
+          </a:blip>
+          <a:stretch>
+            <a:fillRect/>
+          </a:stretch>
+        </p:blipFill>
+        <p:spPr>
+          <a:xfrm>
+            <a:off x="0" y="1468582"/>
+            <a:ext cx="4571640" cy="4564837"/>
+          </a:xfrm>
+          <a:prstGeom prst="rect">
+            <a:avLst/>
+          </a:prstGeom>
+        </p:spPr>
+      </p:pic>
+      <p:sp>
+        <p:nvSpPr>
+          <p:cNvPr id="4" name="Title 3"/>
+          <p:cNvSpPr>
+            <a:spLocks noGrp="1"/>
+          </p:cNvSpPr>
+          <p:nvPr>
+            <p:ph type="title"/>
+          </p:nvPr>
+        </p:nvSpPr>
+        <p:spPr/>
+        <p:txBody>
+          <a:bodyPr/>
+          <a:lstStyle/>
+          <a:p>
+            <a:r>
+              <a:rPr lang="en-US" dirty="0" smtClean="0"/>
+              <a:t>The left-most population</a:t>
+            </a:r>
+            <a:endParaRPr lang="en-US" dirty="0"/>
+          </a:p>
+        </p:txBody>
+      </p:sp>
+      <p:grpSp>
+        <p:nvGrpSpPr>
+          <p:cNvPr id="6" name="Group 5"/>
+          <p:cNvGrpSpPr/>
+          <p:nvPr/>
+        </p:nvGrpSpPr>
+        <p:grpSpPr>
+          <a:xfrm>
+            <a:off x="3688773" y="1482440"/>
+            <a:ext cx="5441013" cy="4564837"/>
+            <a:chOff x="3688773" y="1482440"/>
+            <a:chExt cx="5441013" cy="4564837"/>
+          </a:xfrm>
+        </p:grpSpPr>
+        <p:pic>
+          <p:nvPicPr>
+            <p:cNvPr id="2" name="Picture 1"/>
+            <p:cNvPicPr>
+              <a:picLocks noChangeAspect="1"/>
+            </p:cNvPicPr>
+            <p:nvPr/>
+          </p:nvPicPr>
+          <p:blipFill>
+            <a:blip r:embed="rId3">
+              <a:extLst>
+                <a:ext uri="{28A0092B-C50C-407E-A947-70E740481C1C}">
+                  <a14:useLocalDpi xmlns:a14="http://schemas.microsoft.com/office/drawing/2010/main" val="0"/>
+                </a:ext>
+              </a:extLst>
+            </a:blip>
+            <a:stretch>
+              <a:fillRect/>
+            </a:stretch>
+          </p:blipFill>
+          <p:spPr>
+            <a:xfrm>
+              <a:off x="4558146" y="1482440"/>
+              <a:ext cx="4571640" cy="4564837"/>
+            </a:xfrm>
+            <a:prstGeom prst="rect">
+              <a:avLst/>
+            </a:prstGeom>
+          </p:spPr>
+        </p:pic>
+        <p:sp>
+          <p:nvSpPr>
+            <p:cNvPr id="5" name="Right Arrow 4"/>
+            <p:cNvSpPr/>
+            <p:nvPr/>
+          </p:nvSpPr>
+          <p:spPr>
+            <a:xfrm>
+              <a:off x="3688773" y="3408218"/>
+              <a:ext cx="900546" cy="609600"/>
+            </a:xfrm>
+            <a:prstGeom prst="rightArrow">
+              <a:avLst/>
+            </a:prstGeom>
+            <a:solidFill>
+              <a:srgbClr val="FFFF00"/>
+            </a:solidFill>
+          </p:spPr>
+          <p:style>
+            <a:lnRef idx="2">
+              <a:schemeClr val="accent1">
+                <a:shade val="50000"/>
+              </a:schemeClr>
+            </a:lnRef>
+            <a:fillRef idx="1">
+              <a:schemeClr val="accent1"/>
+            </a:fillRef>
+            <a:effectRef idx="0">
+              <a:schemeClr val="accent1"/>
+            </a:effectRef>
+            <a:fontRef idx="minor">
+              <a:schemeClr val="lt1"/>
+            </a:fontRef>
+          </p:style>
+          <p:txBody>
+            <a:bodyPr rtlCol="0" anchor="ctr"/>
+            <a:lstStyle/>
+            <a:p>
+              <a:pPr algn="ctr"/>
+              <a:endParaRPr lang="en-US"/>
+            </a:p>
+          </p:txBody>
+        </p:sp>
+      </p:grpSp>
+    </p:spTree>
+    <p:extLst>
+      <p:ext uri="{BB962C8B-B14F-4D97-AF65-F5344CB8AC3E}">
+        <p14:creationId xmlns:p14="http://schemas.microsoft.com/office/powerpoint/2010/main" val="1717014452"/>
+      </p:ext>
+    </p:extLst>
+  </p:cSld>
+  <p:clrMapOvr>
+    <a:masterClrMapping/>
+  </p:clrMapOvr>
+  <p:timing>
+    <p:tnLst>
+      <p:par>
+        <p:cTn id="1" dur="indefinite" restart="never" nodeType="tmRoot">
+          <p:childTnLst>
+            <p:seq concurrent="1" nextAc="seek">
+              <p:cTn id="2" dur="indefinite" nodeType="mainSeq">
+                <p:childTnLst>
+                  <p:par>
+                    <p:cTn id="3" fill="hold">
+                      <p:stCondLst>
+                        <p:cond delay="indefinite"/>
+                      </p:stCondLst>
+                      <p:childTnLst>
+                        <p:par>
+                          <p:cTn id="4" fill="hold">
+                            <p:stCondLst>
+                              <p:cond delay="0"/>
+                            </p:stCondLst>
+                            <p:childTnLst>
+                              <p:par>
+                                <p:cTn id="5" presetID="1" presetClass="entr" presetSubtype="0" fill="hold" nodeType="clickEffect">
+                                  <p:stCondLst>
+                                    <p:cond delay="0"/>
+                                  </p:stCondLst>
+                                  <p:childTnLst>
+                                    <p:set>
+                                      <p:cBhvr>
+                                        <p:cTn id="6" dur="1" fill="hold">
+                                          <p:stCondLst>
+                                            <p:cond delay="0"/>
+                                          </p:stCondLst>
+                                        </p:cTn>
+                                        <p:tgtEl>
+                                          <p:spTgt spid="6"/>
+                                        </p:tgtEl>
+                                        <p:attrNameLst>
+                                          <p:attrName>style.visibility</p:attrName>
+                                        </p:attrNameLst>
+                                      </p:cBhvr>
+                                      <p:to>
+                                        <p:strVal val="visible"/>
+                                      </p:to>
+                                    </p:set>
+                                  </p:childTnLst>
+                                </p:cTn>
+                              </p:par>
+                            </p:childTnLst>
+                          </p:cTn>
+                        </p:par>
+                      </p:childTnLst>
+                    </p:cTn>
+                  </p:par>
+                </p:childTnLst>
+              </p:cTn>
+              <p:prevCondLst>
+                <p:cond evt="onPrev" delay="0">
+                  <p:tgtEl>
+                    <p:sldTgt/>
+                  </p:tgtEl>
+                </p:cond>
+              </p:prevCondLst>
+              <p:nextCondLst>
+                <p:cond evt="onNext" delay="0">
+                  <p:tgtEl>
+                    <p:sldTgt/>
+                  </p:tgtEl>
+                </p:cond>
+              </p:nextCondLst>
+            </p:seq>
+          </p:childTnLst>
+        </p:cTn>
+      </p:par>
+    </p:tnLst>
+  </p:timing>
+</p:sld>
+</file>
+
+<file path=ppt/slides/slide19.xml><?xml version="1.0" encoding="utf-8"?>
+<p:sld xmlns:a="http://schemas.openxmlformats.org/drawingml/2006/main" xmlns:r="http://schemas.openxmlformats.org/officeDocument/2006/relationships" xmlns:p="http://schemas.openxmlformats.org/presentationml/2006/main">
+  <p:cSld>
+    <p:spTree>
+      <p:nvGrpSpPr>
+        <p:cNvPr id="1" name=""/>
+        <p:cNvGrpSpPr/>
+        <p:nvPr/>
+      </p:nvGrpSpPr>
+      <p:grpSpPr>
+        <a:xfrm>
+          <a:off x="0" y="0"/>
+          <a:ext cx="0" cy="0"/>
+          <a:chOff x="0" y="0"/>
+          <a:chExt cx="0" cy="0"/>
+        </a:xfrm>
+      </p:grpSpPr>
+      <p:grpSp>
+        <p:nvGrpSpPr>
+          <p:cNvPr id="3" name="Group 2"/>
+          <p:cNvGrpSpPr/>
+          <p:nvPr/>
+        </p:nvGrpSpPr>
+        <p:grpSpPr>
+          <a:xfrm>
+            <a:off x="85065" y="1541722"/>
+            <a:ext cx="4657292" cy="3995428"/>
+            <a:chOff x="533400" y="101872"/>
+            <a:chExt cx="7238999" cy="6522765"/>
+          </a:xfrm>
+        </p:grpSpPr>
+        <p:pic>
+          <p:nvPicPr>
+            <p:cNvPr id="2" name="Picture 1"/>
+            <p:cNvPicPr>
+              <a:picLocks noChangeAspect="1"/>
+            </p:cNvPicPr>
+            <p:nvPr/>
+          </p:nvPicPr>
+          <p:blipFill>
+            <a:blip r:embed="rId3">
+              <a:extLst>
+                <a:ext uri="{28A0092B-C50C-407E-A947-70E740481C1C}">
+                  <a14:useLocalDpi xmlns:a14="http://schemas.microsoft.com/office/drawing/2010/main" val="0"/>
+                </a:ext>
+              </a:extLst>
+            </a:blip>
+            <a:stretch>
+              <a:fillRect/>
+            </a:stretch>
+          </p:blipFill>
+          <p:spPr>
+            <a:xfrm>
+              <a:off x="1371599" y="233361"/>
+              <a:ext cx="6400800" cy="6391276"/>
+            </a:xfrm>
+            <a:prstGeom prst="rect">
+              <a:avLst/>
+            </a:prstGeom>
+          </p:spPr>
+        </p:pic>
+        <p:grpSp>
+          <p:nvGrpSpPr>
+            <p:cNvPr id="6" name="Group 5"/>
+            <p:cNvGrpSpPr/>
+            <p:nvPr/>
+          </p:nvGrpSpPr>
+          <p:grpSpPr>
+            <a:xfrm>
+              <a:off x="1418700" y="101872"/>
+              <a:ext cx="1944491" cy="1061910"/>
+              <a:chOff x="1418700" y="101872"/>
+              <a:chExt cx="1944491" cy="1061910"/>
+            </a:xfrm>
+          </p:grpSpPr>
+          <p:cxnSp>
+            <p:nvCxnSpPr>
+              <p:cNvPr id="4" name="Straight Arrow Connector 3"/>
+              <p:cNvCxnSpPr/>
+              <p:nvPr/>
+            </p:nvCxnSpPr>
+            <p:spPr>
+              <a:xfrm>
+                <a:off x="2143991" y="325582"/>
+                <a:ext cx="1219200" cy="838200"/>
+              </a:xfrm>
+              <a:prstGeom prst="straightConnector1">
+                <a:avLst/>
+              </a:prstGeom>
+              <a:ln w="19050">
+                <a:solidFill>
+                  <a:srgbClr val="FF0000"/>
+                </a:solidFill>
+                <a:tailEnd type="arrow"/>
+              </a:ln>
+            </p:spPr>
+            <p:style>
+              <a:lnRef idx="1">
+                <a:schemeClr val="accent1"/>
+              </a:lnRef>
+              <a:fillRef idx="0">
+                <a:schemeClr val="accent1"/>
+              </a:fillRef>
+              <a:effectRef idx="0">
+                <a:schemeClr val="accent1"/>
+              </a:effectRef>
+              <a:fontRef idx="minor">
+                <a:schemeClr val="tx1"/>
+              </a:fontRef>
+            </p:style>
+          </p:cxnSp>
+          <p:sp>
+            <p:nvSpPr>
+              <p:cNvPr id="5" name="TextBox 4"/>
+              <p:cNvSpPr txBox="1"/>
+              <p:nvPr/>
+            </p:nvSpPr>
+            <p:spPr>
+              <a:xfrm>
+                <a:off x="1418700" y="101872"/>
+                <a:ext cx="841922" cy="475741"/>
+              </a:xfrm>
+              <a:prstGeom prst="rect">
+                <a:avLst/>
+              </a:prstGeom>
+              <a:noFill/>
+            </p:spPr>
+            <p:txBody>
+              <a:bodyPr wrap="none" rtlCol="0">
+                <a:spAutoFit/>
+              </a:bodyPr>
+              <a:lstStyle/>
+              <a:p>
+                <a:r>
+                  <a:rPr lang="en-US" sz="1200" dirty="0" smtClean="0"/>
+                  <a:t>1.02</a:t>
+                </a:r>
+                <a:endParaRPr lang="en-US" sz="1200" dirty="0"/>
+              </a:p>
+            </p:txBody>
+          </p:sp>
+        </p:grpSp>
+        <p:grpSp>
+          <p:nvGrpSpPr>
+            <p:cNvPr id="13" name="Group 12"/>
+            <p:cNvGrpSpPr/>
+            <p:nvPr/>
+          </p:nvGrpSpPr>
+          <p:grpSpPr>
+            <a:xfrm>
+              <a:off x="4267200" y="3289993"/>
+              <a:ext cx="1369552" cy="977207"/>
+              <a:chOff x="4267200" y="3289993"/>
+              <a:chExt cx="1369552" cy="977207"/>
+            </a:xfrm>
+          </p:grpSpPr>
+          <p:cxnSp>
+            <p:nvCxnSpPr>
+              <p:cNvPr id="11" name="Straight Arrow Connector 10"/>
+              <p:cNvCxnSpPr/>
+              <p:nvPr/>
+            </p:nvCxnSpPr>
+            <p:spPr>
+              <a:xfrm flipH="1">
+                <a:off x="4267200" y="3581400"/>
+                <a:ext cx="609600" cy="685800"/>
+              </a:xfrm>
+              <a:prstGeom prst="straightConnector1">
+                <a:avLst/>
+              </a:prstGeom>
+              <a:ln w="19050">
+                <a:solidFill>
+                  <a:srgbClr val="FF0000"/>
+                </a:solidFill>
+                <a:tailEnd type="arrow"/>
+              </a:ln>
+            </p:spPr>
+            <p:style>
+              <a:lnRef idx="1">
+                <a:schemeClr val="accent1"/>
+              </a:lnRef>
+              <a:fillRef idx="0">
+                <a:schemeClr val="accent1"/>
+              </a:fillRef>
+              <a:effectRef idx="0">
+                <a:schemeClr val="accent1"/>
+              </a:effectRef>
+              <a:fontRef idx="minor">
+                <a:schemeClr val="tx1"/>
+              </a:fontRef>
+            </p:style>
+          </p:cxnSp>
+          <p:sp>
+            <p:nvSpPr>
+              <p:cNvPr id="12" name="TextBox 11"/>
+              <p:cNvSpPr txBox="1"/>
+              <p:nvPr/>
+            </p:nvSpPr>
+            <p:spPr>
+              <a:xfrm>
+                <a:off x="4794830" y="3289993"/>
+                <a:ext cx="841922" cy="475741"/>
+              </a:xfrm>
+              <a:prstGeom prst="rect">
+                <a:avLst/>
+              </a:prstGeom>
+              <a:noFill/>
+            </p:spPr>
+            <p:txBody>
+              <a:bodyPr wrap="none" rtlCol="0">
+                <a:spAutoFit/>
+              </a:bodyPr>
+              <a:lstStyle/>
+              <a:p>
+                <a:r>
+                  <a:rPr lang="en-US" sz="1200" dirty="0" smtClean="0"/>
+                  <a:t>1.79</a:t>
+                </a:r>
+                <a:endParaRPr lang="en-US" sz="1200" dirty="0"/>
+              </a:p>
+            </p:txBody>
+          </p:sp>
+        </p:grpSp>
+        <p:grpSp>
+          <p:nvGrpSpPr>
+            <p:cNvPr id="21" name="Group 20"/>
+            <p:cNvGrpSpPr/>
+            <p:nvPr/>
+          </p:nvGrpSpPr>
+          <p:grpSpPr>
+            <a:xfrm>
+              <a:off x="5528648" y="4320730"/>
+              <a:ext cx="2118627" cy="1241870"/>
+              <a:chOff x="5528648" y="4320730"/>
+              <a:chExt cx="2118627" cy="1241870"/>
+            </a:xfrm>
+          </p:grpSpPr>
+          <p:cxnSp>
+            <p:nvCxnSpPr>
+              <p:cNvPr id="15" name="Straight Arrow Connector 14"/>
+              <p:cNvCxnSpPr/>
+              <p:nvPr/>
+            </p:nvCxnSpPr>
+            <p:spPr>
+              <a:xfrm flipH="1">
+                <a:off x="5943600" y="4724400"/>
+                <a:ext cx="76200" cy="762000"/>
+              </a:xfrm>
+              <a:prstGeom prst="straightConnector1">
+                <a:avLst/>
+              </a:prstGeom>
+              <a:ln w="19050">
+                <a:solidFill>
+                  <a:srgbClr val="FF0000"/>
+                </a:solidFill>
+                <a:tailEnd type="arrow"/>
+              </a:ln>
+            </p:spPr>
+            <p:style>
+              <a:lnRef idx="1">
+                <a:schemeClr val="accent1"/>
+              </a:lnRef>
+              <a:fillRef idx="0">
+                <a:schemeClr val="accent1"/>
+              </a:fillRef>
+              <a:effectRef idx="0">
+                <a:schemeClr val="accent1"/>
+              </a:effectRef>
+              <a:fontRef idx="minor">
+                <a:schemeClr val="tx1"/>
+              </a:fontRef>
+            </p:style>
+          </p:cxnSp>
+          <p:cxnSp>
+            <p:nvCxnSpPr>
+              <p:cNvPr id="17" name="Straight Arrow Connector 16"/>
+              <p:cNvCxnSpPr/>
+              <p:nvPr/>
+            </p:nvCxnSpPr>
+            <p:spPr>
+              <a:xfrm>
+                <a:off x="6400800" y="4724400"/>
+                <a:ext cx="0" cy="838200"/>
+              </a:xfrm>
+              <a:prstGeom prst="straightConnector1">
+                <a:avLst/>
+              </a:prstGeom>
+              <a:ln w="19050">
+                <a:solidFill>
+                  <a:srgbClr val="FF0000"/>
+                </a:solidFill>
+                <a:tailEnd type="arrow"/>
+              </a:ln>
+            </p:spPr>
+            <p:style>
+              <a:lnRef idx="1">
+                <a:schemeClr val="accent1"/>
+              </a:lnRef>
+              <a:fillRef idx="0">
+                <a:schemeClr val="accent1"/>
+              </a:fillRef>
+              <a:effectRef idx="0">
+                <a:schemeClr val="accent1"/>
+              </a:effectRef>
+              <a:fontRef idx="minor">
+                <a:schemeClr val="tx1"/>
+              </a:fontRef>
+            </p:style>
+          </p:cxnSp>
+          <p:cxnSp>
+            <p:nvCxnSpPr>
+              <p:cNvPr id="19" name="Straight Arrow Connector 18"/>
+              <p:cNvCxnSpPr/>
+              <p:nvPr/>
+            </p:nvCxnSpPr>
+            <p:spPr>
+              <a:xfrm>
+                <a:off x="6781800" y="4724400"/>
+                <a:ext cx="0" cy="762000"/>
+              </a:xfrm>
+              <a:prstGeom prst="straightConnector1">
+                <a:avLst/>
+              </a:prstGeom>
+              <a:ln w="19050">
+                <a:solidFill>
+                  <a:srgbClr val="FF0000"/>
+                </a:solidFill>
+                <a:tailEnd type="arrow"/>
+              </a:ln>
+            </p:spPr>
+            <p:style>
+              <a:lnRef idx="1">
+                <a:schemeClr val="accent1"/>
+              </a:lnRef>
+              <a:fillRef idx="0">
+                <a:schemeClr val="accent1"/>
+              </a:fillRef>
+              <a:effectRef idx="0">
+                <a:schemeClr val="accent1"/>
+              </a:effectRef>
+              <a:fontRef idx="minor">
+                <a:schemeClr val="tx1"/>
+              </a:fontRef>
+            </p:style>
+          </p:cxnSp>
+          <p:sp>
+            <p:nvSpPr>
+              <p:cNvPr id="20" name="TextBox 19"/>
+              <p:cNvSpPr txBox="1"/>
+              <p:nvPr/>
+            </p:nvSpPr>
+            <p:spPr>
+              <a:xfrm>
+                <a:off x="5528648" y="4320730"/>
+                <a:ext cx="2118627" cy="475741"/>
+              </a:xfrm>
+              <a:prstGeom prst="rect">
+                <a:avLst/>
+              </a:prstGeom>
+              <a:noFill/>
+            </p:spPr>
+            <p:txBody>
+              <a:bodyPr wrap="none" rtlCol="0">
+                <a:spAutoFit/>
+              </a:bodyPr>
+              <a:lstStyle/>
+              <a:p>
+                <a:r>
+                  <a:rPr lang="en-US" sz="1200" dirty="0" smtClean="0"/>
+                  <a:t>3.25, 3.57, 3.99</a:t>
+                </a:r>
+                <a:endParaRPr lang="en-US" sz="1200" dirty="0"/>
+              </a:p>
+            </p:txBody>
+          </p:sp>
+        </p:grpSp>
+        <p:grpSp>
+          <p:nvGrpSpPr>
+            <p:cNvPr id="26" name="Group 25"/>
+            <p:cNvGrpSpPr/>
+            <p:nvPr/>
+          </p:nvGrpSpPr>
+          <p:grpSpPr>
+            <a:xfrm>
+              <a:off x="533400" y="3853934"/>
+              <a:ext cx="2829791" cy="475740"/>
+              <a:chOff x="533400" y="3853934"/>
+              <a:chExt cx="2829791" cy="475740"/>
+            </a:xfrm>
+          </p:grpSpPr>
+          <p:cxnSp>
+            <p:nvCxnSpPr>
+              <p:cNvPr id="23" name="Straight Arrow Connector 22"/>
+              <p:cNvCxnSpPr>
+                <a:stCxn id="24" idx="3"/>
+              </p:cNvCxnSpPr>
+              <p:nvPr/>
+            </p:nvCxnSpPr>
+            <p:spPr>
+              <a:xfrm flipV="1">
+                <a:off x="1448864" y="4038601"/>
+                <a:ext cx="1914327" cy="53203"/>
+              </a:xfrm>
+              <a:prstGeom prst="straightConnector1">
+                <a:avLst/>
+              </a:prstGeom>
+              <a:ln w="38100">
+                <a:solidFill>
+                  <a:srgbClr val="00B0F0"/>
+                </a:solidFill>
+                <a:tailEnd type="arrow"/>
+              </a:ln>
+            </p:spPr>
+            <p:style>
+              <a:lnRef idx="1">
+                <a:schemeClr val="accent1"/>
+              </a:lnRef>
+              <a:fillRef idx="0">
+                <a:schemeClr val="accent1"/>
+              </a:fillRef>
+              <a:effectRef idx="0">
+                <a:schemeClr val="accent1"/>
+              </a:effectRef>
+              <a:fontRef idx="minor">
+                <a:schemeClr val="tx1"/>
+              </a:fontRef>
+            </p:style>
+          </p:cxnSp>
+          <p:sp>
+            <p:nvSpPr>
+              <p:cNvPr id="24" name="TextBox 23"/>
+              <p:cNvSpPr txBox="1"/>
+              <p:nvPr/>
+            </p:nvSpPr>
+            <p:spPr>
+              <a:xfrm>
+                <a:off x="533400" y="3853934"/>
+                <a:ext cx="915464" cy="475740"/>
+              </a:xfrm>
+              <a:prstGeom prst="rect">
+                <a:avLst/>
+              </a:prstGeom>
+              <a:noFill/>
+            </p:spPr>
+            <p:txBody>
+              <a:bodyPr wrap="none" rtlCol="0">
+                <a:spAutoFit/>
+              </a:bodyPr>
+              <a:lstStyle/>
+              <a:p>
+                <a:r>
+                  <a:rPr lang="en-US" sz="1200" dirty="0" smtClean="0"/>
+                  <a:t>1788</a:t>
+                </a:r>
+                <a:endParaRPr lang="en-US" sz="1200" dirty="0"/>
+              </a:p>
+            </p:txBody>
+          </p:sp>
+        </p:grpSp>
+      </p:grpSp>
+      <p:grpSp>
+        <p:nvGrpSpPr>
+          <p:cNvPr id="22" name="Group 21"/>
+          <p:cNvGrpSpPr/>
+          <p:nvPr/>
+        </p:nvGrpSpPr>
+        <p:grpSpPr>
+          <a:xfrm>
+            <a:off x="4816548" y="1631103"/>
+            <a:ext cx="4227404" cy="3914914"/>
+            <a:chOff x="1361209" y="81190"/>
+            <a:chExt cx="6710596" cy="6700610"/>
+          </a:xfrm>
+        </p:grpSpPr>
+        <p:grpSp>
+          <p:nvGrpSpPr>
+            <p:cNvPr id="25" name="Group 24"/>
+            <p:cNvGrpSpPr/>
+            <p:nvPr/>
+          </p:nvGrpSpPr>
+          <p:grpSpPr>
+            <a:xfrm>
+              <a:off x="1361209" y="81190"/>
+              <a:ext cx="6710596" cy="6700610"/>
+              <a:chOff x="1361209" y="81190"/>
+              <a:chExt cx="6710596" cy="6700610"/>
+            </a:xfrm>
+          </p:grpSpPr>
+          <p:pic>
+            <p:nvPicPr>
+              <p:cNvPr id="32" name="Picture 31"/>
+              <p:cNvPicPr>
+                <a:picLocks noChangeAspect="1"/>
+              </p:cNvPicPr>
+              <p:nvPr/>
+            </p:nvPicPr>
+            <p:blipFill>
+              <a:blip r:embed="rId4">
+                <a:extLst>
+                  <a:ext uri="{28A0092B-C50C-407E-A947-70E740481C1C}">
+                    <a14:useLocalDpi xmlns:a14="http://schemas.microsoft.com/office/drawing/2010/main" val="0"/>
+                  </a:ext>
+                </a:extLst>
+              </a:blip>
+              <a:stretch>
+                <a:fillRect/>
+              </a:stretch>
+            </p:blipFill>
+            <p:spPr>
+              <a:xfrm>
+                <a:off x="1361209" y="81190"/>
+                <a:ext cx="6710596" cy="6700610"/>
+              </a:xfrm>
+              <a:prstGeom prst="rect">
+                <a:avLst/>
+              </a:prstGeom>
+            </p:spPr>
+          </p:pic>
+          <p:pic>
+            <p:nvPicPr>
+              <p:cNvPr id="33" name="Picture 2"/>
+              <p:cNvPicPr>
+                <a:picLocks noChangeAspect="1" noChangeArrowheads="1"/>
+              </p:cNvPicPr>
+              <p:nvPr/>
+            </p:nvPicPr>
+            <p:blipFill>
+              <a:blip r:embed="rId5">
+                <a:extLst>
+                  <a:ext uri="{28A0092B-C50C-407E-A947-70E740481C1C}">
+                    <a14:useLocalDpi xmlns:a14="http://schemas.microsoft.com/office/drawing/2010/main" val="0"/>
+                  </a:ext>
+                </a:extLst>
+              </a:blip>
+              <a:srcRect/>
+              <a:stretch>
+                <a:fillRect/>
+              </a:stretch>
+            </p:blipFill>
+            <p:spPr bwMode="auto">
+              <a:xfrm>
+                <a:off x="5673437" y="869373"/>
+                <a:ext cx="1981200" cy="1409700"/>
+              </a:xfrm>
+              <a:prstGeom prst="rect">
+                <a:avLst/>
+              </a:prstGeom>
+              <a:noFill/>
+              <a:ln>
+                <a:noFill/>
+              </a:ln>
+              <a:extLst>
+                <a:ext uri="{909E8E84-426E-40DD-AFC4-6F175D3DCCD1}">
+                  <a14:hiddenFill xmlns:a14="http://schemas.microsoft.com/office/drawing/2010/main">
+                    <a:solidFill>
+                      <a:schemeClr val="accent1"/>
+                    </a:solidFill>
+                  </a14:hiddenFill>
+                </a:ext>
+                <a:ext uri="{91240B29-F687-4F45-9708-019B960494DF}">
+                  <a14:hiddenLine xmlns:a14="http://schemas.microsoft.com/office/drawing/2010/main" w="9525">
+                    <a:solidFill>
+                      <a:schemeClr val="tx1"/>
+                    </a:solidFill>
+                    <a:miter lim="800000"/>
+                    <a:headEnd/>
+                    <a:tailEnd/>
+                  </a14:hiddenLine>
+                </a:ext>
+              </a:extLst>
+            </p:spPr>
+          </p:pic>
+        </p:grpSp>
+        <p:grpSp>
+          <p:nvGrpSpPr>
+            <p:cNvPr id="27" name="Group 26"/>
+            <p:cNvGrpSpPr/>
+            <p:nvPr/>
+          </p:nvGrpSpPr>
+          <p:grpSpPr>
+            <a:xfrm>
+              <a:off x="5476010" y="3678596"/>
+              <a:ext cx="1415276" cy="1049814"/>
+              <a:chOff x="4267200" y="3217386"/>
+              <a:chExt cx="1415276" cy="1049814"/>
+            </a:xfrm>
+          </p:grpSpPr>
+          <p:cxnSp>
+            <p:nvCxnSpPr>
+              <p:cNvPr id="30" name="Straight Arrow Connector 29"/>
+              <p:cNvCxnSpPr/>
+              <p:nvPr/>
+            </p:nvCxnSpPr>
+            <p:spPr>
+              <a:xfrm flipH="1">
+                <a:off x="4267200" y="3581400"/>
+                <a:ext cx="609600" cy="685800"/>
+              </a:xfrm>
+              <a:prstGeom prst="straightConnector1">
+                <a:avLst/>
+              </a:prstGeom>
+              <a:ln w="19050">
+                <a:solidFill>
+                  <a:srgbClr val="FF0000"/>
+                </a:solidFill>
+                <a:tailEnd type="arrow"/>
+              </a:ln>
+            </p:spPr>
+            <p:style>
+              <a:lnRef idx="1">
+                <a:schemeClr val="accent1"/>
+              </a:lnRef>
+              <a:fillRef idx="0">
+                <a:schemeClr val="accent1"/>
+              </a:fillRef>
+              <a:effectRef idx="0">
+                <a:schemeClr val="accent1"/>
+              </a:effectRef>
+              <a:fontRef idx="minor">
+                <a:schemeClr val="tx1"/>
+              </a:fontRef>
+            </p:style>
+          </p:cxnSp>
+          <p:sp>
+            <p:nvSpPr>
+              <p:cNvPr id="31" name="TextBox 30"/>
+              <p:cNvSpPr txBox="1"/>
+              <p:nvPr/>
+            </p:nvSpPr>
+            <p:spPr>
+              <a:xfrm>
+                <a:off x="4811709" y="3217386"/>
+                <a:ext cx="870767" cy="579455"/>
+              </a:xfrm>
+              <a:prstGeom prst="rect">
+                <a:avLst/>
+              </a:prstGeom>
+              <a:noFill/>
+            </p:spPr>
+            <p:txBody>
+              <a:bodyPr wrap="none" rtlCol="0">
+                <a:spAutoFit/>
+              </a:bodyPr>
+              <a:lstStyle/>
+              <a:p>
+                <a:r>
+                  <a:rPr lang="en-US" sz="1600" dirty="0" smtClean="0"/>
+                  <a:t>3.33</a:t>
+                </a:r>
+                <a:endParaRPr lang="en-US" sz="1600" dirty="0"/>
+              </a:p>
+            </p:txBody>
+          </p:sp>
+        </p:grpSp>
+        <p:cxnSp>
+          <p:nvCxnSpPr>
+            <p:cNvPr id="28" name="Straight Arrow Connector 27"/>
+            <p:cNvCxnSpPr/>
+            <p:nvPr/>
+          </p:nvCxnSpPr>
+          <p:spPr>
+            <a:xfrm flipH="1" flipV="1">
+              <a:off x="3581400" y="1066800"/>
+              <a:ext cx="914400" cy="507423"/>
+            </a:xfrm>
+            <a:prstGeom prst="straightConnector1">
+              <a:avLst/>
+            </a:prstGeom>
+            <a:ln w="19050">
+              <a:solidFill>
+                <a:srgbClr val="FF0000"/>
+              </a:solidFill>
+              <a:tailEnd type="arrow"/>
+            </a:ln>
+          </p:spPr>
+          <p:style>
+            <a:lnRef idx="1">
+              <a:schemeClr val="accent1"/>
+            </a:lnRef>
+            <a:fillRef idx="0">
+              <a:schemeClr val="accent1"/>
+            </a:fillRef>
+            <a:effectRef idx="0">
+              <a:schemeClr val="accent1"/>
+            </a:effectRef>
+            <a:fontRef idx="minor">
+              <a:schemeClr val="tx1"/>
+            </a:fontRef>
+          </p:style>
+        </p:cxnSp>
+        <p:sp>
+          <p:nvSpPr>
+            <p:cNvPr id="29" name="TextBox 28"/>
+            <p:cNvSpPr txBox="1"/>
+            <p:nvPr/>
+          </p:nvSpPr>
+          <p:spPr>
+            <a:xfrm>
+              <a:off x="4419791" y="1360937"/>
+              <a:ext cx="870767" cy="579455"/>
+            </a:xfrm>
+            <a:prstGeom prst="rect">
+              <a:avLst/>
+            </a:prstGeom>
+            <a:noFill/>
+          </p:spPr>
+          <p:txBody>
+            <a:bodyPr wrap="none" rtlCol="0">
+              <a:spAutoFit/>
+            </a:bodyPr>
+            <a:lstStyle/>
+            <a:p>
+              <a:r>
+                <a:rPr lang="en-US" sz="1600" dirty="0" smtClean="0"/>
+                <a:t>2.00</a:t>
+              </a:r>
+              <a:endParaRPr lang="en-US" sz="1600" dirty="0"/>
+            </a:p>
+          </p:txBody>
+        </p:sp>
+      </p:grpSp>
+    </p:spTree>
+    <p:extLst>
+      <p:ext uri="{BB962C8B-B14F-4D97-AF65-F5344CB8AC3E}">
+        <p14:creationId xmlns:p14="http://schemas.microsoft.com/office/powerpoint/2010/main" val="2572402482"/>
+      </p:ext>
+    </p:extLst>
+  </p:cSld>
+  <p:clrMapOvr>
+    <a:masterClrMapping/>
+  </p:clrMapOvr>
+  <p:timing>
+    <p:tnLst>
+      <p:par>
+        <p:cTn id="1" dur="indefinite" restart="never" nodeType="tmRoot"/>
+      </p:par>
+    </p:tnLst>
+  </p:timing>
+</p:sld>
+</file>
+
+<file path=ppt/slides/slide2.xml><?xml version="1.0" encoding="utf-8"?>
+<p:sld xmlns:a="http://schemas.openxmlformats.org/drawingml/2006/main" xmlns:r="http://schemas.openxmlformats.org/officeDocument/2006/relationships" xmlns:p="http://schemas.openxmlformats.org/presentationml/2006/main">
+  <p:cSld>
+    <p:spTree>
+      <p:nvGrpSpPr>
+        <p:cNvPr id="1" name=""/>
+        <p:cNvGrpSpPr/>
+        <p:nvPr/>
+      </p:nvGrpSpPr>
+      <p:grpSpPr>
+        <a:xfrm>
+          <a:off x="0" y="0"/>
+          <a:ext cx="0" cy="0"/>
+          <a:chOff x="0" y="0"/>
+          <a:chExt cx="0" cy="0"/>
+        </a:xfrm>
+      </p:grpSpPr>
+      <p:sp>
+        <p:nvSpPr>
+          <p:cNvPr id="2" name="Title 1"/>
+          <p:cNvSpPr>
+            <a:spLocks noGrp="1"/>
+          </p:cNvSpPr>
+          <p:nvPr>
+            <p:ph type="title"/>
+          </p:nvPr>
+        </p:nvSpPr>
+        <p:spPr/>
+        <p:txBody>
+          <a:bodyPr/>
+          <a:lstStyle/>
+          <a:p>
+            <a:r>
+              <a:rPr lang="en-US" dirty="0" smtClean="0"/>
+              <a:t>Outline</a:t>
+            </a:r>
+            <a:endParaRPr lang="en-US" dirty="0"/>
+          </a:p>
+        </p:txBody>
+      </p:sp>
+      <p:sp>
+        <p:nvSpPr>
+          <p:cNvPr id="3" name="Content Placeholder 2"/>
+          <p:cNvSpPr>
+            <a:spLocks noGrp="1"/>
+          </p:cNvSpPr>
+          <p:nvPr>
+            <p:ph idx="1"/>
+          </p:nvPr>
+        </p:nvSpPr>
+        <p:spPr/>
+        <p:txBody>
+          <a:bodyPr>
+            <a:normAutofit lnSpcReduction="10000"/>
+          </a:bodyPr>
+          <a:lstStyle/>
+          <a:p>
+            <a:r>
+              <a:rPr lang="en-US" dirty="0" smtClean="0"/>
+              <a:t>Nucleus DNA staining for early detection</a:t>
+            </a:r>
+          </a:p>
+          <a:p>
+            <a:r>
+              <a:rPr lang="en-US" dirty="0" smtClean="0"/>
+              <a:t>Understand the data distribution nature</a:t>
+            </a:r>
+          </a:p>
+          <a:p>
+            <a:r>
+              <a:rPr lang="en-US" b="1" dirty="0" smtClean="0"/>
+              <a:t>Ex</a:t>
+            </a:r>
+            <a:r>
+              <a:rPr lang="en-US" dirty="0" smtClean="0"/>
+              <a:t>pert </a:t>
+            </a:r>
+            <a:r>
+              <a:rPr lang="en-US" b="1" dirty="0"/>
+              <a:t>G</a:t>
+            </a:r>
+            <a:r>
+              <a:rPr lang="en-US" dirty="0"/>
+              <a:t>uided Data </a:t>
+            </a:r>
+            <a:r>
+              <a:rPr lang="en-US" b="1" dirty="0"/>
+              <a:t>C</a:t>
+            </a:r>
+            <a:r>
+              <a:rPr lang="en-US" dirty="0"/>
+              <a:t>leaning and </a:t>
+            </a:r>
+            <a:r>
+              <a:rPr lang="en-US" b="1" dirty="0"/>
+              <a:t>R</a:t>
+            </a:r>
+            <a:r>
+              <a:rPr lang="en-US" dirty="0"/>
+              <a:t>econstructio</a:t>
+            </a:r>
+            <a:r>
+              <a:rPr lang="en-US" b="1" dirty="0"/>
+              <a:t>n </a:t>
+            </a:r>
+            <a:r>
+              <a:rPr lang="en-US" dirty="0"/>
+              <a:t>(</a:t>
+            </a:r>
+            <a:r>
+              <a:rPr lang="en-US" b="1" dirty="0" err="1"/>
+              <a:t>ExGCRn</a:t>
+            </a:r>
+            <a:r>
+              <a:rPr lang="en-US" dirty="0"/>
+              <a:t>) </a:t>
+            </a:r>
+            <a:endParaRPr lang="en-US" dirty="0" smtClean="0"/>
+          </a:p>
+          <a:p>
+            <a:r>
+              <a:rPr lang="en-US" dirty="0" smtClean="0"/>
+              <a:t>Stretching the prediction modeling</a:t>
+            </a:r>
+          </a:p>
+          <a:p>
+            <a:r>
+              <a:rPr lang="en-US" dirty="0" smtClean="0"/>
+              <a:t>Integrating extra domain information</a:t>
+            </a:r>
+          </a:p>
+          <a:p>
+            <a:r>
+              <a:rPr lang="en-US" dirty="0" smtClean="0"/>
+              <a:t>Empower the patient</a:t>
+            </a:r>
+          </a:p>
+          <a:p>
+            <a:r>
+              <a:rPr lang="en-US" dirty="0" smtClean="0"/>
+              <a:t>Moving toward the standardization</a:t>
+            </a:r>
+            <a:endParaRPr lang="en-US" dirty="0"/>
+          </a:p>
+        </p:txBody>
+      </p:sp>
+    </p:spTree>
+    <p:extLst>
+      <p:ext uri="{BB962C8B-B14F-4D97-AF65-F5344CB8AC3E}">
+        <p14:creationId xmlns:p14="http://schemas.microsoft.com/office/powerpoint/2010/main" val="586842750"/>
+      </p:ext>
+    </p:extLst>
+  </p:cSld>
+  <p:clrMapOvr>
+    <a:masterClrMapping/>
+  </p:clrMapOvr>
+  <p:timing>
+    <p:tnLst>
+      <p:par>
+        <p:cTn id="1" dur="indefinite" restart="never" nodeType="tmRoot"/>
+      </p:par>
+    </p:tnLst>
+  </p:timing>
+</p:sld>
+</file>
+
+<file path=ppt/slides/slide20.xml><?xml version="1.0" encoding="utf-8"?>
+<p:sld xmlns:a="http://schemas.openxmlformats.org/drawingml/2006/main" xmlns:r="http://schemas.openxmlformats.org/officeDocument/2006/relationships" xmlns:p="http://schemas.openxmlformats.org/presentationml/2006/main">
+  <p:cSld>
+    <p:spTree>
+      <p:nvGrpSpPr>
+        <p:cNvPr id="1" name=""/>
+        <p:cNvGrpSpPr/>
+        <p:nvPr/>
+      </p:nvGrpSpPr>
+      <p:grpSpPr>
+        <a:xfrm>
+          <a:off x="0" y="0"/>
+          <a:ext cx="0" cy="0"/>
+          <a:chOff x="0" y="0"/>
+          <a:chExt cx="0" cy="0"/>
+        </a:xfrm>
+      </p:grpSpPr>
+      <p:sp>
+        <p:nvSpPr>
+          <p:cNvPr id="2" name="Title 1"/>
+          <p:cNvSpPr>
+            <a:spLocks noGrp="1"/>
+          </p:cNvSpPr>
+          <p:nvPr>
+            <p:ph type="title"/>
+          </p:nvPr>
+        </p:nvSpPr>
+        <p:spPr/>
+        <p:txBody>
+          <a:bodyPr/>
+          <a:lstStyle/>
+          <a:p>
+            <a:r>
+              <a:rPr lang="en-US" dirty="0" smtClean="0"/>
+              <a:t>Predicting the clinical outcome</a:t>
+            </a:r>
+            <a:endParaRPr lang="en-US" dirty="0"/>
+          </a:p>
+        </p:txBody>
+      </p:sp>
+      <p:sp>
+        <p:nvSpPr>
+          <p:cNvPr id="3" name="Content Placeholder 2"/>
+          <p:cNvSpPr>
+            <a:spLocks noGrp="1"/>
+          </p:cNvSpPr>
+          <p:nvPr>
+            <p:ph idx="1"/>
+          </p:nvPr>
+        </p:nvSpPr>
+        <p:spPr/>
+        <p:txBody>
+          <a:bodyPr/>
+          <a:lstStyle/>
+          <a:p>
+            <a:r>
+              <a:rPr lang="en-US" dirty="0" smtClean="0"/>
+              <a:t>Newly formulated dataset (</a:t>
+            </a:r>
+            <a:r>
+              <a:rPr lang="en-US" b="1" dirty="0" err="1" smtClean="0"/>
+              <a:t>ExGCRn</a:t>
+            </a:r>
+            <a:r>
+              <a:rPr lang="en-US" b="1" dirty="0" smtClean="0"/>
+              <a:t>)</a:t>
+            </a:r>
+          </a:p>
+          <a:p>
+            <a:r>
+              <a:rPr lang="en-US" dirty="0" smtClean="0"/>
+              <a:t>Stretched statistical models</a:t>
+            </a:r>
+          </a:p>
+          <a:p>
+            <a:pPr lvl="1"/>
+            <a:r>
+              <a:rPr lang="en-US" dirty="0" smtClean="0"/>
+              <a:t>Tested out models with various prediction power</a:t>
+            </a:r>
+          </a:p>
+          <a:p>
+            <a:pPr lvl="1"/>
+            <a:r>
+              <a:rPr lang="en-US" dirty="0" smtClean="0"/>
+              <a:t>Optimized the parameter setting</a:t>
+            </a:r>
+          </a:p>
+          <a:p>
+            <a:pPr lvl="1"/>
+            <a:r>
+              <a:rPr lang="en-US" dirty="0" smtClean="0"/>
+              <a:t>Evaluated model performance</a:t>
+            </a:r>
+          </a:p>
+          <a:p>
+            <a:r>
+              <a:rPr lang="en-US" dirty="0" smtClean="0"/>
+              <a:t>Prediction results</a:t>
+            </a:r>
+          </a:p>
+          <a:p>
+            <a:r>
+              <a:rPr lang="en-US" dirty="0" smtClean="0"/>
+              <a:t>Clinical outcome and further implementation</a:t>
+            </a:r>
+          </a:p>
+          <a:p>
+            <a:r>
+              <a:rPr lang="en-US" dirty="0" smtClean="0"/>
+              <a:t>R -- Caret package used</a:t>
+            </a:r>
+            <a:endParaRPr lang="en-US" dirty="0"/>
+          </a:p>
+        </p:txBody>
+      </p:sp>
+    </p:spTree>
+    <p:extLst>
+      <p:ext uri="{BB962C8B-B14F-4D97-AF65-F5344CB8AC3E}">
+        <p14:creationId xmlns:p14="http://schemas.microsoft.com/office/powerpoint/2010/main" val="109716143"/>
+      </p:ext>
+    </p:extLst>
+  </p:cSld>
+  <p:clrMapOvr>
+    <a:masterClrMapping/>
+  </p:clrMapOvr>
+  <p:timing>
+    <p:tnLst>
+      <p:par>
+        <p:cTn id="1" dur="indefinite" restart="never" nodeType="tmRoot"/>
+      </p:par>
+    </p:tnLst>
+  </p:timing>
+</p:sld>
+</file>
+
+<file path=ppt/slides/slide21.xml><?xml version="1.0" encoding="utf-8"?>
+<p:sld xmlns:a="http://schemas.openxmlformats.org/drawingml/2006/main" xmlns:r="http://schemas.openxmlformats.org/officeDocument/2006/relationships" xmlns:p="http://schemas.openxmlformats.org/presentationml/2006/main">
+  <p:cSld>
+    <p:spTree>
+      <p:nvGrpSpPr>
+        <p:cNvPr id="1" name=""/>
+        <p:cNvGrpSpPr/>
+        <p:nvPr/>
+      </p:nvGrpSpPr>
+      <p:grpSpPr>
+        <a:xfrm>
+          <a:off x="0" y="0"/>
+          <a:ext cx="0" cy="0"/>
+          <a:chOff x="0" y="0"/>
+          <a:chExt cx="0" cy="0"/>
+        </a:xfrm>
+      </p:grpSpPr>
+      <p:sp>
+        <p:nvSpPr>
+          <p:cNvPr id="2" name="Title 1"/>
+          <p:cNvSpPr>
+            <a:spLocks noGrp="1"/>
+          </p:cNvSpPr>
+          <p:nvPr>
+            <p:ph type="title"/>
+          </p:nvPr>
+        </p:nvSpPr>
+        <p:spPr/>
+        <p:txBody>
+          <a:bodyPr/>
+          <a:lstStyle/>
+          <a:p>
+            <a:endParaRPr lang="en-US"/>
+          </a:p>
+        </p:txBody>
+      </p:sp>
+      <p:sp>
+        <p:nvSpPr>
+          <p:cNvPr id="3" name="Content Placeholder 2"/>
+          <p:cNvSpPr>
+            <a:spLocks noGrp="1"/>
+          </p:cNvSpPr>
+          <p:nvPr>
+            <p:ph idx="1"/>
+          </p:nvPr>
+        </p:nvSpPr>
+        <p:spPr/>
+        <p:txBody>
+          <a:bodyPr/>
+          <a:lstStyle/>
+          <a:p>
+            <a:r>
+              <a:rPr lang="en-US" dirty="0" smtClean="0"/>
+              <a:t>Get a few model explaining</a:t>
+            </a:r>
+            <a:endParaRPr lang="en-US" dirty="0"/>
+          </a:p>
+        </p:txBody>
+      </p:sp>
+    </p:spTree>
+    <p:extLst>
+      <p:ext uri="{BB962C8B-B14F-4D97-AF65-F5344CB8AC3E}">
+        <p14:creationId xmlns:p14="http://schemas.microsoft.com/office/powerpoint/2010/main" val="3062026447"/>
+      </p:ext>
+    </p:extLst>
+  </p:cSld>
+  <p:clrMapOvr>
+    <a:masterClrMapping/>
+  </p:clrMapOvr>
+</p:sld>
+</file>
+
+<file path=ppt/slides/slide22.xml><?xml version="1.0" encoding="utf-8"?>
+<p:sld xmlns:a="http://schemas.openxmlformats.org/drawingml/2006/main" xmlns:r="http://schemas.openxmlformats.org/officeDocument/2006/relationships" xmlns:p="http://schemas.openxmlformats.org/presentationml/2006/main">
+  <p:cSld>
+    <p:spTree>
+      <p:nvGrpSpPr>
+        <p:cNvPr id="1" name=""/>
+        <p:cNvGrpSpPr/>
+        <p:nvPr/>
+      </p:nvGrpSpPr>
+      <p:grpSpPr>
+        <a:xfrm>
+          <a:off x="0" y="0"/>
+          <a:ext cx="0" cy="0"/>
+          <a:chOff x="0" y="0"/>
+          <a:chExt cx="0" cy="0"/>
+        </a:xfrm>
+      </p:grpSpPr>
+      <p:sp>
+        <p:nvSpPr>
+          <p:cNvPr id="2" name="Title 1"/>
+          <p:cNvSpPr>
+            <a:spLocks noGrp="1"/>
+          </p:cNvSpPr>
+          <p:nvPr>
+            <p:ph type="title"/>
+          </p:nvPr>
+        </p:nvSpPr>
+        <p:spPr/>
+        <p:txBody>
+          <a:bodyPr/>
+          <a:lstStyle/>
+          <a:p>
+            <a:r>
+              <a:rPr lang="en-US" dirty="0" smtClean="0"/>
+              <a:t>SVM – maximize the margin</a:t>
+            </a:r>
+            <a:endParaRPr lang="en-US" dirty="0"/>
+          </a:p>
+        </p:txBody>
+      </p:sp>
+      <p:pic>
+        <p:nvPicPr>
+          <p:cNvPr id="3" name="Picture 2"/>
+          <p:cNvPicPr>
+            <a:picLocks noChangeAspect="1"/>
+          </p:cNvPicPr>
+          <p:nvPr/>
+        </p:nvPicPr>
+        <p:blipFill>
+          <a:blip r:embed="rId2"/>
+          <a:stretch>
+            <a:fillRect/>
+          </a:stretch>
+        </p:blipFill>
+        <p:spPr>
+          <a:xfrm>
+            <a:off x="0" y="1905000"/>
+            <a:ext cx="3810000" cy="3733800"/>
+          </a:xfrm>
+          <a:prstGeom prst="rect">
+            <a:avLst/>
+          </a:prstGeom>
+        </p:spPr>
+      </p:pic>
+      <p:pic>
+        <p:nvPicPr>
+          <p:cNvPr id="4" name="Picture 3"/>
+          <p:cNvPicPr>
+            <a:picLocks noChangeAspect="1"/>
+          </p:cNvPicPr>
+          <p:nvPr/>
+        </p:nvPicPr>
+        <p:blipFill>
+          <a:blip r:embed="rId3"/>
+          <a:stretch>
+            <a:fillRect/>
+          </a:stretch>
+        </p:blipFill>
+        <p:spPr>
+          <a:xfrm>
+            <a:off x="4876800" y="1916870"/>
+            <a:ext cx="3810000" cy="3759200"/>
+          </a:xfrm>
+          <a:prstGeom prst="rect">
+            <a:avLst/>
+          </a:prstGeom>
+        </p:spPr>
+      </p:pic>
+    </p:spTree>
+    <p:extLst>
+      <p:ext uri="{BB962C8B-B14F-4D97-AF65-F5344CB8AC3E}">
+        <p14:creationId xmlns:p14="http://schemas.microsoft.com/office/powerpoint/2010/main" val="2266924076"/>
+      </p:ext>
+    </p:extLst>
+  </p:cSld>
+  <p:clrMapOvr>
+    <a:masterClrMapping/>
+  </p:clrMapOvr>
+</p:sld>
+</file>
+
+<file path=ppt/slides/slide23.xml><?xml version="1.0" encoding="utf-8"?>
+<p:sld xmlns:a="http://schemas.openxmlformats.org/drawingml/2006/main" xmlns:r="http://schemas.openxmlformats.org/officeDocument/2006/relationships" xmlns:p="http://schemas.openxmlformats.org/presentationml/2006/main">
+  <p:cSld>
+    <p:spTree>
+      <p:nvGrpSpPr>
+        <p:cNvPr id="1" name=""/>
+        <p:cNvGrpSpPr/>
+        <p:nvPr/>
+      </p:nvGrpSpPr>
+      <p:grpSpPr>
+        <a:xfrm>
+          <a:off x="0" y="0"/>
+          <a:ext cx="0" cy="0"/>
+          <a:chOff x="0" y="0"/>
+          <a:chExt cx="0" cy="0"/>
+        </a:xfrm>
+      </p:grpSpPr>
+      <p:sp>
+        <p:nvSpPr>
+          <p:cNvPr id="2" name="Title 1"/>
+          <p:cNvSpPr>
+            <a:spLocks noGrp="1"/>
+          </p:cNvSpPr>
+          <p:nvPr>
+            <p:ph type="title"/>
+          </p:nvPr>
+        </p:nvSpPr>
+        <p:spPr/>
+        <p:txBody>
+          <a:bodyPr/>
+          <a:lstStyle/>
+          <a:p>
+            <a:endParaRPr lang="en-US"/>
+          </a:p>
+        </p:txBody>
+      </p:sp>
+      <p:sp>
+        <p:nvSpPr>
+          <p:cNvPr id="3" name="Content Placeholder 2"/>
+          <p:cNvSpPr>
+            <a:spLocks noGrp="1"/>
+          </p:cNvSpPr>
+          <p:nvPr>
+            <p:ph idx="1"/>
+          </p:nvPr>
+        </p:nvSpPr>
+        <p:spPr/>
+        <p:txBody>
+          <a:bodyPr/>
+          <a:lstStyle/>
+          <a:p>
+            <a:r>
+              <a:rPr lang="en-US" dirty="0" smtClean="0"/>
+              <a:t>Roc curves..</a:t>
+            </a:r>
+            <a:endParaRPr lang="en-US" dirty="0"/>
+          </a:p>
+        </p:txBody>
+      </p:sp>
+    </p:spTree>
+    <p:extLst>
+      <p:ext uri="{BB962C8B-B14F-4D97-AF65-F5344CB8AC3E}">
+        <p14:creationId xmlns:p14="http://schemas.microsoft.com/office/powerpoint/2010/main" val="1048994373"/>
+      </p:ext>
+    </p:extLst>
+  </p:cSld>
+  <p:clrMapOvr>
+    <a:masterClrMapping/>
+  </p:clrMapOvr>
+</p:sld>
+</file>
+
+<file path=ppt/slides/slide24.xml><?xml version="1.0" encoding="utf-8"?>
+<p:sld xmlns:a="http://schemas.openxmlformats.org/drawingml/2006/main" xmlns:r="http://schemas.openxmlformats.org/officeDocument/2006/relationships" xmlns:p="http://schemas.openxmlformats.org/presentationml/2006/main">
+  <p:cSld>
+    <p:spTree>
+      <p:nvGrpSpPr>
+        <p:cNvPr id="1" name=""/>
+        <p:cNvGrpSpPr/>
+        <p:nvPr/>
+      </p:nvGrpSpPr>
+      <p:grpSpPr>
+        <a:xfrm>
+          <a:off x="0" y="0"/>
+          <a:ext cx="0" cy="0"/>
+          <a:chOff x="0" y="0"/>
+          <a:chExt cx="0" cy="0"/>
+        </a:xfrm>
+      </p:grpSpPr>
+      <p:pic>
+        <p:nvPicPr>
+          <p:cNvPr id="2" name="Picture 1"/>
+          <p:cNvPicPr>
+            <a:picLocks noChangeAspect="1"/>
+          </p:cNvPicPr>
+          <p:nvPr/>
+        </p:nvPicPr>
+        <p:blipFill>
+          <a:blip r:embed="rId2">
+            <a:extLst>
+              <a:ext uri="{28A0092B-C50C-407E-A947-70E740481C1C}">
+                <a14:useLocalDpi xmlns:a14="http://schemas.microsoft.com/office/drawing/2010/main" val="0"/>
+              </a:ext>
+            </a:extLst>
+          </a:blip>
+          <a:stretch>
+            <a:fillRect/>
+          </a:stretch>
+        </p:blipFill>
+        <p:spPr>
+          <a:xfrm>
+            <a:off x="1371600" y="233362"/>
+            <a:ext cx="6400800" cy="6391275"/>
+          </a:xfrm>
+          <a:prstGeom prst="rect">
+            <a:avLst/>
+          </a:prstGeom>
+        </p:spPr>
+      </p:pic>
+      <p:grpSp>
+        <p:nvGrpSpPr>
+          <p:cNvPr id="3" name="Group 2"/>
+          <p:cNvGrpSpPr/>
+          <p:nvPr/>
+        </p:nvGrpSpPr>
+        <p:grpSpPr>
+          <a:xfrm>
+            <a:off x="5462155" y="4281054"/>
+            <a:ext cx="1632178" cy="1205346"/>
+            <a:chOff x="5645726" y="4357254"/>
+            <a:chExt cx="1632178" cy="1205346"/>
+          </a:xfrm>
+        </p:grpSpPr>
+        <p:cxnSp>
+          <p:nvCxnSpPr>
+            <p:cNvPr id="4" name="Straight Arrow Connector 3"/>
+            <p:cNvCxnSpPr/>
+            <p:nvPr/>
+          </p:nvCxnSpPr>
+          <p:spPr>
+            <a:xfrm flipH="1">
+              <a:off x="5943600" y="4724400"/>
+              <a:ext cx="76200" cy="762000"/>
+            </a:xfrm>
+            <a:prstGeom prst="straightConnector1">
+              <a:avLst/>
+            </a:prstGeom>
+            <a:ln w="19050">
+              <a:solidFill>
+                <a:srgbClr val="FF0000"/>
+              </a:solidFill>
+              <a:tailEnd type="arrow"/>
+            </a:ln>
+          </p:spPr>
+          <p:style>
+            <a:lnRef idx="1">
+              <a:schemeClr val="accent1"/>
+            </a:lnRef>
+            <a:fillRef idx="0">
+              <a:schemeClr val="accent1"/>
+            </a:fillRef>
+            <a:effectRef idx="0">
+              <a:schemeClr val="accent1"/>
+            </a:effectRef>
+            <a:fontRef idx="minor">
+              <a:schemeClr val="tx1"/>
+            </a:fontRef>
+          </p:style>
+        </p:cxnSp>
+        <p:cxnSp>
+          <p:nvCxnSpPr>
+            <p:cNvPr id="5" name="Straight Arrow Connector 4"/>
+            <p:cNvCxnSpPr/>
+            <p:nvPr/>
+          </p:nvCxnSpPr>
+          <p:spPr>
+            <a:xfrm>
+              <a:off x="6400800" y="4724400"/>
+              <a:ext cx="0" cy="838200"/>
+            </a:xfrm>
+            <a:prstGeom prst="straightConnector1">
+              <a:avLst/>
+            </a:prstGeom>
+            <a:ln w="19050">
+              <a:solidFill>
+                <a:srgbClr val="FF0000"/>
+              </a:solidFill>
+              <a:tailEnd type="arrow"/>
+            </a:ln>
+          </p:spPr>
+          <p:style>
+            <a:lnRef idx="1">
+              <a:schemeClr val="accent1"/>
+            </a:lnRef>
+            <a:fillRef idx="0">
+              <a:schemeClr val="accent1"/>
+            </a:fillRef>
+            <a:effectRef idx="0">
+              <a:schemeClr val="accent1"/>
+            </a:effectRef>
+            <a:fontRef idx="minor">
+              <a:schemeClr val="tx1"/>
+            </a:fontRef>
+          </p:style>
+        </p:cxnSp>
+        <p:cxnSp>
+          <p:nvCxnSpPr>
+            <p:cNvPr id="6" name="Straight Arrow Connector 5"/>
+            <p:cNvCxnSpPr/>
+            <p:nvPr/>
+          </p:nvCxnSpPr>
+          <p:spPr>
+            <a:xfrm>
+              <a:off x="6965371" y="4724400"/>
+              <a:ext cx="0" cy="762000"/>
+            </a:xfrm>
+            <a:prstGeom prst="straightConnector1">
+              <a:avLst/>
+            </a:prstGeom>
+            <a:ln w="19050">
+              <a:solidFill>
+                <a:srgbClr val="FF0000"/>
+              </a:solidFill>
+              <a:tailEnd type="arrow"/>
+            </a:ln>
+          </p:spPr>
+          <p:style>
+            <a:lnRef idx="1">
+              <a:schemeClr val="accent1"/>
+            </a:lnRef>
+            <a:fillRef idx="0">
+              <a:schemeClr val="accent1"/>
+            </a:fillRef>
+            <a:effectRef idx="0">
+              <a:schemeClr val="accent1"/>
+            </a:effectRef>
+            <a:fontRef idx="minor">
+              <a:schemeClr val="tx1"/>
+            </a:fontRef>
+          </p:style>
+        </p:cxnSp>
+        <p:sp>
+          <p:nvSpPr>
+            <p:cNvPr id="7" name="TextBox 6"/>
+            <p:cNvSpPr txBox="1"/>
+            <p:nvPr/>
+          </p:nvSpPr>
+          <p:spPr>
+            <a:xfrm>
+              <a:off x="5645726" y="4357254"/>
+              <a:ext cx="1632178" cy="369332"/>
+            </a:xfrm>
+            <a:prstGeom prst="rect">
+              <a:avLst/>
+            </a:prstGeom>
+            <a:noFill/>
+          </p:spPr>
+          <p:txBody>
+            <a:bodyPr wrap="none" rtlCol="0">
+              <a:spAutoFit/>
+            </a:bodyPr>
+            <a:lstStyle/>
+            <a:p>
+              <a:r>
+                <a:rPr lang="en-US" dirty="0" smtClean="0"/>
+                <a:t>3.25, 3.57, 3.99</a:t>
+              </a:r>
+              <a:endParaRPr lang="en-US" dirty="0"/>
+            </a:p>
+          </p:txBody>
+        </p:sp>
+      </p:grpSp>
+      <p:grpSp>
+        <p:nvGrpSpPr>
+          <p:cNvPr id="11" name="Group 10"/>
+          <p:cNvGrpSpPr/>
+          <p:nvPr/>
+        </p:nvGrpSpPr>
+        <p:grpSpPr>
+          <a:xfrm>
+            <a:off x="228600" y="2289463"/>
+            <a:ext cx="2428009" cy="1814946"/>
+            <a:chOff x="228600" y="2289463"/>
+            <a:chExt cx="2428009" cy="1814946"/>
+          </a:xfrm>
+        </p:grpSpPr>
+        <p:cxnSp>
+          <p:nvCxnSpPr>
+            <p:cNvPr id="9" name="Straight Arrow Connector 8"/>
+            <p:cNvCxnSpPr/>
+            <p:nvPr/>
+          </p:nvCxnSpPr>
+          <p:spPr>
+            <a:xfrm>
+              <a:off x="1208809" y="2656609"/>
+              <a:ext cx="1447800" cy="1447800"/>
+            </a:xfrm>
+            <a:prstGeom prst="straightConnector1">
+              <a:avLst/>
+            </a:prstGeom>
+            <a:ln w="19050">
+              <a:solidFill>
+                <a:srgbClr val="FF0000"/>
+              </a:solidFill>
+              <a:tailEnd type="arrow"/>
+            </a:ln>
+          </p:spPr>
+          <p:style>
+            <a:lnRef idx="1">
+              <a:schemeClr val="accent1"/>
+            </a:lnRef>
+            <a:fillRef idx="0">
+              <a:schemeClr val="accent1"/>
+            </a:fillRef>
+            <a:effectRef idx="0">
+              <a:schemeClr val="accent1"/>
+            </a:effectRef>
+            <a:fontRef idx="minor">
+              <a:schemeClr val="tx1"/>
+            </a:fontRef>
+          </p:style>
+        </p:cxnSp>
+        <p:sp>
+          <p:nvSpPr>
+            <p:cNvPr id="10" name="TextBox 9"/>
+            <p:cNvSpPr txBox="1"/>
+            <p:nvPr/>
+          </p:nvSpPr>
+          <p:spPr>
+            <a:xfrm>
+              <a:off x="228600" y="2289463"/>
+              <a:ext cx="1258999" cy="369332"/>
+            </a:xfrm>
+            <a:prstGeom prst="rect">
+              <a:avLst/>
+            </a:prstGeom>
+            <a:noFill/>
+          </p:spPr>
+          <p:txBody>
+            <a:bodyPr wrap="none" rtlCol="0">
+              <a:spAutoFit/>
+            </a:bodyPr>
+            <a:lstStyle/>
+            <a:p>
+              <a:r>
+                <a:rPr lang="en-US" dirty="0" smtClean="0"/>
+                <a:t>The artifact</a:t>
+              </a:r>
+              <a:endParaRPr lang="en-US" dirty="0"/>
+            </a:p>
+          </p:txBody>
+        </p:sp>
+      </p:grpSp>
+    </p:spTree>
+    <p:extLst>
+      <p:ext uri="{BB962C8B-B14F-4D97-AF65-F5344CB8AC3E}">
+        <p14:creationId xmlns:p14="http://schemas.microsoft.com/office/powerpoint/2010/main" val="927589515"/>
+      </p:ext>
+    </p:extLst>
+  </p:cSld>
+  <p:clrMapOvr>
+    <a:masterClrMapping/>
+  </p:clrMapOvr>
+  <p:timing>
+    <p:tnLst>
+      <p:par>
+        <p:cTn id="1" dur="indefinite" restart="never" nodeType="tmRoot">
+          <p:childTnLst>
+            <p:seq concurrent="1" nextAc="seek">
+              <p:cTn id="2" dur="indefinite" nodeType="mainSeq">
+                <p:childTnLst>
+                  <p:par>
+                    <p:cTn id="3" fill="hold">
+                      <p:stCondLst>
+                        <p:cond delay="indefinite"/>
+                      </p:stCondLst>
+                      <p:childTnLst>
+                        <p:par>
+                          <p:cTn id="4" fill="hold">
+                            <p:stCondLst>
+                              <p:cond delay="0"/>
+                            </p:stCondLst>
+                            <p:childTnLst>
+                              <p:par>
+                                <p:cTn id="5" presetID="1" presetClass="entr" presetSubtype="0" fill="hold" nodeType="clickEffect">
+                                  <p:stCondLst>
+                                    <p:cond delay="0"/>
+                                  </p:stCondLst>
+                                  <p:childTnLst>
+                                    <p:set>
+                                      <p:cBhvr>
+                                        <p:cTn id="6" dur="1" fill="hold">
+                                          <p:stCondLst>
+                                            <p:cond delay="0"/>
+                                          </p:stCondLst>
+                                        </p:cTn>
+                                        <p:tgtEl>
+                                          <p:spTgt spid="11"/>
+                                        </p:tgtEl>
+                                        <p:attrNameLst>
+                                          <p:attrName>style.visibility</p:attrName>
+                                        </p:attrNameLst>
+                                      </p:cBhvr>
+                                      <p:to>
+                                        <p:strVal val="visible"/>
+                                      </p:to>
+                                    </p:set>
+                                  </p:childTnLst>
+                                </p:cTn>
+                              </p:par>
+                            </p:childTnLst>
+                          </p:cTn>
+                        </p:par>
+                      </p:childTnLst>
+                    </p:cTn>
+                  </p:par>
+                  <p:par>
+                    <p:cTn id="7" fill="hold">
+                      <p:stCondLst>
+                        <p:cond delay="indefinite"/>
+                      </p:stCondLst>
+                      <p:childTnLst>
+                        <p:par>
+                          <p:cTn id="8" fill="hold">
+                            <p:stCondLst>
+                              <p:cond delay="0"/>
+                            </p:stCondLst>
+                            <p:childTnLst>
+                              <p:par>
+                                <p:cTn id="9" presetID="1" presetClass="entr" presetSubtype="0" fill="hold" nodeType="clickEffect">
+                                  <p:stCondLst>
+                                    <p:cond delay="0"/>
+                                  </p:stCondLst>
+                                  <p:childTnLst>
+                                    <p:set>
+                                      <p:cBhvr>
+                                        <p:cTn id="10" dur="1" fill="hold">
+                                          <p:stCondLst>
+                                            <p:cond delay="0"/>
+                                          </p:stCondLst>
+                                        </p:cTn>
+                                        <p:tgtEl>
+                                          <p:spTgt spid="3"/>
+                                        </p:tgtEl>
+                                        <p:attrNameLst>
+                                          <p:attrName>style.visibility</p:attrName>
+                                        </p:attrNameLst>
+                                      </p:cBhvr>
+                                      <p:to>
+                                        <p:strVal val="visible"/>
+                                      </p:to>
+                                    </p:set>
+                                  </p:childTnLst>
+                                </p:cTn>
+                              </p:par>
+                            </p:childTnLst>
+                          </p:cTn>
+                        </p:par>
+                      </p:childTnLst>
+                    </p:cTn>
+                  </p:par>
+                </p:childTnLst>
+              </p:cTn>
+              <p:prevCondLst>
+                <p:cond evt="onPrev" delay="0">
+                  <p:tgtEl>
+                    <p:sldTgt/>
+                  </p:tgtEl>
+                </p:cond>
+              </p:prevCondLst>
+              <p:nextCondLst>
+                <p:cond evt="onNext" delay="0">
+                  <p:tgtEl>
+                    <p:sldTgt/>
+                  </p:tgtEl>
+                </p:cond>
+              </p:nextCondLst>
+            </p:seq>
+          </p:childTnLst>
+        </p:cTn>
+      </p:par>
+    </p:tnLst>
+  </p:timing>
+</p:sld>
+</file>
+
+<file path=ppt/slides/slide25.xml><?xml version="1.0" encoding="utf-8"?>
+<p:sld xmlns:a="http://schemas.openxmlformats.org/drawingml/2006/main" xmlns:r="http://schemas.openxmlformats.org/officeDocument/2006/relationships" xmlns:p="http://schemas.openxmlformats.org/presentationml/2006/main">
+  <p:cSld>
+    <p:spTree>
+      <p:nvGrpSpPr>
+        <p:cNvPr id="1" name=""/>
+        <p:cNvGrpSpPr/>
+        <p:nvPr/>
+      </p:nvGrpSpPr>
+      <p:grpSpPr>
+        <a:xfrm>
+          <a:off x="0" y="0"/>
+          <a:ext cx="0" cy="0"/>
+          <a:chOff x="0" y="0"/>
+          <a:chExt cx="0" cy="0"/>
+        </a:xfrm>
+      </p:grpSpPr>
+      <p:grpSp>
+        <p:nvGrpSpPr>
+          <p:cNvPr id="4" name="Group 3"/>
+          <p:cNvGrpSpPr/>
+          <p:nvPr/>
+        </p:nvGrpSpPr>
+        <p:grpSpPr>
+          <a:xfrm>
+            <a:off x="1361209" y="81190"/>
+            <a:ext cx="6710596" cy="6700610"/>
+            <a:chOff x="1361209" y="81190"/>
+            <a:chExt cx="6710596" cy="6700610"/>
+          </a:xfrm>
+        </p:grpSpPr>
+        <p:pic>
+          <p:nvPicPr>
+            <p:cNvPr id="2" name="Picture 1"/>
+            <p:cNvPicPr>
+              <a:picLocks noChangeAspect="1"/>
+            </p:cNvPicPr>
+            <p:nvPr/>
+          </p:nvPicPr>
+          <p:blipFill>
+            <a:blip r:embed="rId2">
+              <a:extLst>
+                <a:ext uri="{28A0092B-C50C-407E-A947-70E740481C1C}">
+                  <a14:useLocalDpi xmlns:a14="http://schemas.microsoft.com/office/drawing/2010/main" val="0"/>
+                </a:ext>
+              </a:extLst>
+            </a:blip>
+            <a:stretch>
+              <a:fillRect/>
+            </a:stretch>
+          </p:blipFill>
+          <p:spPr>
+            <a:xfrm>
+              <a:off x="1361209" y="81190"/>
+              <a:ext cx="6710596" cy="6700610"/>
+            </a:xfrm>
+            <a:prstGeom prst="rect">
+              <a:avLst/>
+            </a:prstGeom>
+          </p:spPr>
+        </p:pic>
+        <p:pic>
+          <p:nvPicPr>
+            <p:cNvPr id="8194" name="Picture 2"/>
+            <p:cNvPicPr>
+              <a:picLocks noChangeAspect="1" noChangeArrowheads="1"/>
+            </p:cNvPicPr>
+            <p:nvPr/>
+          </p:nvPicPr>
+          <p:blipFill>
+            <a:blip r:embed="rId3">
+              <a:extLst>
+                <a:ext uri="{28A0092B-C50C-407E-A947-70E740481C1C}">
+                  <a14:useLocalDpi xmlns:a14="http://schemas.microsoft.com/office/drawing/2010/main" val="0"/>
+                </a:ext>
+              </a:extLst>
+            </a:blip>
+            <a:srcRect/>
+            <a:stretch>
+              <a:fillRect/>
+            </a:stretch>
+          </p:blipFill>
+          <p:spPr bwMode="auto">
+            <a:xfrm>
+              <a:off x="5673437" y="869373"/>
+              <a:ext cx="1981200" cy="1409700"/>
+            </a:xfrm>
+            <a:prstGeom prst="rect">
+              <a:avLst/>
+            </a:prstGeom>
+            <a:noFill/>
+            <a:ln>
+              <a:noFill/>
+            </a:ln>
+            <a:extLst>
+              <a:ext uri="{909E8E84-426E-40DD-AFC4-6F175D3DCCD1}">
+                <a14:hiddenFill xmlns:a14="http://schemas.microsoft.com/office/drawing/2010/main">
+                  <a:solidFill>
+                    <a:schemeClr val="accent1"/>
+                  </a:solidFill>
+                </a14:hiddenFill>
+              </a:ext>
+              <a:ext uri="{91240B29-F687-4F45-9708-019B960494DF}">
+                <a14:hiddenLine xmlns:a14="http://schemas.microsoft.com/office/drawing/2010/main" w="9525">
+                  <a:solidFill>
+                    <a:schemeClr val="tx1"/>
+                  </a:solidFill>
+                  <a:miter lim="800000"/>
+                  <a:headEnd/>
+                  <a:tailEnd/>
+                </a14:hiddenLine>
+              </a:ext>
+            </a:extLst>
+          </p:spPr>
+        </p:pic>
+      </p:grpSp>
+      <p:grpSp>
+        <p:nvGrpSpPr>
+          <p:cNvPr id="6" name="Group 5"/>
+          <p:cNvGrpSpPr/>
+          <p:nvPr/>
+        </p:nvGrpSpPr>
+        <p:grpSpPr>
+          <a:xfrm>
+            <a:off x="5476010" y="3805989"/>
+            <a:ext cx="1121062" cy="922421"/>
+            <a:chOff x="4267200" y="3344779"/>
+            <a:chExt cx="1121062" cy="922421"/>
+          </a:xfrm>
+        </p:grpSpPr>
+        <p:cxnSp>
+          <p:nvCxnSpPr>
+            <p:cNvPr id="7" name="Straight Arrow Connector 6"/>
+            <p:cNvCxnSpPr/>
+            <p:nvPr/>
+          </p:nvCxnSpPr>
+          <p:spPr>
+            <a:xfrm flipH="1">
+              <a:off x="4267200" y="3581400"/>
+              <a:ext cx="609600" cy="685800"/>
+            </a:xfrm>
+            <a:prstGeom prst="straightConnector1">
+              <a:avLst/>
+            </a:prstGeom>
+            <a:ln w="19050">
+              <a:solidFill>
+                <a:srgbClr val="FF0000"/>
+              </a:solidFill>
+              <a:tailEnd type="arrow"/>
+            </a:ln>
+          </p:spPr>
+          <p:style>
+            <a:lnRef idx="1">
+              <a:schemeClr val="accent1"/>
+            </a:lnRef>
+            <a:fillRef idx="0">
+              <a:schemeClr val="accent1"/>
+            </a:fillRef>
+            <a:effectRef idx="0">
+              <a:schemeClr val="accent1"/>
+            </a:effectRef>
+            <a:fontRef idx="minor">
+              <a:schemeClr val="tx1"/>
+            </a:fontRef>
+          </p:style>
+        </p:cxnSp>
+        <p:sp>
+          <p:nvSpPr>
+            <p:cNvPr id="8" name="TextBox 7"/>
+            <p:cNvSpPr txBox="1"/>
+            <p:nvPr/>
+          </p:nvSpPr>
+          <p:spPr>
+            <a:xfrm>
+              <a:off x="4794830" y="3344779"/>
+              <a:ext cx="593432" cy="369332"/>
+            </a:xfrm>
+            <a:prstGeom prst="rect">
+              <a:avLst/>
+            </a:prstGeom>
+            <a:noFill/>
+          </p:spPr>
+          <p:txBody>
+            <a:bodyPr wrap="none" rtlCol="0">
+              <a:spAutoFit/>
+            </a:bodyPr>
+            <a:lstStyle/>
+            <a:p>
+              <a:r>
+                <a:rPr lang="en-US" dirty="0" smtClean="0"/>
+                <a:t>3.33</a:t>
+              </a:r>
+              <a:endParaRPr lang="en-US" dirty="0"/>
+            </a:p>
+          </p:txBody>
+        </p:sp>
+      </p:grpSp>
+      <p:cxnSp>
+        <p:nvCxnSpPr>
+          <p:cNvPr id="9" name="Straight Arrow Connector 8"/>
+          <p:cNvCxnSpPr/>
+          <p:nvPr/>
+        </p:nvCxnSpPr>
+        <p:spPr>
+          <a:xfrm flipH="1" flipV="1">
+            <a:off x="3581400" y="1066800"/>
+            <a:ext cx="914400" cy="507423"/>
+          </a:xfrm>
+          <a:prstGeom prst="straightConnector1">
+            <a:avLst/>
+          </a:prstGeom>
+          <a:ln w="19050">
+            <a:solidFill>
+              <a:srgbClr val="FF0000"/>
+            </a:solidFill>
+            <a:tailEnd type="arrow"/>
+          </a:ln>
+        </p:spPr>
+        <p:style>
+          <a:lnRef idx="1">
+            <a:schemeClr val="accent1"/>
+          </a:lnRef>
+          <a:fillRef idx="0">
+            <a:schemeClr val="accent1"/>
+          </a:fillRef>
+          <a:effectRef idx="0">
+            <a:schemeClr val="accent1"/>
+          </a:effectRef>
+          <a:fontRef idx="minor">
+            <a:schemeClr val="tx1"/>
+          </a:fontRef>
+        </p:style>
+      </p:cxnSp>
+      <p:sp>
+        <p:nvSpPr>
+          <p:cNvPr id="11" name="TextBox 10"/>
+          <p:cNvSpPr txBox="1"/>
+          <p:nvPr/>
+        </p:nvSpPr>
+        <p:spPr>
+          <a:xfrm>
+            <a:off x="4419791" y="1579326"/>
+            <a:ext cx="593432" cy="369332"/>
+          </a:xfrm>
+          <a:prstGeom prst="rect">
+            <a:avLst/>
+          </a:prstGeom>
+          <a:noFill/>
+        </p:spPr>
+        <p:txBody>
+          <a:bodyPr wrap="none" rtlCol="0">
+            <a:spAutoFit/>
+          </a:bodyPr>
+          <a:lstStyle/>
+          <a:p>
+            <a:r>
+              <a:rPr lang="en-US" dirty="0" smtClean="0"/>
+              <a:t>2.00</a:t>
+            </a:r>
+            <a:endParaRPr lang="en-US" dirty="0"/>
+          </a:p>
+        </p:txBody>
+      </p:sp>
+    </p:spTree>
+    <p:extLst>
+      <p:ext uri="{BB962C8B-B14F-4D97-AF65-F5344CB8AC3E}">
+        <p14:creationId xmlns:p14="http://schemas.microsoft.com/office/powerpoint/2010/main" val="3049213518"/>
+      </p:ext>
+    </p:extLst>
+  </p:cSld>
+  <p:clrMapOvr>
+    <a:masterClrMapping/>
+  </p:clrMapOvr>
+  <p:timing>
+    <p:tnLst>
+      <p:par>
+        <p:cTn id="1" dur="indefinite" restart="never" nodeType="tmRoot">
+          <p:childTnLst>
+            <p:seq concurrent="1" nextAc="seek">
+              <p:cTn id="2" dur="indefinite" nodeType="mainSeq">
+                <p:childTnLst>
+                  <p:par>
+                    <p:cTn id="3" fill="hold">
+                      <p:stCondLst>
+                        <p:cond delay="indefinite"/>
+                      </p:stCondLst>
+                      <p:childTnLst>
+                        <p:par>
+                          <p:cTn id="4" fill="hold">
+                            <p:stCondLst>
+                              <p:cond delay="0"/>
+                            </p:stCondLst>
+                            <p:childTnLst>
+                              <p:par>
+                                <p:cTn id="5" presetID="1" presetClass="entr" presetSubtype="0" fill="hold" nodeType="clickEffect">
+                                  <p:stCondLst>
+                                    <p:cond delay="0"/>
+                                  </p:stCondLst>
+                                  <p:childTnLst>
+                                    <p:set>
+                                      <p:cBhvr>
+                                        <p:cTn id="6" dur="1" fill="hold">
+                                          <p:stCondLst>
+                                            <p:cond delay="0"/>
+                                          </p:stCondLst>
+                                        </p:cTn>
+                                        <p:tgtEl>
+                                          <p:spTgt spid="6"/>
+                                        </p:tgtEl>
+                                        <p:attrNameLst>
+                                          <p:attrName>style.visibility</p:attrName>
+                                        </p:attrNameLst>
+                                      </p:cBhvr>
+                                      <p:to>
+                                        <p:strVal val="visible"/>
+                                      </p:to>
+                                    </p:set>
+                                  </p:childTnLst>
+                                </p:cTn>
+                              </p:par>
+                            </p:childTnLst>
+                          </p:cTn>
+                        </p:par>
+                      </p:childTnLst>
+                    </p:cTn>
+                  </p:par>
+                </p:childTnLst>
+              </p:cTn>
+              <p:prevCondLst>
+                <p:cond evt="onPrev" delay="0">
+                  <p:tgtEl>
+                    <p:sldTgt/>
+                  </p:tgtEl>
+                </p:cond>
+              </p:prevCondLst>
+              <p:nextCondLst>
+                <p:cond evt="onNext" delay="0">
+                  <p:tgtEl>
+                    <p:sldTgt/>
+                  </p:tgtEl>
+                </p:cond>
+              </p:nextCondLst>
+            </p:seq>
+          </p:childTnLst>
+        </p:cTn>
+      </p:par>
+    </p:tnLst>
+  </p:timing>
+</p:sld>
+</file>
+
+<file path=ppt/slides/slide26.xml><?xml version="1.0" encoding="utf-8"?>
+<p:sld xmlns:a="http://schemas.openxmlformats.org/drawingml/2006/main" xmlns:r="http://schemas.openxmlformats.org/officeDocument/2006/relationships" xmlns:p="http://schemas.openxmlformats.org/presentationml/2006/main">
+  <p:cSld>
+    <p:spTree>
+      <p:nvGrpSpPr>
+        <p:cNvPr id="1" name=""/>
+        <p:cNvGrpSpPr/>
+        <p:nvPr/>
+      </p:nvGrpSpPr>
+      <p:grpSpPr>
+        <a:xfrm>
+          <a:off x="0" y="0"/>
+          <a:ext cx="0" cy="0"/>
+          <a:chOff x="0" y="0"/>
+          <a:chExt cx="0" cy="0"/>
+        </a:xfrm>
+      </p:grpSpPr>
+      <p:pic>
+        <p:nvPicPr>
+          <p:cNvPr id="2" name="Picture 1"/>
+          <p:cNvPicPr>
+            <a:picLocks noChangeAspect="1"/>
+          </p:cNvPicPr>
+          <p:nvPr/>
+        </p:nvPicPr>
+        <p:blipFill>
+          <a:blip r:embed="rId2">
+            <a:extLst>
+              <a:ext uri="{28A0092B-C50C-407E-A947-70E740481C1C}">
+                <a14:useLocalDpi xmlns:a14="http://schemas.microsoft.com/office/drawing/2010/main" val="0"/>
+              </a:ext>
+            </a:extLst>
+          </a:blip>
+          <a:stretch>
+            <a:fillRect/>
+          </a:stretch>
+        </p:blipFill>
+        <p:spPr>
+          <a:xfrm>
+            <a:off x="1371600" y="233362"/>
+            <a:ext cx="6400800" cy="6391275"/>
+          </a:xfrm>
+          <a:prstGeom prst="rect">
+            <a:avLst/>
+          </a:prstGeom>
+        </p:spPr>
+      </p:pic>
+      <p:grpSp>
+        <p:nvGrpSpPr>
+          <p:cNvPr id="6" name="Group 5"/>
+          <p:cNvGrpSpPr/>
+          <p:nvPr/>
+        </p:nvGrpSpPr>
+        <p:grpSpPr>
+          <a:xfrm>
+            <a:off x="1574804" y="120134"/>
+            <a:ext cx="1788387" cy="1043648"/>
+            <a:chOff x="1574804" y="120134"/>
+            <a:chExt cx="1788387" cy="1043648"/>
+          </a:xfrm>
+        </p:grpSpPr>
+        <p:cxnSp>
+          <p:nvCxnSpPr>
+            <p:cNvPr id="4" name="Straight Arrow Connector 3"/>
+            <p:cNvCxnSpPr/>
+            <p:nvPr/>
+          </p:nvCxnSpPr>
+          <p:spPr>
+            <a:xfrm>
+              <a:off x="2143991" y="325582"/>
+              <a:ext cx="1219200" cy="838200"/>
+            </a:xfrm>
+            <a:prstGeom prst="straightConnector1">
+              <a:avLst/>
+            </a:prstGeom>
+            <a:ln w="19050">
+              <a:solidFill>
+                <a:srgbClr val="FF0000"/>
+              </a:solidFill>
+              <a:tailEnd type="arrow"/>
+            </a:ln>
+          </p:spPr>
+          <p:style>
+            <a:lnRef idx="1">
+              <a:schemeClr val="accent1"/>
+            </a:lnRef>
+            <a:fillRef idx="0">
+              <a:schemeClr val="accent1"/>
+            </a:fillRef>
+            <a:effectRef idx="0">
+              <a:schemeClr val="accent1"/>
+            </a:effectRef>
+            <a:fontRef idx="minor">
+              <a:schemeClr val="tx1"/>
+            </a:fontRef>
+          </p:style>
+        </p:cxnSp>
+        <p:sp>
+          <p:nvSpPr>
+            <p:cNvPr id="5" name="TextBox 4"/>
+            <p:cNvSpPr txBox="1"/>
+            <p:nvPr/>
+          </p:nvSpPr>
+          <p:spPr>
+            <a:xfrm>
+              <a:off x="1574804" y="120134"/>
+              <a:ext cx="593432" cy="369332"/>
+            </a:xfrm>
+            <a:prstGeom prst="rect">
+              <a:avLst/>
+            </a:prstGeom>
+            <a:noFill/>
+          </p:spPr>
+          <p:txBody>
+            <a:bodyPr wrap="none" rtlCol="0">
+              <a:spAutoFit/>
+            </a:bodyPr>
+            <a:lstStyle/>
+            <a:p>
+              <a:r>
+                <a:rPr lang="en-US" dirty="0" smtClean="0"/>
+                <a:t>1.02</a:t>
+              </a:r>
+              <a:endParaRPr lang="en-US" dirty="0"/>
+            </a:p>
+          </p:txBody>
+        </p:sp>
+      </p:grpSp>
+      <p:grpSp>
+        <p:nvGrpSpPr>
+          <p:cNvPr id="13" name="Group 12"/>
+          <p:cNvGrpSpPr/>
+          <p:nvPr/>
+        </p:nvGrpSpPr>
+        <p:grpSpPr>
+          <a:xfrm>
+            <a:off x="4267200" y="3344779"/>
+            <a:ext cx="1121062" cy="922421"/>
+            <a:chOff x="4267200" y="3344779"/>
+            <a:chExt cx="1121062" cy="922421"/>
+          </a:xfrm>
+        </p:grpSpPr>
+        <p:cxnSp>
+          <p:nvCxnSpPr>
+            <p:cNvPr id="11" name="Straight Arrow Connector 10"/>
+            <p:cNvCxnSpPr/>
+            <p:nvPr/>
+          </p:nvCxnSpPr>
+          <p:spPr>
+            <a:xfrm flipH="1">
+              <a:off x="4267200" y="3581400"/>
+              <a:ext cx="609600" cy="685800"/>
+            </a:xfrm>
+            <a:prstGeom prst="straightConnector1">
+              <a:avLst/>
+            </a:prstGeom>
+            <a:ln w="19050">
+              <a:solidFill>
+                <a:srgbClr val="FF0000"/>
+              </a:solidFill>
+              <a:tailEnd type="arrow"/>
+            </a:ln>
+          </p:spPr>
+          <p:style>
+            <a:lnRef idx="1">
+              <a:schemeClr val="accent1"/>
+            </a:lnRef>
+            <a:fillRef idx="0">
+              <a:schemeClr val="accent1"/>
+            </a:fillRef>
+            <a:effectRef idx="0">
+              <a:schemeClr val="accent1"/>
+            </a:effectRef>
+            <a:fontRef idx="minor">
+              <a:schemeClr val="tx1"/>
+            </a:fontRef>
+          </p:style>
+        </p:cxnSp>
+        <p:sp>
+          <p:nvSpPr>
+            <p:cNvPr id="12" name="TextBox 11"/>
+            <p:cNvSpPr txBox="1"/>
+            <p:nvPr/>
+          </p:nvSpPr>
+          <p:spPr>
+            <a:xfrm>
+              <a:off x="4794830" y="3344779"/>
+              <a:ext cx="593432" cy="369332"/>
+            </a:xfrm>
+            <a:prstGeom prst="rect">
+              <a:avLst/>
+            </a:prstGeom>
+            <a:noFill/>
+          </p:spPr>
+          <p:txBody>
+            <a:bodyPr wrap="none" rtlCol="0">
+              <a:spAutoFit/>
+            </a:bodyPr>
+            <a:lstStyle/>
+            <a:p>
+              <a:r>
+                <a:rPr lang="en-US" dirty="0" smtClean="0"/>
+                <a:t>1.79</a:t>
+              </a:r>
+              <a:endParaRPr lang="en-US" dirty="0"/>
+            </a:p>
+          </p:txBody>
+        </p:sp>
+      </p:grpSp>
+      <p:grpSp>
+        <p:nvGrpSpPr>
+          <p:cNvPr id="21" name="Group 20"/>
+          <p:cNvGrpSpPr/>
+          <p:nvPr/>
+        </p:nvGrpSpPr>
+        <p:grpSpPr>
+          <a:xfrm>
+            <a:off x="5645726" y="4357254"/>
+            <a:ext cx="1632178" cy="1205346"/>
+            <a:chOff x="5645726" y="4357254"/>
+            <a:chExt cx="1632178" cy="1205346"/>
+          </a:xfrm>
+        </p:grpSpPr>
+        <p:cxnSp>
+          <p:nvCxnSpPr>
+            <p:cNvPr id="15" name="Straight Arrow Connector 14"/>
+            <p:cNvCxnSpPr/>
+            <p:nvPr/>
+          </p:nvCxnSpPr>
+          <p:spPr>
+            <a:xfrm flipH="1">
+              <a:off x="5943600" y="4724400"/>
+              <a:ext cx="76200" cy="762000"/>
+            </a:xfrm>
+            <a:prstGeom prst="straightConnector1">
+              <a:avLst/>
+            </a:prstGeom>
+            <a:ln w="19050">
+              <a:solidFill>
+                <a:srgbClr val="FF0000"/>
+              </a:solidFill>
+              <a:tailEnd type="arrow"/>
+            </a:ln>
+          </p:spPr>
+          <p:style>
+            <a:lnRef idx="1">
+              <a:schemeClr val="accent1"/>
+            </a:lnRef>
+            <a:fillRef idx="0">
+              <a:schemeClr val="accent1"/>
+            </a:fillRef>
+            <a:effectRef idx="0">
+              <a:schemeClr val="accent1"/>
+            </a:effectRef>
+            <a:fontRef idx="minor">
+              <a:schemeClr val="tx1"/>
+            </a:fontRef>
+          </p:style>
+        </p:cxnSp>
+        <p:cxnSp>
+          <p:nvCxnSpPr>
+            <p:cNvPr id="17" name="Straight Arrow Connector 16"/>
+            <p:cNvCxnSpPr/>
+            <p:nvPr/>
+          </p:nvCxnSpPr>
+          <p:spPr>
+            <a:xfrm>
+              <a:off x="6400800" y="4724400"/>
+              <a:ext cx="0" cy="838200"/>
+            </a:xfrm>
+            <a:prstGeom prst="straightConnector1">
+              <a:avLst/>
+            </a:prstGeom>
+            <a:ln w="19050">
+              <a:solidFill>
+                <a:srgbClr val="FF0000"/>
+              </a:solidFill>
+              <a:tailEnd type="arrow"/>
+            </a:ln>
+          </p:spPr>
+          <p:style>
+            <a:lnRef idx="1">
+              <a:schemeClr val="accent1"/>
+            </a:lnRef>
+            <a:fillRef idx="0">
+              <a:schemeClr val="accent1"/>
+            </a:fillRef>
+            <a:effectRef idx="0">
+              <a:schemeClr val="accent1"/>
+            </a:effectRef>
+            <a:fontRef idx="minor">
+              <a:schemeClr val="tx1"/>
+            </a:fontRef>
+          </p:style>
+        </p:cxnSp>
+        <p:cxnSp>
+          <p:nvCxnSpPr>
+            <p:cNvPr id="19" name="Straight Arrow Connector 18"/>
+            <p:cNvCxnSpPr/>
+            <p:nvPr/>
+          </p:nvCxnSpPr>
+          <p:spPr>
+            <a:xfrm>
+              <a:off x="6781800" y="4724400"/>
+              <a:ext cx="0" cy="762000"/>
+            </a:xfrm>
+            <a:prstGeom prst="straightConnector1">
+              <a:avLst/>
+            </a:prstGeom>
+            <a:ln w="19050">
+              <a:solidFill>
+                <a:srgbClr val="FF0000"/>
+              </a:solidFill>
+              <a:tailEnd type="arrow"/>
+            </a:ln>
+          </p:spPr>
+          <p:style>
+            <a:lnRef idx="1">
+              <a:schemeClr val="accent1"/>
+            </a:lnRef>
+            <a:fillRef idx="0">
+              <a:schemeClr val="accent1"/>
+            </a:fillRef>
+            <a:effectRef idx="0">
+              <a:schemeClr val="accent1"/>
+            </a:effectRef>
+            <a:fontRef idx="minor">
+              <a:schemeClr val="tx1"/>
+            </a:fontRef>
+          </p:style>
+        </p:cxnSp>
+        <p:sp>
+          <p:nvSpPr>
+            <p:cNvPr id="20" name="TextBox 19"/>
+            <p:cNvSpPr txBox="1"/>
+            <p:nvPr/>
+          </p:nvSpPr>
+          <p:spPr>
+            <a:xfrm>
+              <a:off x="5645726" y="4357254"/>
+              <a:ext cx="1632178" cy="369332"/>
+            </a:xfrm>
+            <a:prstGeom prst="rect">
+              <a:avLst/>
+            </a:prstGeom>
+            <a:noFill/>
+          </p:spPr>
+          <p:txBody>
+            <a:bodyPr wrap="none" rtlCol="0">
+              <a:spAutoFit/>
+            </a:bodyPr>
+            <a:lstStyle/>
+            <a:p>
+              <a:r>
+                <a:rPr lang="en-US" dirty="0" smtClean="0"/>
+                <a:t>3.25, 3.57, 3.99</a:t>
+              </a:r>
+              <a:endParaRPr lang="en-US" dirty="0"/>
+            </a:p>
+          </p:txBody>
+        </p:sp>
+      </p:grpSp>
+      <p:grpSp>
+        <p:nvGrpSpPr>
+          <p:cNvPr id="26" name="Group 25"/>
+          <p:cNvGrpSpPr/>
+          <p:nvPr/>
+        </p:nvGrpSpPr>
+        <p:grpSpPr>
+          <a:xfrm>
+            <a:off x="533400" y="3853934"/>
+            <a:ext cx="2829791" cy="369332"/>
+            <a:chOff x="533400" y="3853934"/>
+            <a:chExt cx="2829791" cy="369332"/>
+          </a:xfrm>
+        </p:grpSpPr>
+        <p:cxnSp>
+          <p:nvCxnSpPr>
+            <p:cNvPr id="23" name="Straight Arrow Connector 22"/>
+            <p:cNvCxnSpPr>
+              <a:stCxn id="24" idx="3"/>
+            </p:cNvCxnSpPr>
+            <p:nvPr/>
+          </p:nvCxnSpPr>
+          <p:spPr>
+            <a:xfrm>
+              <a:off x="1186143" y="4038600"/>
+              <a:ext cx="2177048" cy="0"/>
+            </a:xfrm>
+            <a:prstGeom prst="straightConnector1">
+              <a:avLst/>
+            </a:prstGeom>
+            <a:ln w="38100">
+              <a:solidFill>
+                <a:srgbClr val="00B0F0"/>
+              </a:solidFill>
+              <a:tailEnd type="arrow"/>
+            </a:ln>
+          </p:spPr>
+          <p:style>
+            <a:lnRef idx="1">
+              <a:schemeClr val="accent1"/>
+            </a:lnRef>
+            <a:fillRef idx="0">
+              <a:schemeClr val="accent1"/>
+            </a:fillRef>
+            <a:effectRef idx="0">
+              <a:schemeClr val="accent1"/>
+            </a:effectRef>
+            <a:fontRef idx="minor">
+              <a:schemeClr val="tx1"/>
+            </a:fontRef>
+          </p:style>
+        </p:cxnSp>
+        <p:sp>
+          <p:nvSpPr>
+            <p:cNvPr id="24" name="TextBox 23"/>
+            <p:cNvSpPr txBox="1"/>
+            <p:nvPr/>
+          </p:nvSpPr>
+          <p:spPr>
+            <a:xfrm>
+              <a:off x="533400" y="3853934"/>
+              <a:ext cx="652743" cy="369332"/>
+            </a:xfrm>
+            <a:prstGeom prst="rect">
+              <a:avLst/>
+            </a:prstGeom>
+            <a:noFill/>
+          </p:spPr>
+          <p:txBody>
+            <a:bodyPr wrap="none" rtlCol="0">
+              <a:spAutoFit/>
+            </a:bodyPr>
+            <a:lstStyle/>
+            <a:p>
+              <a:r>
+                <a:rPr lang="en-US" dirty="0" smtClean="0"/>
+                <a:t>1788</a:t>
+              </a:r>
+              <a:endParaRPr lang="en-US" dirty="0"/>
+            </a:p>
+          </p:txBody>
+        </p:sp>
+      </p:grpSp>
+    </p:spTree>
+    <p:extLst>
+      <p:ext uri="{BB962C8B-B14F-4D97-AF65-F5344CB8AC3E}">
+        <p14:creationId xmlns:p14="http://schemas.microsoft.com/office/powerpoint/2010/main" val="597416422"/>
+      </p:ext>
+    </p:extLst>
+  </p:cSld>
+  <p:clrMapOvr>
+    <a:masterClrMapping/>
+  </p:clrMapOvr>
+  <p:timing>
+    <p:tnLst>
+      <p:par>
+        <p:cTn id="1" dur="indefinite" restart="never" nodeType="tmRoot">
+          <p:childTnLst>
+            <p:seq concurrent="1" nextAc="seek">
+              <p:cTn id="2" dur="indefinite" nodeType="mainSeq">
+                <p:childTnLst>
+                  <p:par>
+                    <p:cTn id="3" fill="hold">
+                      <p:stCondLst>
+                        <p:cond delay="indefinite"/>
+                      </p:stCondLst>
+                      <p:childTnLst>
+                        <p:par>
+                          <p:cTn id="4" fill="hold">
+                            <p:stCondLst>
+                              <p:cond delay="0"/>
+                            </p:stCondLst>
+                            <p:childTnLst>
+                              <p:par>
+                                <p:cTn id="5" presetID="1" presetClass="entr" presetSubtype="0" fill="hold" nodeType="clickEffect">
+                                  <p:stCondLst>
+                                    <p:cond delay="0"/>
+                                  </p:stCondLst>
+                                  <p:childTnLst>
+                                    <p:set>
+                                      <p:cBhvr>
+                                        <p:cTn id="6" dur="1" fill="hold">
+                                          <p:stCondLst>
+                                            <p:cond delay="0"/>
+                                          </p:stCondLst>
+                                        </p:cTn>
+                                        <p:tgtEl>
+                                          <p:spTgt spid="6"/>
+                                        </p:tgtEl>
+                                        <p:attrNameLst>
+                                          <p:attrName>style.visibility</p:attrName>
+                                        </p:attrNameLst>
+                                      </p:cBhvr>
+                                      <p:to>
+                                        <p:strVal val="visible"/>
+                                      </p:to>
+                                    </p:set>
+                                  </p:childTnLst>
+                                </p:cTn>
+                              </p:par>
+                            </p:childTnLst>
+                          </p:cTn>
+                        </p:par>
+                      </p:childTnLst>
+                    </p:cTn>
+                  </p:par>
+                  <p:par>
+                    <p:cTn id="7" fill="hold">
+                      <p:stCondLst>
+                        <p:cond delay="indefinite"/>
+                      </p:stCondLst>
+                      <p:childTnLst>
+                        <p:par>
+                          <p:cTn id="8" fill="hold">
+                            <p:stCondLst>
+                              <p:cond delay="0"/>
+                            </p:stCondLst>
+                            <p:childTnLst>
+                              <p:par>
+                                <p:cTn id="9" presetID="1" presetClass="entr" presetSubtype="0" fill="hold" nodeType="clickEffect">
+                                  <p:stCondLst>
+                                    <p:cond delay="0"/>
+                                  </p:stCondLst>
+                                  <p:childTnLst>
+                                    <p:set>
+                                      <p:cBhvr>
+                                        <p:cTn id="10" dur="1" fill="hold">
+                                          <p:stCondLst>
+                                            <p:cond delay="0"/>
+                                          </p:stCondLst>
+                                        </p:cTn>
+                                        <p:tgtEl>
+                                          <p:spTgt spid="13"/>
+                                        </p:tgtEl>
+                                        <p:attrNameLst>
+                                          <p:attrName>style.visibility</p:attrName>
+                                        </p:attrNameLst>
+                                      </p:cBhvr>
+                                      <p:to>
+                                        <p:strVal val="visible"/>
+                                      </p:to>
+                                    </p:set>
+                                  </p:childTnLst>
+                                </p:cTn>
+                              </p:par>
+                            </p:childTnLst>
+                          </p:cTn>
+                        </p:par>
+                      </p:childTnLst>
+                    </p:cTn>
+                  </p:par>
+                  <p:par>
+                    <p:cTn id="11" fill="hold">
+                      <p:stCondLst>
+                        <p:cond delay="indefinite"/>
+                      </p:stCondLst>
+                      <p:childTnLst>
+                        <p:par>
+                          <p:cTn id="12" fill="hold">
+                            <p:stCondLst>
+                              <p:cond delay="0"/>
+                            </p:stCondLst>
+                            <p:childTnLst>
+                              <p:par>
+                                <p:cTn id="13" presetID="1" presetClass="entr" presetSubtype="0" fill="hold" nodeType="clickEffect">
+                                  <p:stCondLst>
+                                    <p:cond delay="0"/>
+                                  </p:stCondLst>
+                                  <p:childTnLst>
+                                    <p:set>
+                                      <p:cBhvr>
+                                        <p:cTn id="14" dur="1" fill="hold">
+                                          <p:stCondLst>
+                                            <p:cond delay="0"/>
+                                          </p:stCondLst>
+                                        </p:cTn>
+                                        <p:tgtEl>
+                                          <p:spTgt spid="21"/>
+                                        </p:tgtEl>
+                                        <p:attrNameLst>
+                                          <p:attrName>style.visibility</p:attrName>
+                                        </p:attrNameLst>
+                                      </p:cBhvr>
+                                      <p:to>
+                                        <p:strVal val="visible"/>
+                                      </p:to>
+                                    </p:set>
+                                  </p:childTnLst>
+                                </p:cTn>
+                              </p:par>
+                            </p:childTnLst>
+                          </p:cTn>
+                        </p:par>
+                      </p:childTnLst>
+                    </p:cTn>
+                  </p:par>
+                  <p:par>
+                    <p:cTn id="15" fill="hold">
+                      <p:stCondLst>
+                        <p:cond delay="indefinite"/>
+                      </p:stCondLst>
+                      <p:childTnLst>
+                        <p:par>
+                          <p:cTn id="16" fill="hold">
+                            <p:stCondLst>
+                              <p:cond delay="0"/>
+                            </p:stCondLst>
+                            <p:childTnLst>
+                              <p:par>
+                                <p:cTn id="17" presetID="1" presetClass="entr" presetSubtype="0" fill="hold" nodeType="clickEffect">
+                                  <p:stCondLst>
+                                    <p:cond delay="0"/>
+                                  </p:stCondLst>
+                                  <p:childTnLst>
+                                    <p:set>
+                                      <p:cBhvr>
+                                        <p:cTn id="18" dur="1" fill="hold">
+                                          <p:stCondLst>
+                                            <p:cond delay="0"/>
+                                          </p:stCondLst>
+                                        </p:cTn>
+                                        <p:tgtEl>
+                                          <p:spTgt spid="26"/>
+                                        </p:tgtEl>
+                                        <p:attrNameLst>
+                                          <p:attrName>style.visibility</p:attrName>
+                                        </p:attrNameLst>
+                                      </p:cBhvr>
+                                      <p:to>
+                                        <p:strVal val="visible"/>
+                                      </p:to>
+                                    </p:set>
+                                  </p:childTnLst>
+                                </p:cTn>
+                              </p:par>
+                            </p:childTnLst>
+                          </p:cTn>
+                        </p:par>
+                      </p:childTnLst>
+                    </p:cTn>
+                  </p:par>
+                </p:childTnLst>
+              </p:cTn>
+              <p:prevCondLst>
+                <p:cond evt="onPrev" delay="0">
+                  <p:tgtEl>
+                    <p:sldTgt/>
+                  </p:tgtEl>
+                </p:cond>
+              </p:prevCondLst>
+              <p:nextCondLst>
+                <p:cond evt="onNext" delay="0">
+                  <p:tgtEl>
+                    <p:sldTgt/>
+                  </p:tgtEl>
+                </p:cond>
+              </p:nextCondLst>
+            </p:seq>
+          </p:childTnLst>
+        </p:cTn>
+      </p:par>
+    </p:tnLst>
+  </p:timing>
+</p:sld>
+</file>
+
+<file path=ppt/slides/slide27.xml><?xml version="1.0" encoding="utf-8"?>
+<p:sld xmlns:a="http://schemas.openxmlformats.org/drawingml/2006/main" xmlns:r="http://schemas.openxmlformats.org/officeDocument/2006/relationships" xmlns:p="http://schemas.openxmlformats.org/presentationml/2006/main">
+  <p:cSld>
+    <p:spTree>
+      <p:nvGrpSpPr>
+        <p:cNvPr id="1" name=""/>
+        <p:cNvGrpSpPr/>
+        <p:nvPr/>
+      </p:nvGrpSpPr>
+      <p:grpSpPr>
+        <a:xfrm>
+          <a:off x="0" y="0"/>
+          <a:ext cx="0" cy="0"/>
+          <a:chOff x="0" y="0"/>
+          <a:chExt cx="0" cy="0"/>
+        </a:xfrm>
+      </p:grpSpPr>
+      <p:sp>
+        <p:nvSpPr>
+          <p:cNvPr id="2" name="Title 1"/>
+          <p:cNvSpPr>
+            <a:spLocks noGrp="1"/>
+          </p:cNvSpPr>
+          <p:nvPr>
+            <p:ph type="ctrTitle"/>
+          </p:nvPr>
+        </p:nvSpPr>
+        <p:spPr/>
+        <p:txBody>
+          <a:bodyPr/>
+          <a:lstStyle/>
+          <a:p>
+            <a:r>
+              <a:rPr lang="en-US" dirty="0" smtClean="0"/>
+              <a:t>Extra slides here and on</a:t>
+            </a:r>
+            <a:endParaRPr lang="en-US" dirty="0"/>
+          </a:p>
+        </p:txBody>
+      </p:sp>
+      <p:sp>
+        <p:nvSpPr>
+          <p:cNvPr id="3" name="Subtitle 2"/>
+          <p:cNvSpPr>
+            <a:spLocks noGrp="1"/>
+          </p:cNvSpPr>
+          <p:nvPr>
+            <p:ph type="subTitle" idx="1"/>
+          </p:nvPr>
+        </p:nvSpPr>
+        <p:spPr/>
+        <p:txBody>
+          <a:bodyPr/>
+          <a:lstStyle/>
+          <a:p>
+            <a:endParaRPr lang="en-US"/>
+          </a:p>
+        </p:txBody>
+      </p:sp>
+    </p:spTree>
+    <p:extLst>
+      <p:ext uri="{BB962C8B-B14F-4D97-AF65-F5344CB8AC3E}">
+        <p14:creationId xmlns:p14="http://schemas.microsoft.com/office/powerpoint/2010/main" val="4046085297"/>
+      </p:ext>
+    </p:extLst>
+  </p:cSld>
+  <p:clrMapOvr>
+    <a:masterClrMapping/>
+  </p:clrMapOvr>
+  <p:timing>
+    <p:tnLst>
+      <p:par>
+        <p:cTn id="1" dur="indefinite" restart="never" nodeType="tmRoot"/>
+      </p:par>
+    </p:tnLst>
+  </p:timing>
+</p:sld>
+</file>
+
+<file path=ppt/slides/slide28.xml><?xml version="1.0" encoding="utf-8"?>
+<p:sld xmlns:a="http://schemas.openxmlformats.org/drawingml/2006/main" xmlns:r="http://schemas.openxmlformats.org/officeDocument/2006/relationships" xmlns:p="http://schemas.openxmlformats.org/presentationml/2006/main">
+  <p:cSld>
+    <p:spTree>
+      <p:nvGrpSpPr>
+        <p:cNvPr id="1" name=""/>
+        <p:cNvGrpSpPr/>
+        <p:nvPr/>
+      </p:nvGrpSpPr>
+      <p:grpSpPr>
+        <a:xfrm>
+          <a:off x="0" y="0"/>
+          <a:ext cx="0" cy="0"/>
+          <a:chOff x="0" y="0"/>
+          <a:chExt cx="0" cy="0"/>
+        </a:xfrm>
+      </p:grpSpPr>
+      <p:pic>
+        <p:nvPicPr>
+          <p:cNvPr id="2" name="Picture 1"/>
+          <p:cNvPicPr>
+            <a:picLocks noChangeAspect="1"/>
+          </p:cNvPicPr>
+          <p:nvPr/>
+        </p:nvPicPr>
+        <p:blipFill>
+          <a:blip r:embed="rId2">
+            <a:extLst>
+              <a:ext uri="{28A0092B-C50C-407E-A947-70E740481C1C}">
+                <a14:useLocalDpi xmlns:a14="http://schemas.microsoft.com/office/drawing/2010/main" val="0"/>
+              </a:ext>
+            </a:extLst>
+          </a:blip>
+          <a:stretch>
+            <a:fillRect/>
+          </a:stretch>
+        </p:blipFill>
+        <p:spPr>
+          <a:xfrm>
+            <a:off x="1371600" y="233362"/>
+            <a:ext cx="6400800" cy="6391275"/>
+          </a:xfrm>
+          <a:prstGeom prst="rect">
+            <a:avLst/>
+          </a:prstGeom>
+        </p:spPr>
+      </p:pic>
+      <p:pic>
+        <p:nvPicPr>
+          <p:cNvPr id="9218" name="Picture 2"/>
+          <p:cNvPicPr>
+            <a:picLocks noChangeAspect="1" noChangeArrowheads="1"/>
+          </p:cNvPicPr>
+          <p:nvPr/>
+        </p:nvPicPr>
+        <p:blipFill>
+          <a:blip r:embed="rId3">
+            <a:extLst>
+              <a:ext uri="{28A0092B-C50C-407E-A947-70E740481C1C}">
+                <a14:useLocalDpi xmlns:a14="http://schemas.microsoft.com/office/drawing/2010/main" val="0"/>
+              </a:ext>
+            </a:extLst>
+          </a:blip>
+          <a:srcRect/>
+          <a:stretch>
+            <a:fillRect/>
+          </a:stretch>
+        </p:blipFill>
+        <p:spPr bwMode="auto">
+          <a:xfrm>
+            <a:off x="5389418" y="997528"/>
+            <a:ext cx="1981200" cy="1400175"/>
+          </a:xfrm>
+          <a:prstGeom prst="rect">
+            <a:avLst/>
+          </a:prstGeom>
+          <a:noFill/>
+          <a:ln>
+            <a:noFill/>
+          </a:ln>
+          <a:extLst>
+            <a:ext uri="{909E8E84-426E-40DD-AFC4-6F175D3DCCD1}">
+              <a14:hiddenFill xmlns:a14="http://schemas.microsoft.com/office/drawing/2010/main">
+                <a:solidFill>
+                  <a:schemeClr val="accent1"/>
+                </a:solidFill>
+              </a14:hiddenFill>
+            </a:ext>
+            <a:ext uri="{91240B29-F687-4F45-9708-019B960494DF}">
+              <a14:hiddenLine xmlns:a14="http://schemas.microsoft.com/office/drawing/2010/main" w="9525">
+                <a:solidFill>
+                  <a:schemeClr val="tx1"/>
+                </a:solidFill>
+                <a:miter lim="800000"/>
+                <a:headEnd/>
+                <a:tailEnd/>
+              </a14:hiddenLine>
+            </a:ext>
+          </a:extLst>
+        </p:spPr>
+      </p:pic>
+    </p:spTree>
+    <p:extLst>
+      <p:ext uri="{BB962C8B-B14F-4D97-AF65-F5344CB8AC3E}">
+        <p14:creationId xmlns:p14="http://schemas.microsoft.com/office/powerpoint/2010/main" val="4116137829"/>
+      </p:ext>
+    </p:extLst>
+  </p:cSld>
+  <p:clrMapOvr>
+    <a:masterClrMapping/>
+  </p:clrMapOvr>
+  <p:timing>
+    <p:tnLst>
+      <p:par>
+        <p:cTn id="1" dur="indefinite" restart="never" nodeType="tmRoot"/>
+      </p:par>
+    </p:tnLst>
+  </p:timing>
+</p:sld>
+</file>
+
+<file path=ppt/slides/slide29.xml><?xml version="1.0" encoding="utf-8"?>
+<p:sld xmlns:a="http://schemas.openxmlformats.org/drawingml/2006/main" xmlns:r="http://schemas.openxmlformats.org/officeDocument/2006/relationships" xmlns:p="http://schemas.openxmlformats.org/presentationml/2006/main">
+  <p:cSld>
+    <p:spTree>
+      <p:nvGrpSpPr>
+        <p:cNvPr id="1" name=""/>
+        <p:cNvGrpSpPr/>
+        <p:nvPr/>
+      </p:nvGrpSpPr>
+      <p:grpSpPr>
+        <a:xfrm>
+          <a:off x="0" y="0"/>
+          <a:ext cx="0" cy="0"/>
+          <a:chOff x="0" y="0"/>
+          <a:chExt cx="0" cy="0"/>
+        </a:xfrm>
+      </p:grpSpPr>
+      <p:sp>
+        <p:nvSpPr>
+          <p:cNvPr id="2" name="Title 1"/>
+          <p:cNvSpPr>
+            <a:spLocks noGrp="1"/>
+          </p:cNvSpPr>
+          <p:nvPr>
+            <p:ph type="title"/>
+          </p:nvPr>
+        </p:nvSpPr>
+        <p:spPr/>
+        <p:txBody>
+          <a:bodyPr>
+            <a:normAutofit fontScale="90000"/>
+          </a:bodyPr>
+          <a:lstStyle/>
+          <a:p>
+            <a:r>
+              <a:rPr lang="en-US" dirty="0" smtClean="0"/>
+              <a:t>Stripping a population from a mixture </a:t>
+            </a:r>
+            <a:br>
+              <a:rPr lang="en-US" dirty="0" smtClean="0"/>
+            </a:br>
+            <a:r>
+              <a:rPr lang="en-US" dirty="0" smtClean="0"/>
+              <a:t>--from left to right</a:t>
+            </a:r>
+            <a:endParaRPr lang="en-US" dirty="0"/>
+          </a:p>
+        </p:txBody>
+      </p:sp>
+      <p:sp>
+        <p:nvSpPr>
+          <p:cNvPr id="3" name="Content Placeholder 2"/>
+          <p:cNvSpPr>
+            <a:spLocks noGrp="1"/>
+          </p:cNvSpPr>
+          <p:nvPr>
+            <p:ph idx="1"/>
+          </p:nvPr>
+        </p:nvSpPr>
+        <p:spPr/>
+        <p:txBody>
+          <a:bodyPr/>
+          <a:lstStyle/>
+          <a:p>
+            <a:r>
+              <a:rPr lang="en-US" dirty="0" smtClean="0"/>
+              <a:t>Dynamically identify the left-most peak</a:t>
+            </a:r>
+          </a:p>
+          <a:p>
+            <a:r>
+              <a:rPr lang="en-US" dirty="0" smtClean="0"/>
+              <a:t>Estimate the summary statistics using half of the distribution</a:t>
+            </a:r>
+          </a:p>
+          <a:p>
+            <a:r>
+              <a:rPr lang="en-US" dirty="0" smtClean="0"/>
+              <a:t>Stripping the data from the population</a:t>
+            </a:r>
+          </a:p>
+          <a:p>
+            <a:r>
+              <a:rPr lang="en-US" dirty="0" smtClean="0"/>
+              <a:t>Sequentially stripping </a:t>
+            </a:r>
+            <a:endParaRPr lang="en-US" dirty="0"/>
+          </a:p>
+        </p:txBody>
+      </p:sp>
+    </p:spTree>
+    <p:extLst>
+      <p:ext uri="{BB962C8B-B14F-4D97-AF65-F5344CB8AC3E}">
+        <p14:creationId xmlns:p14="http://schemas.microsoft.com/office/powerpoint/2010/main" val="454365388"/>
+      </p:ext>
+    </p:extLst>
+  </p:cSld>
+  <p:clrMapOvr>
+    <a:masterClrMapping/>
+  </p:clrMapOvr>
+  <p:timing>
+    <p:tnLst>
+      <p:par>
+        <p:cTn id="1" dur="indefinite" restart="never" nodeType="tmRoot"/>
+      </p:par>
+    </p:tnLst>
+  </p:timing>
+</p:sld>
+</file>
+
+<file path=ppt/slides/slide3.xml><?xml version="1.0" encoding="utf-8"?>
+<p:sld xmlns:a="http://schemas.openxmlformats.org/drawingml/2006/main" xmlns:r="http://schemas.openxmlformats.org/officeDocument/2006/relationships" xmlns:p="http://schemas.openxmlformats.org/presentationml/2006/main">
+  <p:cSld>
+    <p:spTree>
+      <p:nvGrpSpPr>
+        <p:cNvPr id="1" name=""/>
+        <p:cNvGrpSpPr/>
+        <p:nvPr/>
+      </p:nvGrpSpPr>
+      <p:grpSpPr>
+        <a:xfrm>
+          <a:off x="0" y="0"/>
+          <a:ext cx="0" cy="0"/>
+          <a:chOff x="0" y="0"/>
+          <a:chExt cx="0" cy="0"/>
+        </a:xfrm>
+      </p:grpSpPr>
+      <p:pic>
+        <p:nvPicPr>
+          <p:cNvPr id="1026" name="Picture 2"/>
+          <p:cNvPicPr>
+            <a:picLocks noChangeAspect="1" noChangeArrowheads="1"/>
+          </p:cNvPicPr>
+          <p:nvPr/>
+        </p:nvPicPr>
+        <p:blipFill>
+          <a:blip r:embed="rId2">
+            <a:extLst>
+              <a:ext uri="{28A0092B-C50C-407E-A947-70E740481C1C}">
+                <a14:useLocalDpi xmlns:a14="http://schemas.microsoft.com/office/drawing/2010/main" val="0"/>
+              </a:ext>
+            </a:extLst>
+          </a:blip>
+          <a:srcRect/>
+          <a:stretch>
+            <a:fillRect/>
+          </a:stretch>
+        </p:blipFill>
+        <p:spPr bwMode="auto">
+          <a:xfrm>
+            <a:off x="1000125" y="723900"/>
+            <a:ext cx="7143750" cy="5410200"/>
+          </a:xfrm>
+          <a:prstGeom prst="rect">
+            <a:avLst/>
+          </a:prstGeom>
+          <a:noFill/>
+          <a:ln>
+            <a:noFill/>
+          </a:ln>
+          <a:extLst>
+            <a:ext uri="{909E8E84-426E-40DD-AFC4-6F175D3DCCD1}">
+              <a14:hiddenFill xmlns:a14="http://schemas.microsoft.com/office/drawing/2010/main">
+                <a:solidFill>
+                  <a:schemeClr val="accent1"/>
+                </a:solidFill>
+              </a14:hiddenFill>
+            </a:ext>
+            <a:ext uri="{91240B29-F687-4F45-9708-019B960494DF}">
+              <a14:hiddenLine xmlns:a14="http://schemas.microsoft.com/office/drawing/2010/main" w="9525">
+                <a:solidFill>
+                  <a:schemeClr val="tx1"/>
+                </a:solidFill>
+                <a:miter lim="800000"/>
+                <a:headEnd/>
+                <a:tailEnd/>
+              </a14:hiddenLine>
+            </a:ext>
+          </a:extLst>
+        </p:spPr>
+      </p:pic>
+      <p:sp>
+        <p:nvSpPr>
+          <p:cNvPr id="2" name="TextBox 1"/>
+          <p:cNvSpPr txBox="1"/>
+          <p:nvPr/>
+        </p:nvSpPr>
+        <p:spPr>
+          <a:xfrm>
+            <a:off x="262294" y="77569"/>
+            <a:ext cx="8619411" cy="646331"/>
+          </a:xfrm>
+          <a:prstGeom prst="rect">
+            <a:avLst/>
+          </a:prstGeom>
+          <a:noFill/>
+        </p:spPr>
+        <p:txBody>
+          <a:bodyPr wrap="none" rtlCol="0">
+            <a:spAutoFit/>
+          </a:bodyPr>
+          <a:lstStyle/>
+          <a:p>
+            <a:r>
+              <a:rPr lang="en-US" b="1" dirty="0"/>
+              <a:t>Photomicrograph of moderately well differentiated OSCC showing large tumor nucleus </a:t>
+            </a:r>
+            <a:endParaRPr lang="en-US" b="1" dirty="0" smtClean="0"/>
+          </a:p>
+          <a:p>
+            <a:r>
+              <a:rPr lang="en-US" b="1" dirty="0" smtClean="0"/>
+              <a:t>with </a:t>
+            </a:r>
+            <a:r>
+              <a:rPr lang="en-US" b="1" dirty="0"/>
+              <a:t>multiple prominent nucleoli (blue arrow) and abnormal mitotic figure (black arrow)</a:t>
+            </a:r>
+            <a:endParaRPr lang="en-US" dirty="0"/>
+          </a:p>
+        </p:txBody>
+      </p:sp>
+      <p:sp>
+        <p:nvSpPr>
+          <p:cNvPr id="3" name="TextBox 2"/>
+          <p:cNvSpPr txBox="1"/>
+          <p:nvPr/>
+        </p:nvSpPr>
+        <p:spPr>
+          <a:xfrm>
+            <a:off x="796611" y="6138606"/>
+            <a:ext cx="7547194" cy="646331"/>
+          </a:xfrm>
+          <a:prstGeom prst="rect">
+            <a:avLst/>
+          </a:prstGeom>
+          <a:noFill/>
+        </p:spPr>
+        <p:txBody>
+          <a:bodyPr wrap="none" rtlCol="0">
+            <a:spAutoFit/>
+          </a:bodyPr>
+          <a:lstStyle/>
+          <a:p>
+            <a:r>
+              <a:rPr lang="en-US" dirty="0" smtClean="0"/>
+              <a:t>DB </a:t>
+            </a:r>
+            <a:r>
+              <a:rPr lang="en-US" dirty="0" err="1" smtClean="0"/>
+              <a:t>Nandini</a:t>
+            </a:r>
+            <a:r>
+              <a:rPr lang="en-US" dirty="0" smtClean="0"/>
+              <a:t> and RV </a:t>
+            </a:r>
+            <a:r>
+              <a:rPr lang="en-US" dirty="0" err="1" smtClean="0"/>
+              <a:t>Subramanyam</a:t>
+            </a:r>
+            <a:r>
+              <a:rPr lang="en-US" dirty="0"/>
+              <a:t>, 2011, Nuclear features in oral </a:t>
+            </a:r>
+            <a:r>
+              <a:rPr lang="en-US" dirty="0" smtClean="0"/>
+              <a:t>squamous</a:t>
+            </a:r>
+          </a:p>
+          <a:p>
+            <a:r>
+              <a:rPr lang="en-US" dirty="0" smtClean="0"/>
+              <a:t> </a:t>
+            </a:r>
+            <a:r>
+              <a:rPr lang="en-US" dirty="0"/>
+              <a:t>cell carcinoma: A computer-assisted microscopic </a:t>
+            </a:r>
+            <a:r>
+              <a:rPr lang="en-US" dirty="0" smtClean="0"/>
+              <a:t>study, V.15:2, 177-181,JOMFP</a:t>
+            </a:r>
+            <a:endParaRPr lang="en-US" dirty="0"/>
+          </a:p>
+        </p:txBody>
+      </p:sp>
+    </p:spTree>
+    <p:extLst>
+      <p:ext uri="{BB962C8B-B14F-4D97-AF65-F5344CB8AC3E}">
+        <p14:creationId xmlns:p14="http://schemas.microsoft.com/office/powerpoint/2010/main" val="3153764974"/>
+      </p:ext>
+    </p:extLst>
+  </p:cSld>
+  <p:clrMapOvr>
+    <a:masterClrMapping/>
+  </p:clrMapOvr>
+  <p:timing>
+    <p:tnLst>
+      <p:par>
+        <p:cTn id="1" dur="indefinite" restart="never" nodeType="tmRoot"/>
+      </p:par>
+    </p:tnLst>
+  </p:timing>
+</p:sld>
+</file>
+
+<file path=ppt/slides/slide30.xml><?xml version="1.0" encoding="utf-8"?>
+<p:sld xmlns:a="http://schemas.openxmlformats.org/drawingml/2006/main" xmlns:r="http://schemas.openxmlformats.org/officeDocument/2006/relationships" xmlns:p="http://schemas.openxmlformats.org/presentationml/2006/main">
+  <p:cSld>
+    <p:spTree>
+      <p:nvGrpSpPr>
+        <p:cNvPr id="1" name=""/>
+        <p:cNvGrpSpPr/>
+        <p:nvPr/>
+      </p:nvGrpSpPr>
+      <p:grpSpPr>
+        <a:xfrm>
+          <a:off x="0" y="0"/>
+          <a:ext cx="0" cy="0"/>
+          <a:chOff x="0" y="0"/>
+          <a:chExt cx="0" cy="0"/>
+        </a:xfrm>
+      </p:grpSpPr>
+      <p:sp>
+        <p:nvSpPr>
+          <p:cNvPr id="2" name="Title 1"/>
+          <p:cNvSpPr>
+            <a:spLocks noGrp="1"/>
+          </p:cNvSpPr>
+          <p:nvPr>
+            <p:ph type="title"/>
+          </p:nvPr>
+        </p:nvSpPr>
+        <p:spPr/>
+        <p:txBody>
+          <a:bodyPr/>
+          <a:lstStyle/>
+          <a:p>
+            <a:r>
+              <a:rPr lang="en-US" dirty="0" smtClean="0"/>
+              <a:t>Moving toward the standardization</a:t>
+            </a:r>
+            <a:endParaRPr lang="en-US" dirty="0"/>
+          </a:p>
+        </p:txBody>
+      </p:sp>
+      <p:sp>
+        <p:nvSpPr>
+          <p:cNvPr id="3" name="Content Placeholder 2"/>
+          <p:cNvSpPr>
+            <a:spLocks noGrp="1"/>
+          </p:cNvSpPr>
+          <p:nvPr>
+            <p:ph idx="1"/>
+          </p:nvPr>
+        </p:nvSpPr>
+        <p:spPr/>
+        <p:txBody>
+          <a:bodyPr/>
+          <a:lstStyle/>
+          <a:p>
+            <a:r>
+              <a:rPr lang="en-US" dirty="0" smtClean="0"/>
+              <a:t>Accumulating the data in the database</a:t>
+            </a:r>
+          </a:p>
+          <a:p>
+            <a:r>
+              <a:rPr lang="en-US" dirty="0" smtClean="0"/>
+              <a:t>Data-driven approach data analysis</a:t>
+            </a:r>
+          </a:p>
+          <a:p>
+            <a:r>
+              <a:rPr lang="en-US" dirty="0" smtClean="0"/>
+              <a:t>Walking hand-in-hand with clinical doctor</a:t>
+            </a:r>
+          </a:p>
+          <a:p>
+            <a:r>
+              <a:rPr lang="en-US" dirty="0" smtClean="0"/>
+              <a:t>Establishing the standard protocols</a:t>
+            </a:r>
+            <a:endParaRPr lang="en-US" dirty="0"/>
+          </a:p>
+        </p:txBody>
+      </p:sp>
+    </p:spTree>
+    <p:extLst>
+      <p:ext uri="{BB962C8B-B14F-4D97-AF65-F5344CB8AC3E}">
+        <p14:creationId xmlns:p14="http://schemas.microsoft.com/office/powerpoint/2010/main" val="3799712158"/>
+      </p:ext>
+    </p:extLst>
+  </p:cSld>
+  <p:clrMapOvr>
+    <a:masterClrMapping/>
+  </p:clrMapOvr>
+  <p:timing>
+    <p:tnLst>
+      <p:par>
+        <p:cTn id="1" dur="indefinite" restart="never" nodeType="tmRoot"/>
+      </p:par>
+    </p:tnLst>
+  </p:timing>
+</p:sld>
+</file>
+
+<file path=ppt/slides/slide31.xml><?xml version="1.0" encoding="utf-8"?>
+<p:sld xmlns:a="http://schemas.openxmlformats.org/drawingml/2006/main" xmlns:r="http://schemas.openxmlformats.org/officeDocument/2006/relationships" xmlns:p="http://schemas.openxmlformats.org/presentationml/2006/main">
+  <p:cSld>
+    <p:spTree>
+      <p:nvGrpSpPr>
+        <p:cNvPr id="1" name=""/>
+        <p:cNvGrpSpPr/>
+        <p:nvPr/>
+      </p:nvGrpSpPr>
+      <p:grpSpPr>
+        <a:xfrm>
+          <a:off x="0" y="0"/>
+          <a:ext cx="0" cy="0"/>
+          <a:chOff x="0" y="0"/>
+          <a:chExt cx="0" cy="0"/>
+        </a:xfrm>
+      </p:grpSpPr>
+      <p:sp>
+        <p:nvSpPr>
+          <p:cNvPr id="2" name="Title 1"/>
+          <p:cNvSpPr>
+            <a:spLocks noGrp="1"/>
+          </p:cNvSpPr>
+          <p:nvPr>
+            <p:ph type="title"/>
+          </p:nvPr>
+        </p:nvSpPr>
+        <p:spPr/>
+        <p:txBody>
+          <a:bodyPr/>
+          <a:lstStyle/>
+          <a:p>
+            <a:r>
+              <a:rPr lang="en-US" dirty="0" smtClean="0"/>
+              <a:t>Our goal</a:t>
+            </a:r>
+            <a:endParaRPr lang="en-US" dirty="0"/>
+          </a:p>
+        </p:txBody>
+      </p:sp>
+      <p:sp>
+        <p:nvSpPr>
+          <p:cNvPr id="3" name="Content Placeholder 2"/>
+          <p:cNvSpPr>
+            <a:spLocks noGrp="1"/>
+          </p:cNvSpPr>
+          <p:nvPr>
+            <p:ph idx="1"/>
+          </p:nvPr>
+        </p:nvSpPr>
+        <p:spPr/>
+        <p:txBody>
+          <a:bodyPr>
+            <a:normAutofit fontScale="85000" lnSpcReduction="20000"/>
+          </a:bodyPr>
+          <a:lstStyle/>
+          <a:p>
+            <a:endParaRPr lang="en-US" dirty="0"/>
+          </a:p>
+          <a:p>
+            <a:r>
+              <a:rPr lang="en-US" dirty="0"/>
+              <a:t>for Liu Yao's exfoliated cell project, you may show what you have done for Liu Yao's current paper, what you plan to do if we put many other parameters of exfoliated cells (DI value, cell size, ...) and potentially new parameters (DNA methylation, gene mutation...) into data analysis in the future. Also you may paint a picture of a complete service of oral exfoliated cells starting from samples collection, sample analysis, data acquisition, data analysis, recommendation of further lab analysis, recommendation of clinical follow-up and therapy, ... Our goal is the feed them a vision that we and they can work continuously for &gt;10 years.</a:t>
+            </a:r>
+          </a:p>
+        </p:txBody>
+      </p:sp>
+    </p:spTree>
+    <p:extLst>
+      <p:ext uri="{BB962C8B-B14F-4D97-AF65-F5344CB8AC3E}">
+        <p14:creationId xmlns:p14="http://schemas.microsoft.com/office/powerpoint/2010/main" val="1685240845"/>
+      </p:ext>
+    </p:extLst>
+  </p:cSld>
+  <p:clrMapOvr>
+    <a:masterClrMapping/>
+  </p:clrMapOvr>
+  <p:timing>
+    <p:tnLst>
+      <p:par>
+        <p:cTn id="1" dur="indefinite" restart="never" nodeType="tmRoot"/>
+      </p:par>
+    </p:tnLst>
+  </p:timing>
+</p:sld>
+</file>
+
+<file path=ppt/slides/slide32.xml><?xml version="1.0" encoding="utf-8"?>
+<p:sld xmlns:a="http://schemas.openxmlformats.org/drawingml/2006/main" xmlns:r="http://schemas.openxmlformats.org/officeDocument/2006/relationships" xmlns:p="http://schemas.openxmlformats.org/presentationml/2006/main">
+  <p:cSld>
+    <p:spTree>
+      <p:nvGrpSpPr>
+        <p:cNvPr id="1" name=""/>
+        <p:cNvGrpSpPr/>
+        <p:nvPr/>
+      </p:nvGrpSpPr>
+      <p:grpSpPr>
+        <a:xfrm>
+          <a:off x="0" y="0"/>
+          <a:ext cx="0" cy="0"/>
+          <a:chOff x="0" y="0"/>
+          <a:chExt cx="0" cy="0"/>
+        </a:xfrm>
+      </p:grpSpPr>
+      <p:sp>
+        <p:nvSpPr>
+          <p:cNvPr id="2" name="Title 1"/>
+          <p:cNvSpPr>
+            <a:spLocks noGrp="1"/>
+          </p:cNvSpPr>
+          <p:nvPr>
+            <p:ph type="title"/>
+          </p:nvPr>
+        </p:nvSpPr>
         <p:spPr/>
         <p:txBody>
           <a:bodyPr/>
@@ -5099,14 +9270,14 @@
   <p:timing>
     <p:tnLst>
       <p:par>
-        <p:cTn xmlns:p14="http://schemas.microsoft.com/office/powerpoint/2010/main" id="1" dur="indefinite" restart="never" nodeType="tmRoot"/>
+        <p:cTn id="1" dur="indefinite" restart="never" nodeType="tmRoot"/>
       </p:par>
     </p:tnLst>
   </p:timing>
 </p:sld>
 </file>
 
-<file path=ppt/slides/slide18.xml><?xml version="1.0" encoding="utf-8"?>
+<file path=ppt/slides/slide33.xml><?xml version="1.0" encoding="utf-8"?>
 <p:sld xmlns:a="http://schemas.openxmlformats.org/drawingml/2006/main" xmlns:r="http://schemas.openxmlformats.org/officeDocument/2006/relationships" xmlns:p="http://schemas.openxmlformats.org/presentationml/2006/main">
   <p:cSld>
     <p:spTree>
@@ -5226,7 +9397,7 @@
             </a:prstGeom>
             <a:noFill/>
             <a:extLst>
-              <a:ext uri="{909E8E84-426E-40dd-AFC4-6F175D3DCCD1}">
+              <a:ext uri="{909E8E84-426E-40DD-AFC4-6F175D3DCCD1}">
                 <a14:hiddenFill xmlns:a14="http://schemas.microsoft.com/office/drawing/2010/main">
                   <a:solidFill>
                     <a:srgbClr val="FFFFFF"/>
@@ -5409,7 +9580,7 @@
             </a:prstGeom>
             <a:noFill/>
             <a:extLst>
-              <a:ext uri="{909E8E84-426E-40dd-AFC4-6F175D3DCCD1}">
+              <a:ext uri="{909E8E84-426E-40DD-AFC4-6F175D3DCCD1}">
                 <a14:hiddenFill xmlns:a14="http://schemas.microsoft.com/office/drawing/2010/main">
                   <a:solidFill>
                     <a:srgbClr val="FFFFFF"/>
@@ -5450,7 +9621,7 @@
             </a:prstGeom>
             <a:noFill/>
             <a:extLst>
-              <a:ext uri="{909E8E84-426E-40dd-AFC4-6F175D3DCCD1}">
+              <a:ext uri="{909E8E84-426E-40DD-AFC4-6F175D3DCCD1}">
                 <a14:hiddenFill xmlns:a14="http://schemas.microsoft.com/office/drawing/2010/main">
                   <a:solidFill>
                     <a:srgbClr val="FFFFFF"/>
@@ -5483,7 +9654,7 @@
               <p:nvPr/>
             </p:nvPicPr>
             <p:blipFill>
-              <a:blip r:embed="rId5">
+              <a:blip r:embed="rId5" cstate="print">
                 <a:extLst>
                   <a:ext uri="{28A0092B-C50C-407E-A947-70E740481C1C}">
                     <a14:useLocalDpi xmlns:a14="http://schemas.microsoft.com/office/drawing/2010/main" val="0"/>
@@ -5513,7 +9684,7 @@
               <p:nvPr/>
             </p:nvPicPr>
             <p:blipFill>
-              <a:blip r:embed="rId6">
+              <a:blip r:embed="rId6" cstate="print">
                 <a:extLst>
                   <a:ext uri="{28A0092B-C50C-407E-A947-70E740481C1C}">
                     <a14:useLocalDpi xmlns:a14="http://schemas.microsoft.com/office/drawing/2010/main" val="0"/>
@@ -5538,14 +9709,14 @@
                 <a:noFill/>
               </a:ln>
               <a:extLst>
-                <a:ext uri="{909E8E84-426E-40dd-AFC4-6F175D3DCCD1}">
+                <a:ext uri="{909E8E84-426E-40DD-AFC4-6F175D3DCCD1}">
                   <a14:hiddenFill xmlns:a14="http://schemas.microsoft.com/office/drawing/2010/main">
                     <a:solidFill>
                       <a:schemeClr val="accent1"/>
                     </a:solidFill>
                   </a14:hiddenFill>
                 </a:ext>
-                <a:ext uri="{91240B29-F687-4f45-9708-019B960494DF}">
+                <a:ext uri="{91240B29-F687-4F45-9708-019B960494DF}">
                   <a14:hiddenLine xmlns:a14="http://schemas.microsoft.com/office/drawing/2010/main" w="9525">
                     <a:solidFill>
                       <a:schemeClr val="tx1"/>
@@ -5665,7 +9836,7 @@
 </p:sld>
 </file>
 
-<file path=ppt/slides/slide19.xml><?xml version="1.0" encoding="utf-8"?>
+<file path=ppt/slides/slide34.xml><?xml version="1.0" encoding="utf-8"?>
 <p:sld xmlns:a="http://schemas.openxmlformats.org/drawingml/2006/main" xmlns:r="http://schemas.openxmlformats.org/officeDocument/2006/relationships" xmlns:p="http://schemas.openxmlformats.org/presentationml/2006/main">
   <p:cSld>
     <p:spTree>
@@ -5760,14 +9931,14 @@
               <a:noFill/>
             </a:ln>
             <a:extLst>
-              <a:ext uri="{909E8E84-426E-40dd-AFC4-6F175D3DCCD1}">
+              <a:ext uri="{909E8E84-426E-40DD-AFC4-6F175D3DCCD1}">
                 <a14:hiddenFill xmlns:a14="http://schemas.microsoft.com/office/drawing/2010/main">
                   <a:solidFill>
                     <a:schemeClr val="accent1"/>
                   </a:solidFill>
                 </a14:hiddenFill>
               </a:ext>
-              <a:ext uri="{91240B29-F687-4f45-9708-019B960494DF}">
+              <a:ext uri="{91240B29-F687-4F45-9708-019B960494DF}">
                 <a14:hiddenLine xmlns:a14="http://schemas.microsoft.com/office/drawing/2010/main" w="9525">
                   <a:solidFill>
                     <a:schemeClr val="tx1"/>
@@ -5791,176 +9962,17 @@
   <p:clrMapOvr>
     <a:masterClrMapping/>
   </p:clrMapOvr>
-</p:sld>
-</file>
-
-<file path=ppt/slides/slide2.xml><?xml version="1.0" encoding="utf-8"?>
-<p:sld xmlns:a="http://schemas.openxmlformats.org/drawingml/2006/main" xmlns:r="http://schemas.openxmlformats.org/officeDocument/2006/relationships" xmlns:p="http://schemas.openxmlformats.org/presentationml/2006/main">
-  <p:cSld>
-    <p:spTree>
-      <p:nvGrpSpPr>
-        <p:cNvPr id="1" name=""/>
-        <p:cNvGrpSpPr/>
-        <p:nvPr/>
-      </p:nvGrpSpPr>
-      <p:grpSpPr>
-        <a:xfrm>
-          <a:off x="0" y="0"/>
-          <a:ext cx="0" cy="0"/>
-          <a:chOff x="0" y="0"/>
-          <a:chExt cx="0" cy="0"/>
-        </a:xfrm>
-      </p:grpSpPr>
-      <p:sp>
-        <p:nvSpPr>
-          <p:cNvPr id="2" name="Title 1"/>
-          <p:cNvSpPr>
-            <a:spLocks noGrp="1"/>
-          </p:cNvSpPr>
-          <p:nvPr>
-            <p:ph type="title"/>
-          </p:nvPr>
-        </p:nvSpPr>
-        <p:spPr/>
-        <p:txBody>
-          <a:bodyPr/>
-          <a:lstStyle/>
-          <a:p>
-            <a:r>
-              <a:rPr lang="en-US" dirty="0" smtClean="0"/>
-              <a:t>Outline</a:t>
-            </a:r>
-            <a:endParaRPr lang="en-US" dirty="0"/>
-          </a:p>
-        </p:txBody>
-      </p:sp>
-      <p:sp>
-        <p:nvSpPr>
-          <p:cNvPr id="3" name="Content Placeholder 2"/>
-          <p:cNvSpPr>
-            <a:spLocks noGrp="1"/>
-          </p:cNvSpPr>
-          <p:nvPr>
-            <p:ph idx="1"/>
-          </p:nvPr>
-        </p:nvSpPr>
-        <p:spPr/>
-        <p:txBody>
-          <a:bodyPr>
-            <a:normAutofit lnSpcReduction="10000"/>
-          </a:bodyPr>
-          <a:lstStyle/>
-          <a:p>
-            <a:r>
-              <a:rPr lang="en-US" dirty="0" smtClean="0"/>
-              <a:t>Nucleus DNA staining for early detection</a:t>
-            </a:r>
-          </a:p>
-          <a:p>
-            <a:r>
-              <a:rPr lang="en-US" dirty="0" smtClean="0"/>
-              <a:t>Understand the data distribution nature</a:t>
-            </a:r>
-          </a:p>
-          <a:p>
-            <a:r>
-              <a:rPr lang="en-US" b="1" dirty="0" smtClean="0"/>
-              <a:t>Ex</a:t>
-            </a:r>
-            <a:r>
-              <a:rPr lang="en-US" dirty="0" smtClean="0"/>
-              <a:t>pert </a:t>
-            </a:r>
-            <a:r>
-              <a:rPr lang="en-US" b="1" dirty="0"/>
-              <a:t>G</a:t>
-            </a:r>
-            <a:r>
-              <a:rPr lang="en-US" dirty="0"/>
-              <a:t>uided Data </a:t>
-            </a:r>
-            <a:r>
-              <a:rPr lang="en-US" b="1" dirty="0"/>
-              <a:t>C</a:t>
-            </a:r>
-            <a:r>
-              <a:rPr lang="en-US" dirty="0"/>
-              <a:t>leaning and </a:t>
-            </a:r>
-            <a:r>
-              <a:rPr lang="en-US" b="1" dirty="0"/>
-              <a:t>R</a:t>
-            </a:r>
-            <a:r>
-              <a:rPr lang="en-US" dirty="0"/>
-              <a:t>econstructio</a:t>
-            </a:r>
-            <a:r>
-              <a:rPr lang="en-US" b="1" dirty="0"/>
-              <a:t>n </a:t>
-            </a:r>
-            <a:r>
-              <a:rPr lang="en-US" dirty="0"/>
-              <a:t>(</a:t>
-            </a:r>
-            <a:r>
-              <a:rPr lang="en-US" b="1" dirty="0" err="1"/>
-              <a:t>ExGCRn</a:t>
-            </a:r>
-            <a:r>
-              <a:rPr lang="en-US" dirty="0"/>
-              <a:t>) </a:t>
-            </a:r>
-            <a:endParaRPr lang="en-US" dirty="0" smtClean="0"/>
-          </a:p>
-          <a:p>
-            <a:r>
-              <a:rPr lang="en-US" dirty="0" smtClean="0"/>
-              <a:t>Stretching the prediction modeling</a:t>
-            </a:r>
-          </a:p>
-          <a:p>
-            <a:r>
-              <a:rPr lang="en-US" dirty="0" smtClean="0"/>
-              <a:t>Integrating extra domain information</a:t>
-            </a:r>
-          </a:p>
-          <a:p>
-            <a:r>
-              <a:rPr lang="en-US" dirty="0" smtClean="0"/>
-              <a:t>Empower the patient</a:t>
-            </a:r>
-          </a:p>
-          <a:p>
-            <a:r>
-              <a:rPr lang="en-US" dirty="0" smtClean="0"/>
-              <a:t>Moving toward the standardization</a:t>
-            </a:r>
-            <a:endParaRPr lang="en-US" dirty="0"/>
-          </a:p>
-        </p:txBody>
-      </p:sp>
-    </p:spTree>
-    <p:extLst>
-      <p:ext uri="{BB962C8B-B14F-4D97-AF65-F5344CB8AC3E}">
-        <p14:creationId xmlns:p14="http://schemas.microsoft.com/office/powerpoint/2010/main" val="586842750"/>
-      </p:ext>
-    </p:extLst>
-  </p:cSld>
-  <p:clrMapOvr>
-    <a:masterClrMapping/>
-  </p:clrMapOvr>
   <p:timing>
     <p:tnLst>
       <p:par>
-        <p:cTn xmlns:p14="http://schemas.microsoft.com/office/powerpoint/2010/main" id="1" dur="indefinite" restart="never" nodeType="tmRoot"/>
+        <p:cTn id="1" dur="indefinite" restart="never" nodeType="tmRoot"/>
       </p:par>
     </p:tnLst>
   </p:timing>
 </p:sld>
 </file>
 
-<file path=ppt/slides/slide20.xml><?xml version="1.0" encoding="utf-8"?>
+<file path=ppt/slides/slide35.xml><?xml version="1.0" encoding="utf-8"?>
 <p:sld xmlns:a="http://schemas.openxmlformats.org/drawingml/2006/main" xmlns:r="http://schemas.openxmlformats.org/officeDocument/2006/relationships" xmlns:p="http://schemas.openxmlformats.org/presentationml/2006/main">
   <p:cSld>
     <p:spTree>
@@ -6036,14 +10048,14 @@
             <a:noFill/>
           </a:ln>
           <a:extLst>
-            <a:ext uri="{909E8E84-426E-40dd-AFC4-6F175D3DCCD1}">
+            <a:ext uri="{909E8E84-426E-40DD-AFC4-6F175D3DCCD1}">
               <a14:hiddenFill xmlns:a14="http://schemas.microsoft.com/office/drawing/2010/main">
                 <a:solidFill>
                   <a:schemeClr val="accent1"/>
                 </a:solidFill>
               </a14:hiddenFill>
             </a:ext>
-            <a:ext uri="{91240B29-F687-4f45-9708-019B960494DF}">
+            <a:ext uri="{91240B29-F687-4F45-9708-019B960494DF}">
               <a14:hiddenLine xmlns:a14="http://schemas.microsoft.com/office/drawing/2010/main" w="9525">
                 <a:solidFill>
                   <a:schemeClr val="tx1"/>
@@ -6108,10 +10120,17 @@
   <p:clrMapOvr>
     <a:masterClrMapping/>
   </p:clrMapOvr>
+  <p:timing>
+    <p:tnLst>
+      <p:par>
+        <p:cTn id="1" dur="indefinite" restart="never" nodeType="tmRoot"/>
+      </p:par>
+    </p:tnLst>
+  </p:timing>
 </p:sld>
 </file>
 
-<file path=ppt/slides/slide21.xml><?xml version="1.0" encoding="utf-8"?>
+<file path=ppt/slides/slide36.xml><?xml version="1.0" encoding="utf-8"?>
 <p:sld xmlns:a="http://schemas.openxmlformats.org/drawingml/2006/main" xmlns:r="http://schemas.openxmlformats.org/officeDocument/2006/relationships" xmlns:p="http://schemas.openxmlformats.org/presentationml/2006/main">
   <p:cSld>
     <p:spTree>
@@ -6185,14 +10204,14 @@
             <a:noFill/>
           </a:ln>
           <a:extLst>
-            <a:ext uri="{909E8E84-426E-40dd-AFC4-6F175D3DCCD1}">
+            <a:ext uri="{909E8E84-426E-40DD-AFC4-6F175D3DCCD1}">
               <a14:hiddenFill xmlns:a14="http://schemas.microsoft.com/office/drawing/2010/main">
                 <a:solidFill>
                   <a:schemeClr val="accent1"/>
                 </a:solidFill>
               </a14:hiddenFill>
             </a:ext>
-            <a:ext uri="{91240B29-F687-4f45-9708-019B960494DF}">
+            <a:ext uri="{91240B29-F687-4F45-9708-019B960494DF}">
               <a14:hiddenLine xmlns:a14="http://schemas.microsoft.com/office/drawing/2010/main" w="9525">
                 <a:solidFill>
                   <a:schemeClr val="tx1"/>
@@ -6239,14 +10258,14 @@
             <a:noFill/>
           </a:ln>
           <a:extLst>
-            <a:ext uri="{909E8E84-426E-40dd-AFC4-6F175D3DCCD1}">
+            <a:ext uri="{909E8E84-426E-40DD-AFC4-6F175D3DCCD1}">
               <a14:hiddenFill xmlns:a14="http://schemas.microsoft.com/office/drawing/2010/main">
                 <a:solidFill>
                   <a:schemeClr val="accent1"/>
                 </a:solidFill>
               </a14:hiddenFill>
             </a:ext>
-            <a:ext uri="{91240B29-F687-4f45-9708-019B960494DF}">
+            <a:ext uri="{91240B29-F687-4F45-9708-019B960494DF}">
               <a14:hiddenLine xmlns:a14="http://schemas.microsoft.com/office/drawing/2010/main" w="9525">
                 <a:solidFill>
                   <a:schemeClr val="tx1"/>
@@ -6269,10 +10288,17 @@
   <p:clrMapOvr>
     <a:masterClrMapping/>
   </p:clrMapOvr>
+  <p:timing>
+    <p:tnLst>
+      <p:par>
+        <p:cTn id="1" dur="indefinite" restart="never" nodeType="tmRoot"/>
+      </p:par>
+    </p:tnLst>
+  </p:timing>
 </p:sld>
 </file>
 
-<file path=ppt/slides/slide22.xml><?xml version="1.0" encoding="utf-8"?>
+<file path=ppt/slides/slide37.xml><?xml version="1.0" encoding="utf-8"?>
 <p:sld xmlns:a="http://schemas.openxmlformats.org/drawingml/2006/main" xmlns:r="http://schemas.openxmlformats.org/officeDocument/2006/relationships" xmlns:p="http://schemas.openxmlformats.org/presentationml/2006/main">
   <p:cSld>
     <p:spTree>
@@ -10340,10 +14366,17 @@
   <p:clrMapOvr>
     <a:masterClrMapping/>
   </p:clrMapOvr>
+  <p:timing>
+    <p:tnLst>
+      <p:par>
+        <p:cTn id="1" dur="indefinite" restart="never" nodeType="tmRoot"/>
+      </p:par>
+    </p:tnLst>
+  </p:timing>
 </p:sld>
 </file>
 
-<file path=ppt/slides/slide23.xml><?xml version="1.0" encoding="utf-8"?>
+<file path=ppt/slides/slide38.xml><?xml version="1.0" encoding="utf-8"?>
 <p:sld xmlns:a="http://schemas.openxmlformats.org/drawingml/2006/main" xmlns:r="http://schemas.openxmlformats.org/officeDocument/2006/relationships" xmlns:p="http://schemas.openxmlformats.org/presentationml/2006/main">
   <p:cSld>
     <p:spTree>
@@ -10403,14 +14436,14 @@
   <p:timing>
     <p:tnLst>
       <p:par>
-        <p:cTn xmlns:p14="http://schemas.microsoft.com/office/powerpoint/2010/main" id="1" dur="indefinite" restart="never" nodeType="tmRoot"/>
+        <p:cTn id="1" dur="indefinite" restart="never" nodeType="tmRoot"/>
       </p:par>
     </p:tnLst>
   </p:timing>
 </p:sld>
 </file>
 
-<file path=ppt/slides/slide24.xml><?xml version="1.0" encoding="utf-8"?>
+<file path=ppt/slides/slide39.xml><?xml version="1.0" encoding="utf-8"?>
 <p:sld xmlns:a="http://schemas.openxmlformats.org/drawingml/2006/main" xmlns:r="http://schemas.openxmlformats.org/officeDocument/2006/relationships" xmlns:p="http://schemas.openxmlformats.org/presentationml/2006/main">
   <p:cSld>
     <p:spTree>
@@ -10550,14 +14583,14 @@
             <a:noFill/>
           </a:ln>
           <a:extLst>
-            <a:ext uri="{909E8E84-426E-40dd-AFC4-6F175D3DCCD1}">
+            <a:ext uri="{909E8E84-426E-40DD-AFC4-6F175D3DCCD1}">
               <a14:hiddenFill xmlns:a14="http://schemas.microsoft.com/office/drawing/2010/main">
                 <a:solidFill>
                   <a:schemeClr val="accent1"/>
                 </a:solidFill>
               </a14:hiddenFill>
             </a:ext>
-            <a:ext uri="{91240B29-F687-4f45-9708-019B960494DF}">
+            <a:ext uri="{91240B29-F687-4F45-9708-019B960494DF}">
               <a14:hiddenLine xmlns:a14="http://schemas.microsoft.com/office/drawing/2010/main" w="9525">
                 <a:solidFill>
                   <a:schemeClr val="tx1"/>
@@ -10583,7 +14616,7 @@
   <p:timing>
     <p:tnLst>
       <p:par>
-        <p:cTn xmlns:p14="http://schemas.microsoft.com/office/powerpoint/2010/main" id="1" dur="indefinite" restart="never" nodeType="tmRoot">
+        <p:cTn id="1" dur="indefinite" restart="never" nodeType="tmRoot">
           <p:childTnLst>
             <p:seq concurrent="1" nextAc="seek">
               <p:cTn id="2" dur="indefinite" nodeType="mainSeq">
@@ -10919,7 +14952,266 @@
 </p:sld>
 </file>
 
-<file path=ppt/slides/slide25.xml><?xml version="1.0" encoding="utf-8"?>
+<file path=ppt/slides/slide4.xml><?xml version="1.0" encoding="utf-8"?>
+<p:sld xmlns:a="http://schemas.openxmlformats.org/drawingml/2006/main" xmlns:r="http://schemas.openxmlformats.org/officeDocument/2006/relationships" xmlns:p="http://schemas.openxmlformats.org/presentationml/2006/main">
+  <p:cSld>
+    <p:spTree>
+      <p:nvGrpSpPr>
+        <p:cNvPr id="1" name=""/>
+        <p:cNvGrpSpPr/>
+        <p:nvPr/>
+      </p:nvGrpSpPr>
+      <p:grpSpPr>
+        <a:xfrm>
+          <a:off x="0" y="0"/>
+          <a:ext cx="0" cy="0"/>
+          <a:chOff x="0" y="0"/>
+          <a:chExt cx="0" cy="0"/>
+        </a:xfrm>
+      </p:grpSpPr>
+      <p:pic>
+        <p:nvPicPr>
+          <p:cNvPr id="1026" name="Picture 2"/>
+          <p:cNvPicPr>
+            <a:picLocks noChangeAspect="1" noChangeArrowheads="1"/>
+          </p:cNvPicPr>
+          <p:nvPr/>
+        </p:nvPicPr>
+        <p:blipFill>
+          <a:blip r:embed="rId3">
+            <a:extLst>
+              <a:ext uri="{28A0092B-C50C-407E-A947-70E740481C1C}">
+                <a14:useLocalDpi xmlns:a14="http://schemas.microsoft.com/office/drawing/2010/main" val="0"/>
+              </a:ext>
+            </a:extLst>
+          </a:blip>
+          <a:srcRect/>
+          <a:stretch>
+            <a:fillRect/>
+          </a:stretch>
+        </p:blipFill>
+        <p:spPr bwMode="auto">
+          <a:xfrm>
+            <a:off x="542259" y="188017"/>
+            <a:ext cx="3561908" cy="2907938"/>
+          </a:xfrm>
+          <a:prstGeom prst="rect">
+            <a:avLst/>
+          </a:prstGeom>
+          <a:noFill/>
+          <a:ln>
+            <a:noFill/>
+          </a:ln>
+          <a:extLst>
+            <a:ext uri="{909E8E84-426E-40DD-AFC4-6F175D3DCCD1}">
+              <a14:hiddenFill xmlns:a14="http://schemas.microsoft.com/office/drawing/2010/main">
+                <a:solidFill>
+                  <a:schemeClr val="accent1"/>
+                </a:solidFill>
+              </a14:hiddenFill>
+            </a:ext>
+            <a:ext uri="{91240B29-F687-4F45-9708-019B960494DF}">
+              <a14:hiddenLine xmlns:a14="http://schemas.microsoft.com/office/drawing/2010/main" w="9525">
+                <a:solidFill>
+                  <a:schemeClr val="tx1"/>
+                </a:solidFill>
+                <a:miter lim="800000"/>
+                <a:headEnd/>
+                <a:tailEnd/>
+              </a14:hiddenLine>
+            </a:ext>
+          </a:extLst>
+        </p:spPr>
+      </p:pic>
+      <p:pic>
+        <p:nvPicPr>
+          <p:cNvPr id="7" name="Picture 2"/>
+          <p:cNvPicPr>
+            <a:picLocks noChangeAspect="1" noChangeArrowheads="1"/>
+          </p:cNvPicPr>
+          <p:nvPr/>
+        </p:nvPicPr>
+        <p:blipFill>
+          <a:blip r:embed="rId4">
+            <a:extLst>
+              <a:ext uri="{28A0092B-C50C-407E-A947-70E740481C1C}">
+                <a14:useLocalDpi xmlns:a14="http://schemas.microsoft.com/office/drawing/2010/main" val="0"/>
+              </a:ext>
+            </a:extLst>
+          </a:blip>
+          <a:srcRect/>
+          <a:stretch>
+            <a:fillRect/>
+          </a:stretch>
+        </p:blipFill>
+        <p:spPr bwMode="auto">
+          <a:xfrm>
+            <a:off x="247992" y="3514039"/>
+            <a:ext cx="3848926" cy="2939924"/>
+          </a:xfrm>
+          <a:prstGeom prst="rect">
+            <a:avLst/>
+          </a:prstGeom>
+          <a:noFill/>
+          <a:ln>
+            <a:noFill/>
+          </a:ln>
+          <a:extLst>
+            <a:ext uri="{909E8E84-426E-40DD-AFC4-6F175D3DCCD1}">
+              <a14:hiddenFill xmlns:a14="http://schemas.microsoft.com/office/drawing/2010/main">
+                <a:solidFill>
+                  <a:schemeClr val="accent1"/>
+                </a:solidFill>
+              </a14:hiddenFill>
+            </a:ext>
+            <a:ext uri="{91240B29-F687-4F45-9708-019B960494DF}">
+              <a14:hiddenLine xmlns:a14="http://schemas.microsoft.com/office/drawing/2010/main" w="9525">
+                <a:solidFill>
+                  <a:schemeClr val="tx1"/>
+                </a:solidFill>
+                <a:miter lim="800000"/>
+                <a:headEnd/>
+                <a:tailEnd/>
+              </a14:hiddenLine>
+            </a:ext>
+          </a:extLst>
+        </p:spPr>
+      </p:pic>
+      <p:pic>
+        <p:nvPicPr>
+          <p:cNvPr id="8" name="Picture 3"/>
+          <p:cNvPicPr>
+            <a:picLocks noChangeAspect="1" noChangeArrowheads="1"/>
+          </p:cNvPicPr>
+          <p:nvPr/>
+        </p:nvPicPr>
+        <p:blipFill>
+          <a:blip r:embed="rId5">
+            <a:extLst>
+              <a:ext uri="{28A0092B-C50C-407E-A947-70E740481C1C}">
+                <a14:useLocalDpi xmlns:a14="http://schemas.microsoft.com/office/drawing/2010/main" val="0"/>
+              </a:ext>
+            </a:extLst>
+          </a:blip>
+          <a:srcRect/>
+          <a:stretch>
+            <a:fillRect/>
+          </a:stretch>
+        </p:blipFill>
+        <p:spPr bwMode="auto">
+          <a:xfrm>
+            <a:off x="4688955" y="92320"/>
+            <a:ext cx="4013604" cy="3165062"/>
+          </a:xfrm>
+          <a:prstGeom prst="rect">
+            <a:avLst/>
+          </a:prstGeom>
+          <a:noFill/>
+          <a:ln>
+            <a:noFill/>
+          </a:ln>
+          <a:extLst>
+            <a:ext uri="{909E8E84-426E-40DD-AFC4-6F175D3DCCD1}">
+              <a14:hiddenFill xmlns:a14="http://schemas.microsoft.com/office/drawing/2010/main">
+                <a:solidFill>
+                  <a:schemeClr val="accent1"/>
+                </a:solidFill>
+              </a14:hiddenFill>
+            </a:ext>
+            <a:ext uri="{91240B29-F687-4F45-9708-019B960494DF}">
+              <a14:hiddenLine xmlns:a14="http://schemas.microsoft.com/office/drawing/2010/main" w="9525">
+                <a:solidFill>
+                  <a:schemeClr val="tx1"/>
+                </a:solidFill>
+                <a:miter lim="800000"/>
+                <a:headEnd/>
+                <a:tailEnd/>
+              </a14:hiddenLine>
+            </a:ext>
+          </a:extLst>
+        </p:spPr>
+      </p:pic>
+      <p:pic>
+        <p:nvPicPr>
+          <p:cNvPr id="9" name="Picture 8"/>
+          <p:cNvPicPr>
+            <a:picLocks noChangeAspect="1"/>
+          </p:cNvPicPr>
+          <p:nvPr/>
+        </p:nvPicPr>
+        <p:blipFill>
+          <a:blip r:embed="rId6">
+            <a:extLst>
+              <a:ext uri="{28A0092B-C50C-407E-A947-70E740481C1C}">
+                <a14:useLocalDpi xmlns:a14="http://schemas.microsoft.com/office/drawing/2010/main" val="0"/>
+              </a:ext>
+            </a:extLst>
+          </a:blip>
+          <a:stretch>
+            <a:fillRect/>
+          </a:stretch>
+        </p:blipFill>
+        <p:spPr>
+          <a:xfrm>
+            <a:off x="5007925" y="3205843"/>
+            <a:ext cx="3657600" cy="3652157"/>
+          </a:xfrm>
+          <a:prstGeom prst="rect">
+            <a:avLst/>
+          </a:prstGeom>
+        </p:spPr>
+      </p:pic>
+      <p:sp>
+        <p:nvSpPr>
+          <p:cNvPr id="2" name="TextBox 1"/>
+          <p:cNvSpPr txBox="1"/>
+          <p:nvPr/>
+        </p:nvSpPr>
+        <p:spPr>
+          <a:xfrm>
+            <a:off x="3352800" y="3886200"/>
+            <a:ext cx="1442635" cy="369332"/>
+          </a:xfrm>
+          <a:prstGeom prst="rect">
+            <a:avLst/>
+          </a:prstGeom>
+          <a:noFill/>
+        </p:spPr>
+        <p:txBody>
+          <a:bodyPr wrap="none" rtlCol="0">
+            <a:spAutoFit/>
+          </a:bodyPr>
+          <a:lstStyle/>
+          <a:p>
+            <a:r>
+              <a:rPr lang="en-US" dirty="0" smtClean="0"/>
+              <a:t>Need fix here</a:t>
+            </a:r>
+            <a:endParaRPr lang="en-US" dirty="0"/>
+          </a:p>
+        </p:txBody>
+      </p:sp>
+    </p:spTree>
+    <p:extLst>
+      <p:ext uri="{BB962C8B-B14F-4D97-AF65-F5344CB8AC3E}">
+        <p14:creationId xmlns:p14="http://schemas.microsoft.com/office/powerpoint/2010/main" val="1566594564"/>
+      </p:ext>
+    </p:extLst>
+  </p:cSld>
+  <p:clrMapOvr>
+    <a:masterClrMapping/>
+  </p:clrMapOvr>
+  <p:timing>
+    <p:tnLst>
+      <p:par>
+        <p:cTn id="1" dur="indefinite" restart="never" nodeType="tmRoot"/>
+      </p:par>
+    </p:tnLst>
+  </p:timing>
+</p:sld>
+</file>
+
+<file path=ppt/slides/slide40.xml><?xml version="1.0" encoding="utf-8"?>
 <p:sld xmlns:a="http://schemas.openxmlformats.org/drawingml/2006/main" xmlns:r="http://schemas.openxmlformats.org/officeDocument/2006/relationships" xmlns:p="http://schemas.openxmlformats.org/presentationml/2006/main">
   <p:cSld>
     <p:spTree>
@@ -10979,14 +15271,14 @@
   <p:timing>
     <p:tnLst>
       <p:par>
-        <p:cTn xmlns:p14="http://schemas.microsoft.com/office/powerpoint/2010/main" id="1" dur="indefinite" restart="never" nodeType="tmRoot"/>
+        <p:cTn id="1" dur="indefinite" restart="never" nodeType="tmRoot"/>
       </p:par>
     </p:tnLst>
   </p:timing>
 </p:sld>
 </file>
 
-<file path=ppt/slides/slide26.xml><?xml version="1.0" encoding="utf-8"?>
+<file path=ppt/slides/slide41.xml><?xml version="1.0" encoding="utf-8"?>
 <p:sld xmlns:a="http://schemas.openxmlformats.org/drawingml/2006/main" xmlns:r="http://schemas.openxmlformats.org/officeDocument/2006/relationships" xmlns:p="http://schemas.openxmlformats.org/presentationml/2006/main">
   <p:cSld>
     <p:spTree>
@@ -11090,14 +15382,14 @@
             <a:noFill/>
           </a:ln>
           <a:extLst>
-            <a:ext uri="{909E8E84-426E-40dd-AFC4-6F175D3DCCD1}">
+            <a:ext uri="{909E8E84-426E-40DD-AFC4-6F175D3DCCD1}">
               <a14:hiddenFill xmlns:a14="http://schemas.microsoft.com/office/drawing/2010/main">
                 <a:solidFill>
                   <a:schemeClr val="accent1"/>
                 </a:solidFill>
               </a14:hiddenFill>
             </a:ext>
-            <a:ext uri="{91240B29-F687-4f45-9708-019B960494DF}">
+            <a:ext uri="{91240B29-F687-4F45-9708-019B960494DF}">
               <a14:hiddenLine xmlns:a14="http://schemas.microsoft.com/office/drawing/2010/main" w="9525">
                 <a:solidFill>
                   <a:schemeClr val="tx1"/>
@@ -11123,14 +15415,14 @@
   <p:timing>
     <p:tnLst>
       <p:par>
-        <p:cTn xmlns:p14="http://schemas.microsoft.com/office/powerpoint/2010/main" id="1" dur="indefinite" restart="never" nodeType="tmRoot"/>
+        <p:cTn id="1" dur="indefinite" restart="never" nodeType="tmRoot"/>
       </p:par>
     </p:tnLst>
   </p:timing>
 </p:sld>
 </file>
 
-<file path=ppt/slides/slide27.xml><?xml version="1.0" encoding="utf-8"?>
+<file path=ppt/slides/slide42.xml><?xml version="1.0" encoding="utf-8"?>
 <p:sld xmlns:a="http://schemas.openxmlformats.org/drawingml/2006/main" xmlns:r="http://schemas.openxmlformats.org/officeDocument/2006/relationships" xmlns:p="http://schemas.openxmlformats.org/presentationml/2006/main">
   <p:cSld>
     <p:spTree>
@@ -11241,14 +15533,14 @@
   <p:timing>
     <p:tnLst>
       <p:par>
-        <p:cTn xmlns:p14="http://schemas.microsoft.com/office/powerpoint/2010/main" id="1" dur="indefinite" restart="never" nodeType="tmRoot"/>
+        <p:cTn id="1" dur="indefinite" restart="never" nodeType="tmRoot"/>
       </p:par>
     </p:tnLst>
   </p:timing>
 </p:sld>
 </file>
 
-<file path=ppt/slides/slide28.xml><?xml version="1.0" encoding="utf-8"?>
+<file path=ppt/slides/slide43.xml><?xml version="1.0" encoding="utf-8"?>
 <p:sld xmlns:a="http://schemas.openxmlformats.org/drawingml/2006/main" xmlns:r="http://schemas.openxmlformats.org/officeDocument/2006/relationships" xmlns:p="http://schemas.openxmlformats.org/presentationml/2006/main">
   <p:cSld>
     <p:spTree>
@@ -11308,14 +15600,14 @@
   <p:timing>
     <p:tnLst>
       <p:par>
-        <p:cTn xmlns:p14="http://schemas.microsoft.com/office/powerpoint/2010/main" id="1" dur="indefinite" restart="never" nodeType="tmRoot"/>
+        <p:cTn id="1" dur="indefinite" restart="never" nodeType="tmRoot"/>
       </p:par>
     </p:tnLst>
   </p:timing>
 </p:sld>
 </file>
 
-<file path=ppt/slides/slide29.xml><?xml version="1.0" encoding="utf-8"?>
+<file path=ppt/slides/slide44.xml><?xml version="1.0" encoding="utf-8"?>
 <p:sld xmlns:a="http://schemas.openxmlformats.org/drawingml/2006/main" xmlns:r="http://schemas.openxmlformats.org/officeDocument/2006/relationships" xmlns:p="http://schemas.openxmlformats.org/presentationml/2006/main">
   <p:cSld>
     <p:spTree>
@@ -11375,210 +15667,14 @@
   <p:timing>
     <p:tnLst>
       <p:par>
-        <p:cTn xmlns:p14="http://schemas.microsoft.com/office/powerpoint/2010/main" id="1" dur="indefinite" restart="never" nodeType="tmRoot"/>
+        <p:cTn id="1" dur="indefinite" restart="never" nodeType="tmRoot"/>
       </p:par>
     </p:tnLst>
   </p:timing>
 </p:sld>
 </file>
 
-<file path=ppt/slides/slide3.xml><?xml version="1.0" encoding="utf-8"?>
-<p:sld xmlns:a="http://schemas.openxmlformats.org/drawingml/2006/main" xmlns:r="http://schemas.openxmlformats.org/officeDocument/2006/relationships" xmlns:p="http://schemas.openxmlformats.org/presentationml/2006/main">
-  <p:cSld>
-    <p:spTree>
-      <p:nvGrpSpPr>
-        <p:cNvPr id="1" name=""/>
-        <p:cNvGrpSpPr/>
-        <p:nvPr/>
-      </p:nvGrpSpPr>
-      <p:grpSpPr>
-        <a:xfrm>
-          <a:off x="0" y="0"/>
-          <a:ext cx="0" cy="0"/>
-          <a:chOff x="0" y="0"/>
-          <a:chExt cx="0" cy="0"/>
-        </a:xfrm>
-      </p:grpSpPr>
-      <p:pic>
-        <p:nvPicPr>
-          <p:cNvPr id="1026" name="Picture 2"/>
-          <p:cNvPicPr>
-            <a:picLocks noChangeAspect="1" noChangeArrowheads="1"/>
-          </p:cNvPicPr>
-          <p:nvPr/>
-        </p:nvPicPr>
-        <p:blipFill>
-          <a:blip r:embed="rId2">
-            <a:extLst>
-              <a:ext uri="{28A0092B-C50C-407E-A947-70E740481C1C}">
-                <a14:useLocalDpi xmlns:a14="http://schemas.microsoft.com/office/drawing/2010/main" val="0"/>
-              </a:ext>
-            </a:extLst>
-          </a:blip>
-          <a:srcRect/>
-          <a:stretch>
-            <a:fillRect/>
-          </a:stretch>
-        </p:blipFill>
-        <p:spPr bwMode="auto">
-          <a:xfrm>
-            <a:off x="1000125" y="723900"/>
-            <a:ext cx="7143750" cy="5410200"/>
-          </a:xfrm>
-          <a:prstGeom prst="rect">
-            <a:avLst/>
-          </a:prstGeom>
-          <a:noFill/>
-          <a:ln>
-            <a:noFill/>
-          </a:ln>
-          <a:extLst>
-            <a:ext uri="{909E8E84-426E-40dd-AFC4-6F175D3DCCD1}">
-              <a14:hiddenFill xmlns:a14="http://schemas.microsoft.com/office/drawing/2010/main">
-                <a:solidFill>
-                  <a:schemeClr val="accent1"/>
-                </a:solidFill>
-              </a14:hiddenFill>
-            </a:ext>
-            <a:ext uri="{91240B29-F687-4f45-9708-019B960494DF}">
-              <a14:hiddenLine xmlns:a14="http://schemas.microsoft.com/office/drawing/2010/main" w="9525">
-                <a:solidFill>
-                  <a:schemeClr val="tx1"/>
-                </a:solidFill>
-                <a:miter lim="800000"/>
-                <a:headEnd/>
-                <a:tailEnd/>
-              </a14:hiddenLine>
-            </a:ext>
-          </a:extLst>
-        </p:spPr>
-      </p:pic>
-      <p:sp>
-        <p:nvSpPr>
-          <p:cNvPr id="2" name="TextBox 1"/>
-          <p:cNvSpPr txBox="1"/>
-          <p:nvPr/>
-        </p:nvSpPr>
-        <p:spPr>
-          <a:xfrm>
-            <a:off x="262294" y="77569"/>
-            <a:ext cx="8619411" cy="646331"/>
-          </a:xfrm>
-          <a:prstGeom prst="rect">
-            <a:avLst/>
-          </a:prstGeom>
-          <a:noFill/>
-        </p:spPr>
-        <p:txBody>
-          <a:bodyPr wrap="none" rtlCol="0">
-            <a:spAutoFit/>
-          </a:bodyPr>
-          <a:lstStyle/>
-          <a:p>
-            <a:r>
-              <a:rPr lang="en-US" b="1" dirty="0"/>
-              <a:t>Photomicrograph of moderately well differentiated OSCC showing large tumor nucleus </a:t>
-            </a:r>
-            <a:endParaRPr lang="en-US" b="1" dirty="0" smtClean="0"/>
-          </a:p>
-          <a:p>
-            <a:r>
-              <a:rPr lang="en-US" b="1" dirty="0" smtClean="0"/>
-              <a:t>with </a:t>
-            </a:r>
-            <a:r>
-              <a:rPr lang="en-US" b="1" dirty="0"/>
-              <a:t>multiple prominent nucleoli (blue arrow) and abnormal mitotic figure (black arrow)</a:t>
-            </a:r>
-            <a:endParaRPr lang="en-US" dirty="0"/>
-          </a:p>
-        </p:txBody>
-      </p:sp>
-      <p:sp>
-        <p:nvSpPr>
-          <p:cNvPr id="3" name="TextBox 2"/>
-          <p:cNvSpPr txBox="1"/>
-          <p:nvPr/>
-        </p:nvSpPr>
-        <p:spPr>
-          <a:xfrm>
-            <a:off x="796611" y="6138606"/>
-            <a:ext cx="7547194" cy="646331"/>
-          </a:xfrm>
-          <a:prstGeom prst="rect">
-            <a:avLst/>
-          </a:prstGeom>
-          <a:noFill/>
-        </p:spPr>
-        <p:txBody>
-          <a:bodyPr wrap="none" rtlCol="0">
-            <a:spAutoFit/>
-          </a:bodyPr>
-          <a:lstStyle/>
-          <a:p>
-            <a:r>
-              <a:rPr lang="en-US" dirty="0" smtClean="0"/>
-              <a:t>DB </a:t>
-            </a:r>
-            <a:r>
-              <a:rPr lang="en-US" dirty="0" err="1" smtClean="0"/>
-              <a:t>Nandini</a:t>
-            </a:r>
-            <a:r>
-              <a:rPr lang="en-US" dirty="0" smtClean="0"/>
-              <a:t> and RV </a:t>
-            </a:r>
-            <a:r>
-              <a:rPr lang="en-US" dirty="0" err="1" smtClean="0"/>
-              <a:t>Subramanyam</a:t>
-            </a:r>
-            <a:r>
-              <a:rPr lang="en-US" dirty="0"/>
-              <a:t>, 2011, Nuclear features in oral </a:t>
-            </a:r>
-            <a:r>
-              <a:rPr lang="en-US" dirty="0" smtClean="0"/>
-              <a:t>squamous</a:t>
-            </a:r>
-          </a:p>
-          <a:p>
-            <a:r>
-              <a:rPr lang="en-US" dirty="0" smtClean="0"/>
-              <a:t> </a:t>
-            </a:r>
-            <a:r>
-              <a:rPr lang="en-US" dirty="0"/>
-              <a:t>cell carcinoma: A computer-assisted microscopic </a:t>
-            </a:r>
-            <a:r>
-              <a:rPr lang="en-US" dirty="0" smtClean="0"/>
-              <a:t>study, V.15:2, 177-181,JOMFP</a:t>
-            </a:r>
-            <a:endParaRPr lang="en-US" dirty="0"/>
-          </a:p>
-        </p:txBody>
-      </p:sp>
-    </p:spTree>
-    <p:extLst>
-      <p:ext uri="{BB962C8B-B14F-4D97-AF65-F5344CB8AC3E}">
-        <p14:creationId xmlns:p14="http://schemas.microsoft.com/office/powerpoint/2010/main" val="3153764974"/>
-      </p:ext>
-    </p:extLst>
-  </p:cSld>
-  <p:clrMapOvr>
-    <a:masterClrMapping/>
-  </p:clrMapOvr>
-  <p:timing>
-    <p:tnLst>
-      <p:par>
-        <p:cTn xmlns:p14="http://schemas.microsoft.com/office/powerpoint/2010/main" id="1" dur="indefinite" restart="never" nodeType="tmRoot"/>
-      </p:par>
-    </p:tnLst>
-  </p:timing>
-</p:sld>
-</file>
-
-<file path=ppt/slides/slide30.xml><?xml version="1.0" encoding="utf-8"?>
+<file path=ppt/slides/slide45.xml><?xml version="1.0" encoding="utf-8"?>
 <p:sld xmlns:a="http://schemas.openxmlformats.org/drawingml/2006/main" xmlns:r="http://schemas.openxmlformats.org/officeDocument/2006/relationships" xmlns:p="http://schemas.openxmlformats.org/presentationml/2006/main">
   <p:cSld>
     <p:spTree>
@@ -11693,14 +15789,14 @@
   <p:timing>
     <p:tnLst>
       <p:par>
-        <p:cTn xmlns:p14="http://schemas.microsoft.com/office/powerpoint/2010/main" id="1" dur="indefinite" restart="never" nodeType="tmRoot"/>
+        <p:cTn id="1" dur="indefinite" restart="never" nodeType="tmRoot"/>
       </p:par>
     </p:tnLst>
   </p:timing>
 </p:sld>
 </file>
 
-<file path=ppt/slides/slide31.xml><?xml version="1.0" encoding="utf-8"?>
+<file path=ppt/slides/slide46.xml><?xml version="1.0" encoding="utf-8"?>
 <p:sld xmlns:a="http://schemas.openxmlformats.org/drawingml/2006/main" xmlns:r="http://schemas.openxmlformats.org/officeDocument/2006/relationships" xmlns:p="http://schemas.openxmlformats.org/presentationml/2006/main">
   <p:cSld>
     <p:spTree>
@@ -11832,14 +15928,14 @@
   <p:timing>
     <p:tnLst>
       <p:par>
-        <p:cTn xmlns:p14="http://schemas.microsoft.com/office/powerpoint/2010/main" id="1" dur="indefinite" restart="never" nodeType="tmRoot"/>
+        <p:cTn id="1" dur="indefinite" restart="never" nodeType="tmRoot"/>
       </p:par>
     </p:tnLst>
   </p:timing>
 </p:sld>
 </file>
 
-<file path=ppt/slides/slide32.xml><?xml version="1.0" encoding="utf-8"?>
+<file path=ppt/slides/slide47.xml><?xml version="1.0" encoding="utf-8"?>
 <p:sld xmlns:a="http://schemas.openxmlformats.org/drawingml/2006/main" xmlns:r="http://schemas.openxmlformats.org/officeDocument/2006/relationships" xmlns:p="http://schemas.openxmlformats.org/presentationml/2006/main">
   <p:cSld>
     <p:spTree>
@@ -11959,7 +16055,7 @@
             </a:prstGeom>
             <a:noFill/>
             <a:extLst>
-              <a:ext uri="{909E8E84-426E-40dd-AFC4-6F175D3DCCD1}">
+              <a:ext uri="{909E8E84-426E-40DD-AFC4-6F175D3DCCD1}">
                 <a14:hiddenFill xmlns:a14="http://schemas.microsoft.com/office/drawing/2010/main">
                   <a:solidFill>
                     <a:srgbClr val="FFFFFF"/>
@@ -12142,7 +16238,7 @@
             </a:prstGeom>
             <a:noFill/>
             <a:extLst>
-              <a:ext uri="{909E8E84-426E-40dd-AFC4-6F175D3DCCD1}">
+              <a:ext uri="{909E8E84-426E-40DD-AFC4-6F175D3DCCD1}">
                 <a14:hiddenFill xmlns:a14="http://schemas.microsoft.com/office/drawing/2010/main">
                   <a:solidFill>
                     <a:srgbClr val="FFFFFF"/>
@@ -12183,7 +16279,7 @@
             </a:prstGeom>
             <a:noFill/>
             <a:extLst>
-              <a:ext uri="{909E8E84-426E-40dd-AFC4-6F175D3DCCD1}">
+              <a:ext uri="{909E8E84-426E-40DD-AFC4-6F175D3DCCD1}">
                 <a14:hiddenFill xmlns:a14="http://schemas.microsoft.com/office/drawing/2010/main">
                   <a:solidFill>
                     <a:srgbClr val="FFFFFF"/>
@@ -12216,7 +16312,7 @@
               <p:nvPr/>
             </p:nvPicPr>
             <p:blipFill>
-              <a:blip r:embed="rId5">
+              <a:blip r:embed="rId5" cstate="print">
                 <a:extLst>
                   <a:ext uri="{28A0092B-C50C-407E-A947-70E740481C1C}">
                     <a14:useLocalDpi xmlns:a14="http://schemas.microsoft.com/office/drawing/2010/main" val="0"/>
@@ -12246,7 +16342,7 @@
               <p:nvPr/>
             </p:nvPicPr>
             <p:blipFill>
-              <a:blip r:embed="rId6">
+              <a:blip r:embed="rId6" cstate="print">
                 <a:extLst>
                   <a:ext uri="{28A0092B-C50C-407E-A947-70E740481C1C}">
                     <a14:useLocalDpi xmlns:a14="http://schemas.microsoft.com/office/drawing/2010/main" val="0"/>
@@ -12271,14 +16367,14 @@
                 <a:noFill/>
               </a:ln>
               <a:extLst>
-                <a:ext uri="{909E8E84-426E-40dd-AFC4-6F175D3DCCD1}">
+                <a:ext uri="{909E8E84-426E-40DD-AFC4-6F175D3DCCD1}">
                   <a14:hiddenFill xmlns:a14="http://schemas.microsoft.com/office/drawing/2010/main">
                     <a:solidFill>
                       <a:schemeClr val="accent1"/>
                     </a:solidFill>
                   </a14:hiddenFill>
                 </a:ext>
-                <a:ext uri="{91240B29-F687-4f45-9708-019B960494DF}">
+                <a:ext uri="{91240B29-F687-4F45-9708-019B960494DF}">
                   <a14:hiddenLine xmlns:a14="http://schemas.microsoft.com/office/drawing/2010/main" w="9525">
                     <a:solidFill>
                       <a:schemeClr val="tx1"/>
@@ -12398,7 +16494,7 @@
 </p:sld>
 </file>
 
-<file path=ppt/slides/slide33.xml><?xml version="1.0" encoding="utf-8"?>
+<file path=ppt/slides/slide48.xml><?xml version="1.0" encoding="utf-8"?>
 <p:sld xmlns:a="http://schemas.openxmlformats.org/drawingml/2006/main" xmlns:r="http://schemas.openxmlformats.org/officeDocument/2006/relationships" xmlns:p="http://schemas.openxmlformats.org/presentationml/2006/main">
   <p:cSld>
     <p:spTree>
@@ -12458,14 +16554,14 @@
   <p:timing>
     <p:tnLst>
       <p:par>
-        <p:cTn xmlns:p14="http://schemas.microsoft.com/office/powerpoint/2010/main" id="1" dur="indefinite" restart="never" nodeType="tmRoot"/>
+        <p:cTn id="1" dur="indefinite" restart="never" nodeType="tmRoot"/>
       </p:par>
     </p:tnLst>
   </p:timing>
 </p:sld>
 </file>
 
-<file path=ppt/slides/slide34.xml><?xml version="1.0" encoding="utf-8"?>
+<file path=ppt/slides/slide49.xml><?xml version="1.0" encoding="utf-8"?>
 <p:sld xmlns:a="http://schemas.openxmlformats.org/drawingml/2006/main" xmlns:r="http://schemas.openxmlformats.org/officeDocument/2006/relationships" xmlns:p="http://schemas.openxmlformats.org/presentationml/2006/main">
   <p:cSld>
     <p:spTree>
@@ -12525,14 +16621,593 @@
   <p:timing>
     <p:tnLst>
       <p:par>
-        <p:cTn xmlns:p14="http://schemas.microsoft.com/office/powerpoint/2010/main" id="1" dur="indefinite" restart="never" nodeType="tmRoot"/>
+        <p:cTn id="1" dur="indefinite" restart="never" nodeType="tmRoot"/>
       </p:par>
     </p:tnLst>
   </p:timing>
 </p:sld>
 </file>
 
-<file path=ppt/slides/slide35.xml><?xml version="1.0" encoding="utf-8"?>
+<file path=ppt/slides/slide5.xml><?xml version="1.0" encoding="utf-8"?>
+<p:sld xmlns:a="http://schemas.openxmlformats.org/drawingml/2006/main" xmlns:r="http://schemas.openxmlformats.org/officeDocument/2006/relationships" xmlns:p="http://schemas.openxmlformats.org/presentationml/2006/main">
+  <p:cSld>
+    <p:spTree>
+      <p:nvGrpSpPr>
+        <p:cNvPr id="1" name=""/>
+        <p:cNvGrpSpPr/>
+        <p:nvPr/>
+      </p:nvGrpSpPr>
+      <p:grpSpPr>
+        <a:xfrm>
+          <a:off x="0" y="0"/>
+          <a:ext cx="0" cy="0"/>
+          <a:chOff x="0" y="0"/>
+          <a:chExt cx="0" cy="0"/>
+        </a:xfrm>
+      </p:grpSpPr>
+      <p:sp>
+        <p:nvSpPr>
+          <p:cNvPr id="2" name="Title 1"/>
+          <p:cNvSpPr>
+            <a:spLocks noGrp="1"/>
+          </p:cNvSpPr>
+          <p:nvPr>
+            <p:ph type="title"/>
+          </p:nvPr>
+        </p:nvSpPr>
+        <p:spPr/>
+        <p:txBody>
+          <a:bodyPr/>
+          <a:lstStyle/>
+          <a:p>
+            <a:r>
+              <a:rPr lang="en-US" dirty="0" smtClean="0"/>
+              <a:t>Kernel density estimation</a:t>
+            </a:r>
+            <a:endParaRPr lang="en-US" dirty="0"/>
+          </a:p>
+        </p:txBody>
+      </p:sp>
+      <p:sp>
+        <p:nvSpPr>
+          <p:cNvPr id="3" name="Content Placeholder 2"/>
+          <p:cNvSpPr>
+            <a:spLocks noGrp="1"/>
+          </p:cNvSpPr>
+          <p:nvPr>
+            <p:ph idx="1"/>
+          </p:nvPr>
+        </p:nvSpPr>
+        <p:spPr/>
+        <p:txBody>
+          <a:bodyPr>
+            <a:normAutofit fontScale="77500" lnSpcReduction="20000"/>
+          </a:bodyPr>
+          <a:lstStyle/>
+          <a:p>
+            <a:pPr marL="0" indent="0">
+              <a:buNone/>
+            </a:pPr>
+            <a:endParaRPr lang="en-US" dirty="0"/>
+          </a:p>
+          <a:p>
+            <a:r>
+              <a:rPr lang="en-US" dirty="0" smtClean="0"/>
+              <a:t>Getting </a:t>
+            </a:r>
+            <a:r>
+              <a:rPr lang="en-US" dirty="0"/>
+              <a:t>the estimated probability density function for unknown random </a:t>
+            </a:r>
+            <a:r>
+              <a:rPr lang="en-US" dirty="0" smtClean="0"/>
+              <a:t>variable</a:t>
+            </a:r>
+          </a:p>
+          <a:p>
+            <a:endParaRPr lang="en-US" dirty="0"/>
+          </a:p>
+          <a:p>
+            <a:endParaRPr lang="en-US" dirty="0" smtClean="0"/>
+          </a:p>
+          <a:p>
+            <a:r>
+              <a:rPr lang="en-US" dirty="0" smtClean="0"/>
+              <a:t>Where K(.) is the kernel normally</a:t>
+            </a:r>
+          </a:p>
+          <a:p>
+            <a:pPr lvl="1"/>
+            <a:r>
+              <a:rPr lang="en-US" dirty="0" smtClean="0"/>
+              <a:t>Uniform</a:t>
+            </a:r>
+          </a:p>
+          <a:p>
+            <a:pPr lvl="1"/>
+            <a:r>
+              <a:rPr lang="en-US" dirty="0" smtClean="0"/>
+              <a:t>Triangular</a:t>
+            </a:r>
+          </a:p>
+          <a:p>
+            <a:pPr lvl="1"/>
+            <a:r>
+              <a:rPr lang="en-US" dirty="0" smtClean="0"/>
+              <a:t>Normal</a:t>
+            </a:r>
+          </a:p>
+          <a:p>
+            <a:pPr lvl="1"/>
+            <a:r>
+              <a:rPr lang="en-US" dirty="0" smtClean="0"/>
+              <a:t>Etc.</a:t>
+            </a:r>
+          </a:p>
+          <a:p>
+            <a:r>
+              <a:rPr lang="en-US" dirty="0"/>
+              <a:t>Standard normal was used as the kernel</a:t>
+            </a:r>
+          </a:p>
+          <a:p>
+            <a:r>
+              <a:rPr lang="en-US" dirty="0" smtClean="0"/>
+              <a:t>Smoothing approach</a:t>
+            </a:r>
+            <a:endParaRPr lang="en-US" dirty="0"/>
+          </a:p>
+        </p:txBody>
+      </p:sp>
+      <mc:AlternateContent xmlns:mc="http://schemas.openxmlformats.org/markup-compatibility/2006" xmlns:a14="http://schemas.microsoft.com/office/drawing/2010/main">
+        <mc:Choice Requires="a14">
+          <p:sp>
+            <p:nvSpPr>
+              <p:cNvPr id="4" name="TextBox 3"/>
+              <p:cNvSpPr txBox="1"/>
+              <p:nvPr/>
+            </p:nvSpPr>
+            <p:spPr>
+              <a:xfrm>
+                <a:off x="1804219" y="2743200"/>
+                <a:ext cx="4529510" cy="506870"/>
+              </a:xfrm>
+              <a:prstGeom prst="rect">
+                <a:avLst/>
+              </a:prstGeom>
+              <a:noFill/>
+            </p:spPr>
+            <p:txBody>
+              <a:bodyPr wrap="none" rtlCol="0">
+                <a:spAutoFit/>
+              </a:bodyPr>
+              <a:lstStyle/>
+              <a:p>
+                <a14:m>
+                  <m:oMath xmlns:m="http://schemas.openxmlformats.org/officeDocument/2006/math">
+                    <m:acc>
+                      <m:accPr>
+                        <m:chr m:val="̂"/>
+                        <m:ctrlPr>
+                          <a:rPr lang="pt-BR" i="1" smtClean="0">
+                            <a:latin typeface="Cambria Math"/>
+                          </a:rPr>
+                        </m:ctrlPr>
+                      </m:accPr>
+                      <m:e>
+                        <m:sSub>
+                          <m:sSubPr>
+                            <m:ctrlPr>
+                              <a:rPr lang="en-US" b="0" i="1" smtClean="0">
+                                <a:latin typeface="Cambria Math"/>
+                              </a:rPr>
+                            </m:ctrlPr>
+                          </m:sSubPr>
+                          <m:e>
+                            <m:r>
+                              <a:rPr lang="en-US" b="0" i="1" smtClean="0">
+                                <a:latin typeface="Cambria Math"/>
+                              </a:rPr>
+                              <m:t>𝑓</m:t>
+                            </m:r>
+                          </m:e>
+                          <m:sub>
+                            <m:r>
+                              <a:rPr lang="en-US" b="0" i="1" smtClean="0">
+                                <a:latin typeface="Cambria Math"/>
+                              </a:rPr>
+                              <m:t>h</m:t>
+                            </m:r>
+                          </m:sub>
+                        </m:sSub>
+                      </m:e>
+                    </m:acc>
+                    <m:d>
+                      <m:dPr>
+                        <m:ctrlPr>
+                          <a:rPr lang="pt-BR" i="1" smtClean="0">
+                            <a:latin typeface="Cambria Math"/>
+                          </a:rPr>
+                        </m:ctrlPr>
+                      </m:dPr>
+                      <m:e>
+                        <m:r>
+                          <a:rPr lang="pt-BR" i="1" smtClean="0">
+                            <a:latin typeface="Cambria Math"/>
+                          </a:rPr>
+                          <m:t>𝑥</m:t>
+                        </m:r>
+                      </m:e>
+                    </m:d>
+                    <m:r>
+                      <a:rPr lang="pt-BR" i="1" smtClean="0">
+                        <a:latin typeface="Cambria Math"/>
+                      </a:rPr>
+                      <m:t>=</m:t>
+                    </m:r>
+                    <m:f>
+                      <m:fPr>
+                        <m:ctrlPr>
+                          <a:rPr lang="pt-BR" i="1" smtClean="0">
+                            <a:latin typeface="Cambria Math"/>
+                          </a:rPr>
+                        </m:ctrlPr>
+                      </m:fPr>
+                      <m:num>
+                        <m:r>
+                          <a:rPr lang="en-US" b="0" i="1" smtClean="0">
+                            <a:latin typeface="Cambria Math"/>
+                          </a:rPr>
+                          <m:t>1</m:t>
+                        </m:r>
+                      </m:num>
+                      <m:den>
+                        <m:r>
+                          <a:rPr lang="en-US" b="0" i="1" smtClean="0">
+                            <a:latin typeface="Cambria Math"/>
+                          </a:rPr>
+                          <m:t>𝑛</m:t>
+                        </m:r>
+                      </m:den>
+                    </m:f>
+                    <m:nary>
+                      <m:naryPr>
+                        <m:chr m:val="∑"/>
+                        <m:ctrlPr>
+                          <a:rPr lang="pt-BR" i="1" smtClean="0">
+                            <a:latin typeface="Cambria Math"/>
+                          </a:rPr>
+                        </m:ctrlPr>
+                      </m:naryPr>
+                      <m:sub>
+                        <m:r>
+                          <m:rPr>
+                            <m:brk m:alnAt="23"/>
+                          </m:rPr>
+                          <a:rPr lang="en-US" b="0" i="1" smtClean="0">
+                            <a:latin typeface="Cambria Math"/>
+                          </a:rPr>
+                          <m:t>𝑖</m:t>
+                        </m:r>
+                        <m:r>
+                          <a:rPr lang="pt-BR" i="1" smtClean="0">
+                            <a:latin typeface="Cambria Math"/>
+                          </a:rPr>
+                          <m:t>=1</m:t>
+                        </m:r>
+                      </m:sub>
+                      <m:sup>
+                        <m:r>
+                          <a:rPr lang="en-US" b="0" i="1" smtClean="0">
+                            <a:latin typeface="Cambria Math"/>
+                          </a:rPr>
+                          <m:t>𝑛</m:t>
+                        </m:r>
+                      </m:sup>
+                      <m:e>
+                        <m:sSub>
+                          <m:sSubPr>
+                            <m:ctrlPr>
+                              <a:rPr lang="pt-BR" i="1" smtClean="0">
+                                <a:latin typeface="Cambria Math"/>
+                              </a:rPr>
+                            </m:ctrlPr>
+                          </m:sSubPr>
+                          <m:e>
+                            <m:r>
+                              <a:rPr lang="en-US" b="0" i="1" smtClean="0">
+                                <a:latin typeface="Cambria Math"/>
+                              </a:rPr>
+                              <m:t>𝐾</m:t>
+                            </m:r>
+                          </m:e>
+                          <m:sub>
+                            <m:r>
+                              <a:rPr lang="en-US" b="0" i="1" smtClean="0">
+                                <a:latin typeface="Cambria Math"/>
+                              </a:rPr>
+                              <m:t>h</m:t>
+                            </m:r>
+                          </m:sub>
+                        </m:sSub>
+                        <m:d>
+                          <m:dPr>
+                            <m:ctrlPr>
+                              <a:rPr lang="pt-BR" i="1" smtClean="0">
+                                <a:latin typeface="Cambria Math"/>
+                              </a:rPr>
+                            </m:ctrlPr>
+                          </m:dPr>
+                          <m:e>
+                            <m:sSub>
+                              <m:sSubPr>
+                                <m:ctrlPr>
+                                  <a:rPr lang="pt-BR" i="1" smtClean="0">
+                                    <a:latin typeface="Cambria Math"/>
+                                  </a:rPr>
+                                </m:ctrlPr>
+                              </m:sSubPr>
+                              <m:e>
+                                <m:r>
+                                  <a:rPr lang="en-US" b="0" i="1" smtClean="0">
+                                    <a:latin typeface="Cambria Math"/>
+                                  </a:rPr>
+                                  <m:t>𝑥</m:t>
+                                </m:r>
+                                <m:r>
+                                  <a:rPr lang="en-US" b="0" i="1" smtClean="0">
+                                    <a:latin typeface="Cambria Math"/>
+                                  </a:rPr>
+                                  <m:t>−</m:t>
+                                </m:r>
+                                <m:r>
+                                  <a:rPr lang="en-US" b="0" i="1" smtClean="0">
+                                    <a:latin typeface="Cambria Math"/>
+                                  </a:rPr>
+                                  <m:t>𝑥</m:t>
+                                </m:r>
+                              </m:e>
+                              <m:sub>
+                                <m:r>
+                                  <a:rPr lang="en-US" b="0" i="1" smtClean="0">
+                                    <a:latin typeface="Cambria Math"/>
+                                  </a:rPr>
+                                  <m:t>𝑖</m:t>
+                                </m:r>
+                              </m:sub>
+                            </m:sSub>
+                          </m:e>
+                        </m:d>
+                      </m:e>
+                    </m:nary>
+                  </m:oMath>
+                </a14:m>
+                <a:r>
+                  <a:rPr lang="en-US" dirty="0" smtClean="0"/>
+                  <a:t>= </a:t>
+                </a:r>
+                <a14:m>
+                  <m:oMath xmlns:m="http://schemas.openxmlformats.org/officeDocument/2006/math">
+                    <m:f>
+                      <m:fPr>
+                        <m:ctrlPr>
+                          <a:rPr lang="pt-BR" i="1">
+                            <a:latin typeface="Cambria Math"/>
+                          </a:rPr>
+                        </m:ctrlPr>
+                      </m:fPr>
+                      <m:num>
+                        <m:r>
+                          <a:rPr lang="en-US" i="1">
+                            <a:latin typeface="Cambria Math"/>
+                          </a:rPr>
+                          <m:t>1</m:t>
+                        </m:r>
+                      </m:num>
+                      <m:den>
+                        <m:r>
+                          <a:rPr lang="en-US" i="1">
+                            <a:latin typeface="Cambria Math"/>
+                          </a:rPr>
+                          <m:t>𝑛</m:t>
+                        </m:r>
+                        <m:r>
+                          <a:rPr lang="en-US" b="0" i="1" smtClean="0">
+                            <a:latin typeface="Cambria Math"/>
+                          </a:rPr>
+                          <m:t>h</m:t>
+                        </m:r>
+                      </m:den>
+                    </m:f>
+                    <m:nary>
+                      <m:naryPr>
+                        <m:chr m:val="∑"/>
+                        <m:ctrlPr>
+                          <a:rPr lang="pt-BR" i="1">
+                            <a:latin typeface="Cambria Math"/>
+                          </a:rPr>
+                        </m:ctrlPr>
+                      </m:naryPr>
+                      <m:sub>
+                        <m:r>
+                          <m:rPr>
+                            <m:brk m:alnAt="23"/>
+                          </m:rPr>
+                          <a:rPr lang="en-US" i="1">
+                            <a:latin typeface="Cambria Math"/>
+                          </a:rPr>
+                          <m:t>𝑖</m:t>
+                        </m:r>
+                        <m:r>
+                          <a:rPr lang="pt-BR" i="1">
+                            <a:latin typeface="Cambria Math"/>
+                          </a:rPr>
+                          <m:t>=1</m:t>
+                        </m:r>
+                      </m:sub>
+                      <m:sup>
+                        <m:r>
+                          <a:rPr lang="en-US" i="1">
+                            <a:latin typeface="Cambria Math"/>
+                          </a:rPr>
+                          <m:t>𝑛</m:t>
+                        </m:r>
+                      </m:sup>
+                      <m:e>
+                        <m:sSub>
+                          <m:sSubPr>
+                            <m:ctrlPr>
+                              <a:rPr lang="pt-BR" i="1">
+                                <a:latin typeface="Cambria Math"/>
+                              </a:rPr>
+                            </m:ctrlPr>
+                          </m:sSubPr>
+                          <m:e>
+                            <m:r>
+                              <a:rPr lang="en-US" i="1">
+                                <a:latin typeface="Cambria Math"/>
+                              </a:rPr>
+                              <m:t>𝐾</m:t>
+                            </m:r>
+                          </m:e>
+                          <m:sub>
+                            <m:r>
+                              <a:rPr lang="en-US" i="1">
+                                <a:latin typeface="Cambria Math"/>
+                              </a:rPr>
+                              <m:t>h</m:t>
+                            </m:r>
+                          </m:sub>
+                        </m:sSub>
+                        <m:d>
+                          <m:dPr>
+                            <m:ctrlPr>
+                              <a:rPr lang="pt-BR" i="1">
+                                <a:latin typeface="Cambria Math"/>
+                              </a:rPr>
+                            </m:ctrlPr>
+                          </m:dPr>
+                          <m:e>
+                            <m:f>
+                              <m:fPr>
+                                <m:ctrlPr>
+                                  <a:rPr lang="pt-BR" i="1" smtClean="0">
+                                    <a:latin typeface="Cambria Math"/>
+                                  </a:rPr>
+                                </m:ctrlPr>
+                              </m:fPr>
+                              <m:num>
+                                <m:sSub>
+                                  <m:sSubPr>
+                                    <m:ctrlPr>
+                                      <a:rPr lang="pt-BR" i="1" smtClean="0">
+                                        <a:latin typeface="Cambria Math"/>
+                                      </a:rPr>
+                                    </m:ctrlPr>
+                                  </m:sSubPr>
+                                  <m:e>
+                                    <m:r>
+                                      <a:rPr lang="en-US" b="0" i="1" smtClean="0">
+                                        <a:latin typeface="Cambria Math"/>
+                                      </a:rPr>
+                                      <m:t>𝑥</m:t>
+                                    </m:r>
+                                    <m:r>
+                                      <a:rPr lang="en-US" b="0" i="1" smtClean="0">
+                                        <a:latin typeface="Cambria Math"/>
+                                      </a:rPr>
+                                      <m:t>−</m:t>
+                                    </m:r>
+                                    <m:r>
+                                      <a:rPr lang="en-US" b="0" i="1" smtClean="0">
+                                        <a:latin typeface="Cambria Math"/>
+                                      </a:rPr>
+                                      <m:t>𝑥</m:t>
+                                    </m:r>
+                                  </m:e>
+                                  <m:sub>
+                                    <m:r>
+                                      <a:rPr lang="en-US" b="0" i="1" smtClean="0">
+                                        <a:latin typeface="Cambria Math"/>
+                                      </a:rPr>
+                                      <m:t>𝑖</m:t>
+                                    </m:r>
+                                  </m:sub>
+                                </m:sSub>
+                              </m:num>
+                              <m:den>
+                                <m:r>
+                                  <a:rPr lang="en-US" b="0" i="1" smtClean="0">
+                                    <a:latin typeface="Cambria Math"/>
+                                  </a:rPr>
+                                  <m:t>h</m:t>
+                                </m:r>
+                              </m:den>
+                            </m:f>
+                          </m:e>
+                        </m:d>
+                      </m:e>
+                    </m:nary>
+                  </m:oMath>
+                </a14:m>
+                <a:endParaRPr lang="en-US" dirty="0"/>
+              </a:p>
+            </p:txBody>
+          </p:sp>
+        </mc:Choice>
+        <mc:Fallback xmlns="">
+          <p:sp>
+            <p:nvSpPr>
+              <p:cNvPr id="4" name="TextBox 3"/>
+              <p:cNvSpPr txBox="1">
+                <a:spLocks noRot="1" noChangeAspect="1" noMove="1" noResize="1" noEditPoints="1" noAdjustHandles="1" noChangeArrowheads="1" noChangeShapeType="1" noTextEdit="1"/>
+              </p:cNvSpPr>
+              <p:nvPr/>
+            </p:nvSpPr>
+            <p:spPr>
+              <a:xfrm>
+                <a:off x="1804219" y="2743200"/>
+                <a:ext cx="4529510" cy="506870"/>
+              </a:xfrm>
+              <a:prstGeom prst="rect">
+                <a:avLst/>
+              </a:prstGeom>
+              <a:blipFill rotWithShape="1">
+                <a:blip r:embed="rId2"/>
+                <a:stretch>
+                  <a:fillRect l="-404" t="-73494" b="-122892"/>
+                </a:stretch>
+              </a:blipFill>
+            </p:spPr>
+            <p:txBody>
+              <a:bodyPr/>
+              <a:lstStyle/>
+              <a:p>
+                <a:r>
+                  <a:rPr lang="en-US">
+                    <a:noFill/>
+                  </a:rPr>
+                  <a:t> </a:t>
+                </a:r>
+              </a:p>
+            </p:txBody>
+          </p:sp>
+        </mc:Fallback>
+      </mc:AlternateContent>
+    </p:spTree>
+    <p:extLst>
+      <p:ext uri="{BB962C8B-B14F-4D97-AF65-F5344CB8AC3E}">
+        <p14:creationId xmlns:p14="http://schemas.microsoft.com/office/powerpoint/2010/main" val="3634015092"/>
+      </p:ext>
+    </p:extLst>
+  </p:cSld>
+  <p:clrMapOvr>
+    <a:masterClrMapping/>
+  </p:clrMapOvr>
+</p:sld>
+</file>
+
+<file path=ppt/slides/slide50.xml><?xml version="1.0" encoding="utf-8"?>
 <p:sld xmlns:a="http://schemas.openxmlformats.org/drawingml/2006/main" xmlns:r="http://schemas.openxmlformats.org/officeDocument/2006/relationships" xmlns:p="http://schemas.openxmlformats.org/presentationml/2006/main">
   <p:cSld>
     <p:spTree>
@@ -12592,14 +17267,14 @@
   <p:timing>
     <p:tnLst>
       <p:par>
-        <p:cTn xmlns:p14="http://schemas.microsoft.com/office/powerpoint/2010/main" id="1" dur="indefinite" restart="never" nodeType="tmRoot"/>
+        <p:cTn id="1" dur="indefinite" restart="never" nodeType="tmRoot"/>
       </p:par>
     </p:tnLst>
   </p:timing>
 </p:sld>
 </file>
 
-<file path=ppt/slides/slide36.xml><?xml version="1.0" encoding="utf-8"?>
+<file path=ppt/slides/slide51.xml><?xml version="1.0" encoding="utf-8"?>
 <p:sld xmlns:a="http://schemas.openxmlformats.org/drawingml/2006/main" xmlns:r="http://schemas.openxmlformats.org/officeDocument/2006/relationships" xmlns:p="http://schemas.openxmlformats.org/presentationml/2006/main">
   <p:cSld>
     <p:spTree>
@@ -12739,14 +17414,14 @@
             <a:noFill/>
           </a:ln>
           <a:extLst>
-            <a:ext uri="{909E8E84-426E-40dd-AFC4-6F175D3DCCD1}">
+            <a:ext uri="{909E8E84-426E-40DD-AFC4-6F175D3DCCD1}">
               <a14:hiddenFill xmlns:a14="http://schemas.microsoft.com/office/drawing/2010/main">
                 <a:solidFill>
                   <a:schemeClr val="accent1"/>
                 </a:solidFill>
               </a14:hiddenFill>
             </a:ext>
-            <a:ext uri="{91240B29-F687-4f45-9708-019B960494DF}">
+            <a:ext uri="{91240B29-F687-4F45-9708-019B960494DF}">
               <a14:hiddenLine xmlns:a14="http://schemas.microsoft.com/office/drawing/2010/main" w="9525">
                 <a:solidFill>
                   <a:schemeClr val="tx1"/>
@@ -12772,7 +17447,7 @@
   <p:timing>
     <p:tnLst>
       <p:par>
-        <p:cTn xmlns:p14="http://schemas.microsoft.com/office/powerpoint/2010/main" id="1" dur="indefinite" restart="never" nodeType="tmRoot">
+        <p:cTn id="1" dur="indefinite" restart="never" nodeType="tmRoot">
           <p:childTnLst>
             <p:seq concurrent="1" nextAc="seek">
               <p:cTn id="2" dur="indefinite" nodeType="mainSeq">
@@ -13108,7 +17783,7 @@
 </p:sld>
 </file>
 
-<file path=ppt/slides/slide37.xml><?xml version="1.0" encoding="utf-8"?>
+<file path=ppt/slides/slide52.xml><?xml version="1.0" encoding="utf-8"?>
 <p:sld xmlns:a="http://schemas.openxmlformats.org/drawingml/2006/main" xmlns:r="http://schemas.openxmlformats.org/officeDocument/2006/relationships" xmlns:p="http://schemas.openxmlformats.org/presentationml/2006/main">
   <p:cSld>
     <p:spTree>
@@ -13202,14 +17877,14 @@
   <p:timing>
     <p:tnLst>
       <p:par>
-        <p:cTn xmlns:p14="http://schemas.microsoft.com/office/powerpoint/2010/main" id="1" dur="indefinite" restart="never" nodeType="tmRoot"/>
+        <p:cTn id="1" dur="indefinite" restart="never" nodeType="tmRoot"/>
       </p:par>
     </p:tnLst>
   </p:timing>
 </p:sld>
 </file>
 
-<file path=ppt/slides/slide38.xml><?xml version="1.0" encoding="utf-8"?>
+<file path=ppt/slides/slide53.xml><?xml version="1.0" encoding="utf-8"?>
 <p:sld xmlns:a="http://schemas.openxmlformats.org/drawingml/2006/main" xmlns:r="http://schemas.openxmlformats.org/officeDocument/2006/relationships" xmlns:p="http://schemas.openxmlformats.org/presentationml/2006/main">
   <p:cSld>
     <p:spTree>
@@ -13269,14 +17944,14 @@
   <p:timing>
     <p:tnLst>
       <p:par>
-        <p:cTn xmlns:p14="http://schemas.microsoft.com/office/powerpoint/2010/main" id="1" dur="indefinite" restart="never" nodeType="tmRoot"/>
+        <p:cTn id="1" dur="indefinite" restart="never" nodeType="tmRoot"/>
       </p:par>
     </p:tnLst>
   </p:timing>
 </p:sld>
 </file>
 
-<file path=ppt/slides/slide39.xml><?xml version="1.0" encoding="utf-8"?>
+<file path=ppt/slides/slide54.xml><?xml version="1.0" encoding="utf-8"?>
 <p:sld xmlns:a="http://schemas.openxmlformats.org/drawingml/2006/main" xmlns:r="http://schemas.openxmlformats.org/officeDocument/2006/relationships" xmlns:p="http://schemas.openxmlformats.org/presentationml/2006/main">
   <p:cSld>
     <p:spTree>
@@ -13336,273 +18011,14 @@
   <p:timing>
     <p:tnLst>
       <p:par>
-        <p:cTn xmlns:p14="http://schemas.microsoft.com/office/powerpoint/2010/main" id="1" dur="indefinite" restart="never" nodeType="tmRoot"/>
+        <p:cTn id="1" dur="indefinite" restart="never" nodeType="tmRoot"/>
       </p:par>
     </p:tnLst>
   </p:timing>
 </p:sld>
 </file>
 
-<file path=ppt/slides/slide4.xml><?xml version="1.0" encoding="utf-8"?>
-<p:sld xmlns:a="http://schemas.openxmlformats.org/drawingml/2006/main" xmlns:r="http://schemas.openxmlformats.org/officeDocument/2006/relationships" xmlns:p="http://schemas.openxmlformats.org/presentationml/2006/main">
-  <p:cSld>
-    <p:spTree>
-      <p:nvGrpSpPr>
-        <p:cNvPr id="1" name=""/>
-        <p:cNvGrpSpPr/>
-        <p:nvPr/>
-      </p:nvGrpSpPr>
-      <p:grpSpPr>
-        <a:xfrm>
-          <a:off x="0" y="0"/>
-          <a:ext cx="0" cy="0"/>
-          <a:chOff x="0" y="0"/>
-          <a:chExt cx="0" cy="0"/>
-        </a:xfrm>
-      </p:grpSpPr>
-      <p:pic>
-        <p:nvPicPr>
-          <p:cNvPr id="1026" name="Picture 2"/>
-          <p:cNvPicPr>
-            <a:picLocks noChangeAspect="1" noChangeArrowheads="1"/>
-          </p:cNvPicPr>
-          <p:nvPr/>
-        </p:nvPicPr>
-        <p:blipFill>
-          <a:blip r:embed="rId3">
-            <a:extLst>
-              <a:ext uri="{28A0092B-C50C-407E-A947-70E740481C1C}">
-                <a14:useLocalDpi xmlns:a14="http://schemas.microsoft.com/office/drawing/2010/main" val="0"/>
-              </a:ext>
-            </a:extLst>
-          </a:blip>
-          <a:srcRect/>
-          <a:stretch>
-            <a:fillRect/>
-          </a:stretch>
-        </p:blipFill>
-        <p:spPr bwMode="auto">
-          <a:xfrm>
-            <a:off x="542259" y="188017"/>
-            <a:ext cx="3561908" cy="2907938"/>
-          </a:xfrm>
-          <a:prstGeom prst="rect">
-            <a:avLst/>
-          </a:prstGeom>
-          <a:noFill/>
-          <a:ln>
-            <a:noFill/>
-          </a:ln>
-          <a:extLst>
-            <a:ext uri="{909E8E84-426E-40dd-AFC4-6F175D3DCCD1}">
-              <a14:hiddenFill xmlns:a14="http://schemas.microsoft.com/office/drawing/2010/main">
-                <a:solidFill>
-                  <a:schemeClr val="accent1"/>
-                </a:solidFill>
-              </a14:hiddenFill>
-            </a:ext>
-            <a:ext uri="{91240B29-F687-4f45-9708-019B960494DF}">
-              <a14:hiddenLine xmlns:a14="http://schemas.microsoft.com/office/drawing/2010/main" w="9525">
-                <a:solidFill>
-                  <a:schemeClr val="tx1"/>
-                </a:solidFill>
-                <a:miter lim="800000"/>
-                <a:headEnd/>
-                <a:tailEnd/>
-              </a14:hiddenLine>
-            </a:ext>
-          </a:extLst>
-        </p:spPr>
-      </p:pic>
-      <p:pic>
-        <p:nvPicPr>
-          <p:cNvPr id="7" name="Picture 2"/>
-          <p:cNvPicPr>
-            <a:picLocks noChangeAspect="1" noChangeArrowheads="1"/>
-          </p:cNvPicPr>
-          <p:nvPr/>
-        </p:nvPicPr>
-        <p:blipFill>
-          <a:blip r:embed="rId4">
-            <a:extLst>
-              <a:ext uri="{28A0092B-C50C-407E-A947-70E740481C1C}">
-                <a14:useLocalDpi xmlns:a14="http://schemas.microsoft.com/office/drawing/2010/main" val="0"/>
-              </a:ext>
-            </a:extLst>
-          </a:blip>
-          <a:srcRect/>
-          <a:stretch>
-            <a:fillRect/>
-          </a:stretch>
-        </p:blipFill>
-        <p:spPr bwMode="auto">
-          <a:xfrm>
-            <a:off x="247992" y="3514039"/>
-            <a:ext cx="3848926" cy="2939924"/>
-          </a:xfrm>
-          <a:prstGeom prst="rect">
-            <a:avLst/>
-          </a:prstGeom>
-          <a:noFill/>
-          <a:ln>
-            <a:noFill/>
-          </a:ln>
-          <a:extLst>
-            <a:ext uri="{909E8E84-426E-40dd-AFC4-6F175D3DCCD1}">
-              <a14:hiddenFill xmlns:a14="http://schemas.microsoft.com/office/drawing/2010/main">
-                <a:solidFill>
-                  <a:schemeClr val="accent1"/>
-                </a:solidFill>
-              </a14:hiddenFill>
-            </a:ext>
-            <a:ext uri="{91240B29-F687-4f45-9708-019B960494DF}">
-              <a14:hiddenLine xmlns:a14="http://schemas.microsoft.com/office/drawing/2010/main" w="9525">
-                <a:solidFill>
-                  <a:schemeClr val="tx1"/>
-                </a:solidFill>
-                <a:miter lim="800000"/>
-                <a:headEnd/>
-                <a:tailEnd/>
-              </a14:hiddenLine>
-            </a:ext>
-          </a:extLst>
-        </p:spPr>
-      </p:pic>
-      <p:pic>
-        <p:nvPicPr>
-          <p:cNvPr id="8" name="Picture 3"/>
-          <p:cNvPicPr>
-            <a:picLocks noChangeAspect="1" noChangeArrowheads="1"/>
-          </p:cNvPicPr>
-          <p:nvPr/>
-        </p:nvPicPr>
-        <p:blipFill>
-          <a:blip r:embed="rId5">
-            <a:extLst>
-              <a:ext uri="{28A0092B-C50C-407E-A947-70E740481C1C}">
-                <a14:useLocalDpi xmlns:a14="http://schemas.microsoft.com/office/drawing/2010/main" val="0"/>
-              </a:ext>
-            </a:extLst>
-          </a:blip>
-          <a:srcRect/>
-          <a:stretch>
-            <a:fillRect/>
-          </a:stretch>
-        </p:blipFill>
-        <p:spPr bwMode="auto">
-          <a:xfrm>
-            <a:off x="4688955" y="92320"/>
-            <a:ext cx="4013604" cy="3165062"/>
-          </a:xfrm>
-          <a:prstGeom prst="rect">
-            <a:avLst/>
-          </a:prstGeom>
-          <a:noFill/>
-          <a:ln>
-            <a:noFill/>
-          </a:ln>
-          <a:extLst>
-            <a:ext uri="{909E8E84-426E-40dd-AFC4-6F175D3DCCD1}">
-              <a14:hiddenFill xmlns:a14="http://schemas.microsoft.com/office/drawing/2010/main">
-                <a:solidFill>
-                  <a:schemeClr val="accent1"/>
-                </a:solidFill>
-              </a14:hiddenFill>
-            </a:ext>
-            <a:ext uri="{91240B29-F687-4f45-9708-019B960494DF}">
-              <a14:hiddenLine xmlns:a14="http://schemas.microsoft.com/office/drawing/2010/main" w="9525">
-                <a:solidFill>
-                  <a:schemeClr val="tx1"/>
-                </a:solidFill>
-                <a:miter lim="800000"/>
-                <a:headEnd/>
-                <a:tailEnd/>
-              </a14:hiddenLine>
-            </a:ext>
-          </a:extLst>
-        </p:spPr>
-      </p:pic>
-      <p:pic>
-        <p:nvPicPr>
-          <p:cNvPr id="9" name="Picture 8"/>
-          <p:cNvPicPr>
-            <a:picLocks noChangeAspect="1"/>
-          </p:cNvPicPr>
-          <p:nvPr/>
-        </p:nvPicPr>
-        <p:blipFill>
-          <a:blip r:embed="rId6">
-            <a:extLst>
-              <a:ext uri="{28A0092B-C50C-407E-A947-70E740481C1C}">
-                <a14:useLocalDpi xmlns:a14="http://schemas.microsoft.com/office/drawing/2010/main" val="0"/>
-              </a:ext>
-            </a:extLst>
-          </a:blip>
-          <a:stretch>
-            <a:fillRect/>
-          </a:stretch>
-        </p:blipFill>
-        <p:spPr>
-          <a:xfrm>
-            <a:off x="5007925" y="3205843"/>
-            <a:ext cx="3657600" cy="3652157"/>
-          </a:xfrm>
-          <a:prstGeom prst="rect">
-            <a:avLst/>
-          </a:prstGeom>
-        </p:spPr>
-      </p:pic>
-      <p:sp>
-        <p:nvSpPr>
-          <p:cNvPr id="2" name="TextBox 1"/>
-          <p:cNvSpPr txBox="1"/>
-          <p:nvPr/>
-        </p:nvSpPr>
-        <p:spPr>
-          <a:xfrm>
-            <a:off x="3352800" y="3886200"/>
-            <a:ext cx="1442635" cy="369332"/>
-          </a:xfrm>
-          <a:prstGeom prst="rect">
-            <a:avLst/>
-          </a:prstGeom>
-          <a:noFill/>
-        </p:spPr>
-        <p:txBody>
-          <a:bodyPr wrap="none" rtlCol="0">
-            <a:spAutoFit/>
-          </a:bodyPr>
-          <a:lstStyle/>
-          <a:p>
-            <a:r>
-              <a:rPr lang="en-US" dirty="0" smtClean="0"/>
-              <a:t>Need fix here</a:t>
-            </a:r>
-            <a:endParaRPr lang="en-US" dirty="0"/>
-          </a:p>
-        </p:txBody>
-      </p:sp>
-    </p:spTree>
-    <p:extLst>
-      <p:ext uri="{BB962C8B-B14F-4D97-AF65-F5344CB8AC3E}">
-        <p14:creationId xmlns:p14="http://schemas.microsoft.com/office/powerpoint/2010/main" val="1566594564"/>
-      </p:ext>
-    </p:extLst>
-  </p:cSld>
-  <p:clrMapOvr>
-    <a:masterClrMapping/>
-  </p:clrMapOvr>
-  <p:timing>
-    <p:tnLst>
-      <p:par>
-        <p:cTn xmlns:p14="http://schemas.microsoft.com/office/powerpoint/2010/main" id="1" dur="indefinite" restart="never" nodeType="tmRoot"/>
-      </p:par>
-    </p:tnLst>
-  </p:timing>
-</p:sld>
-</file>
-
-<file path=ppt/slides/slide40.xml><?xml version="1.0" encoding="utf-8"?>
+<file path=ppt/slides/slide55.xml><?xml version="1.0" encoding="utf-8"?>
 <p:sld xmlns:a="http://schemas.openxmlformats.org/drawingml/2006/main" xmlns:r="http://schemas.openxmlformats.org/officeDocument/2006/relationships" xmlns:p="http://schemas.openxmlformats.org/presentationml/2006/main">
   <p:cSld>
     <p:spTree>
@@ -13662,14 +18078,14 @@
   <p:timing>
     <p:tnLst>
       <p:par>
-        <p:cTn xmlns:p14="http://schemas.microsoft.com/office/powerpoint/2010/main" id="1" dur="indefinite" restart="never" nodeType="tmRoot"/>
+        <p:cTn id="1" dur="indefinite" restart="never" nodeType="tmRoot"/>
       </p:par>
     </p:tnLst>
   </p:timing>
 </p:sld>
 </file>
 
-<file path=ppt/slides/slide41.xml><?xml version="1.0" encoding="utf-8"?>
+<file path=ppt/slides/slide56.xml><?xml version="1.0" encoding="utf-8"?>
 <p:sld xmlns:a="http://schemas.openxmlformats.org/drawingml/2006/main" xmlns:r="http://schemas.openxmlformats.org/officeDocument/2006/relationships" xmlns:p="http://schemas.openxmlformats.org/presentationml/2006/main">
   <p:cSld>
     <p:spTree>
@@ -13797,14 +18213,14 @@
               <a:noFill/>
             </a:ln>
             <a:extLst>
-              <a:ext uri="{909E8E84-426E-40dd-AFC4-6F175D3DCCD1}">
+              <a:ext uri="{909E8E84-426E-40DD-AFC4-6F175D3DCCD1}">
                 <a14:hiddenFill xmlns:a14="http://schemas.microsoft.com/office/drawing/2010/main">
                   <a:solidFill>
                     <a:schemeClr val="accent1"/>
                   </a:solidFill>
                 </a14:hiddenFill>
               </a:ext>
-              <a:ext uri="{91240B29-F687-4f45-9708-019B960494DF}">
+              <a:ext uri="{91240B29-F687-4F45-9708-019B960494DF}">
                 <a14:hiddenLine xmlns:a14="http://schemas.microsoft.com/office/drawing/2010/main" w="9525">
                   <a:solidFill>
                     <a:schemeClr val="tx1"/>
@@ -13831,14 +18247,14 @@
   <p:timing>
     <p:tnLst>
       <p:par>
-        <p:cTn xmlns:p14="http://schemas.microsoft.com/office/powerpoint/2010/main" id="1" dur="indefinite" restart="never" nodeType="tmRoot"/>
+        <p:cTn id="1" dur="indefinite" restart="never" nodeType="tmRoot"/>
       </p:par>
     </p:tnLst>
   </p:timing>
 </p:sld>
 </file>
 
-<file path=ppt/slides/slide42.xml><?xml version="1.0" encoding="utf-8"?>
+<file path=ppt/slides/slide57.xml><?xml version="1.0" encoding="utf-8"?>
 <p:sld xmlns:a="http://schemas.openxmlformats.org/drawingml/2006/main" xmlns:r="http://schemas.openxmlformats.org/officeDocument/2006/relationships" xmlns:p="http://schemas.openxmlformats.org/presentationml/2006/main">
   <p:cSld>
     <p:spTree>
@@ -14296,7 +18712,7 @@
   <p:timing>
     <p:tnLst>
       <p:par>
-        <p:cTn xmlns:p14="http://schemas.microsoft.com/office/powerpoint/2010/main" id="1" dur="indefinite" restart="never" nodeType="tmRoot">
+        <p:cTn id="1" dur="indefinite" restart="never" nodeType="tmRoot">
           <p:childTnLst>
             <p:seq concurrent="1" nextAc="seek">
               <p:cTn id="2" dur="indefinite" nodeType="mainSeq">
@@ -14506,7 +18922,7 @@
 </p:sld>
 </file>
 
-<file path=ppt/slides/slide43.xml><?xml version="1.0" encoding="utf-8"?>
+<file path=ppt/slides/slide58.xml><?xml version="1.0" encoding="utf-8"?>
 <p:sld xmlns:a="http://schemas.openxmlformats.org/drawingml/2006/main" xmlns:r="http://schemas.openxmlformats.org/officeDocument/2006/relationships" xmlns:p="http://schemas.openxmlformats.org/presentationml/2006/main">
   <p:cSld>
     <p:spTree>
@@ -14587,14 +19003,14 @@
             <a:noFill/>
           </a:ln>
           <a:extLst>
-            <a:ext uri="{909E8E84-426E-40dd-AFC4-6F175D3DCCD1}">
+            <a:ext uri="{909E8E84-426E-40DD-AFC4-6F175D3DCCD1}">
               <a14:hiddenFill xmlns:a14="http://schemas.microsoft.com/office/drawing/2010/main">
                 <a:solidFill>
                   <a:schemeClr val="accent1"/>
                 </a:solidFill>
               </a14:hiddenFill>
             </a:ext>
-            <a:ext uri="{91240B29-F687-4f45-9708-019B960494DF}">
+            <a:ext uri="{91240B29-F687-4F45-9708-019B960494DF}">
               <a14:hiddenLine xmlns:a14="http://schemas.microsoft.com/office/drawing/2010/main" w="9525">
                 <a:solidFill>
                   <a:schemeClr val="tx1"/>
@@ -14620,14 +19036,14 @@
   <p:timing>
     <p:tnLst>
       <p:par>
-        <p:cTn xmlns:p14="http://schemas.microsoft.com/office/powerpoint/2010/main" id="1" dur="indefinite" restart="never" nodeType="tmRoot"/>
+        <p:cTn id="1" dur="indefinite" restart="never" nodeType="tmRoot"/>
       </p:par>
     </p:tnLst>
   </p:timing>
 </p:sld>
 </file>
 
-<file path=ppt/slides/slide44.xml><?xml version="1.0" encoding="utf-8"?>
+<file path=ppt/slides/slide59.xml><?xml version="1.0" encoding="utf-8"?>
 <p:sld xmlns:a="http://schemas.openxmlformats.org/drawingml/2006/main" xmlns:r="http://schemas.openxmlformats.org/officeDocument/2006/relationships" xmlns:p="http://schemas.openxmlformats.org/presentationml/2006/main">
   <p:cSld>
     <p:spTree>
@@ -14730,14 +19146,215 @@
   <p:timing>
     <p:tnLst>
       <p:par>
-        <p:cTn xmlns:p14="http://schemas.microsoft.com/office/powerpoint/2010/main" id="1" dur="indefinite" restart="never" nodeType="tmRoot"/>
+        <p:cTn id="1" dur="indefinite" restart="never" nodeType="tmRoot"/>
       </p:par>
     </p:tnLst>
   </p:timing>
 </p:sld>
 </file>
 
-<file path=ppt/slides/slide45.xml><?xml version="1.0" encoding="utf-8"?>
+<file path=ppt/slides/slide6.xml><?xml version="1.0" encoding="utf-8"?>
+<p:sld xmlns:a="http://schemas.openxmlformats.org/drawingml/2006/main" xmlns:r="http://schemas.openxmlformats.org/officeDocument/2006/relationships" xmlns:p="http://schemas.openxmlformats.org/presentationml/2006/main">
+  <p:cSld>
+    <p:spTree>
+      <p:nvGrpSpPr>
+        <p:cNvPr id="1" name=""/>
+        <p:cNvGrpSpPr/>
+        <p:nvPr/>
+      </p:nvGrpSpPr>
+      <p:grpSpPr>
+        <a:xfrm>
+          <a:off x="0" y="0"/>
+          <a:ext cx="0" cy="0"/>
+          <a:chOff x="0" y="0"/>
+          <a:chExt cx="0" cy="0"/>
+        </a:xfrm>
+      </p:grpSpPr>
+      <p:pic>
+        <p:nvPicPr>
+          <p:cNvPr id="1026" name="Picture 2" descr="X:\myGit\mixturemodel\workingDir\sample_128110.jpeg"/>
+          <p:cNvPicPr>
+            <a:picLocks noChangeAspect="1" noChangeArrowheads="1"/>
+          </p:cNvPicPr>
+          <p:nvPr/>
+        </p:nvPicPr>
+        <p:blipFill>
+          <a:blip r:embed="rId2">
+            <a:extLst>
+              <a:ext uri="{28A0092B-C50C-407E-A947-70E740481C1C}">
+                <a14:useLocalDpi xmlns:a14="http://schemas.microsoft.com/office/drawing/2010/main" val="0"/>
+              </a:ext>
+            </a:extLst>
+          </a:blip>
+          <a:srcRect/>
+          <a:stretch>
+            <a:fillRect/>
+          </a:stretch>
+        </p:blipFill>
+        <p:spPr bwMode="auto">
+          <a:xfrm>
+            <a:off x="516082" y="6926"/>
+            <a:ext cx="3352801" cy="3352801"/>
+          </a:xfrm>
+          <a:prstGeom prst="rect">
+            <a:avLst/>
+          </a:prstGeom>
+          <a:noFill/>
+          <a:extLst>
+            <a:ext uri="{909E8E84-426E-40DD-AFC4-6F175D3DCCD1}">
+              <a14:hiddenFill xmlns:a14="http://schemas.microsoft.com/office/drawing/2010/main">
+                <a:solidFill>
+                  <a:srgbClr val="FFFFFF"/>
+                </a:solidFill>
+              </a14:hiddenFill>
+            </a:ext>
+          </a:extLst>
+        </p:spPr>
+      </p:pic>
+      <p:pic>
+        <p:nvPicPr>
+          <p:cNvPr id="1027" name="Picture 3" descr="X:\myGit\mixturemodel\workingDir\sample_128120.jpeg"/>
+          <p:cNvPicPr>
+            <a:picLocks noChangeAspect="1" noChangeArrowheads="1"/>
+          </p:cNvPicPr>
+          <p:nvPr/>
+        </p:nvPicPr>
+        <p:blipFill>
+          <a:blip r:embed="rId3">
+            <a:extLst>
+              <a:ext uri="{28A0092B-C50C-407E-A947-70E740481C1C}">
+                <a14:useLocalDpi xmlns:a14="http://schemas.microsoft.com/office/drawing/2010/main" val="0"/>
+              </a:ext>
+            </a:extLst>
+          </a:blip>
+          <a:srcRect/>
+          <a:stretch>
+            <a:fillRect/>
+          </a:stretch>
+        </p:blipFill>
+        <p:spPr bwMode="auto">
+          <a:xfrm>
+            <a:off x="4946072" y="48488"/>
+            <a:ext cx="3449638" cy="3449638"/>
+          </a:xfrm>
+          <a:prstGeom prst="rect">
+            <a:avLst/>
+          </a:prstGeom>
+          <a:noFill/>
+          <a:extLst>
+            <a:ext uri="{909E8E84-426E-40DD-AFC4-6F175D3DCCD1}">
+              <a14:hiddenFill xmlns:a14="http://schemas.microsoft.com/office/drawing/2010/main">
+                <a:solidFill>
+                  <a:srgbClr val="FFFFFF"/>
+                </a:solidFill>
+              </a14:hiddenFill>
+            </a:ext>
+          </a:extLst>
+        </p:spPr>
+      </p:pic>
+      <p:pic>
+        <p:nvPicPr>
+          <p:cNvPr id="1028" name="Picture 4" descr="X:\myGit\mixturemodel\workingDir\sample_128124.jpeg"/>
+          <p:cNvPicPr>
+            <a:picLocks noChangeAspect="1" noChangeArrowheads="1"/>
+          </p:cNvPicPr>
+          <p:nvPr/>
+        </p:nvPicPr>
+        <p:blipFill>
+          <a:blip r:embed="rId4">
+            <a:extLst>
+              <a:ext uri="{28A0092B-C50C-407E-A947-70E740481C1C}">
+                <a14:useLocalDpi xmlns:a14="http://schemas.microsoft.com/office/drawing/2010/main" val="0"/>
+              </a:ext>
+            </a:extLst>
+          </a:blip>
+          <a:srcRect/>
+          <a:stretch>
+            <a:fillRect/>
+          </a:stretch>
+        </p:blipFill>
+        <p:spPr bwMode="auto">
+          <a:xfrm>
+            <a:off x="474518" y="3352800"/>
+            <a:ext cx="3429000" cy="3429000"/>
+          </a:xfrm>
+          <a:prstGeom prst="rect">
+            <a:avLst/>
+          </a:prstGeom>
+          <a:noFill/>
+          <a:extLst>
+            <a:ext uri="{909E8E84-426E-40DD-AFC4-6F175D3DCCD1}">
+              <a14:hiddenFill xmlns:a14="http://schemas.microsoft.com/office/drawing/2010/main">
+                <a:solidFill>
+                  <a:srgbClr val="FFFFFF"/>
+                </a:solidFill>
+              </a14:hiddenFill>
+            </a:ext>
+          </a:extLst>
+        </p:spPr>
+      </p:pic>
+      <p:pic>
+        <p:nvPicPr>
+          <p:cNvPr id="1029" name="Picture 5" descr="X:\myGit\mixturemodel\workingDir\sample_128141.jpeg"/>
+          <p:cNvPicPr>
+            <a:picLocks noChangeAspect="1" noChangeArrowheads="1"/>
+          </p:cNvPicPr>
+          <p:nvPr/>
+        </p:nvPicPr>
+        <p:blipFill>
+          <a:blip r:embed="rId5">
+            <a:extLst>
+              <a:ext uri="{28A0092B-C50C-407E-A947-70E740481C1C}">
+                <a14:useLocalDpi xmlns:a14="http://schemas.microsoft.com/office/drawing/2010/main" val="0"/>
+              </a:ext>
+            </a:extLst>
+          </a:blip>
+          <a:srcRect/>
+          <a:stretch>
+            <a:fillRect/>
+          </a:stretch>
+        </p:blipFill>
+        <p:spPr bwMode="auto">
+          <a:xfrm>
+            <a:off x="4987636" y="3470780"/>
+            <a:ext cx="3390902" cy="3390902"/>
+          </a:xfrm>
+          <a:prstGeom prst="rect">
+            <a:avLst/>
+          </a:prstGeom>
+          <a:noFill/>
+          <a:extLst>
+            <a:ext uri="{909E8E84-426E-40DD-AFC4-6F175D3DCCD1}">
+              <a14:hiddenFill xmlns:a14="http://schemas.microsoft.com/office/drawing/2010/main">
+                <a:solidFill>
+                  <a:srgbClr val="FFFFFF"/>
+                </a:solidFill>
+              </a14:hiddenFill>
+            </a:ext>
+          </a:extLst>
+        </p:spPr>
+      </p:pic>
+    </p:spTree>
+    <p:extLst>
+      <p:ext uri="{BB962C8B-B14F-4D97-AF65-F5344CB8AC3E}">
+        <p14:creationId xmlns:p14="http://schemas.microsoft.com/office/powerpoint/2010/main" val="3928901197"/>
+      </p:ext>
+    </p:extLst>
+  </p:cSld>
+  <p:clrMapOvr>
+    <a:masterClrMapping/>
+  </p:clrMapOvr>
+  <p:timing>
+    <p:tnLst>
+      <p:par>
+        <p:cTn id="1" dur="indefinite" restart="never" nodeType="tmRoot"/>
+      </p:par>
+    </p:tnLst>
+  </p:timing>
+</p:sld>
+</file>
+
+<file path=ppt/slides/slide60.xml><?xml version="1.0" encoding="utf-8"?>
 <p:sld xmlns:a="http://schemas.openxmlformats.org/drawingml/2006/main" xmlns:r="http://schemas.openxmlformats.org/officeDocument/2006/relationships" xmlns:p="http://schemas.openxmlformats.org/presentationml/2006/main">
   <p:cSld>
     <p:spTree>
@@ -14908,7 +19525,7 @@
   <p:timing>
     <p:tnLst>
       <p:par>
-        <p:cTn xmlns:p14="http://schemas.microsoft.com/office/powerpoint/2010/main" id="1" dur="indefinite" restart="never" nodeType="tmRoot">
+        <p:cTn id="1" dur="indefinite" restart="never" nodeType="tmRoot">
           <p:childTnLst>
             <p:seq concurrent="1" nextAc="seek">
               <p:cTn id="2" dur="indefinite" nodeType="mainSeq">
@@ -14983,7 +19600,7 @@
 </p:sld>
 </file>
 
-<file path=ppt/slides/slide46.xml><?xml version="1.0" encoding="utf-8"?>
+<file path=ppt/slides/slide61.xml><?xml version="1.0" encoding="utf-8"?>
 <p:sld xmlns:a="http://schemas.openxmlformats.org/drawingml/2006/main" xmlns:r="http://schemas.openxmlformats.org/officeDocument/2006/relationships" xmlns:p="http://schemas.openxmlformats.org/presentationml/2006/main">
   <p:cSld>
     <p:spTree>
@@ -15277,7 +19894,7 @@
   <p:timing>
     <p:tnLst>
       <p:par>
-        <p:cTn xmlns:p14="http://schemas.microsoft.com/office/powerpoint/2010/main" id="1" dur="indefinite" restart="never" nodeType="tmRoot">
+        <p:cTn id="1" dur="indefinite" restart="never" nodeType="tmRoot">
           <p:childTnLst>
             <p:seq concurrent="1" nextAc="seek">
               <p:cTn id="2" dur="indefinite" nodeType="mainSeq">
@@ -15397,7 +20014,7 @@
 </p:sld>
 </file>
 
-<file path=ppt/slides/slide47.xml><?xml version="1.0" encoding="utf-8"?>
+<file path=ppt/slides/slide62.xml><?xml version="1.0" encoding="utf-8"?>
 <p:sld xmlns:a="http://schemas.openxmlformats.org/drawingml/2006/main" xmlns:r="http://schemas.openxmlformats.org/officeDocument/2006/relationships" xmlns:p="http://schemas.openxmlformats.org/presentationml/2006/main">
   <p:cSld>
     <p:spTree>
@@ -15492,14 +20109,14 @@
               <a:noFill/>
             </a:ln>
             <a:extLst>
-              <a:ext uri="{909E8E84-426E-40dd-AFC4-6F175D3DCCD1}">
+              <a:ext uri="{909E8E84-426E-40DD-AFC4-6F175D3DCCD1}">
                 <a14:hiddenFill xmlns:a14="http://schemas.microsoft.com/office/drawing/2010/main">
                   <a:solidFill>
                     <a:schemeClr val="accent1"/>
                   </a:solidFill>
                 </a14:hiddenFill>
               </a:ext>
-              <a:ext uri="{91240B29-F687-4f45-9708-019B960494DF}">
+              <a:ext uri="{91240B29-F687-4F45-9708-019B960494DF}">
                 <a14:hiddenLine xmlns:a14="http://schemas.microsoft.com/office/drawing/2010/main" w="9525">
                   <a:solidFill>
                     <a:schemeClr val="tx1"/>
@@ -15673,7 +20290,7 @@
   <p:timing>
     <p:tnLst>
       <p:par>
-        <p:cTn xmlns:p14="http://schemas.microsoft.com/office/powerpoint/2010/main" id="1" dur="indefinite" restart="never" nodeType="tmRoot">
+        <p:cTn id="1" dur="indefinite" restart="never" nodeType="tmRoot">
           <p:childTnLst>
             <p:seq concurrent="1" nextAc="seek">
               <p:cTn id="2" dur="indefinite" nodeType="mainSeq">
@@ -15748,7 +20365,7 @@
 </p:sld>
 </file>
 
-<file path=ppt/slides/slide48.xml><?xml version="1.0" encoding="utf-8"?>
+<file path=ppt/slides/slide63.xml><?xml version="1.0" encoding="utf-8"?>
 <p:sld xmlns:a="http://schemas.openxmlformats.org/drawingml/2006/main" xmlns:r="http://schemas.openxmlformats.org/officeDocument/2006/relationships" xmlns:p="http://schemas.openxmlformats.org/presentationml/2006/main">
   <p:cSld>
     <p:spTree>
@@ -15808,14 +20425,14 @@
   <p:timing>
     <p:tnLst>
       <p:par>
-        <p:cTn xmlns:p14="http://schemas.microsoft.com/office/powerpoint/2010/main" id="1" dur="indefinite" restart="never" nodeType="tmRoot"/>
+        <p:cTn id="1" dur="indefinite" restart="never" nodeType="tmRoot"/>
       </p:par>
     </p:tnLst>
   </p:timing>
 </p:sld>
 </file>
 
-<file path=ppt/slides/slide49.xml><?xml version="1.0" encoding="utf-8"?>
+<file path=ppt/slides/slide64.xml><?xml version="1.0" encoding="utf-8"?>
 <p:sld xmlns:a="http://schemas.openxmlformats.org/drawingml/2006/main" xmlns:r="http://schemas.openxmlformats.org/officeDocument/2006/relationships" xmlns:p="http://schemas.openxmlformats.org/presentationml/2006/main">
   <p:cSld>
     <p:spTree>
@@ -15910,14 +20527,14 @@
               <a:noFill/>
             </a:ln>
             <a:extLst>
-              <a:ext uri="{909E8E84-426E-40dd-AFC4-6F175D3DCCD1}">
+              <a:ext uri="{909E8E84-426E-40DD-AFC4-6F175D3DCCD1}">
                 <a14:hiddenFill xmlns:a14="http://schemas.microsoft.com/office/drawing/2010/main">
                   <a:solidFill>
                     <a:schemeClr val="accent1"/>
                   </a:solidFill>
                 </a14:hiddenFill>
               </a:ext>
-              <a:ext uri="{91240B29-F687-4f45-9708-019B960494DF}">
+              <a:ext uri="{91240B29-F687-4F45-9708-019B960494DF}">
                 <a14:hiddenLine xmlns:a14="http://schemas.microsoft.com/office/drawing/2010/main" w="9525">
                   <a:solidFill>
                     <a:schemeClr val="tx1"/>
@@ -15962,7 +20579,7 @@
           </a:prstGeom>
           <a:noFill/>
           <a:extLst>
-            <a:ext uri="{909E8E84-426E-40dd-AFC4-6F175D3DCCD1}">
+            <a:ext uri="{909E8E84-426E-40DD-AFC4-6F175D3DCCD1}">
               <a14:hiddenFill xmlns:a14="http://schemas.microsoft.com/office/drawing/2010/main">
                 <a:solidFill>
                   <a:srgbClr val="FFFFFF"/>
@@ -16003,7 +20620,7 @@
           </a:prstGeom>
           <a:noFill/>
           <a:extLst>
-            <a:ext uri="{909E8E84-426E-40dd-AFC4-6F175D3DCCD1}">
+            <a:ext uri="{909E8E84-426E-40DD-AFC4-6F175D3DCCD1}">
               <a14:hiddenFill xmlns:a14="http://schemas.microsoft.com/office/drawing/2010/main">
                 <a:solidFill>
                   <a:srgbClr val="FFFFFF"/>
@@ -16044,7 +20661,7 @@
           </a:prstGeom>
           <a:noFill/>
           <a:extLst>
-            <a:ext uri="{909E8E84-426E-40dd-AFC4-6F175D3DCCD1}">
+            <a:ext uri="{909E8E84-426E-40DD-AFC4-6F175D3DCCD1}">
               <a14:hiddenFill xmlns:a14="http://schemas.microsoft.com/office/drawing/2010/main">
                 <a:solidFill>
                   <a:srgbClr val="FFFFFF"/>
@@ -16067,111 +20684,14 @@
   <p:timing>
     <p:tnLst>
       <p:par>
-        <p:cTn xmlns:p14="http://schemas.microsoft.com/office/powerpoint/2010/main" id="1" dur="indefinite" restart="never" nodeType="tmRoot"/>
+        <p:cTn id="1" dur="indefinite" restart="never" nodeType="tmRoot"/>
       </p:par>
     </p:tnLst>
   </p:timing>
 </p:sld>
 </file>
 
-<file path=ppt/slides/slide5.xml><?xml version="1.0" encoding="utf-8"?>
-<p:sld xmlns:a="http://schemas.openxmlformats.org/drawingml/2006/main" xmlns:r="http://schemas.openxmlformats.org/officeDocument/2006/relationships" xmlns:p="http://schemas.openxmlformats.org/presentationml/2006/main">
-  <p:cSld>
-    <p:spTree>
-      <p:nvGrpSpPr>
-        <p:cNvPr id="1" name=""/>
-        <p:cNvGrpSpPr/>
-        <p:nvPr/>
-      </p:nvGrpSpPr>
-      <p:grpSpPr>
-        <a:xfrm>
-          <a:off x="0" y="0"/>
-          <a:ext cx="0" cy="0"/>
-          <a:chOff x="0" y="0"/>
-          <a:chExt cx="0" cy="0"/>
-        </a:xfrm>
-      </p:grpSpPr>
-      <p:sp>
-        <p:nvSpPr>
-          <p:cNvPr id="2" name="Title 1"/>
-          <p:cNvSpPr>
-            <a:spLocks noGrp="1"/>
-          </p:cNvSpPr>
-          <p:nvPr>
-            <p:ph type="title"/>
-          </p:nvPr>
-        </p:nvSpPr>
-        <p:spPr/>
-        <p:txBody>
-          <a:bodyPr/>
-          <a:lstStyle/>
-          <a:p>
-            <a:r>
-              <a:rPr lang="en-US" dirty="0" smtClean="0"/>
-              <a:t>Kernel density estimation</a:t>
-            </a:r>
-            <a:endParaRPr lang="en-US" dirty="0"/>
-          </a:p>
-        </p:txBody>
-      </p:sp>
-      <p:sp>
-        <p:nvSpPr>
-          <p:cNvPr id="3" name="Content Placeholder 2"/>
-          <p:cNvSpPr>
-            <a:spLocks noGrp="1"/>
-          </p:cNvSpPr>
-          <p:nvPr>
-            <p:ph idx="1"/>
-          </p:nvPr>
-        </p:nvSpPr>
-        <p:spPr/>
-        <p:txBody>
-          <a:bodyPr/>
-          <a:lstStyle/>
-          <a:p>
-            <a:r>
-              <a:rPr lang="en-US" dirty="0" smtClean="0"/>
-              <a:t>Standard normal was used as the kernel</a:t>
-            </a:r>
-          </a:p>
-          <a:p>
-            <a:r>
-              <a:rPr lang="en-US" dirty="0" smtClean="0"/>
-              <a:t>Function formula</a:t>
-            </a:r>
-          </a:p>
-          <a:p>
-            <a:endParaRPr lang="en-US" dirty="0"/>
-          </a:p>
-          <a:p>
-            <a:endParaRPr lang="en-US" dirty="0" smtClean="0"/>
-          </a:p>
-          <a:p>
-            <a:endParaRPr lang="en-US" dirty="0"/>
-          </a:p>
-          <a:p>
-            <a:r>
-              <a:rPr lang="en-US" dirty="0" smtClean="0"/>
-              <a:t>Getting the estimated probability density function for unknown random variable</a:t>
-            </a:r>
-            <a:endParaRPr lang="en-US" dirty="0"/>
-          </a:p>
-        </p:txBody>
-      </p:sp>
-    </p:spTree>
-    <p:extLst>
-      <p:ext uri="{BB962C8B-B14F-4D97-AF65-F5344CB8AC3E}">
-        <p14:creationId xmlns:p14="http://schemas.microsoft.com/office/powerpoint/2010/main" val="3634015092"/>
-      </p:ext>
-    </p:extLst>
-  </p:cSld>
-  <p:clrMapOvr>
-    <a:masterClrMapping/>
-  </p:clrMapOvr>
-</p:sld>
-</file>
-
-<file path=ppt/slides/slide50.xml><?xml version="1.0" encoding="utf-8"?>
+<file path=ppt/slides/slide65.xml><?xml version="1.0" encoding="utf-8"?>
 <p:sld xmlns:a="http://schemas.openxmlformats.org/drawingml/2006/main" xmlns:r="http://schemas.openxmlformats.org/officeDocument/2006/relationships" xmlns:p="http://schemas.openxmlformats.org/presentationml/2006/main">
   <p:cSld>
     <p:spTree>
@@ -16723,14 +21243,14 @@
                 <a:noFill/>
               </a:ln>
               <a:extLst>
-                <a:ext uri="{909E8E84-426E-40dd-AFC4-6F175D3DCCD1}">
+                <a:ext uri="{909E8E84-426E-40DD-AFC4-6F175D3DCCD1}">
                   <a14:hiddenFill xmlns:a14="http://schemas.microsoft.com/office/drawing/2010/main">
                     <a:solidFill>
                       <a:schemeClr val="accent1"/>
                     </a:solidFill>
                   </a14:hiddenFill>
                 </a:ext>
-                <a:ext uri="{91240B29-F687-4f45-9708-019B960494DF}">
+                <a:ext uri="{91240B29-F687-4F45-9708-019B960494DF}">
                   <a14:hiddenLine xmlns:a14="http://schemas.microsoft.com/office/drawing/2010/main" w="9525">
                     <a:solidFill>
                       <a:schemeClr val="tx1"/>
@@ -16905,14 +21425,14 @@
   <p:timing>
     <p:tnLst>
       <p:par>
-        <p:cTn xmlns:p14="http://schemas.microsoft.com/office/powerpoint/2010/main" id="1" dur="indefinite" restart="never" nodeType="tmRoot"/>
+        <p:cTn id="1" dur="indefinite" restart="never" nodeType="tmRoot"/>
       </p:par>
     </p:tnLst>
   </p:timing>
 </p:sld>
 </file>
 
-<file path=ppt/slides/slide51.xml><?xml version="1.0" encoding="utf-8"?>
+<file path=ppt/slides/slide66.xml><?xml version="1.0" encoding="utf-8"?>
 <p:sld xmlns:a="http://schemas.openxmlformats.org/drawingml/2006/main" xmlns:r="http://schemas.openxmlformats.org/officeDocument/2006/relationships" xmlns:p="http://schemas.openxmlformats.org/presentationml/2006/main">
   <p:cSld>
     <p:spTree>
@@ -16987,207 +21507,6 @@
   <p:clrMapOvr>
     <a:masterClrMapping/>
   </p:clrMapOvr>
-</p:sld>
-</file>
-
-<file path=ppt/slides/slide6.xml><?xml version="1.0" encoding="utf-8"?>
-<p:sld xmlns:a="http://schemas.openxmlformats.org/drawingml/2006/main" xmlns:r="http://schemas.openxmlformats.org/officeDocument/2006/relationships" xmlns:p="http://schemas.openxmlformats.org/presentationml/2006/main">
-  <p:cSld>
-    <p:spTree>
-      <p:nvGrpSpPr>
-        <p:cNvPr id="1" name=""/>
-        <p:cNvGrpSpPr/>
-        <p:nvPr/>
-      </p:nvGrpSpPr>
-      <p:grpSpPr>
-        <a:xfrm>
-          <a:off x="0" y="0"/>
-          <a:ext cx="0" cy="0"/>
-          <a:chOff x="0" y="0"/>
-          <a:chExt cx="0" cy="0"/>
-        </a:xfrm>
-      </p:grpSpPr>
-      <p:pic>
-        <p:nvPicPr>
-          <p:cNvPr id="1026" name="Picture 2" descr="X:\myGit\mixturemodel\workingDir\sample_128110.jpeg"/>
-          <p:cNvPicPr>
-            <a:picLocks noChangeAspect="1" noChangeArrowheads="1"/>
-          </p:cNvPicPr>
-          <p:nvPr/>
-        </p:nvPicPr>
-        <p:blipFill>
-          <a:blip r:embed="rId2">
-            <a:extLst>
-              <a:ext uri="{28A0092B-C50C-407E-A947-70E740481C1C}">
-                <a14:useLocalDpi xmlns:a14="http://schemas.microsoft.com/office/drawing/2010/main" val="0"/>
-              </a:ext>
-            </a:extLst>
-          </a:blip>
-          <a:srcRect/>
-          <a:stretch>
-            <a:fillRect/>
-          </a:stretch>
-        </p:blipFill>
-        <p:spPr bwMode="auto">
-          <a:xfrm>
-            <a:off x="516082" y="6926"/>
-            <a:ext cx="3352801" cy="3352801"/>
-          </a:xfrm>
-          <a:prstGeom prst="rect">
-            <a:avLst/>
-          </a:prstGeom>
-          <a:noFill/>
-          <a:extLst>
-            <a:ext uri="{909E8E84-426E-40dd-AFC4-6F175D3DCCD1}">
-              <a14:hiddenFill xmlns:a14="http://schemas.microsoft.com/office/drawing/2010/main">
-                <a:solidFill>
-                  <a:srgbClr val="FFFFFF"/>
-                </a:solidFill>
-              </a14:hiddenFill>
-            </a:ext>
-          </a:extLst>
-        </p:spPr>
-      </p:pic>
-      <p:pic>
-        <p:nvPicPr>
-          <p:cNvPr id="1027" name="Picture 3" descr="X:\myGit\mixturemodel\workingDir\sample_128120.jpeg"/>
-          <p:cNvPicPr>
-            <a:picLocks noChangeAspect="1" noChangeArrowheads="1"/>
-          </p:cNvPicPr>
-          <p:nvPr/>
-        </p:nvPicPr>
-        <p:blipFill>
-          <a:blip r:embed="rId3">
-            <a:extLst>
-              <a:ext uri="{28A0092B-C50C-407E-A947-70E740481C1C}">
-                <a14:useLocalDpi xmlns:a14="http://schemas.microsoft.com/office/drawing/2010/main" val="0"/>
-              </a:ext>
-            </a:extLst>
-          </a:blip>
-          <a:srcRect/>
-          <a:stretch>
-            <a:fillRect/>
-          </a:stretch>
-        </p:blipFill>
-        <p:spPr bwMode="auto">
-          <a:xfrm>
-            <a:off x="4946072" y="48488"/>
-            <a:ext cx="3449638" cy="3449638"/>
-          </a:xfrm>
-          <a:prstGeom prst="rect">
-            <a:avLst/>
-          </a:prstGeom>
-          <a:noFill/>
-          <a:extLst>
-            <a:ext uri="{909E8E84-426E-40dd-AFC4-6F175D3DCCD1}">
-              <a14:hiddenFill xmlns:a14="http://schemas.microsoft.com/office/drawing/2010/main">
-                <a:solidFill>
-                  <a:srgbClr val="FFFFFF"/>
-                </a:solidFill>
-              </a14:hiddenFill>
-            </a:ext>
-          </a:extLst>
-        </p:spPr>
-      </p:pic>
-      <p:pic>
-        <p:nvPicPr>
-          <p:cNvPr id="1028" name="Picture 4" descr="X:\myGit\mixturemodel\workingDir\sample_128124.jpeg"/>
-          <p:cNvPicPr>
-            <a:picLocks noChangeAspect="1" noChangeArrowheads="1"/>
-          </p:cNvPicPr>
-          <p:nvPr/>
-        </p:nvPicPr>
-        <p:blipFill>
-          <a:blip r:embed="rId4">
-            <a:extLst>
-              <a:ext uri="{28A0092B-C50C-407E-A947-70E740481C1C}">
-                <a14:useLocalDpi xmlns:a14="http://schemas.microsoft.com/office/drawing/2010/main" val="0"/>
-              </a:ext>
-            </a:extLst>
-          </a:blip>
-          <a:srcRect/>
-          <a:stretch>
-            <a:fillRect/>
-          </a:stretch>
-        </p:blipFill>
-        <p:spPr bwMode="auto">
-          <a:xfrm>
-            <a:off x="474518" y="3352800"/>
-            <a:ext cx="3429000" cy="3429000"/>
-          </a:xfrm>
-          <a:prstGeom prst="rect">
-            <a:avLst/>
-          </a:prstGeom>
-          <a:noFill/>
-          <a:extLst>
-            <a:ext uri="{909E8E84-426E-40dd-AFC4-6F175D3DCCD1}">
-              <a14:hiddenFill xmlns:a14="http://schemas.microsoft.com/office/drawing/2010/main">
-                <a:solidFill>
-                  <a:srgbClr val="FFFFFF"/>
-                </a:solidFill>
-              </a14:hiddenFill>
-            </a:ext>
-          </a:extLst>
-        </p:spPr>
-      </p:pic>
-      <p:pic>
-        <p:nvPicPr>
-          <p:cNvPr id="1029" name="Picture 5" descr="X:\myGit\mixturemodel\workingDir\sample_128141.jpeg"/>
-          <p:cNvPicPr>
-            <a:picLocks noChangeAspect="1" noChangeArrowheads="1"/>
-          </p:cNvPicPr>
-          <p:nvPr/>
-        </p:nvPicPr>
-        <p:blipFill>
-          <a:blip r:embed="rId5">
-            <a:extLst>
-              <a:ext uri="{28A0092B-C50C-407E-A947-70E740481C1C}">
-                <a14:useLocalDpi xmlns:a14="http://schemas.microsoft.com/office/drawing/2010/main" val="0"/>
-              </a:ext>
-            </a:extLst>
-          </a:blip>
-          <a:srcRect/>
-          <a:stretch>
-            <a:fillRect/>
-          </a:stretch>
-        </p:blipFill>
-        <p:spPr bwMode="auto">
-          <a:xfrm>
-            <a:off x="4987636" y="3470780"/>
-            <a:ext cx="3390902" cy="3390902"/>
-          </a:xfrm>
-          <a:prstGeom prst="rect">
-            <a:avLst/>
-          </a:prstGeom>
-          <a:noFill/>
-          <a:extLst>
-            <a:ext uri="{909E8E84-426E-40dd-AFC4-6F175D3DCCD1}">
-              <a14:hiddenFill xmlns:a14="http://schemas.microsoft.com/office/drawing/2010/main">
-                <a:solidFill>
-                  <a:srgbClr val="FFFFFF"/>
-                </a:solidFill>
-              </a14:hiddenFill>
-            </a:ext>
-          </a:extLst>
-        </p:spPr>
-      </p:pic>
-    </p:spTree>
-    <p:extLst>
-      <p:ext uri="{BB962C8B-B14F-4D97-AF65-F5344CB8AC3E}">
-        <p14:creationId xmlns:p14="http://schemas.microsoft.com/office/powerpoint/2010/main" val="3928901197"/>
-      </p:ext>
-    </p:extLst>
-  </p:cSld>
-  <p:clrMapOvr>
-    <a:masterClrMapping/>
-  </p:clrMapOvr>
-  <p:timing>
-    <p:tnLst>
-      <p:par>
-        <p:cTn xmlns:p14="http://schemas.microsoft.com/office/powerpoint/2010/main" id="1" dur="indefinite" restart="never" nodeType="tmRoot"/>
-      </p:par>
-    </p:tnLst>
-  </p:timing>
 </p:sld>
 </file>
 
@@ -17239,7 +21558,7 @@
           </a:prstGeom>
           <a:noFill/>
           <a:extLst>
-            <a:ext uri="{909E8E84-426E-40dd-AFC4-6F175D3DCCD1}">
+            <a:ext uri="{909E8E84-426E-40DD-AFC4-6F175D3DCCD1}">
               <a14:hiddenFill xmlns:a14="http://schemas.microsoft.com/office/drawing/2010/main">
                 <a:solidFill>
                   <a:srgbClr val="FFFFFF"/>
@@ -17280,7 +21599,7 @@
           </a:prstGeom>
           <a:noFill/>
           <a:extLst>
-            <a:ext uri="{909E8E84-426E-40dd-AFC4-6F175D3DCCD1}">
+            <a:ext uri="{909E8E84-426E-40DD-AFC4-6F175D3DCCD1}">
               <a14:hiddenFill xmlns:a14="http://schemas.microsoft.com/office/drawing/2010/main">
                 <a:solidFill>
                   <a:srgbClr val="FFFFFF"/>
@@ -17321,7 +21640,7 @@
           </a:prstGeom>
           <a:noFill/>
           <a:extLst>
-            <a:ext uri="{909E8E84-426E-40dd-AFC4-6F175D3DCCD1}">
+            <a:ext uri="{909E8E84-426E-40DD-AFC4-6F175D3DCCD1}">
               <a14:hiddenFill xmlns:a14="http://schemas.microsoft.com/office/drawing/2010/main">
                 <a:solidFill>
                   <a:srgbClr val="FFFFFF"/>
@@ -17362,7 +21681,7 @@
           </a:prstGeom>
           <a:noFill/>
           <a:extLst>
-            <a:ext uri="{909E8E84-426E-40dd-AFC4-6F175D3DCCD1}">
+            <a:ext uri="{909E8E84-426E-40DD-AFC4-6F175D3DCCD1}">
               <a14:hiddenFill xmlns:a14="http://schemas.microsoft.com/office/drawing/2010/main">
                 <a:solidFill>
                   <a:srgbClr val="FFFFFF"/>
@@ -17385,7 +21704,7 @@
   <p:timing>
     <p:tnLst>
       <p:par>
-        <p:cTn xmlns:p14="http://schemas.microsoft.com/office/powerpoint/2010/main" id="1" dur="indefinite" restart="never" nodeType="tmRoot"/>
+        <p:cTn id="1" dur="indefinite" restart="never" nodeType="tmRoot"/>
       </p:par>
     </p:tnLst>
   </p:timing>
@@ -17440,7 +21759,7 @@
           </a:prstGeom>
           <a:noFill/>
           <a:extLst>
-            <a:ext uri="{909E8E84-426E-40dd-AFC4-6F175D3DCCD1}">
+            <a:ext uri="{909E8E84-426E-40DD-AFC4-6F175D3DCCD1}">
               <a14:hiddenFill xmlns:a14="http://schemas.microsoft.com/office/drawing/2010/main">
                 <a:solidFill>
                   <a:srgbClr val="FFFFFF"/>
@@ -17481,7 +21800,7 @@
           </a:prstGeom>
           <a:noFill/>
           <a:extLst>
-            <a:ext uri="{909E8E84-426E-40dd-AFC4-6F175D3DCCD1}">
+            <a:ext uri="{909E8E84-426E-40DD-AFC4-6F175D3DCCD1}">
               <a14:hiddenFill xmlns:a14="http://schemas.microsoft.com/office/drawing/2010/main">
                 <a:solidFill>
                   <a:srgbClr val="FFFFFF"/>
@@ -17522,7 +21841,7 @@
           </a:prstGeom>
           <a:noFill/>
           <a:extLst>
-            <a:ext uri="{909E8E84-426E-40dd-AFC4-6F175D3DCCD1}">
+            <a:ext uri="{909E8E84-426E-40DD-AFC4-6F175D3DCCD1}">
               <a14:hiddenFill xmlns:a14="http://schemas.microsoft.com/office/drawing/2010/main">
                 <a:solidFill>
                   <a:srgbClr val="FFFFFF"/>
@@ -17563,7 +21882,7 @@
           </a:prstGeom>
           <a:noFill/>
           <a:extLst>
-            <a:ext uri="{909E8E84-426E-40dd-AFC4-6F175D3DCCD1}">
+            <a:ext uri="{909E8E84-426E-40DD-AFC4-6F175D3DCCD1}">
               <a14:hiddenFill xmlns:a14="http://schemas.microsoft.com/office/drawing/2010/main">
                 <a:solidFill>
                   <a:srgbClr val="FFFFFF"/>
@@ -17586,7 +21905,7 @@
   <p:timing>
     <p:tnLst>
       <p:par>
-        <p:cTn xmlns:p14="http://schemas.microsoft.com/office/powerpoint/2010/main" id="1" dur="indefinite" restart="never" nodeType="tmRoot"/>
+        <p:cTn id="1" dur="indefinite" restart="never" nodeType="tmRoot"/>
       </p:par>
     </p:tnLst>
   </p:timing>
@@ -17686,10 +22005,9 @@
           <a:lstStyle/>
           <a:p>
             <a:r>
-              <a:rPr lang="en-US" dirty="0" smtClean="0"/>
-              <a:t>Mixture of five group data</a:t>
-            </a:r>
-            <a:endParaRPr lang="en-US" dirty="0"/>
+              <a:rPr lang="en-US" dirty="0"/>
+              <a:t>A well fit mixture of distributions</a:t>
+            </a:r>
           </a:p>
         </p:txBody>
       </p:sp>
@@ -17706,7 +22024,7 @@
   <p:timing>
     <p:tnLst>
       <p:par>
-        <p:cTn xmlns:p14="http://schemas.microsoft.com/office/powerpoint/2010/main" id="1" dur="indefinite" restart="never" nodeType="tmRoot"/>
+        <p:cTn id="1" dur="indefinite" restart="never" nodeType="tmRoot"/>
       </p:par>
     </p:tnLst>
   </p:timing>
